--- a/ppt/5gakaPpt.pptx
+++ b/ppt/5gakaPpt.pptx
@@ -3,25 +3,26 @@
 <p:presentation xmlns:a="http://schemas.openxmlformats.org/drawingml/2006/main" xmlns:p="http://schemas.openxmlformats.org/presentationml/2006/main" xmlns:r="http://schemas.openxmlformats.org/officeDocument/2006/relationships" xmlns:p14="http://schemas.microsoft.com/office/powerpoint/2010/main" xmlns:p15="http://schemas.microsoft.com/office/powerpoint/2012/main" xmlns:mc="http://schemas.openxmlformats.org/markup-compatibility/2006">
   <p:sldMasterIdLst>
     <p:sldMasterId id="2147483648" r:id="rId2"/>
+    <p:sldMasterId id="2147483661" r:id="rId3"/>
   </p:sldMasterIdLst>
   <p:sldIdLst>
-    <p:sldId id="256" r:id="rId3"/>
-    <p:sldId id="257" r:id="rId4"/>
-    <p:sldId id="258" r:id="rId5"/>
-    <p:sldId id="259" r:id="rId6"/>
-    <p:sldId id="260" r:id="rId7"/>
-    <p:sldId id="261" r:id="rId8"/>
-    <p:sldId id="262" r:id="rId9"/>
-    <p:sldId id="263" r:id="rId10"/>
-    <p:sldId id="264" r:id="rId11"/>
-    <p:sldId id="265" r:id="rId12"/>
-    <p:sldId id="266" r:id="rId13"/>
-    <p:sldId id="267" r:id="rId14"/>
-    <p:sldId id="268" r:id="rId15"/>
-    <p:sldId id="269" r:id="rId16"/>
+    <p:sldId id="256" r:id="rId4"/>
+    <p:sldId id="257" r:id="rId5"/>
+    <p:sldId id="258" r:id="rId6"/>
+    <p:sldId id="259" r:id="rId7"/>
+    <p:sldId id="260" r:id="rId8"/>
+    <p:sldId id="261" r:id="rId9"/>
+    <p:sldId id="262" r:id="rId10"/>
+    <p:sldId id="263" r:id="rId11"/>
+    <p:sldId id="264" r:id="rId12"/>
+    <p:sldId id="265" r:id="rId13"/>
+    <p:sldId id="266" r:id="rId14"/>
+    <p:sldId id="267" r:id="rId15"/>
+    <p:sldId id="268" r:id="rId16"/>
+    <p:sldId id="269" r:id="rId17"/>
   </p:sldIdLst>
   <p:sldSz cx="9144000" cy="6858000"/>
-  <p:notesSz cx="6858000" cy="9144000"/>
+  <p:notesSz cx="7772400" cy="10058400"/>
 </p:presentation>
 </file>
 
@@ -66,7 +67,7 @@
       </p:grpSpPr>
       <p:sp>
         <p:nvSpPr>
-          <p:cNvPr id="26" name="PlaceHolder 1"/>
+          <p:cNvPr id="23" name="PlaceHolder 1"/>
           <p:cNvSpPr>
             <a:spLocks noGrp="1"/>
           </p:cNvSpPr>
@@ -77,28 +78,25 @@
         <p:spPr>
           <a:xfrm>
             <a:off x="457200" y="274320"/>
-            <a:ext cx="8229600" cy="1143000"/>
-          </a:xfrm>
-          <a:prstGeom prst="rect">
-            <a:avLst/>
-          </a:prstGeom>
-        </p:spPr>
-        <p:txBody>
-          <a:bodyPr lIns="90000" rIns="90000" tIns="46800" bIns="46800" anchor="ctr"/>
+            <a:ext cx="8229240" cy="1142640"/>
+          </a:xfrm>
+          <a:prstGeom prst="rect">
+            <a:avLst/>
+          </a:prstGeom>
+        </p:spPr>
+        <p:txBody>
+          <a:bodyPr lIns="0" rIns="0" tIns="0" bIns="0" anchor="ctr"/>
           <a:p>
             <a:pPr algn="ctr"/>
             <a:endParaRPr b="0" lang="en-US" sz="4400" spc="-1" strike="noStrike">
-              <a:solidFill>
-                <a:srgbClr val="000000"/>
-              </a:solidFill>
-              <a:latin typeface="Arial"/>
-            </a:endParaRPr>
-          </a:p>
-        </p:txBody>
-      </p:sp>
-      <p:sp>
-        <p:nvSpPr>
-          <p:cNvPr id="27" name="PlaceHolder 2"/>
+              <a:latin typeface="Arial"/>
+            </a:endParaRPr>
+          </a:p>
+        </p:txBody>
+      </p:sp>
+      <p:sp>
+        <p:nvSpPr>
+          <p:cNvPr id="24" name="PlaceHolder 2"/>
           <p:cNvSpPr>
             <a:spLocks noGrp="1"/>
           </p:cNvSpPr>
@@ -109,29 +107,26 @@
         <p:spPr>
           <a:xfrm>
             <a:off x="457200" y="1600200"/>
-            <a:ext cx="8229600" cy="2158560"/>
-          </a:xfrm>
-          <a:prstGeom prst="rect">
-            <a:avLst/>
-          </a:prstGeom>
-        </p:spPr>
-        <p:txBody>
-          <a:bodyPr lIns="90000" rIns="90000" tIns="46800" bIns="46800">
+            <a:ext cx="8229240" cy="2158560"/>
+          </a:xfrm>
+          <a:prstGeom prst="rect">
+            <a:avLst/>
+          </a:prstGeom>
+        </p:spPr>
+        <p:txBody>
+          <a:bodyPr lIns="0" rIns="0" tIns="0" bIns="0">
             <a:normAutofit/>
           </a:bodyPr>
           <a:p>
             <a:endParaRPr b="0" lang="en-US" sz="3200" spc="-1" strike="noStrike">
-              <a:solidFill>
-                <a:srgbClr val="000000"/>
-              </a:solidFill>
-              <a:latin typeface="Arial"/>
-            </a:endParaRPr>
-          </a:p>
-        </p:txBody>
-      </p:sp>
-      <p:sp>
-        <p:nvSpPr>
-          <p:cNvPr id="28" name="PlaceHolder 3"/>
+              <a:latin typeface="Arial"/>
+            </a:endParaRPr>
+          </a:p>
+        </p:txBody>
+      </p:sp>
+      <p:sp>
+        <p:nvSpPr>
+          <p:cNvPr id="25" name="PlaceHolder 3"/>
           <p:cNvSpPr>
             <a:spLocks noGrp="1"/>
           </p:cNvSpPr>
@@ -142,21 +137,18 @@
         <p:spPr>
           <a:xfrm>
             <a:off x="457200" y="3964320"/>
-            <a:ext cx="8229600" cy="2158560"/>
-          </a:xfrm>
-          <a:prstGeom prst="rect">
-            <a:avLst/>
-          </a:prstGeom>
-        </p:spPr>
-        <p:txBody>
-          <a:bodyPr lIns="90000" rIns="90000" tIns="46800" bIns="46800">
+            <a:ext cx="8229240" cy="2158560"/>
+          </a:xfrm>
+          <a:prstGeom prst="rect">
+            <a:avLst/>
+          </a:prstGeom>
+        </p:spPr>
+        <p:txBody>
+          <a:bodyPr lIns="0" rIns="0" tIns="0" bIns="0">
             <a:normAutofit/>
           </a:bodyPr>
           <a:p>
             <a:endParaRPr b="0" lang="en-US" sz="3200" spc="-1" strike="noStrike">
-              <a:solidFill>
-                <a:srgbClr val="000000"/>
-              </a:solidFill>
               <a:latin typeface="Arial"/>
             </a:endParaRPr>
           </a:p>
@@ -186,7 +178,7 @@
       </p:grpSpPr>
       <p:sp>
         <p:nvSpPr>
-          <p:cNvPr id="29" name="PlaceHolder 1"/>
+          <p:cNvPr id="26" name="PlaceHolder 1"/>
           <p:cNvSpPr>
             <a:spLocks noGrp="1"/>
           </p:cNvSpPr>
@@ -197,28 +189,25 @@
         <p:spPr>
           <a:xfrm>
             <a:off x="457200" y="274320"/>
-            <a:ext cx="8229600" cy="1143000"/>
-          </a:xfrm>
-          <a:prstGeom prst="rect">
-            <a:avLst/>
-          </a:prstGeom>
-        </p:spPr>
-        <p:txBody>
-          <a:bodyPr lIns="90000" rIns="90000" tIns="46800" bIns="46800" anchor="ctr"/>
+            <a:ext cx="8229240" cy="1142640"/>
+          </a:xfrm>
+          <a:prstGeom prst="rect">
+            <a:avLst/>
+          </a:prstGeom>
+        </p:spPr>
+        <p:txBody>
+          <a:bodyPr lIns="0" rIns="0" tIns="0" bIns="0" anchor="ctr"/>
           <a:p>
             <a:pPr algn="ctr"/>
             <a:endParaRPr b="0" lang="en-US" sz="4400" spc="-1" strike="noStrike">
-              <a:solidFill>
-                <a:srgbClr val="000000"/>
-              </a:solidFill>
-              <a:latin typeface="Arial"/>
-            </a:endParaRPr>
-          </a:p>
-        </p:txBody>
-      </p:sp>
-      <p:sp>
-        <p:nvSpPr>
-          <p:cNvPr id="30" name="PlaceHolder 2"/>
+              <a:latin typeface="Arial"/>
+            </a:endParaRPr>
+          </a:p>
+        </p:txBody>
+      </p:sp>
+      <p:sp>
+        <p:nvSpPr>
+          <p:cNvPr id="27" name="PlaceHolder 2"/>
           <p:cNvSpPr>
             <a:spLocks noGrp="1"/>
           </p:cNvSpPr>
@@ -236,22 +225,19 @@
           </a:prstGeom>
         </p:spPr>
         <p:txBody>
-          <a:bodyPr lIns="90000" rIns="90000" tIns="46800" bIns="46800">
+          <a:bodyPr lIns="0" rIns="0" tIns="0" bIns="0">
             <a:normAutofit/>
           </a:bodyPr>
           <a:p>
             <a:endParaRPr b="0" lang="en-US" sz="3200" spc="-1" strike="noStrike">
-              <a:solidFill>
-                <a:srgbClr val="000000"/>
-              </a:solidFill>
-              <a:latin typeface="Arial"/>
-            </a:endParaRPr>
-          </a:p>
-        </p:txBody>
-      </p:sp>
-      <p:sp>
-        <p:nvSpPr>
-          <p:cNvPr id="31" name="PlaceHolder 3"/>
+              <a:latin typeface="Arial"/>
+            </a:endParaRPr>
+          </a:p>
+        </p:txBody>
+      </p:sp>
+      <p:sp>
+        <p:nvSpPr>
+          <p:cNvPr id="28" name="PlaceHolder 3"/>
           <p:cNvSpPr>
             <a:spLocks noGrp="1"/>
           </p:cNvSpPr>
@@ -269,22 +255,19 @@
           </a:prstGeom>
         </p:spPr>
         <p:txBody>
-          <a:bodyPr lIns="90000" rIns="90000" tIns="46800" bIns="46800">
+          <a:bodyPr lIns="0" rIns="0" tIns="0" bIns="0">
             <a:normAutofit/>
           </a:bodyPr>
           <a:p>
             <a:endParaRPr b="0" lang="en-US" sz="3200" spc="-1" strike="noStrike">
-              <a:solidFill>
-                <a:srgbClr val="000000"/>
-              </a:solidFill>
-              <a:latin typeface="Arial"/>
-            </a:endParaRPr>
-          </a:p>
-        </p:txBody>
-      </p:sp>
-      <p:sp>
-        <p:nvSpPr>
-          <p:cNvPr id="32" name="PlaceHolder 4"/>
+              <a:latin typeface="Arial"/>
+            </a:endParaRPr>
+          </a:p>
+        </p:txBody>
+      </p:sp>
+      <p:sp>
+        <p:nvSpPr>
+          <p:cNvPr id="29" name="PlaceHolder 4"/>
           <p:cNvSpPr>
             <a:spLocks noGrp="1"/>
           </p:cNvSpPr>
@@ -302,22 +285,19 @@
           </a:prstGeom>
         </p:spPr>
         <p:txBody>
-          <a:bodyPr lIns="90000" rIns="90000" tIns="46800" bIns="46800">
+          <a:bodyPr lIns="0" rIns="0" tIns="0" bIns="0">
             <a:normAutofit/>
           </a:bodyPr>
           <a:p>
             <a:endParaRPr b="0" lang="en-US" sz="3200" spc="-1" strike="noStrike">
-              <a:solidFill>
-                <a:srgbClr val="000000"/>
-              </a:solidFill>
-              <a:latin typeface="Arial"/>
-            </a:endParaRPr>
-          </a:p>
-        </p:txBody>
-      </p:sp>
-      <p:sp>
-        <p:nvSpPr>
-          <p:cNvPr id="33" name="PlaceHolder 5"/>
+              <a:latin typeface="Arial"/>
+            </a:endParaRPr>
+          </a:p>
+        </p:txBody>
+      </p:sp>
+      <p:sp>
+        <p:nvSpPr>
+          <p:cNvPr id="30" name="PlaceHolder 5"/>
           <p:cNvSpPr>
             <a:spLocks noGrp="1"/>
           </p:cNvSpPr>
@@ -335,14 +315,11 @@
           </a:prstGeom>
         </p:spPr>
         <p:txBody>
-          <a:bodyPr lIns="90000" rIns="90000" tIns="46800" bIns="46800">
+          <a:bodyPr lIns="0" rIns="0" tIns="0" bIns="0">
             <a:normAutofit/>
           </a:bodyPr>
           <a:p>
             <a:endParaRPr b="0" lang="en-US" sz="3200" spc="-1" strike="noStrike">
-              <a:solidFill>
-                <a:srgbClr val="000000"/>
-              </a:solidFill>
               <a:latin typeface="Arial"/>
             </a:endParaRPr>
           </a:p>
@@ -372,7 +349,7 @@
       </p:grpSpPr>
       <p:sp>
         <p:nvSpPr>
-          <p:cNvPr id="34" name="PlaceHolder 1"/>
+          <p:cNvPr id="31" name="PlaceHolder 1"/>
           <p:cNvSpPr>
             <a:spLocks noGrp="1"/>
           </p:cNvSpPr>
@@ -383,28 +360,25 @@
         <p:spPr>
           <a:xfrm>
             <a:off x="457200" y="274320"/>
-            <a:ext cx="8229600" cy="1143000"/>
-          </a:xfrm>
-          <a:prstGeom prst="rect">
-            <a:avLst/>
-          </a:prstGeom>
-        </p:spPr>
-        <p:txBody>
-          <a:bodyPr lIns="90000" rIns="90000" tIns="46800" bIns="46800" anchor="ctr"/>
+            <a:ext cx="8229240" cy="1142640"/>
+          </a:xfrm>
+          <a:prstGeom prst="rect">
+            <a:avLst/>
+          </a:prstGeom>
+        </p:spPr>
+        <p:txBody>
+          <a:bodyPr lIns="0" rIns="0" tIns="0" bIns="0" anchor="ctr"/>
           <a:p>
             <a:pPr algn="ctr"/>
             <a:endParaRPr b="0" lang="en-US" sz="4400" spc="-1" strike="noStrike">
-              <a:solidFill>
-                <a:srgbClr val="000000"/>
-              </a:solidFill>
-              <a:latin typeface="Arial"/>
-            </a:endParaRPr>
-          </a:p>
-        </p:txBody>
-      </p:sp>
-      <p:sp>
-        <p:nvSpPr>
-          <p:cNvPr id="35" name="PlaceHolder 2"/>
+              <a:latin typeface="Arial"/>
+            </a:endParaRPr>
+          </a:p>
+        </p:txBody>
+      </p:sp>
+      <p:sp>
+        <p:nvSpPr>
+          <p:cNvPr id="32" name="PlaceHolder 2"/>
           <p:cNvSpPr>
             <a:spLocks noGrp="1"/>
           </p:cNvSpPr>
@@ -422,22 +396,19 @@
           </a:prstGeom>
         </p:spPr>
         <p:txBody>
-          <a:bodyPr lIns="90000" rIns="90000" tIns="46800" bIns="46800">
+          <a:bodyPr lIns="0" rIns="0" tIns="0" bIns="0">
             <a:normAutofit/>
           </a:bodyPr>
           <a:p>
             <a:endParaRPr b="0" lang="en-US" sz="3200" spc="-1" strike="noStrike">
-              <a:solidFill>
-                <a:srgbClr val="000000"/>
-              </a:solidFill>
-              <a:latin typeface="Arial"/>
-            </a:endParaRPr>
-          </a:p>
-        </p:txBody>
-      </p:sp>
-      <p:sp>
-        <p:nvSpPr>
-          <p:cNvPr id="36" name="PlaceHolder 3"/>
+              <a:latin typeface="Arial"/>
+            </a:endParaRPr>
+          </a:p>
+        </p:txBody>
+      </p:sp>
+      <p:sp>
+        <p:nvSpPr>
+          <p:cNvPr id="33" name="PlaceHolder 3"/>
           <p:cNvSpPr>
             <a:spLocks noGrp="1"/>
           </p:cNvSpPr>
@@ -455,22 +426,19 @@
           </a:prstGeom>
         </p:spPr>
         <p:txBody>
-          <a:bodyPr lIns="90000" rIns="90000" tIns="46800" bIns="46800">
+          <a:bodyPr lIns="0" rIns="0" tIns="0" bIns="0">
             <a:normAutofit/>
           </a:bodyPr>
           <a:p>
             <a:endParaRPr b="0" lang="en-US" sz="3200" spc="-1" strike="noStrike">
-              <a:solidFill>
-                <a:srgbClr val="000000"/>
-              </a:solidFill>
-              <a:latin typeface="Arial"/>
-            </a:endParaRPr>
-          </a:p>
-        </p:txBody>
-      </p:sp>
-      <p:sp>
-        <p:nvSpPr>
-          <p:cNvPr id="37" name="PlaceHolder 4"/>
+              <a:latin typeface="Arial"/>
+            </a:endParaRPr>
+          </a:p>
+        </p:txBody>
+      </p:sp>
+      <p:sp>
+        <p:nvSpPr>
+          <p:cNvPr id="34" name="PlaceHolder 4"/>
           <p:cNvSpPr>
             <a:spLocks noGrp="1"/>
           </p:cNvSpPr>
@@ -488,22 +456,19 @@
           </a:prstGeom>
         </p:spPr>
         <p:txBody>
-          <a:bodyPr lIns="90000" rIns="90000" tIns="46800" bIns="46800">
+          <a:bodyPr lIns="0" rIns="0" tIns="0" bIns="0">
             <a:normAutofit/>
           </a:bodyPr>
           <a:p>
             <a:endParaRPr b="0" lang="en-US" sz="3200" spc="-1" strike="noStrike">
-              <a:solidFill>
-                <a:srgbClr val="000000"/>
-              </a:solidFill>
-              <a:latin typeface="Arial"/>
-            </a:endParaRPr>
-          </a:p>
-        </p:txBody>
-      </p:sp>
-      <p:sp>
-        <p:nvSpPr>
-          <p:cNvPr id="38" name="PlaceHolder 5"/>
+              <a:latin typeface="Arial"/>
+            </a:endParaRPr>
+          </a:p>
+        </p:txBody>
+      </p:sp>
+      <p:sp>
+        <p:nvSpPr>
+          <p:cNvPr id="35" name="PlaceHolder 5"/>
           <p:cNvSpPr>
             <a:spLocks noGrp="1"/>
           </p:cNvSpPr>
@@ -521,22 +486,19 @@
           </a:prstGeom>
         </p:spPr>
         <p:txBody>
-          <a:bodyPr lIns="90000" rIns="90000" tIns="46800" bIns="46800">
+          <a:bodyPr lIns="0" rIns="0" tIns="0" bIns="0">
             <a:normAutofit/>
           </a:bodyPr>
           <a:p>
             <a:endParaRPr b="0" lang="en-US" sz="3200" spc="-1" strike="noStrike">
-              <a:solidFill>
-                <a:srgbClr val="000000"/>
-              </a:solidFill>
-              <a:latin typeface="Arial"/>
-            </a:endParaRPr>
-          </a:p>
-        </p:txBody>
-      </p:sp>
-      <p:sp>
-        <p:nvSpPr>
-          <p:cNvPr id="39" name="PlaceHolder 6"/>
+              <a:latin typeface="Arial"/>
+            </a:endParaRPr>
+          </a:p>
+        </p:txBody>
+      </p:sp>
+      <p:sp>
+        <p:nvSpPr>
+          <p:cNvPr id="36" name="PlaceHolder 6"/>
           <p:cNvSpPr>
             <a:spLocks noGrp="1"/>
           </p:cNvSpPr>
@@ -554,22 +516,19 @@
           </a:prstGeom>
         </p:spPr>
         <p:txBody>
-          <a:bodyPr lIns="90000" rIns="90000" tIns="46800" bIns="46800">
+          <a:bodyPr lIns="0" rIns="0" tIns="0" bIns="0">
             <a:normAutofit/>
           </a:bodyPr>
           <a:p>
             <a:endParaRPr b="0" lang="en-US" sz="3200" spc="-1" strike="noStrike">
-              <a:solidFill>
-                <a:srgbClr val="000000"/>
-              </a:solidFill>
-              <a:latin typeface="Arial"/>
-            </a:endParaRPr>
-          </a:p>
-        </p:txBody>
-      </p:sp>
-      <p:sp>
-        <p:nvSpPr>
-          <p:cNvPr id="40" name="PlaceHolder 7"/>
+              <a:latin typeface="Arial"/>
+            </a:endParaRPr>
+          </a:p>
+        </p:txBody>
+      </p:sp>
+      <p:sp>
+        <p:nvSpPr>
+          <p:cNvPr id="37" name="PlaceHolder 7"/>
           <p:cNvSpPr>
             <a:spLocks noGrp="1"/>
           </p:cNvSpPr>
@@ -587,14 +546,548 @@
           </a:prstGeom>
         </p:spPr>
         <p:txBody>
-          <a:bodyPr lIns="90000" rIns="90000" tIns="46800" bIns="46800">
+          <a:bodyPr lIns="0" rIns="0" tIns="0" bIns="0">
             <a:normAutofit/>
           </a:bodyPr>
           <a:p>
             <a:endParaRPr b="0" lang="en-US" sz="3200" spc="-1" strike="noStrike">
-              <a:solidFill>
-                <a:srgbClr val="000000"/>
-              </a:solidFill>
+              <a:latin typeface="Arial"/>
+            </a:endParaRPr>
+          </a:p>
+        </p:txBody>
+      </p:sp>
+    </p:spTree>
+  </p:cSld>
+</p:sldLayout>
+</file>
+
+<file path=ppt/slideLayouts/slideLayout13.xml><?xml version="1.0" encoding="utf-8"?>
+<p:sldLayout xmlns:a="http://schemas.openxmlformats.org/drawingml/2006/main" xmlns:p="http://schemas.openxmlformats.org/presentationml/2006/main" xmlns:r="http://schemas.openxmlformats.org/officeDocument/2006/relationships" xmlns:p14="http://schemas.microsoft.com/office/powerpoint/2010/main" xmlns:p15="http://schemas.microsoft.com/office/powerpoint/2012/main" xmlns:mc="http://schemas.openxmlformats.org/markup-compatibility/2006" type="blank" preserve="1">
+  <p:cSld name="Blank Slide">
+    <p:spTree>
+      <p:nvGrpSpPr>
+        <p:cNvPr id="1" name=""/>
+        <p:cNvGrpSpPr/>
+        <p:nvPr/>
+      </p:nvGrpSpPr>
+      <p:grpSpPr>
+        <a:xfrm>
+          <a:off x="0" y="0"/>
+          <a:ext cx="0" cy="0"/>
+          <a:chOff x="0" y="0"/>
+          <a:chExt cx="0" cy="0"/>
+        </a:xfrm>
+      </p:grpSpPr>
+    </p:spTree>
+  </p:cSld>
+</p:sldLayout>
+</file>
+
+<file path=ppt/slideLayouts/slideLayout14.xml><?xml version="1.0" encoding="utf-8"?>
+<p:sldLayout xmlns:a="http://schemas.openxmlformats.org/drawingml/2006/main" xmlns:p="http://schemas.openxmlformats.org/presentationml/2006/main" xmlns:r="http://schemas.openxmlformats.org/officeDocument/2006/relationships" xmlns:p14="http://schemas.microsoft.com/office/powerpoint/2010/main" xmlns:p15="http://schemas.microsoft.com/office/powerpoint/2012/main" xmlns:mc="http://schemas.openxmlformats.org/markup-compatibility/2006" type="tx" preserve="1">
+  <p:cSld name="Title Slide">
+    <p:spTree>
+      <p:nvGrpSpPr>
+        <p:cNvPr id="1" name=""/>
+        <p:cNvGrpSpPr/>
+        <p:nvPr/>
+      </p:nvGrpSpPr>
+      <p:grpSpPr>
+        <a:xfrm>
+          <a:off x="0" y="0"/>
+          <a:ext cx="0" cy="0"/>
+          <a:chOff x="0" y="0"/>
+          <a:chExt cx="0" cy="0"/>
+        </a:xfrm>
+      </p:grpSpPr>
+      <p:sp>
+        <p:nvSpPr>
+          <p:cNvPr id="40" name="PlaceHolder 1"/>
+          <p:cNvSpPr>
+            <a:spLocks noGrp="1"/>
+          </p:cNvSpPr>
+          <p:nvPr>
+            <p:ph type="title"/>
+          </p:nvPr>
+        </p:nvSpPr>
+        <p:spPr>
+          <a:xfrm>
+            <a:off x="457200" y="274320"/>
+            <a:ext cx="8229240" cy="1142640"/>
+          </a:xfrm>
+          <a:prstGeom prst="rect">
+            <a:avLst/>
+          </a:prstGeom>
+        </p:spPr>
+        <p:txBody>
+          <a:bodyPr lIns="0" rIns="0" tIns="0" bIns="0" anchor="ctr"/>
+          <a:p>
+            <a:pPr algn="ctr"/>
+            <a:endParaRPr b="0" lang="en-US" sz="4400" spc="-1" strike="noStrike">
+              <a:latin typeface="Arial"/>
+            </a:endParaRPr>
+          </a:p>
+        </p:txBody>
+      </p:sp>
+      <p:sp>
+        <p:nvSpPr>
+          <p:cNvPr id="41" name="PlaceHolder 2"/>
+          <p:cNvSpPr>
+            <a:spLocks noGrp="1"/>
+          </p:cNvSpPr>
+          <p:nvPr>
+            <p:ph type="subTitle"/>
+          </p:nvPr>
+        </p:nvSpPr>
+        <p:spPr>
+          <a:xfrm>
+            <a:off x="457200" y="1600200"/>
+            <a:ext cx="8229240" cy="4525560"/>
+          </a:xfrm>
+          <a:prstGeom prst="rect">
+            <a:avLst/>
+          </a:prstGeom>
+        </p:spPr>
+        <p:txBody>
+          <a:bodyPr lIns="0" rIns="0" tIns="0" bIns="0" anchor="ctr"/>
+          <a:p>
+            <a:pPr algn="ctr"/>
+            <a:endParaRPr b="0" lang="en-US" sz="3200" spc="-1" strike="noStrike">
+              <a:latin typeface="Arial"/>
+            </a:endParaRPr>
+          </a:p>
+        </p:txBody>
+      </p:sp>
+    </p:spTree>
+  </p:cSld>
+</p:sldLayout>
+</file>
+
+<file path=ppt/slideLayouts/slideLayout15.xml><?xml version="1.0" encoding="utf-8"?>
+<p:sldLayout xmlns:a="http://schemas.openxmlformats.org/drawingml/2006/main" xmlns:p="http://schemas.openxmlformats.org/presentationml/2006/main" xmlns:r="http://schemas.openxmlformats.org/officeDocument/2006/relationships" xmlns:p14="http://schemas.microsoft.com/office/powerpoint/2010/main" xmlns:p15="http://schemas.microsoft.com/office/powerpoint/2012/main" xmlns:mc="http://schemas.openxmlformats.org/markup-compatibility/2006" type="obj" preserve="1">
+  <p:cSld name="Title, Content">
+    <p:spTree>
+      <p:nvGrpSpPr>
+        <p:cNvPr id="1" name=""/>
+        <p:cNvGrpSpPr/>
+        <p:nvPr/>
+      </p:nvGrpSpPr>
+      <p:grpSpPr>
+        <a:xfrm>
+          <a:off x="0" y="0"/>
+          <a:ext cx="0" cy="0"/>
+          <a:chOff x="0" y="0"/>
+          <a:chExt cx="0" cy="0"/>
+        </a:xfrm>
+      </p:grpSpPr>
+      <p:sp>
+        <p:nvSpPr>
+          <p:cNvPr id="42" name="PlaceHolder 1"/>
+          <p:cNvSpPr>
+            <a:spLocks noGrp="1"/>
+          </p:cNvSpPr>
+          <p:nvPr>
+            <p:ph type="title"/>
+          </p:nvPr>
+        </p:nvSpPr>
+        <p:spPr>
+          <a:xfrm>
+            <a:off x="457200" y="274320"/>
+            <a:ext cx="8229240" cy="1142640"/>
+          </a:xfrm>
+          <a:prstGeom prst="rect">
+            <a:avLst/>
+          </a:prstGeom>
+        </p:spPr>
+        <p:txBody>
+          <a:bodyPr lIns="0" rIns="0" tIns="0" bIns="0" anchor="ctr"/>
+          <a:p>
+            <a:pPr algn="ctr"/>
+            <a:endParaRPr b="0" lang="en-US" sz="4400" spc="-1" strike="noStrike">
+              <a:latin typeface="Arial"/>
+            </a:endParaRPr>
+          </a:p>
+        </p:txBody>
+      </p:sp>
+      <p:sp>
+        <p:nvSpPr>
+          <p:cNvPr id="43" name="PlaceHolder 2"/>
+          <p:cNvSpPr>
+            <a:spLocks noGrp="1"/>
+          </p:cNvSpPr>
+          <p:nvPr>
+            <p:ph type="body"/>
+          </p:nvPr>
+        </p:nvSpPr>
+        <p:spPr>
+          <a:xfrm>
+            <a:off x="457200" y="1600200"/>
+            <a:ext cx="8229240" cy="4525560"/>
+          </a:xfrm>
+          <a:prstGeom prst="rect">
+            <a:avLst/>
+          </a:prstGeom>
+        </p:spPr>
+        <p:txBody>
+          <a:bodyPr lIns="0" rIns="0" tIns="0" bIns="0">
+            <a:normAutofit/>
+          </a:bodyPr>
+          <a:p>
+            <a:endParaRPr b="0" lang="en-US" sz="3200" spc="-1" strike="noStrike">
+              <a:latin typeface="Arial"/>
+            </a:endParaRPr>
+          </a:p>
+        </p:txBody>
+      </p:sp>
+    </p:spTree>
+  </p:cSld>
+</p:sldLayout>
+</file>
+
+<file path=ppt/slideLayouts/slideLayout16.xml><?xml version="1.0" encoding="utf-8"?>
+<p:sldLayout xmlns:a="http://schemas.openxmlformats.org/drawingml/2006/main" xmlns:p="http://schemas.openxmlformats.org/presentationml/2006/main" xmlns:r="http://schemas.openxmlformats.org/officeDocument/2006/relationships" xmlns:p14="http://schemas.microsoft.com/office/powerpoint/2010/main" xmlns:p15="http://schemas.microsoft.com/office/powerpoint/2012/main" xmlns:mc="http://schemas.openxmlformats.org/markup-compatibility/2006" type="twoObj" preserve="1">
+  <p:cSld name="Title, 2 Content">
+    <p:spTree>
+      <p:nvGrpSpPr>
+        <p:cNvPr id="1" name=""/>
+        <p:cNvGrpSpPr/>
+        <p:nvPr/>
+      </p:nvGrpSpPr>
+      <p:grpSpPr>
+        <a:xfrm>
+          <a:off x="0" y="0"/>
+          <a:ext cx="0" cy="0"/>
+          <a:chOff x="0" y="0"/>
+          <a:chExt cx="0" cy="0"/>
+        </a:xfrm>
+      </p:grpSpPr>
+      <p:sp>
+        <p:nvSpPr>
+          <p:cNvPr id="44" name="PlaceHolder 1"/>
+          <p:cNvSpPr>
+            <a:spLocks noGrp="1"/>
+          </p:cNvSpPr>
+          <p:nvPr>
+            <p:ph type="title"/>
+          </p:nvPr>
+        </p:nvSpPr>
+        <p:spPr>
+          <a:xfrm>
+            <a:off x="457200" y="274320"/>
+            <a:ext cx="8229240" cy="1142640"/>
+          </a:xfrm>
+          <a:prstGeom prst="rect">
+            <a:avLst/>
+          </a:prstGeom>
+        </p:spPr>
+        <p:txBody>
+          <a:bodyPr lIns="0" rIns="0" tIns="0" bIns="0" anchor="ctr"/>
+          <a:p>
+            <a:pPr algn="ctr"/>
+            <a:endParaRPr b="0" lang="en-US" sz="4400" spc="-1" strike="noStrike">
+              <a:latin typeface="Arial"/>
+            </a:endParaRPr>
+          </a:p>
+        </p:txBody>
+      </p:sp>
+      <p:sp>
+        <p:nvSpPr>
+          <p:cNvPr id="45" name="PlaceHolder 2"/>
+          <p:cNvSpPr>
+            <a:spLocks noGrp="1"/>
+          </p:cNvSpPr>
+          <p:nvPr>
+            <p:ph type="body"/>
+          </p:nvPr>
+        </p:nvSpPr>
+        <p:spPr>
+          <a:xfrm>
+            <a:off x="457200" y="1600200"/>
+            <a:ext cx="4015800" cy="4525560"/>
+          </a:xfrm>
+          <a:prstGeom prst="rect">
+            <a:avLst/>
+          </a:prstGeom>
+        </p:spPr>
+        <p:txBody>
+          <a:bodyPr lIns="0" rIns="0" tIns="0" bIns="0">
+            <a:normAutofit/>
+          </a:bodyPr>
+          <a:p>
+            <a:endParaRPr b="0" lang="en-US" sz="3200" spc="-1" strike="noStrike">
+              <a:latin typeface="Arial"/>
+            </a:endParaRPr>
+          </a:p>
+        </p:txBody>
+      </p:sp>
+      <p:sp>
+        <p:nvSpPr>
+          <p:cNvPr id="46" name="PlaceHolder 3"/>
+          <p:cNvSpPr>
+            <a:spLocks noGrp="1"/>
+          </p:cNvSpPr>
+          <p:nvPr>
+            <p:ph type="body"/>
+          </p:nvPr>
+        </p:nvSpPr>
+        <p:spPr>
+          <a:xfrm>
+            <a:off x="4674240" y="1600200"/>
+            <a:ext cx="4015800" cy="4525560"/>
+          </a:xfrm>
+          <a:prstGeom prst="rect">
+            <a:avLst/>
+          </a:prstGeom>
+        </p:spPr>
+        <p:txBody>
+          <a:bodyPr lIns="0" rIns="0" tIns="0" bIns="0">
+            <a:normAutofit/>
+          </a:bodyPr>
+          <a:p>
+            <a:endParaRPr b="0" lang="en-US" sz="3200" spc="-1" strike="noStrike">
+              <a:latin typeface="Arial"/>
+            </a:endParaRPr>
+          </a:p>
+        </p:txBody>
+      </p:sp>
+    </p:spTree>
+  </p:cSld>
+</p:sldLayout>
+</file>
+
+<file path=ppt/slideLayouts/slideLayout17.xml><?xml version="1.0" encoding="utf-8"?>
+<p:sldLayout xmlns:a="http://schemas.openxmlformats.org/drawingml/2006/main" xmlns:p="http://schemas.openxmlformats.org/presentationml/2006/main" xmlns:r="http://schemas.openxmlformats.org/officeDocument/2006/relationships" xmlns:p14="http://schemas.microsoft.com/office/powerpoint/2010/main" xmlns:p15="http://schemas.microsoft.com/office/powerpoint/2012/main" xmlns:mc="http://schemas.openxmlformats.org/markup-compatibility/2006" type="titleOnly" preserve="1">
+  <p:cSld name="Title Only">
+    <p:spTree>
+      <p:nvGrpSpPr>
+        <p:cNvPr id="1" name=""/>
+        <p:cNvGrpSpPr/>
+        <p:nvPr/>
+      </p:nvGrpSpPr>
+      <p:grpSpPr>
+        <a:xfrm>
+          <a:off x="0" y="0"/>
+          <a:ext cx="0" cy="0"/>
+          <a:chOff x="0" y="0"/>
+          <a:chExt cx="0" cy="0"/>
+        </a:xfrm>
+      </p:grpSpPr>
+      <p:sp>
+        <p:nvSpPr>
+          <p:cNvPr id="47" name="PlaceHolder 1"/>
+          <p:cNvSpPr>
+            <a:spLocks noGrp="1"/>
+          </p:cNvSpPr>
+          <p:nvPr>
+            <p:ph type="title"/>
+          </p:nvPr>
+        </p:nvSpPr>
+        <p:spPr>
+          <a:xfrm>
+            <a:off x="457200" y="274320"/>
+            <a:ext cx="8229240" cy="1142640"/>
+          </a:xfrm>
+          <a:prstGeom prst="rect">
+            <a:avLst/>
+          </a:prstGeom>
+        </p:spPr>
+        <p:txBody>
+          <a:bodyPr lIns="0" rIns="0" tIns="0" bIns="0" anchor="ctr"/>
+          <a:p>
+            <a:pPr algn="ctr"/>
+            <a:endParaRPr b="0" lang="en-US" sz="4400" spc="-1" strike="noStrike">
+              <a:latin typeface="Arial"/>
+            </a:endParaRPr>
+          </a:p>
+        </p:txBody>
+      </p:sp>
+    </p:spTree>
+  </p:cSld>
+</p:sldLayout>
+</file>
+
+<file path=ppt/slideLayouts/slideLayout18.xml><?xml version="1.0" encoding="utf-8"?>
+<p:sldLayout xmlns:a="http://schemas.openxmlformats.org/drawingml/2006/main" xmlns:p="http://schemas.openxmlformats.org/presentationml/2006/main" xmlns:r="http://schemas.openxmlformats.org/officeDocument/2006/relationships" xmlns:p14="http://schemas.microsoft.com/office/powerpoint/2010/main" xmlns:p15="http://schemas.microsoft.com/office/powerpoint/2012/main" xmlns:mc="http://schemas.openxmlformats.org/markup-compatibility/2006" type="objOnly" preserve="1">
+  <p:cSld name="Centered Text">
+    <p:spTree>
+      <p:nvGrpSpPr>
+        <p:cNvPr id="1" name=""/>
+        <p:cNvGrpSpPr/>
+        <p:nvPr/>
+      </p:nvGrpSpPr>
+      <p:grpSpPr>
+        <a:xfrm>
+          <a:off x="0" y="0"/>
+          <a:ext cx="0" cy="0"/>
+          <a:chOff x="0" y="0"/>
+          <a:chExt cx="0" cy="0"/>
+        </a:xfrm>
+      </p:grpSpPr>
+      <p:sp>
+        <p:nvSpPr>
+          <p:cNvPr id="48" name="PlaceHolder 1"/>
+          <p:cNvSpPr>
+            <a:spLocks noGrp="1"/>
+          </p:cNvSpPr>
+          <p:nvPr>
+            <p:ph type="subTitle"/>
+          </p:nvPr>
+        </p:nvSpPr>
+        <p:spPr>
+          <a:xfrm>
+            <a:off x="457200" y="274320"/>
+            <a:ext cx="8229240" cy="5297760"/>
+          </a:xfrm>
+          <a:prstGeom prst="rect">
+            <a:avLst/>
+          </a:prstGeom>
+        </p:spPr>
+        <p:txBody>
+          <a:bodyPr lIns="0" rIns="0" tIns="0" bIns="0" anchor="ctr"/>
+          <a:p>
+            <a:pPr algn="ctr"/>
+            <a:endParaRPr b="0" lang="en-US" sz="3200" spc="-1" strike="noStrike">
+              <a:latin typeface="Arial"/>
+            </a:endParaRPr>
+          </a:p>
+        </p:txBody>
+      </p:sp>
+    </p:spTree>
+  </p:cSld>
+</p:sldLayout>
+</file>
+
+<file path=ppt/slideLayouts/slideLayout19.xml><?xml version="1.0" encoding="utf-8"?>
+<p:sldLayout xmlns:a="http://schemas.openxmlformats.org/drawingml/2006/main" xmlns:p="http://schemas.openxmlformats.org/presentationml/2006/main" xmlns:r="http://schemas.openxmlformats.org/officeDocument/2006/relationships" xmlns:p14="http://schemas.microsoft.com/office/powerpoint/2010/main" xmlns:p15="http://schemas.microsoft.com/office/powerpoint/2012/main" xmlns:mc="http://schemas.openxmlformats.org/markup-compatibility/2006" type="twoObjAndObj" preserve="1">
+  <p:cSld name="Title, 2 Content and Content">
+    <p:spTree>
+      <p:nvGrpSpPr>
+        <p:cNvPr id="1" name=""/>
+        <p:cNvGrpSpPr/>
+        <p:nvPr/>
+      </p:nvGrpSpPr>
+      <p:grpSpPr>
+        <a:xfrm>
+          <a:off x="0" y="0"/>
+          <a:ext cx="0" cy="0"/>
+          <a:chOff x="0" y="0"/>
+          <a:chExt cx="0" cy="0"/>
+        </a:xfrm>
+      </p:grpSpPr>
+      <p:sp>
+        <p:nvSpPr>
+          <p:cNvPr id="49" name="PlaceHolder 1"/>
+          <p:cNvSpPr>
+            <a:spLocks noGrp="1"/>
+          </p:cNvSpPr>
+          <p:nvPr>
+            <p:ph type="title"/>
+          </p:nvPr>
+        </p:nvSpPr>
+        <p:spPr>
+          <a:xfrm>
+            <a:off x="457200" y="274320"/>
+            <a:ext cx="8229240" cy="1142640"/>
+          </a:xfrm>
+          <a:prstGeom prst="rect">
+            <a:avLst/>
+          </a:prstGeom>
+        </p:spPr>
+        <p:txBody>
+          <a:bodyPr lIns="0" rIns="0" tIns="0" bIns="0" anchor="ctr"/>
+          <a:p>
+            <a:pPr algn="ctr"/>
+            <a:endParaRPr b="0" lang="en-US" sz="4400" spc="-1" strike="noStrike">
+              <a:latin typeface="Arial"/>
+            </a:endParaRPr>
+          </a:p>
+        </p:txBody>
+      </p:sp>
+      <p:sp>
+        <p:nvSpPr>
+          <p:cNvPr id="50" name="PlaceHolder 2"/>
+          <p:cNvSpPr>
+            <a:spLocks noGrp="1"/>
+          </p:cNvSpPr>
+          <p:nvPr>
+            <p:ph type="body"/>
+          </p:nvPr>
+        </p:nvSpPr>
+        <p:spPr>
+          <a:xfrm>
+            <a:off x="457200" y="1600200"/>
+            <a:ext cx="4015800" cy="2158560"/>
+          </a:xfrm>
+          <a:prstGeom prst="rect">
+            <a:avLst/>
+          </a:prstGeom>
+        </p:spPr>
+        <p:txBody>
+          <a:bodyPr lIns="0" rIns="0" tIns="0" bIns="0">
+            <a:normAutofit/>
+          </a:bodyPr>
+          <a:p>
+            <a:endParaRPr b="0" lang="en-US" sz="3200" spc="-1" strike="noStrike">
+              <a:latin typeface="Arial"/>
+            </a:endParaRPr>
+          </a:p>
+        </p:txBody>
+      </p:sp>
+      <p:sp>
+        <p:nvSpPr>
+          <p:cNvPr id="51" name="PlaceHolder 3"/>
+          <p:cNvSpPr>
+            <a:spLocks noGrp="1"/>
+          </p:cNvSpPr>
+          <p:nvPr>
+            <p:ph type="body"/>
+          </p:nvPr>
+        </p:nvSpPr>
+        <p:spPr>
+          <a:xfrm>
+            <a:off x="4674240" y="1600200"/>
+            <a:ext cx="4015800" cy="4525560"/>
+          </a:xfrm>
+          <a:prstGeom prst="rect">
+            <a:avLst/>
+          </a:prstGeom>
+        </p:spPr>
+        <p:txBody>
+          <a:bodyPr lIns="0" rIns="0" tIns="0" bIns="0">
+            <a:normAutofit/>
+          </a:bodyPr>
+          <a:p>
+            <a:endParaRPr b="0" lang="en-US" sz="3200" spc="-1" strike="noStrike">
+              <a:latin typeface="Arial"/>
+            </a:endParaRPr>
+          </a:p>
+        </p:txBody>
+      </p:sp>
+      <p:sp>
+        <p:nvSpPr>
+          <p:cNvPr id="52" name="PlaceHolder 4"/>
+          <p:cNvSpPr>
+            <a:spLocks noGrp="1"/>
+          </p:cNvSpPr>
+          <p:nvPr>
+            <p:ph type="body"/>
+          </p:nvPr>
+        </p:nvSpPr>
+        <p:spPr>
+          <a:xfrm>
+            <a:off x="457200" y="3964320"/>
+            <a:ext cx="4015800" cy="2158560"/>
+          </a:xfrm>
+          <a:prstGeom prst="rect">
+            <a:avLst/>
+          </a:prstGeom>
+        </p:spPr>
+        <p:txBody>
+          <a:bodyPr lIns="0" rIns="0" tIns="0" bIns="0">
+            <a:normAutofit/>
+          </a:bodyPr>
+          <a:p>
+            <a:endParaRPr b="0" lang="en-US" sz="3200" spc="-1" strike="noStrike">
               <a:latin typeface="Arial"/>
             </a:endParaRPr>
           </a:p>
@@ -624,7 +1117,7 @@
       </p:grpSpPr>
       <p:sp>
         <p:nvSpPr>
-          <p:cNvPr id="5" name="PlaceHolder 1"/>
+          <p:cNvPr id="2" name="PlaceHolder 1"/>
           <p:cNvSpPr>
             <a:spLocks noGrp="1"/>
           </p:cNvSpPr>
@@ -635,28 +1128,25 @@
         <p:spPr>
           <a:xfrm>
             <a:off x="457200" y="274320"/>
-            <a:ext cx="8229600" cy="1143000"/>
-          </a:xfrm>
-          <a:prstGeom prst="rect">
-            <a:avLst/>
-          </a:prstGeom>
-        </p:spPr>
-        <p:txBody>
-          <a:bodyPr lIns="90000" rIns="90000" tIns="46800" bIns="46800" anchor="ctr"/>
+            <a:ext cx="8229240" cy="1142640"/>
+          </a:xfrm>
+          <a:prstGeom prst="rect">
+            <a:avLst/>
+          </a:prstGeom>
+        </p:spPr>
+        <p:txBody>
+          <a:bodyPr lIns="0" rIns="0" tIns="0" bIns="0" anchor="ctr"/>
           <a:p>
             <a:pPr algn="ctr"/>
             <a:endParaRPr b="0" lang="en-US" sz="4400" spc="-1" strike="noStrike">
-              <a:solidFill>
-                <a:srgbClr val="000000"/>
-              </a:solidFill>
-              <a:latin typeface="Arial"/>
-            </a:endParaRPr>
-          </a:p>
-        </p:txBody>
-      </p:sp>
-      <p:sp>
-        <p:nvSpPr>
-          <p:cNvPr id="6" name="PlaceHolder 2"/>
+              <a:latin typeface="Arial"/>
+            </a:endParaRPr>
+          </a:p>
+        </p:txBody>
+      </p:sp>
+      <p:sp>
+        <p:nvSpPr>
+          <p:cNvPr id="3" name="PlaceHolder 2"/>
           <p:cNvSpPr>
             <a:spLocks noGrp="1"/>
           </p:cNvSpPr>
@@ -667,7 +1157,7 @@
         <p:spPr>
           <a:xfrm>
             <a:off x="457200" y="1600200"/>
-            <a:ext cx="8229600" cy="4525920"/>
+            <a:ext cx="8229240" cy="4525560"/>
           </a:xfrm>
           <a:prstGeom prst="rect">
             <a:avLst/>
@@ -676,15 +1166,803 @@
         <p:txBody>
           <a:bodyPr lIns="0" rIns="0" tIns="0" bIns="0" anchor="ctr"/>
           <a:p>
-            <a:pPr algn="ctr">
-              <a:spcBef>
-                <a:spcPts val="799"/>
-              </a:spcBef>
-            </a:pPr>
-            <a:endParaRPr b="0" lang="en-US" sz="3200" spc="-1" strike="noStrike">
-              <a:solidFill>
-                <a:srgbClr val="000000"/>
-              </a:solidFill>
+            <a:pPr algn="ctr"/>
+            <a:endParaRPr b="0" lang="en-US" sz="3200" spc="-1" strike="noStrike">
+              <a:latin typeface="Arial"/>
+            </a:endParaRPr>
+          </a:p>
+        </p:txBody>
+      </p:sp>
+    </p:spTree>
+  </p:cSld>
+</p:sldLayout>
+</file>
+
+<file path=ppt/slideLayouts/slideLayout20.xml><?xml version="1.0" encoding="utf-8"?>
+<p:sldLayout xmlns:a="http://schemas.openxmlformats.org/drawingml/2006/main" xmlns:p="http://schemas.openxmlformats.org/presentationml/2006/main" xmlns:r="http://schemas.openxmlformats.org/officeDocument/2006/relationships" xmlns:p14="http://schemas.microsoft.com/office/powerpoint/2010/main" xmlns:p15="http://schemas.microsoft.com/office/powerpoint/2012/main" xmlns:mc="http://schemas.openxmlformats.org/markup-compatibility/2006" type="objAndTwoObj" preserve="1">
+  <p:cSld name="Title Content and 2 Content">
+    <p:spTree>
+      <p:nvGrpSpPr>
+        <p:cNvPr id="1" name=""/>
+        <p:cNvGrpSpPr/>
+        <p:nvPr/>
+      </p:nvGrpSpPr>
+      <p:grpSpPr>
+        <a:xfrm>
+          <a:off x="0" y="0"/>
+          <a:ext cx="0" cy="0"/>
+          <a:chOff x="0" y="0"/>
+          <a:chExt cx="0" cy="0"/>
+        </a:xfrm>
+      </p:grpSpPr>
+      <p:sp>
+        <p:nvSpPr>
+          <p:cNvPr id="53" name="PlaceHolder 1"/>
+          <p:cNvSpPr>
+            <a:spLocks noGrp="1"/>
+          </p:cNvSpPr>
+          <p:nvPr>
+            <p:ph type="title"/>
+          </p:nvPr>
+        </p:nvSpPr>
+        <p:spPr>
+          <a:xfrm>
+            <a:off x="457200" y="274320"/>
+            <a:ext cx="8229240" cy="1142640"/>
+          </a:xfrm>
+          <a:prstGeom prst="rect">
+            <a:avLst/>
+          </a:prstGeom>
+        </p:spPr>
+        <p:txBody>
+          <a:bodyPr lIns="0" rIns="0" tIns="0" bIns="0" anchor="ctr"/>
+          <a:p>
+            <a:pPr algn="ctr"/>
+            <a:endParaRPr b="0" lang="en-US" sz="4400" spc="-1" strike="noStrike">
+              <a:latin typeface="Arial"/>
+            </a:endParaRPr>
+          </a:p>
+        </p:txBody>
+      </p:sp>
+      <p:sp>
+        <p:nvSpPr>
+          <p:cNvPr id="54" name="PlaceHolder 2"/>
+          <p:cNvSpPr>
+            <a:spLocks noGrp="1"/>
+          </p:cNvSpPr>
+          <p:nvPr>
+            <p:ph type="body"/>
+          </p:nvPr>
+        </p:nvSpPr>
+        <p:spPr>
+          <a:xfrm>
+            <a:off x="457200" y="1600200"/>
+            <a:ext cx="4015800" cy="4525560"/>
+          </a:xfrm>
+          <a:prstGeom prst="rect">
+            <a:avLst/>
+          </a:prstGeom>
+        </p:spPr>
+        <p:txBody>
+          <a:bodyPr lIns="0" rIns="0" tIns="0" bIns="0">
+            <a:normAutofit/>
+          </a:bodyPr>
+          <a:p>
+            <a:endParaRPr b="0" lang="en-US" sz="3200" spc="-1" strike="noStrike">
+              <a:latin typeface="Arial"/>
+            </a:endParaRPr>
+          </a:p>
+        </p:txBody>
+      </p:sp>
+      <p:sp>
+        <p:nvSpPr>
+          <p:cNvPr id="55" name="PlaceHolder 3"/>
+          <p:cNvSpPr>
+            <a:spLocks noGrp="1"/>
+          </p:cNvSpPr>
+          <p:nvPr>
+            <p:ph type="body"/>
+          </p:nvPr>
+        </p:nvSpPr>
+        <p:spPr>
+          <a:xfrm>
+            <a:off x="4674240" y="1600200"/>
+            <a:ext cx="4015800" cy="2158560"/>
+          </a:xfrm>
+          <a:prstGeom prst="rect">
+            <a:avLst/>
+          </a:prstGeom>
+        </p:spPr>
+        <p:txBody>
+          <a:bodyPr lIns="0" rIns="0" tIns="0" bIns="0">
+            <a:normAutofit/>
+          </a:bodyPr>
+          <a:p>
+            <a:endParaRPr b="0" lang="en-US" sz="3200" spc="-1" strike="noStrike">
+              <a:latin typeface="Arial"/>
+            </a:endParaRPr>
+          </a:p>
+        </p:txBody>
+      </p:sp>
+      <p:sp>
+        <p:nvSpPr>
+          <p:cNvPr id="56" name="PlaceHolder 4"/>
+          <p:cNvSpPr>
+            <a:spLocks noGrp="1"/>
+          </p:cNvSpPr>
+          <p:nvPr>
+            <p:ph type="body"/>
+          </p:nvPr>
+        </p:nvSpPr>
+        <p:spPr>
+          <a:xfrm>
+            <a:off x="4674240" y="3964320"/>
+            <a:ext cx="4015800" cy="2158560"/>
+          </a:xfrm>
+          <a:prstGeom prst="rect">
+            <a:avLst/>
+          </a:prstGeom>
+        </p:spPr>
+        <p:txBody>
+          <a:bodyPr lIns="0" rIns="0" tIns="0" bIns="0">
+            <a:normAutofit/>
+          </a:bodyPr>
+          <a:p>
+            <a:endParaRPr b="0" lang="en-US" sz="3200" spc="-1" strike="noStrike">
+              <a:latin typeface="Arial"/>
+            </a:endParaRPr>
+          </a:p>
+        </p:txBody>
+      </p:sp>
+    </p:spTree>
+  </p:cSld>
+</p:sldLayout>
+</file>
+
+<file path=ppt/slideLayouts/slideLayout21.xml><?xml version="1.0" encoding="utf-8"?>
+<p:sldLayout xmlns:a="http://schemas.openxmlformats.org/drawingml/2006/main" xmlns:p="http://schemas.openxmlformats.org/presentationml/2006/main" xmlns:r="http://schemas.openxmlformats.org/officeDocument/2006/relationships" xmlns:p14="http://schemas.microsoft.com/office/powerpoint/2010/main" xmlns:p15="http://schemas.microsoft.com/office/powerpoint/2012/main" xmlns:mc="http://schemas.openxmlformats.org/markup-compatibility/2006" type="twoObjOverTx" preserve="1">
+  <p:cSld name="Title, 2 Content over Content">
+    <p:spTree>
+      <p:nvGrpSpPr>
+        <p:cNvPr id="1" name=""/>
+        <p:cNvGrpSpPr/>
+        <p:nvPr/>
+      </p:nvGrpSpPr>
+      <p:grpSpPr>
+        <a:xfrm>
+          <a:off x="0" y="0"/>
+          <a:ext cx="0" cy="0"/>
+          <a:chOff x="0" y="0"/>
+          <a:chExt cx="0" cy="0"/>
+        </a:xfrm>
+      </p:grpSpPr>
+      <p:sp>
+        <p:nvSpPr>
+          <p:cNvPr id="57" name="PlaceHolder 1"/>
+          <p:cNvSpPr>
+            <a:spLocks noGrp="1"/>
+          </p:cNvSpPr>
+          <p:nvPr>
+            <p:ph type="title"/>
+          </p:nvPr>
+        </p:nvSpPr>
+        <p:spPr>
+          <a:xfrm>
+            <a:off x="457200" y="274320"/>
+            <a:ext cx="8229240" cy="1142640"/>
+          </a:xfrm>
+          <a:prstGeom prst="rect">
+            <a:avLst/>
+          </a:prstGeom>
+        </p:spPr>
+        <p:txBody>
+          <a:bodyPr lIns="0" rIns="0" tIns="0" bIns="0" anchor="ctr"/>
+          <a:p>
+            <a:pPr algn="ctr"/>
+            <a:endParaRPr b="0" lang="en-US" sz="4400" spc="-1" strike="noStrike">
+              <a:latin typeface="Arial"/>
+            </a:endParaRPr>
+          </a:p>
+        </p:txBody>
+      </p:sp>
+      <p:sp>
+        <p:nvSpPr>
+          <p:cNvPr id="58" name="PlaceHolder 2"/>
+          <p:cNvSpPr>
+            <a:spLocks noGrp="1"/>
+          </p:cNvSpPr>
+          <p:nvPr>
+            <p:ph type="body"/>
+          </p:nvPr>
+        </p:nvSpPr>
+        <p:spPr>
+          <a:xfrm>
+            <a:off x="457200" y="1600200"/>
+            <a:ext cx="4015800" cy="2158560"/>
+          </a:xfrm>
+          <a:prstGeom prst="rect">
+            <a:avLst/>
+          </a:prstGeom>
+        </p:spPr>
+        <p:txBody>
+          <a:bodyPr lIns="0" rIns="0" tIns="0" bIns="0">
+            <a:normAutofit/>
+          </a:bodyPr>
+          <a:p>
+            <a:endParaRPr b="0" lang="en-US" sz="3200" spc="-1" strike="noStrike">
+              <a:latin typeface="Arial"/>
+            </a:endParaRPr>
+          </a:p>
+        </p:txBody>
+      </p:sp>
+      <p:sp>
+        <p:nvSpPr>
+          <p:cNvPr id="59" name="PlaceHolder 3"/>
+          <p:cNvSpPr>
+            <a:spLocks noGrp="1"/>
+          </p:cNvSpPr>
+          <p:nvPr>
+            <p:ph type="body"/>
+          </p:nvPr>
+        </p:nvSpPr>
+        <p:spPr>
+          <a:xfrm>
+            <a:off x="4674240" y="1600200"/>
+            <a:ext cx="4015800" cy="2158560"/>
+          </a:xfrm>
+          <a:prstGeom prst="rect">
+            <a:avLst/>
+          </a:prstGeom>
+        </p:spPr>
+        <p:txBody>
+          <a:bodyPr lIns="0" rIns="0" tIns="0" bIns="0">
+            <a:normAutofit/>
+          </a:bodyPr>
+          <a:p>
+            <a:endParaRPr b="0" lang="en-US" sz="3200" spc="-1" strike="noStrike">
+              <a:latin typeface="Arial"/>
+            </a:endParaRPr>
+          </a:p>
+        </p:txBody>
+      </p:sp>
+      <p:sp>
+        <p:nvSpPr>
+          <p:cNvPr id="60" name="PlaceHolder 4"/>
+          <p:cNvSpPr>
+            <a:spLocks noGrp="1"/>
+          </p:cNvSpPr>
+          <p:nvPr>
+            <p:ph type="body"/>
+          </p:nvPr>
+        </p:nvSpPr>
+        <p:spPr>
+          <a:xfrm>
+            <a:off x="457200" y="3964320"/>
+            <a:ext cx="8229240" cy="2158560"/>
+          </a:xfrm>
+          <a:prstGeom prst="rect">
+            <a:avLst/>
+          </a:prstGeom>
+        </p:spPr>
+        <p:txBody>
+          <a:bodyPr lIns="0" rIns="0" tIns="0" bIns="0">
+            <a:normAutofit/>
+          </a:bodyPr>
+          <a:p>
+            <a:endParaRPr b="0" lang="en-US" sz="3200" spc="-1" strike="noStrike">
+              <a:latin typeface="Arial"/>
+            </a:endParaRPr>
+          </a:p>
+        </p:txBody>
+      </p:sp>
+    </p:spTree>
+  </p:cSld>
+</p:sldLayout>
+</file>
+
+<file path=ppt/slideLayouts/slideLayout22.xml><?xml version="1.0" encoding="utf-8"?>
+<p:sldLayout xmlns:a="http://schemas.openxmlformats.org/drawingml/2006/main" xmlns:p="http://schemas.openxmlformats.org/presentationml/2006/main" xmlns:r="http://schemas.openxmlformats.org/officeDocument/2006/relationships" xmlns:p14="http://schemas.microsoft.com/office/powerpoint/2010/main" xmlns:p15="http://schemas.microsoft.com/office/powerpoint/2012/main" xmlns:mc="http://schemas.openxmlformats.org/markup-compatibility/2006" type="objOverTx" preserve="1">
+  <p:cSld name="Title, Content over Content">
+    <p:spTree>
+      <p:nvGrpSpPr>
+        <p:cNvPr id="1" name=""/>
+        <p:cNvGrpSpPr/>
+        <p:nvPr/>
+      </p:nvGrpSpPr>
+      <p:grpSpPr>
+        <a:xfrm>
+          <a:off x="0" y="0"/>
+          <a:ext cx="0" cy="0"/>
+          <a:chOff x="0" y="0"/>
+          <a:chExt cx="0" cy="0"/>
+        </a:xfrm>
+      </p:grpSpPr>
+      <p:sp>
+        <p:nvSpPr>
+          <p:cNvPr id="61" name="PlaceHolder 1"/>
+          <p:cNvSpPr>
+            <a:spLocks noGrp="1"/>
+          </p:cNvSpPr>
+          <p:nvPr>
+            <p:ph type="title"/>
+          </p:nvPr>
+        </p:nvSpPr>
+        <p:spPr>
+          <a:xfrm>
+            <a:off x="457200" y="274320"/>
+            <a:ext cx="8229240" cy="1142640"/>
+          </a:xfrm>
+          <a:prstGeom prst="rect">
+            <a:avLst/>
+          </a:prstGeom>
+        </p:spPr>
+        <p:txBody>
+          <a:bodyPr lIns="0" rIns="0" tIns="0" bIns="0" anchor="ctr"/>
+          <a:p>
+            <a:pPr algn="ctr"/>
+            <a:endParaRPr b="0" lang="en-US" sz="4400" spc="-1" strike="noStrike">
+              <a:latin typeface="Arial"/>
+            </a:endParaRPr>
+          </a:p>
+        </p:txBody>
+      </p:sp>
+      <p:sp>
+        <p:nvSpPr>
+          <p:cNvPr id="62" name="PlaceHolder 2"/>
+          <p:cNvSpPr>
+            <a:spLocks noGrp="1"/>
+          </p:cNvSpPr>
+          <p:nvPr>
+            <p:ph type="body"/>
+          </p:nvPr>
+        </p:nvSpPr>
+        <p:spPr>
+          <a:xfrm>
+            <a:off x="457200" y="1600200"/>
+            <a:ext cx="8229240" cy="2158560"/>
+          </a:xfrm>
+          <a:prstGeom prst="rect">
+            <a:avLst/>
+          </a:prstGeom>
+        </p:spPr>
+        <p:txBody>
+          <a:bodyPr lIns="0" rIns="0" tIns="0" bIns="0">
+            <a:normAutofit/>
+          </a:bodyPr>
+          <a:p>
+            <a:endParaRPr b="0" lang="en-US" sz="3200" spc="-1" strike="noStrike">
+              <a:latin typeface="Arial"/>
+            </a:endParaRPr>
+          </a:p>
+        </p:txBody>
+      </p:sp>
+      <p:sp>
+        <p:nvSpPr>
+          <p:cNvPr id="63" name="PlaceHolder 3"/>
+          <p:cNvSpPr>
+            <a:spLocks noGrp="1"/>
+          </p:cNvSpPr>
+          <p:nvPr>
+            <p:ph type="body"/>
+          </p:nvPr>
+        </p:nvSpPr>
+        <p:spPr>
+          <a:xfrm>
+            <a:off x="457200" y="3964320"/>
+            <a:ext cx="8229240" cy="2158560"/>
+          </a:xfrm>
+          <a:prstGeom prst="rect">
+            <a:avLst/>
+          </a:prstGeom>
+        </p:spPr>
+        <p:txBody>
+          <a:bodyPr lIns="0" rIns="0" tIns="0" bIns="0">
+            <a:normAutofit/>
+          </a:bodyPr>
+          <a:p>
+            <a:endParaRPr b="0" lang="en-US" sz="3200" spc="-1" strike="noStrike">
+              <a:latin typeface="Arial"/>
+            </a:endParaRPr>
+          </a:p>
+        </p:txBody>
+      </p:sp>
+    </p:spTree>
+  </p:cSld>
+</p:sldLayout>
+</file>
+
+<file path=ppt/slideLayouts/slideLayout23.xml><?xml version="1.0" encoding="utf-8"?>
+<p:sldLayout xmlns:a="http://schemas.openxmlformats.org/drawingml/2006/main" xmlns:p="http://schemas.openxmlformats.org/presentationml/2006/main" xmlns:r="http://schemas.openxmlformats.org/officeDocument/2006/relationships" xmlns:p14="http://schemas.microsoft.com/office/powerpoint/2010/main" xmlns:p15="http://schemas.microsoft.com/office/powerpoint/2012/main" xmlns:mc="http://schemas.openxmlformats.org/markup-compatibility/2006" type="fourObj" preserve="1">
+  <p:cSld name="Title, 4 Content">
+    <p:spTree>
+      <p:nvGrpSpPr>
+        <p:cNvPr id="1" name=""/>
+        <p:cNvGrpSpPr/>
+        <p:nvPr/>
+      </p:nvGrpSpPr>
+      <p:grpSpPr>
+        <a:xfrm>
+          <a:off x="0" y="0"/>
+          <a:ext cx="0" cy="0"/>
+          <a:chOff x="0" y="0"/>
+          <a:chExt cx="0" cy="0"/>
+        </a:xfrm>
+      </p:grpSpPr>
+      <p:sp>
+        <p:nvSpPr>
+          <p:cNvPr id="64" name="PlaceHolder 1"/>
+          <p:cNvSpPr>
+            <a:spLocks noGrp="1"/>
+          </p:cNvSpPr>
+          <p:nvPr>
+            <p:ph type="title"/>
+          </p:nvPr>
+        </p:nvSpPr>
+        <p:spPr>
+          <a:xfrm>
+            <a:off x="457200" y="274320"/>
+            <a:ext cx="8229240" cy="1142640"/>
+          </a:xfrm>
+          <a:prstGeom prst="rect">
+            <a:avLst/>
+          </a:prstGeom>
+        </p:spPr>
+        <p:txBody>
+          <a:bodyPr lIns="0" rIns="0" tIns="0" bIns="0" anchor="ctr"/>
+          <a:p>
+            <a:pPr algn="ctr"/>
+            <a:endParaRPr b="0" lang="en-US" sz="4400" spc="-1" strike="noStrike">
+              <a:latin typeface="Arial"/>
+            </a:endParaRPr>
+          </a:p>
+        </p:txBody>
+      </p:sp>
+      <p:sp>
+        <p:nvSpPr>
+          <p:cNvPr id="65" name="PlaceHolder 2"/>
+          <p:cNvSpPr>
+            <a:spLocks noGrp="1"/>
+          </p:cNvSpPr>
+          <p:nvPr>
+            <p:ph type="body"/>
+          </p:nvPr>
+        </p:nvSpPr>
+        <p:spPr>
+          <a:xfrm>
+            <a:off x="457200" y="1600200"/>
+            <a:ext cx="4015800" cy="2158560"/>
+          </a:xfrm>
+          <a:prstGeom prst="rect">
+            <a:avLst/>
+          </a:prstGeom>
+        </p:spPr>
+        <p:txBody>
+          <a:bodyPr lIns="0" rIns="0" tIns="0" bIns="0">
+            <a:normAutofit/>
+          </a:bodyPr>
+          <a:p>
+            <a:endParaRPr b="0" lang="en-US" sz="3200" spc="-1" strike="noStrike">
+              <a:latin typeface="Arial"/>
+            </a:endParaRPr>
+          </a:p>
+        </p:txBody>
+      </p:sp>
+      <p:sp>
+        <p:nvSpPr>
+          <p:cNvPr id="66" name="PlaceHolder 3"/>
+          <p:cNvSpPr>
+            <a:spLocks noGrp="1"/>
+          </p:cNvSpPr>
+          <p:nvPr>
+            <p:ph type="body"/>
+          </p:nvPr>
+        </p:nvSpPr>
+        <p:spPr>
+          <a:xfrm>
+            <a:off x="4674240" y="1600200"/>
+            <a:ext cx="4015800" cy="2158560"/>
+          </a:xfrm>
+          <a:prstGeom prst="rect">
+            <a:avLst/>
+          </a:prstGeom>
+        </p:spPr>
+        <p:txBody>
+          <a:bodyPr lIns="0" rIns="0" tIns="0" bIns="0">
+            <a:normAutofit/>
+          </a:bodyPr>
+          <a:p>
+            <a:endParaRPr b="0" lang="en-US" sz="3200" spc="-1" strike="noStrike">
+              <a:latin typeface="Arial"/>
+            </a:endParaRPr>
+          </a:p>
+        </p:txBody>
+      </p:sp>
+      <p:sp>
+        <p:nvSpPr>
+          <p:cNvPr id="67" name="PlaceHolder 4"/>
+          <p:cNvSpPr>
+            <a:spLocks noGrp="1"/>
+          </p:cNvSpPr>
+          <p:nvPr>
+            <p:ph type="body"/>
+          </p:nvPr>
+        </p:nvSpPr>
+        <p:spPr>
+          <a:xfrm>
+            <a:off x="457200" y="3964320"/>
+            <a:ext cx="4015800" cy="2158560"/>
+          </a:xfrm>
+          <a:prstGeom prst="rect">
+            <a:avLst/>
+          </a:prstGeom>
+        </p:spPr>
+        <p:txBody>
+          <a:bodyPr lIns="0" rIns="0" tIns="0" bIns="0">
+            <a:normAutofit/>
+          </a:bodyPr>
+          <a:p>
+            <a:endParaRPr b="0" lang="en-US" sz="3200" spc="-1" strike="noStrike">
+              <a:latin typeface="Arial"/>
+            </a:endParaRPr>
+          </a:p>
+        </p:txBody>
+      </p:sp>
+      <p:sp>
+        <p:nvSpPr>
+          <p:cNvPr id="68" name="PlaceHolder 5"/>
+          <p:cNvSpPr>
+            <a:spLocks noGrp="1"/>
+          </p:cNvSpPr>
+          <p:nvPr>
+            <p:ph type="body"/>
+          </p:nvPr>
+        </p:nvSpPr>
+        <p:spPr>
+          <a:xfrm>
+            <a:off x="4674240" y="3964320"/>
+            <a:ext cx="4015800" cy="2158560"/>
+          </a:xfrm>
+          <a:prstGeom prst="rect">
+            <a:avLst/>
+          </a:prstGeom>
+        </p:spPr>
+        <p:txBody>
+          <a:bodyPr lIns="0" rIns="0" tIns="0" bIns="0">
+            <a:normAutofit/>
+          </a:bodyPr>
+          <a:p>
+            <a:endParaRPr b="0" lang="en-US" sz="3200" spc="-1" strike="noStrike">
+              <a:latin typeface="Arial"/>
+            </a:endParaRPr>
+          </a:p>
+        </p:txBody>
+      </p:sp>
+    </p:spTree>
+  </p:cSld>
+</p:sldLayout>
+</file>
+
+<file path=ppt/slideLayouts/slideLayout24.xml><?xml version="1.0" encoding="utf-8"?>
+<p:sldLayout xmlns:a="http://schemas.openxmlformats.org/drawingml/2006/main" xmlns:p="http://schemas.openxmlformats.org/presentationml/2006/main" xmlns:r="http://schemas.openxmlformats.org/officeDocument/2006/relationships" xmlns:p14="http://schemas.microsoft.com/office/powerpoint/2010/main" xmlns:p15="http://schemas.microsoft.com/office/powerpoint/2012/main" xmlns:mc="http://schemas.openxmlformats.org/markup-compatibility/2006" type="blank" preserve="1">
+  <p:cSld name="Title, 6 Content">
+    <p:spTree>
+      <p:nvGrpSpPr>
+        <p:cNvPr id="1" name=""/>
+        <p:cNvGrpSpPr/>
+        <p:nvPr/>
+      </p:nvGrpSpPr>
+      <p:grpSpPr>
+        <a:xfrm>
+          <a:off x="0" y="0"/>
+          <a:ext cx="0" cy="0"/>
+          <a:chOff x="0" y="0"/>
+          <a:chExt cx="0" cy="0"/>
+        </a:xfrm>
+      </p:grpSpPr>
+      <p:sp>
+        <p:nvSpPr>
+          <p:cNvPr id="69" name="PlaceHolder 1"/>
+          <p:cNvSpPr>
+            <a:spLocks noGrp="1"/>
+          </p:cNvSpPr>
+          <p:nvPr>
+            <p:ph type="title"/>
+          </p:nvPr>
+        </p:nvSpPr>
+        <p:spPr>
+          <a:xfrm>
+            <a:off x="457200" y="274320"/>
+            <a:ext cx="8229240" cy="1142640"/>
+          </a:xfrm>
+          <a:prstGeom prst="rect">
+            <a:avLst/>
+          </a:prstGeom>
+        </p:spPr>
+        <p:txBody>
+          <a:bodyPr lIns="0" rIns="0" tIns="0" bIns="0" anchor="ctr"/>
+          <a:p>
+            <a:pPr algn="ctr"/>
+            <a:endParaRPr b="0" lang="en-US" sz="4400" spc="-1" strike="noStrike">
+              <a:latin typeface="Arial"/>
+            </a:endParaRPr>
+          </a:p>
+        </p:txBody>
+      </p:sp>
+      <p:sp>
+        <p:nvSpPr>
+          <p:cNvPr id="70" name="PlaceHolder 2"/>
+          <p:cNvSpPr>
+            <a:spLocks noGrp="1"/>
+          </p:cNvSpPr>
+          <p:nvPr>
+            <p:ph type="body"/>
+          </p:nvPr>
+        </p:nvSpPr>
+        <p:spPr>
+          <a:xfrm>
+            <a:off x="457200" y="1600200"/>
+            <a:ext cx="2649600" cy="2158560"/>
+          </a:xfrm>
+          <a:prstGeom prst="rect">
+            <a:avLst/>
+          </a:prstGeom>
+        </p:spPr>
+        <p:txBody>
+          <a:bodyPr lIns="0" rIns="0" tIns="0" bIns="0">
+            <a:normAutofit/>
+          </a:bodyPr>
+          <a:p>
+            <a:endParaRPr b="0" lang="en-US" sz="3200" spc="-1" strike="noStrike">
+              <a:latin typeface="Arial"/>
+            </a:endParaRPr>
+          </a:p>
+        </p:txBody>
+      </p:sp>
+      <p:sp>
+        <p:nvSpPr>
+          <p:cNvPr id="71" name="PlaceHolder 3"/>
+          <p:cNvSpPr>
+            <a:spLocks noGrp="1"/>
+          </p:cNvSpPr>
+          <p:nvPr>
+            <p:ph type="body"/>
+          </p:nvPr>
+        </p:nvSpPr>
+        <p:spPr>
+          <a:xfrm>
+            <a:off x="3239640" y="1600200"/>
+            <a:ext cx="2649600" cy="2158560"/>
+          </a:xfrm>
+          <a:prstGeom prst="rect">
+            <a:avLst/>
+          </a:prstGeom>
+        </p:spPr>
+        <p:txBody>
+          <a:bodyPr lIns="0" rIns="0" tIns="0" bIns="0">
+            <a:normAutofit/>
+          </a:bodyPr>
+          <a:p>
+            <a:endParaRPr b="0" lang="en-US" sz="3200" spc="-1" strike="noStrike">
+              <a:latin typeface="Arial"/>
+            </a:endParaRPr>
+          </a:p>
+        </p:txBody>
+      </p:sp>
+      <p:sp>
+        <p:nvSpPr>
+          <p:cNvPr id="72" name="PlaceHolder 4"/>
+          <p:cNvSpPr>
+            <a:spLocks noGrp="1"/>
+          </p:cNvSpPr>
+          <p:nvPr>
+            <p:ph type="body"/>
+          </p:nvPr>
+        </p:nvSpPr>
+        <p:spPr>
+          <a:xfrm>
+            <a:off x="6022080" y="1600200"/>
+            <a:ext cx="2649600" cy="2158560"/>
+          </a:xfrm>
+          <a:prstGeom prst="rect">
+            <a:avLst/>
+          </a:prstGeom>
+        </p:spPr>
+        <p:txBody>
+          <a:bodyPr lIns="0" rIns="0" tIns="0" bIns="0">
+            <a:normAutofit/>
+          </a:bodyPr>
+          <a:p>
+            <a:endParaRPr b="0" lang="en-US" sz="3200" spc="-1" strike="noStrike">
+              <a:latin typeface="Arial"/>
+            </a:endParaRPr>
+          </a:p>
+        </p:txBody>
+      </p:sp>
+      <p:sp>
+        <p:nvSpPr>
+          <p:cNvPr id="73" name="PlaceHolder 5"/>
+          <p:cNvSpPr>
+            <a:spLocks noGrp="1"/>
+          </p:cNvSpPr>
+          <p:nvPr>
+            <p:ph type="body"/>
+          </p:nvPr>
+        </p:nvSpPr>
+        <p:spPr>
+          <a:xfrm>
+            <a:off x="457200" y="3964320"/>
+            <a:ext cx="2649600" cy="2158560"/>
+          </a:xfrm>
+          <a:prstGeom prst="rect">
+            <a:avLst/>
+          </a:prstGeom>
+        </p:spPr>
+        <p:txBody>
+          <a:bodyPr lIns="0" rIns="0" tIns="0" bIns="0">
+            <a:normAutofit/>
+          </a:bodyPr>
+          <a:p>
+            <a:endParaRPr b="0" lang="en-US" sz="3200" spc="-1" strike="noStrike">
+              <a:latin typeface="Arial"/>
+            </a:endParaRPr>
+          </a:p>
+        </p:txBody>
+      </p:sp>
+      <p:sp>
+        <p:nvSpPr>
+          <p:cNvPr id="74" name="PlaceHolder 6"/>
+          <p:cNvSpPr>
+            <a:spLocks noGrp="1"/>
+          </p:cNvSpPr>
+          <p:nvPr>
+            <p:ph type="body"/>
+          </p:nvPr>
+        </p:nvSpPr>
+        <p:spPr>
+          <a:xfrm>
+            <a:off x="3239640" y="3964320"/>
+            <a:ext cx="2649600" cy="2158560"/>
+          </a:xfrm>
+          <a:prstGeom prst="rect">
+            <a:avLst/>
+          </a:prstGeom>
+        </p:spPr>
+        <p:txBody>
+          <a:bodyPr lIns="0" rIns="0" tIns="0" bIns="0">
+            <a:normAutofit/>
+          </a:bodyPr>
+          <a:p>
+            <a:endParaRPr b="0" lang="en-US" sz="3200" spc="-1" strike="noStrike">
+              <a:latin typeface="Arial"/>
+            </a:endParaRPr>
+          </a:p>
+        </p:txBody>
+      </p:sp>
+      <p:sp>
+        <p:nvSpPr>
+          <p:cNvPr id="75" name="PlaceHolder 7"/>
+          <p:cNvSpPr>
+            <a:spLocks noGrp="1"/>
+          </p:cNvSpPr>
+          <p:nvPr>
+            <p:ph type="body"/>
+          </p:nvPr>
+        </p:nvSpPr>
+        <p:spPr>
+          <a:xfrm>
+            <a:off x="6022080" y="3964320"/>
+            <a:ext cx="2649600" cy="2158560"/>
+          </a:xfrm>
+          <a:prstGeom prst="rect">
+            <a:avLst/>
+          </a:prstGeom>
+        </p:spPr>
+        <p:txBody>
+          <a:bodyPr lIns="0" rIns="0" tIns="0" bIns="0">
+            <a:normAutofit/>
+          </a:bodyPr>
+          <a:p>
+            <a:endParaRPr b="0" lang="en-US" sz="3200" spc="-1" strike="noStrike">
               <a:latin typeface="Arial"/>
             </a:endParaRPr>
           </a:p>
@@ -714,7 +1992,7 @@
       </p:grpSpPr>
       <p:sp>
         <p:nvSpPr>
-          <p:cNvPr id="7" name="PlaceHolder 1"/>
+          <p:cNvPr id="4" name="PlaceHolder 1"/>
           <p:cNvSpPr>
             <a:spLocks noGrp="1"/>
           </p:cNvSpPr>
@@ -725,28 +2003,25 @@
         <p:spPr>
           <a:xfrm>
             <a:off x="457200" y="274320"/>
-            <a:ext cx="8229600" cy="1143000"/>
-          </a:xfrm>
-          <a:prstGeom prst="rect">
-            <a:avLst/>
-          </a:prstGeom>
-        </p:spPr>
-        <p:txBody>
-          <a:bodyPr lIns="90000" rIns="90000" tIns="46800" bIns="46800" anchor="ctr"/>
+            <a:ext cx="8229240" cy="1142640"/>
+          </a:xfrm>
+          <a:prstGeom prst="rect">
+            <a:avLst/>
+          </a:prstGeom>
+        </p:spPr>
+        <p:txBody>
+          <a:bodyPr lIns="0" rIns="0" tIns="0" bIns="0" anchor="ctr"/>
           <a:p>
             <a:pPr algn="ctr"/>
             <a:endParaRPr b="0" lang="en-US" sz="4400" spc="-1" strike="noStrike">
-              <a:solidFill>
-                <a:srgbClr val="000000"/>
-              </a:solidFill>
-              <a:latin typeface="Arial"/>
-            </a:endParaRPr>
-          </a:p>
-        </p:txBody>
-      </p:sp>
-      <p:sp>
-        <p:nvSpPr>
-          <p:cNvPr id="8" name="PlaceHolder 2"/>
+              <a:latin typeface="Arial"/>
+            </a:endParaRPr>
+          </a:p>
+        </p:txBody>
+      </p:sp>
+      <p:sp>
+        <p:nvSpPr>
+          <p:cNvPr id="5" name="PlaceHolder 2"/>
           <p:cNvSpPr>
             <a:spLocks noGrp="1"/>
           </p:cNvSpPr>
@@ -757,21 +2032,18 @@
         <p:spPr>
           <a:xfrm>
             <a:off x="457200" y="1600200"/>
-            <a:ext cx="8229600" cy="4525920"/>
-          </a:xfrm>
-          <a:prstGeom prst="rect">
-            <a:avLst/>
-          </a:prstGeom>
-        </p:spPr>
-        <p:txBody>
-          <a:bodyPr lIns="90000" rIns="90000" tIns="46800" bIns="46800">
+            <a:ext cx="8229240" cy="4525560"/>
+          </a:xfrm>
+          <a:prstGeom prst="rect">
+            <a:avLst/>
+          </a:prstGeom>
+        </p:spPr>
+        <p:txBody>
+          <a:bodyPr lIns="0" rIns="0" tIns="0" bIns="0">
             <a:normAutofit/>
           </a:bodyPr>
           <a:p>
             <a:endParaRPr b="0" lang="en-US" sz="3200" spc="-1" strike="noStrike">
-              <a:solidFill>
-                <a:srgbClr val="000000"/>
-              </a:solidFill>
               <a:latin typeface="Arial"/>
             </a:endParaRPr>
           </a:p>
@@ -801,7 +2073,7 @@
       </p:grpSpPr>
       <p:sp>
         <p:nvSpPr>
-          <p:cNvPr id="9" name="PlaceHolder 1"/>
+          <p:cNvPr id="6" name="PlaceHolder 1"/>
           <p:cNvSpPr>
             <a:spLocks noGrp="1"/>
           </p:cNvSpPr>
@@ -812,28 +2084,25 @@
         <p:spPr>
           <a:xfrm>
             <a:off x="457200" y="274320"/>
-            <a:ext cx="8229600" cy="1143000"/>
-          </a:xfrm>
-          <a:prstGeom prst="rect">
-            <a:avLst/>
-          </a:prstGeom>
-        </p:spPr>
-        <p:txBody>
-          <a:bodyPr lIns="90000" rIns="90000" tIns="46800" bIns="46800" anchor="ctr"/>
+            <a:ext cx="8229240" cy="1142640"/>
+          </a:xfrm>
+          <a:prstGeom prst="rect">
+            <a:avLst/>
+          </a:prstGeom>
+        </p:spPr>
+        <p:txBody>
+          <a:bodyPr lIns="0" rIns="0" tIns="0" bIns="0" anchor="ctr"/>
           <a:p>
             <a:pPr algn="ctr"/>
             <a:endParaRPr b="0" lang="en-US" sz="4400" spc="-1" strike="noStrike">
-              <a:solidFill>
-                <a:srgbClr val="000000"/>
-              </a:solidFill>
-              <a:latin typeface="Arial"/>
-            </a:endParaRPr>
-          </a:p>
-        </p:txBody>
-      </p:sp>
-      <p:sp>
-        <p:nvSpPr>
-          <p:cNvPr id="10" name="PlaceHolder 2"/>
+              <a:latin typeface="Arial"/>
+            </a:endParaRPr>
+          </a:p>
+        </p:txBody>
+      </p:sp>
+      <p:sp>
+        <p:nvSpPr>
+          <p:cNvPr id="7" name="PlaceHolder 2"/>
           <p:cNvSpPr>
             <a:spLocks noGrp="1"/>
           </p:cNvSpPr>
@@ -844,29 +2113,26 @@
         <p:spPr>
           <a:xfrm>
             <a:off x="457200" y="1600200"/>
-            <a:ext cx="4015800" cy="4525920"/>
-          </a:xfrm>
-          <a:prstGeom prst="rect">
-            <a:avLst/>
-          </a:prstGeom>
-        </p:spPr>
-        <p:txBody>
-          <a:bodyPr lIns="90000" rIns="90000" tIns="46800" bIns="46800">
+            <a:ext cx="4015800" cy="4525560"/>
+          </a:xfrm>
+          <a:prstGeom prst="rect">
+            <a:avLst/>
+          </a:prstGeom>
+        </p:spPr>
+        <p:txBody>
+          <a:bodyPr lIns="0" rIns="0" tIns="0" bIns="0">
             <a:normAutofit/>
           </a:bodyPr>
           <a:p>
             <a:endParaRPr b="0" lang="en-US" sz="3200" spc="-1" strike="noStrike">
-              <a:solidFill>
-                <a:srgbClr val="000000"/>
-              </a:solidFill>
-              <a:latin typeface="Arial"/>
-            </a:endParaRPr>
-          </a:p>
-        </p:txBody>
-      </p:sp>
-      <p:sp>
-        <p:nvSpPr>
-          <p:cNvPr id="11" name="PlaceHolder 3"/>
+              <a:latin typeface="Arial"/>
+            </a:endParaRPr>
+          </a:p>
+        </p:txBody>
+      </p:sp>
+      <p:sp>
+        <p:nvSpPr>
+          <p:cNvPr id="8" name="PlaceHolder 3"/>
           <p:cNvSpPr>
             <a:spLocks noGrp="1"/>
           </p:cNvSpPr>
@@ -877,21 +2143,18 @@
         <p:spPr>
           <a:xfrm>
             <a:off x="4674240" y="1600200"/>
-            <a:ext cx="4015800" cy="4525920"/>
-          </a:xfrm>
-          <a:prstGeom prst="rect">
-            <a:avLst/>
-          </a:prstGeom>
-        </p:spPr>
-        <p:txBody>
-          <a:bodyPr lIns="90000" rIns="90000" tIns="46800" bIns="46800">
+            <a:ext cx="4015800" cy="4525560"/>
+          </a:xfrm>
+          <a:prstGeom prst="rect">
+            <a:avLst/>
+          </a:prstGeom>
+        </p:spPr>
+        <p:txBody>
+          <a:bodyPr lIns="0" rIns="0" tIns="0" bIns="0">
             <a:normAutofit/>
           </a:bodyPr>
           <a:p>
             <a:endParaRPr b="0" lang="en-US" sz="3200" spc="-1" strike="noStrike">
-              <a:solidFill>
-                <a:srgbClr val="000000"/>
-              </a:solidFill>
               <a:latin typeface="Arial"/>
             </a:endParaRPr>
           </a:p>
@@ -921,7 +2184,7 @@
       </p:grpSpPr>
       <p:sp>
         <p:nvSpPr>
-          <p:cNvPr id="12" name="PlaceHolder 1"/>
+          <p:cNvPr id="9" name="PlaceHolder 1"/>
           <p:cNvSpPr>
             <a:spLocks noGrp="1"/>
           </p:cNvSpPr>
@@ -932,20 +2195,17 @@
         <p:spPr>
           <a:xfrm>
             <a:off x="457200" y="274320"/>
-            <a:ext cx="8229600" cy="1143000"/>
-          </a:xfrm>
-          <a:prstGeom prst="rect">
-            <a:avLst/>
-          </a:prstGeom>
-        </p:spPr>
-        <p:txBody>
-          <a:bodyPr lIns="90000" rIns="90000" tIns="46800" bIns="46800" anchor="ctr"/>
+            <a:ext cx="8229240" cy="1142640"/>
+          </a:xfrm>
+          <a:prstGeom prst="rect">
+            <a:avLst/>
+          </a:prstGeom>
+        </p:spPr>
+        <p:txBody>
+          <a:bodyPr lIns="0" rIns="0" tIns="0" bIns="0" anchor="ctr"/>
           <a:p>
             <a:pPr algn="ctr"/>
             <a:endParaRPr b="0" lang="en-US" sz="4400" spc="-1" strike="noStrike">
-              <a:solidFill>
-                <a:srgbClr val="000000"/>
-              </a:solidFill>
               <a:latin typeface="Arial"/>
             </a:endParaRPr>
           </a:p>
@@ -975,7 +2235,7 @@
       </p:grpSpPr>
       <p:sp>
         <p:nvSpPr>
-          <p:cNvPr id="13" name="PlaceHolder 1"/>
+          <p:cNvPr id="10" name="PlaceHolder 1"/>
           <p:cNvSpPr>
             <a:spLocks noGrp="1"/>
           </p:cNvSpPr>
@@ -986,7 +2246,7 @@
         <p:spPr>
           <a:xfrm>
             <a:off x="457200" y="274320"/>
-            <a:ext cx="8229600" cy="5299560"/>
+            <a:ext cx="8229240" cy="5297760"/>
           </a:xfrm>
           <a:prstGeom prst="rect">
             <a:avLst/>
@@ -995,15 +2255,8 @@
         <p:txBody>
           <a:bodyPr lIns="0" rIns="0" tIns="0" bIns="0" anchor="ctr"/>
           <a:p>
-            <a:pPr algn="ctr">
-              <a:spcBef>
-                <a:spcPts val="799"/>
-              </a:spcBef>
-            </a:pPr>
-            <a:endParaRPr b="0" lang="en-US" sz="3200" spc="-1" strike="noStrike">
-              <a:solidFill>
-                <a:srgbClr val="000000"/>
-              </a:solidFill>
+            <a:pPr algn="ctr"/>
+            <a:endParaRPr b="0" lang="en-US" sz="3200" spc="-1" strike="noStrike">
               <a:latin typeface="Arial"/>
             </a:endParaRPr>
           </a:p>
@@ -1033,7 +2286,7 @@
       </p:grpSpPr>
       <p:sp>
         <p:nvSpPr>
-          <p:cNvPr id="14" name="PlaceHolder 1"/>
+          <p:cNvPr id="11" name="PlaceHolder 1"/>
           <p:cNvSpPr>
             <a:spLocks noGrp="1"/>
           </p:cNvSpPr>
@@ -1044,28 +2297,25 @@
         <p:spPr>
           <a:xfrm>
             <a:off x="457200" y="274320"/>
-            <a:ext cx="8229600" cy="1143000"/>
-          </a:xfrm>
-          <a:prstGeom prst="rect">
-            <a:avLst/>
-          </a:prstGeom>
-        </p:spPr>
-        <p:txBody>
-          <a:bodyPr lIns="90000" rIns="90000" tIns="46800" bIns="46800" anchor="ctr"/>
+            <a:ext cx="8229240" cy="1142640"/>
+          </a:xfrm>
+          <a:prstGeom prst="rect">
+            <a:avLst/>
+          </a:prstGeom>
+        </p:spPr>
+        <p:txBody>
+          <a:bodyPr lIns="0" rIns="0" tIns="0" bIns="0" anchor="ctr"/>
           <a:p>
             <a:pPr algn="ctr"/>
             <a:endParaRPr b="0" lang="en-US" sz="4400" spc="-1" strike="noStrike">
-              <a:solidFill>
-                <a:srgbClr val="000000"/>
-              </a:solidFill>
-              <a:latin typeface="Arial"/>
-            </a:endParaRPr>
-          </a:p>
-        </p:txBody>
-      </p:sp>
-      <p:sp>
-        <p:nvSpPr>
-          <p:cNvPr id="15" name="PlaceHolder 2"/>
+              <a:latin typeface="Arial"/>
+            </a:endParaRPr>
+          </a:p>
+        </p:txBody>
+      </p:sp>
+      <p:sp>
+        <p:nvSpPr>
+          <p:cNvPr id="12" name="PlaceHolder 2"/>
           <p:cNvSpPr>
             <a:spLocks noGrp="1"/>
           </p:cNvSpPr>
@@ -1083,22 +2333,19 @@
           </a:prstGeom>
         </p:spPr>
         <p:txBody>
-          <a:bodyPr lIns="90000" rIns="90000" tIns="46800" bIns="46800">
+          <a:bodyPr lIns="0" rIns="0" tIns="0" bIns="0">
             <a:normAutofit/>
           </a:bodyPr>
           <a:p>
             <a:endParaRPr b="0" lang="en-US" sz="3200" spc="-1" strike="noStrike">
-              <a:solidFill>
-                <a:srgbClr val="000000"/>
-              </a:solidFill>
-              <a:latin typeface="Arial"/>
-            </a:endParaRPr>
-          </a:p>
-        </p:txBody>
-      </p:sp>
-      <p:sp>
-        <p:nvSpPr>
-          <p:cNvPr id="16" name="PlaceHolder 3"/>
+              <a:latin typeface="Arial"/>
+            </a:endParaRPr>
+          </a:p>
+        </p:txBody>
+      </p:sp>
+      <p:sp>
+        <p:nvSpPr>
+          <p:cNvPr id="13" name="PlaceHolder 3"/>
           <p:cNvSpPr>
             <a:spLocks noGrp="1"/>
           </p:cNvSpPr>
@@ -1109,29 +2356,26 @@
         <p:spPr>
           <a:xfrm>
             <a:off x="4674240" y="1600200"/>
-            <a:ext cx="4015800" cy="4525920"/>
-          </a:xfrm>
-          <a:prstGeom prst="rect">
-            <a:avLst/>
-          </a:prstGeom>
-        </p:spPr>
-        <p:txBody>
-          <a:bodyPr lIns="90000" rIns="90000" tIns="46800" bIns="46800">
+            <a:ext cx="4015800" cy="4525560"/>
+          </a:xfrm>
+          <a:prstGeom prst="rect">
+            <a:avLst/>
+          </a:prstGeom>
+        </p:spPr>
+        <p:txBody>
+          <a:bodyPr lIns="0" rIns="0" tIns="0" bIns="0">
             <a:normAutofit/>
           </a:bodyPr>
           <a:p>
             <a:endParaRPr b="0" lang="en-US" sz="3200" spc="-1" strike="noStrike">
-              <a:solidFill>
-                <a:srgbClr val="000000"/>
-              </a:solidFill>
-              <a:latin typeface="Arial"/>
-            </a:endParaRPr>
-          </a:p>
-        </p:txBody>
-      </p:sp>
-      <p:sp>
-        <p:nvSpPr>
-          <p:cNvPr id="17" name="PlaceHolder 4"/>
+              <a:latin typeface="Arial"/>
+            </a:endParaRPr>
+          </a:p>
+        </p:txBody>
+      </p:sp>
+      <p:sp>
+        <p:nvSpPr>
+          <p:cNvPr id="14" name="PlaceHolder 4"/>
           <p:cNvSpPr>
             <a:spLocks noGrp="1"/>
           </p:cNvSpPr>
@@ -1149,14 +2393,11 @@
           </a:prstGeom>
         </p:spPr>
         <p:txBody>
-          <a:bodyPr lIns="90000" rIns="90000" tIns="46800" bIns="46800">
+          <a:bodyPr lIns="0" rIns="0" tIns="0" bIns="0">
             <a:normAutofit/>
           </a:bodyPr>
           <a:p>
             <a:endParaRPr b="0" lang="en-US" sz="3200" spc="-1" strike="noStrike">
-              <a:solidFill>
-                <a:srgbClr val="000000"/>
-              </a:solidFill>
               <a:latin typeface="Arial"/>
             </a:endParaRPr>
           </a:p>
@@ -1186,7 +2427,7 @@
       </p:grpSpPr>
       <p:sp>
         <p:nvSpPr>
-          <p:cNvPr id="18" name="PlaceHolder 1"/>
+          <p:cNvPr id="15" name="PlaceHolder 1"/>
           <p:cNvSpPr>
             <a:spLocks noGrp="1"/>
           </p:cNvSpPr>
@@ -1197,28 +2438,25 @@
         <p:spPr>
           <a:xfrm>
             <a:off x="457200" y="274320"/>
-            <a:ext cx="8229600" cy="1143000"/>
-          </a:xfrm>
-          <a:prstGeom prst="rect">
-            <a:avLst/>
-          </a:prstGeom>
-        </p:spPr>
-        <p:txBody>
-          <a:bodyPr lIns="90000" rIns="90000" tIns="46800" bIns="46800" anchor="ctr"/>
+            <a:ext cx="8229240" cy="1142640"/>
+          </a:xfrm>
+          <a:prstGeom prst="rect">
+            <a:avLst/>
+          </a:prstGeom>
+        </p:spPr>
+        <p:txBody>
+          <a:bodyPr lIns="0" rIns="0" tIns="0" bIns="0" anchor="ctr"/>
           <a:p>
             <a:pPr algn="ctr"/>
             <a:endParaRPr b="0" lang="en-US" sz="4400" spc="-1" strike="noStrike">
-              <a:solidFill>
-                <a:srgbClr val="000000"/>
-              </a:solidFill>
-              <a:latin typeface="Arial"/>
-            </a:endParaRPr>
-          </a:p>
-        </p:txBody>
-      </p:sp>
-      <p:sp>
-        <p:nvSpPr>
-          <p:cNvPr id="19" name="PlaceHolder 2"/>
+              <a:latin typeface="Arial"/>
+            </a:endParaRPr>
+          </a:p>
+        </p:txBody>
+      </p:sp>
+      <p:sp>
+        <p:nvSpPr>
+          <p:cNvPr id="16" name="PlaceHolder 2"/>
           <p:cNvSpPr>
             <a:spLocks noGrp="1"/>
           </p:cNvSpPr>
@@ -1229,29 +2467,26 @@
         <p:spPr>
           <a:xfrm>
             <a:off x="457200" y="1600200"/>
-            <a:ext cx="4015800" cy="4525920"/>
-          </a:xfrm>
-          <a:prstGeom prst="rect">
-            <a:avLst/>
-          </a:prstGeom>
-        </p:spPr>
-        <p:txBody>
-          <a:bodyPr lIns="90000" rIns="90000" tIns="46800" bIns="46800">
+            <a:ext cx="4015800" cy="4525560"/>
+          </a:xfrm>
+          <a:prstGeom prst="rect">
+            <a:avLst/>
+          </a:prstGeom>
+        </p:spPr>
+        <p:txBody>
+          <a:bodyPr lIns="0" rIns="0" tIns="0" bIns="0">
             <a:normAutofit/>
           </a:bodyPr>
           <a:p>
             <a:endParaRPr b="0" lang="en-US" sz="3200" spc="-1" strike="noStrike">
-              <a:solidFill>
-                <a:srgbClr val="000000"/>
-              </a:solidFill>
-              <a:latin typeface="Arial"/>
-            </a:endParaRPr>
-          </a:p>
-        </p:txBody>
-      </p:sp>
-      <p:sp>
-        <p:nvSpPr>
-          <p:cNvPr id="20" name="PlaceHolder 3"/>
+              <a:latin typeface="Arial"/>
+            </a:endParaRPr>
+          </a:p>
+        </p:txBody>
+      </p:sp>
+      <p:sp>
+        <p:nvSpPr>
+          <p:cNvPr id="17" name="PlaceHolder 3"/>
           <p:cNvSpPr>
             <a:spLocks noGrp="1"/>
           </p:cNvSpPr>
@@ -1269,22 +2504,19 @@
           </a:prstGeom>
         </p:spPr>
         <p:txBody>
-          <a:bodyPr lIns="90000" rIns="90000" tIns="46800" bIns="46800">
+          <a:bodyPr lIns="0" rIns="0" tIns="0" bIns="0">
             <a:normAutofit/>
           </a:bodyPr>
           <a:p>
             <a:endParaRPr b="0" lang="en-US" sz="3200" spc="-1" strike="noStrike">
-              <a:solidFill>
-                <a:srgbClr val="000000"/>
-              </a:solidFill>
-              <a:latin typeface="Arial"/>
-            </a:endParaRPr>
-          </a:p>
-        </p:txBody>
-      </p:sp>
-      <p:sp>
-        <p:nvSpPr>
-          <p:cNvPr id="21" name="PlaceHolder 4"/>
+              <a:latin typeface="Arial"/>
+            </a:endParaRPr>
+          </a:p>
+        </p:txBody>
+      </p:sp>
+      <p:sp>
+        <p:nvSpPr>
+          <p:cNvPr id="18" name="PlaceHolder 4"/>
           <p:cNvSpPr>
             <a:spLocks noGrp="1"/>
           </p:cNvSpPr>
@@ -1302,14 +2534,11 @@
           </a:prstGeom>
         </p:spPr>
         <p:txBody>
-          <a:bodyPr lIns="90000" rIns="90000" tIns="46800" bIns="46800">
+          <a:bodyPr lIns="0" rIns="0" tIns="0" bIns="0">
             <a:normAutofit/>
           </a:bodyPr>
           <a:p>
             <a:endParaRPr b="0" lang="en-US" sz="3200" spc="-1" strike="noStrike">
-              <a:solidFill>
-                <a:srgbClr val="000000"/>
-              </a:solidFill>
               <a:latin typeface="Arial"/>
             </a:endParaRPr>
           </a:p>
@@ -1339,7 +2568,7 @@
       </p:grpSpPr>
       <p:sp>
         <p:nvSpPr>
-          <p:cNvPr id="22" name="PlaceHolder 1"/>
+          <p:cNvPr id="19" name="PlaceHolder 1"/>
           <p:cNvSpPr>
             <a:spLocks noGrp="1"/>
           </p:cNvSpPr>
@@ -1350,28 +2579,25 @@
         <p:spPr>
           <a:xfrm>
             <a:off x="457200" y="274320"/>
-            <a:ext cx="8229600" cy="1143000"/>
-          </a:xfrm>
-          <a:prstGeom prst="rect">
-            <a:avLst/>
-          </a:prstGeom>
-        </p:spPr>
-        <p:txBody>
-          <a:bodyPr lIns="90000" rIns="90000" tIns="46800" bIns="46800" anchor="ctr"/>
+            <a:ext cx="8229240" cy="1142640"/>
+          </a:xfrm>
+          <a:prstGeom prst="rect">
+            <a:avLst/>
+          </a:prstGeom>
+        </p:spPr>
+        <p:txBody>
+          <a:bodyPr lIns="0" rIns="0" tIns="0" bIns="0" anchor="ctr"/>
           <a:p>
             <a:pPr algn="ctr"/>
             <a:endParaRPr b="0" lang="en-US" sz="4400" spc="-1" strike="noStrike">
-              <a:solidFill>
-                <a:srgbClr val="000000"/>
-              </a:solidFill>
-              <a:latin typeface="Arial"/>
-            </a:endParaRPr>
-          </a:p>
-        </p:txBody>
-      </p:sp>
-      <p:sp>
-        <p:nvSpPr>
-          <p:cNvPr id="23" name="PlaceHolder 2"/>
+              <a:latin typeface="Arial"/>
+            </a:endParaRPr>
+          </a:p>
+        </p:txBody>
+      </p:sp>
+      <p:sp>
+        <p:nvSpPr>
+          <p:cNvPr id="20" name="PlaceHolder 2"/>
           <p:cNvSpPr>
             <a:spLocks noGrp="1"/>
           </p:cNvSpPr>
@@ -1389,22 +2615,19 @@
           </a:prstGeom>
         </p:spPr>
         <p:txBody>
-          <a:bodyPr lIns="90000" rIns="90000" tIns="46800" bIns="46800">
+          <a:bodyPr lIns="0" rIns="0" tIns="0" bIns="0">
             <a:normAutofit/>
           </a:bodyPr>
           <a:p>
             <a:endParaRPr b="0" lang="en-US" sz="3200" spc="-1" strike="noStrike">
-              <a:solidFill>
-                <a:srgbClr val="000000"/>
-              </a:solidFill>
-              <a:latin typeface="Arial"/>
-            </a:endParaRPr>
-          </a:p>
-        </p:txBody>
-      </p:sp>
-      <p:sp>
-        <p:nvSpPr>
-          <p:cNvPr id="24" name="PlaceHolder 3"/>
+              <a:latin typeface="Arial"/>
+            </a:endParaRPr>
+          </a:p>
+        </p:txBody>
+      </p:sp>
+      <p:sp>
+        <p:nvSpPr>
+          <p:cNvPr id="21" name="PlaceHolder 3"/>
           <p:cNvSpPr>
             <a:spLocks noGrp="1"/>
           </p:cNvSpPr>
@@ -1422,22 +2645,19 @@
           </a:prstGeom>
         </p:spPr>
         <p:txBody>
-          <a:bodyPr lIns="90000" rIns="90000" tIns="46800" bIns="46800">
+          <a:bodyPr lIns="0" rIns="0" tIns="0" bIns="0">
             <a:normAutofit/>
           </a:bodyPr>
           <a:p>
             <a:endParaRPr b="0" lang="en-US" sz="3200" spc="-1" strike="noStrike">
-              <a:solidFill>
-                <a:srgbClr val="000000"/>
-              </a:solidFill>
-              <a:latin typeface="Arial"/>
-            </a:endParaRPr>
-          </a:p>
-        </p:txBody>
-      </p:sp>
-      <p:sp>
-        <p:nvSpPr>
-          <p:cNvPr id="25" name="PlaceHolder 4"/>
+              <a:latin typeface="Arial"/>
+            </a:endParaRPr>
+          </a:p>
+        </p:txBody>
+      </p:sp>
+      <p:sp>
+        <p:nvSpPr>
+          <p:cNvPr id="22" name="PlaceHolder 4"/>
           <p:cNvSpPr>
             <a:spLocks noGrp="1"/>
           </p:cNvSpPr>
@@ -1448,21 +2668,18 @@
         <p:spPr>
           <a:xfrm>
             <a:off x="457200" y="3964320"/>
-            <a:ext cx="8229600" cy="2158560"/>
-          </a:xfrm>
-          <a:prstGeom prst="rect">
-            <a:avLst/>
-          </a:prstGeom>
-        </p:spPr>
-        <p:txBody>
-          <a:bodyPr lIns="90000" rIns="90000" tIns="46800" bIns="46800">
+            <a:ext cx="8229240" cy="2158560"/>
+          </a:xfrm>
+          <a:prstGeom prst="rect">
+            <a:avLst/>
+          </a:prstGeom>
+        </p:spPr>
+        <p:txBody>
+          <a:bodyPr lIns="0" rIns="0" tIns="0" bIns="0">
             <a:normAutofit/>
           </a:bodyPr>
           <a:p>
             <a:endParaRPr b="0" lang="en-US" sz="3200" spc="-1" strike="noStrike">
-              <a:solidFill>
-                <a:srgbClr val="000000"/>
-              </a:solidFill>
               <a:latin typeface="Arial"/>
             </a:endParaRPr>
           </a:p>
@@ -1513,7 +2730,7 @@
         <p:spPr>
           <a:xfrm>
             <a:off x="457200" y="274320"/>
-            <a:ext cx="8229600" cy="1143000"/>
+            <a:ext cx="8229240" cy="1142640"/>
           </a:xfrm>
           <a:prstGeom prst="rect">
             <a:avLst/>
@@ -1522,20 +2739,13 @@
         <p:txBody>
           <a:bodyPr lIns="90000" rIns="90000" tIns="46800" bIns="46800" anchor="ctr"/>
           <a:p>
-            <a:pPr algn="ctr"/>
-            <a:r>
-              <a:rPr b="0" lang="en-US" sz="4400" spc="-1" strike="noStrike">
-                <a:solidFill>
-                  <a:srgbClr val="000000"/>
-                </a:solidFill>
+            <a:r>
+              <a:rPr b="0" lang="en-US" sz="1800" spc="-1" strike="noStrike">
                 <a:latin typeface="Arial"/>
               </a:rPr>
               <a:t>Click to edit the title text format</a:t>
             </a:r>
-            <a:endParaRPr b="0" lang="en-US" sz="4400" spc="-1" strike="noStrike">
-              <a:solidFill>
-                <a:srgbClr val="000000"/>
-              </a:solidFill>
+            <a:endParaRPr b="0" lang="en-US" sz="1800" spc="-1" strike="noStrike">
               <a:latin typeface="Arial"/>
             </a:endParaRPr>
           </a:p>
@@ -1553,326 +2763,168 @@
         </p:nvSpPr>
         <p:spPr>
           <a:xfrm>
-            <a:off x="457200" y="1600200"/>
-            <a:ext cx="8229600" cy="4525920"/>
-          </a:xfrm>
-          <a:prstGeom prst="rect">
-            <a:avLst/>
-          </a:prstGeom>
-        </p:spPr>
-        <p:txBody>
-          <a:bodyPr lIns="90000" rIns="90000" tIns="46800" bIns="46800">
+            <a:off x="457200" y="1604520"/>
+            <a:ext cx="8229240" cy="3977280"/>
+          </a:xfrm>
+          <a:prstGeom prst="rect">
+            <a:avLst/>
+          </a:prstGeom>
+        </p:spPr>
+        <p:txBody>
+          <a:bodyPr lIns="0" rIns="0" tIns="0" bIns="0">
             <a:normAutofit/>
           </a:bodyPr>
           <a:p>
-            <a:pPr marL="342720" indent="-342720">
+            <a:pPr marL="432000" indent="-324000">
               <a:spcBef>
-                <a:spcPts val="799"/>
+                <a:spcPts val="1417"/>
               </a:spcBef>
               <a:buClr>
                 <a:srgbClr val="000000"/>
               </a:buClr>
-              <a:buFont typeface="Arial"/>
-              <a:buChar char="•"/>
+              <a:buSzPct val="45000"/>
+              <a:buFont typeface="Wingdings" charset="2"/>
+              <a:buChar char=""/>
             </a:pPr>
             <a:r>
               <a:rPr b="0" lang="en-US" sz="3200" spc="-1" strike="noStrike">
-                <a:solidFill>
-                  <a:srgbClr val="000000"/>
-                </a:solidFill>
                 <a:latin typeface="Arial"/>
               </a:rPr>
               <a:t>Click to edit the outline text format</a:t>
             </a:r>
             <a:endParaRPr b="0" lang="en-US" sz="3200" spc="-1" strike="noStrike">
-              <a:solidFill>
-                <a:srgbClr val="000000"/>
-              </a:solidFill>
-              <a:latin typeface="Arial"/>
-            </a:endParaRPr>
-          </a:p>
-          <a:p>
-            <a:pPr lvl="1" marL="742680" indent="-285480">
+              <a:latin typeface="Arial"/>
+            </a:endParaRPr>
+          </a:p>
+          <a:p>
+            <a:pPr lvl="1" marL="864000" indent="-324000">
               <a:spcBef>
-                <a:spcPts val="799"/>
+                <a:spcPts val="1134"/>
               </a:spcBef>
               <a:buClr>
                 <a:srgbClr val="000000"/>
               </a:buClr>
-              <a:buFont typeface="Arial"/>
-              <a:buChar char="–"/>
+              <a:buSzPct val="75000"/>
+              <a:buFont typeface="Symbol" charset="2"/>
+              <a:buChar char=""/>
             </a:pPr>
             <a:r>
-              <a:rPr b="0" lang="en-US" sz="3200" spc="-1" strike="noStrike">
-                <a:solidFill>
-                  <a:srgbClr val="000000"/>
-                </a:solidFill>
+              <a:rPr b="0" lang="en-US" sz="2800" spc="-1" strike="noStrike">
                 <a:latin typeface="Arial"/>
               </a:rPr>
               <a:t>Second Outline Level</a:t>
             </a:r>
-            <a:endParaRPr b="0" lang="en-US" sz="3200" spc="-1" strike="noStrike">
-              <a:solidFill>
-                <a:srgbClr val="000000"/>
-              </a:solidFill>
-              <a:latin typeface="Arial"/>
-            </a:endParaRPr>
-          </a:p>
-          <a:p>
-            <a:pPr lvl="2" marL="1143000" indent="-228600">
+            <a:endParaRPr b="0" lang="en-US" sz="2800" spc="-1" strike="noStrike">
+              <a:latin typeface="Arial"/>
+            </a:endParaRPr>
+          </a:p>
+          <a:p>
+            <a:pPr lvl="2" marL="1296000" indent="-288000">
               <a:spcBef>
-                <a:spcPts val="799"/>
+                <a:spcPts val="850"/>
               </a:spcBef>
               <a:buClr>
                 <a:srgbClr val="000000"/>
               </a:buClr>
-              <a:buFont typeface="Arial"/>
-              <a:buChar char="•"/>
+              <a:buSzPct val="45000"/>
+              <a:buFont typeface="Wingdings" charset="2"/>
+              <a:buChar char=""/>
             </a:pPr>
             <a:r>
-              <a:rPr b="0" lang="en-US" sz="3200" spc="-1" strike="noStrike">
-                <a:solidFill>
-                  <a:srgbClr val="000000"/>
-                </a:solidFill>
+              <a:rPr b="0" lang="en-US" sz="2400" spc="-1" strike="noStrike">
                 <a:latin typeface="Arial"/>
               </a:rPr>
               <a:t>Third Outline Level</a:t>
             </a:r>
-            <a:endParaRPr b="0" lang="en-US" sz="3200" spc="-1" strike="noStrike">
-              <a:solidFill>
-                <a:srgbClr val="000000"/>
-              </a:solidFill>
-              <a:latin typeface="Arial"/>
-            </a:endParaRPr>
-          </a:p>
-          <a:p>
-            <a:pPr lvl="3" marL="1600200" indent="-228600">
+            <a:endParaRPr b="0" lang="en-US" sz="2400" spc="-1" strike="noStrike">
+              <a:latin typeface="Arial"/>
+            </a:endParaRPr>
+          </a:p>
+          <a:p>
+            <a:pPr lvl="3" marL="1728000" indent="-216000">
               <a:spcBef>
-                <a:spcPts val="799"/>
+                <a:spcPts val="567"/>
               </a:spcBef>
               <a:buClr>
                 <a:srgbClr val="000000"/>
               </a:buClr>
-              <a:buFont typeface="Arial"/>
-              <a:buChar char="–"/>
+              <a:buSzPct val="75000"/>
+              <a:buFont typeface="Symbol" charset="2"/>
+              <a:buChar char=""/>
             </a:pPr>
             <a:r>
-              <a:rPr b="0" lang="en-US" sz="3200" spc="-1" strike="noStrike">
-                <a:solidFill>
-                  <a:srgbClr val="000000"/>
-                </a:solidFill>
+              <a:rPr b="0" lang="en-US" sz="2000" spc="-1" strike="noStrike">
                 <a:latin typeface="Arial"/>
               </a:rPr>
               <a:t>Fourth Outline Level</a:t>
             </a:r>
-            <a:endParaRPr b="0" lang="en-US" sz="3200" spc="-1" strike="noStrike">
-              <a:solidFill>
-                <a:srgbClr val="000000"/>
-              </a:solidFill>
-              <a:latin typeface="Arial"/>
-            </a:endParaRPr>
-          </a:p>
-          <a:p>
-            <a:pPr lvl="4" marL="2057400" indent="-228600">
+            <a:endParaRPr b="0" lang="en-US" sz="2000" spc="-1" strike="noStrike">
+              <a:latin typeface="Arial"/>
+            </a:endParaRPr>
+          </a:p>
+          <a:p>
+            <a:pPr lvl="4" marL="2160000" indent="-216000">
               <a:spcBef>
-                <a:spcPts val="799"/>
+                <a:spcPts val="283"/>
               </a:spcBef>
               <a:buClr>
                 <a:srgbClr val="000000"/>
               </a:buClr>
-              <a:buFont typeface="Arial"/>
-              <a:buChar char="»"/>
+              <a:buSzPct val="45000"/>
+              <a:buFont typeface="Wingdings" charset="2"/>
+              <a:buChar char=""/>
             </a:pPr>
             <a:r>
-              <a:rPr b="0" lang="en-US" sz="3200" spc="-1" strike="noStrike">
-                <a:solidFill>
-                  <a:srgbClr val="000000"/>
-                </a:solidFill>
+              <a:rPr b="0" lang="en-US" sz="2000" spc="-1" strike="noStrike">
                 <a:latin typeface="Arial"/>
               </a:rPr>
               <a:t>Fifth Outline Level</a:t>
             </a:r>
-            <a:endParaRPr b="0" lang="en-US" sz="3200" spc="-1" strike="noStrike">
-              <a:solidFill>
-                <a:srgbClr val="000000"/>
-              </a:solidFill>
-              <a:latin typeface="Arial"/>
-            </a:endParaRPr>
-          </a:p>
-          <a:p>
-            <a:pPr lvl="5" marL="2057400" indent="-228600">
+            <a:endParaRPr b="0" lang="en-US" sz="2000" spc="-1" strike="noStrike">
+              <a:latin typeface="Arial"/>
+            </a:endParaRPr>
+          </a:p>
+          <a:p>
+            <a:pPr lvl="5" marL="2592000" indent="-216000">
               <a:spcBef>
-                <a:spcPts val="799"/>
+                <a:spcPts val="283"/>
               </a:spcBef>
               <a:buClr>
                 <a:srgbClr val="000000"/>
               </a:buClr>
-              <a:buFont typeface="Arial"/>
-              <a:buChar char="»"/>
+              <a:buSzPct val="45000"/>
+              <a:buFont typeface="Wingdings" charset="2"/>
+              <a:buChar char=""/>
             </a:pPr>
             <a:r>
-              <a:rPr b="0" lang="en-US" sz="3200" spc="-1" strike="noStrike">
-                <a:solidFill>
-                  <a:srgbClr val="000000"/>
-                </a:solidFill>
+              <a:rPr b="0" lang="en-US" sz="2000" spc="-1" strike="noStrike">
                 <a:latin typeface="Arial"/>
               </a:rPr>
               <a:t>Sixth Outline Level</a:t>
             </a:r>
-            <a:endParaRPr b="0" lang="en-US" sz="3200" spc="-1" strike="noStrike">
-              <a:solidFill>
-                <a:srgbClr val="000000"/>
-              </a:solidFill>
-              <a:latin typeface="Arial"/>
-            </a:endParaRPr>
-          </a:p>
-          <a:p>
-            <a:pPr lvl="6" marL="2057400" indent="-228600">
+            <a:endParaRPr b="0" lang="en-US" sz="2000" spc="-1" strike="noStrike">
+              <a:latin typeface="Arial"/>
+            </a:endParaRPr>
+          </a:p>
+          <a:p>
+            <a:pPr lvl="6" marL="3024000" indent="-216000">
               <a:spcBef>
-                <a:spcPts val="799"/>
+                <a:spcPts val="283"/>
               </a:spcBef>
               <a:buClr>
                 <a:srgbClr val="000000"/>
               </a:buClr>
-              <a:buFont typeface="Arial"/>
-              <a:buChar char="»"/>
+              <a:buSzPct val="45000"/>
+              <a:buFont typeface="Wingdings" charset="2"/>
+              <a:buChar char=""/>
             </a:pPr>
             <a:r>
-              <a:rPr b="0" lang="en-US" sz="3200" spc="-1" strike="noStrike">
-                <a:solidFill>
-                  <a:srgbClr val="000000"/>
-                </a:solidFill>
+              <a:rPr b="0" lang="en-US" sz="2000" spc="-1" strike="noStrike">
                 <a:latin typeface="Arial"/>
               </a:rPr>
               <a:t>Seventh Outline Level</a:t>
             </a:r>
-            <a:endParaRPr b="0" lang="en-US" sz="3200" spc="-1" strike="noStrike">
-              <a:solidFill>
-                <a:srgbClr val="000000"/>
-              </a:solidFill>
-              <a:latin typeface="Arial"/>
-            </a:endParaRPr>
-          </a:p>
-        </p:txBody>
-      </p:sp>
-      <p:sp>
-        <p:nvSpPr>
-          <p:cNvPr id="2" name="PlaceHolder 3"/>
-          <p:cNvSpPr>
-            <a:spLocks noGrp="1"/>
-          </p:cNvSpPr>
-          <p:nvPr>
-            <p:ph type="dt"/>
-          </p:nvPr>
-        </p:nvSpPr>
-        <p:spPr>
-          <a:xfrm>
-            <a:off x="456840" y="6244920"/>
-            <a:ext cx="2133720" cy="476280"/>
-          </a:xfrm>
-          <a:prstGeom prst="rect">
-            <a:avLst/>
-          </a:prstGeom>
-        </p:spPr>
-        <p:txBody>
-          <a:bodyPr lIns="90000" rIns="90000" tIns="46800" bIns="46800"/>
-          <a:p>
-            <a:pPr/>
-            <a:r>
-              <a:rPr b="0" lang="en-US" sz="1400" spc="-1" strike="noStrike">
-                <a:solidFill>
-                  <a:srgbClr val="000000"/>
-                </a:solidFill>
-                <a:latin typeface="Arial"/>
-              </a:rPr>
-              <a:t>&lt;date/time&gt;</a:t>
-            </a:r>
-            <a:endParaRPr b="0" lang="en-US" sz="1400" spc="-1" strike="noStrike">
-              <a:solidFill>
-                <a:srgbClr val="000000"/>
-              </a:solidFill>
-              <a:latin typeface="Arial"/>
-            </a:endParaRPr>
-          </a:p>
-        </p:txBody>
-      </p:sp>
-      <p:sp>
-        <p:nvSpPr>
-          <p:cNvPr id="3" name="PlaceHolder 4"/>
-          <p:cNvSpPr>
-            <a:spLocks noGrp="1"/>
-          </p:cNvSpPr>
-          <p:nvPr>
-            <p:ph type="ftr"/>
-          </p:nvPr>
-        </p:nvSpPr>
-        <p:spPr>
-          <a:xfrm>
-            <a:off x="3124080" y="6244920"/>
-            <a:ext cx="2895840" cy="476280"/>
-          </a:xfrm>
-          <a:prstGeom prst="rect">
-            <a:avLst/>
-          </a:prstGeom>
-        </p:spPr>
-        <p:txBody>
-          <a:bodyPr lIns="90000" rIns="90000" tIns="46800" bIns="46800"/>
-          <a:p>
-            <a:pPr algn="ctr"/>
-            <a:r>
-              <a:rPr b="0" lang="en-US" sz="1400" spc="-1" strike="noStrike">
-                <a:solidFill>
-                  <a:srgbClr val="000000"/>
-                </a:solidFill>
-                <a:latin typeface="Arial"/>
-              </a:rPr>
-              <a:t>&lt;footer&gt;</a:t>
-            </a:r>
-            <a:endParaRPr b="0" lang="en-US" sz="1400" spc="-1" strike="noStrike">
-              <a:solidFill>
-                <a:srgbClr val="000000"/>
-              </a:solidFill>
-              <a:latin typeface="Arial"/>
-            </a:endParaRPr>
-          </a:p>
-        </p:txBody>
-      </p:sp>
-      <p:sp>
-        <p:nvSpPr>
-          <p:cNvPr id="4" name="PlaceHolder 5"/>
-          <p:cNvSpPr>
-            <a:spLocks noGrp="1"/>
-          </p:cNvSpPr>
-          <p:nvPr>
-            <p:ph type="sldNum"/>
-          </p:nvPr>
-        </p:nvSpPr>
-        <p:spPr>
-          <a:xfrm>
-            <a:off x="6552720" y="6244920"/>
-            <a:ext cx="2133720" cy="476280"/>
-          </a:xfrm>
-          <a:prstGeom prst="rect">
-            <a:avLst/>
-          </a:prstGeom>
-        </p:spPr>
-        <p:txBody>
-          <a:bodyPr lIns="90000" rIns="90000" tIns="46800" bIns="46800"/>
-          <a:p>
-            <a:pPr algn="r"/>
-            <a:fld id="{4F98B016-F9A3-4B7C-8EAD-5EB3A8058AF9}" type="slidenum">
-              <a:rPr b="0" lang="en-US" sz="1400" spc="-1" strike="noStrike">
-                <a:solidFill>
-                  <a:srgbClr val="000000"/>
-                </a:solidFill>
-                <a:latin typeface="Arial"/>
-              </a:rPr>
-              <a:t>&lt;number&gt;</a:t>
-            </a:fld>
-            <a:endParaRPr b="0" lang="en-US" sz="1400" spc="-1" strike="noStrike">
-              <a:solidFill>
-                <a:srgbClr val="000000"/>
-              </a:solidFill>
+            <a:endParaRPr b="0" lang="en-US" sz="2000" spc="-1" strike="noStrike">
               <a:latin typeface="Arial"/>
             </a:endParaRPr>
           </a:p>
@@ -1894,6 +2946,266 @@
     <p:sldLayoutId id="2147483658" r:id="rId12"/>
     <p:sldLayoutId id="2147483659" r:id="rId13"/>
     <p:sldLayoutId id="2147483660" r:id="rId14"/>
+  </p:sldLayoutIdLst>
+</p:sldMaster>
+</file>
+
+<file path=ppt/slideMasters/slideMaster2.xml><?xml version="1.0" encoding="utf-8"?>
+<p:sldMaster xmlns:a="http://schemas.openxmlformats.org/drawingml/2006/main" xmlns:p="http://schemas.openxmlformats.org/presentationml/2006/main" xmlns:r="http://schemas.openxmlformats.org/officeDocument/2006/relationships" xmlns:p14="http://schemas.microsoft.com/office/powerpoint/2010/main" xmlns:p15="http://schemas.microsoft.com/office/powerpoint/2012/main" xmlns:mc="http://schemas.openxmlformats.org/markup-compatibility/2006">
+  <p:cSld>
+    <p:bg>
+      <p:bgPr>
+        <a:blipFill rotWithShape="0">
+          <a:blip r:embed="rId2"/>
+          <a:stretch>
+            <a:fillRect/>
+          </a:stretch>
+        </a:blipFill>
+      </p:bgPr>
+    </p:bg>
+    <p:spTree>
+      <p:nvGrpSpPr>
+        <p:cNvPr id="1" name=""/>
+        <p:cNvGrpSpPr/>
+        <p:nvPr/>
+      </p:nvGrpSpPr>
+      <p:grpSpPr>
+        <a:xfrm>
+          <a:off x="0" y="0"/>
+          <a:ext cx="0" cy="0"/>
+          <a:chOff x="0" y="0"/>
+          <a:chExt cx="0" cy="0"/>
+        </a:xfrm>
+      </p:grpSpPr>
+      <p:sp>
+        <p:nvSpPr>
+          <p:cNvPr id="38" name="PlaceHolder 1"/>
+          <p:cNvSpPr>
+            <a:spLocks noGrp="1"/>
+          </p:cNvSpPr>
+          <p:nvPr>
+            <p:ph type="title"/>
+          </p:nvPr>
+        </p:nvSpPr>
+        <p:spPr>
+          <a:xfrm>
+            <a:off x="457200" y="274320"/>
+            <a:ext cx="8229240" cy="1142640"/>
+          </a:xfrm>
+          <a:prstGeom prst="rect">
+            <a:avLst/>
+          </a:prstGeom>
+        </p:spPr>
+        <p:txBody>
+          <a:bodyPr lIns="90000" rIns="90000" tIns="46800" bIns="46800" anchor="ctr"/>
+          <a:p>
+            <a:r>
+              <a:rPr b="0" lang="en-US" sz="1800" spc="-1" strike="noStrike">
+                <a:latin typeface="Arial"/>
+              </a:rPr>
+              <a:t>Click to edit the title text format</a:t>
+            </a:r>
+            <a:endParaRPr b="0" lang="en-US" sz="1800" spc="-1" strike="noStrike">
+              <a:latin typeface="Arial"/>
+            </a:endParaRPr>
+          </a:p>
+        </p:txBody>
+      </p:sp>
+      <p:sp>
+        <p:nvSpPr>
+          <p:cNvPr id="39" name="PlaceHolder 2"/>
+          <p:cNvSpPr>
+            <a:spLocks noGrp="1"/>
+          </p:cNvSpPr>
+          <p:nvPr>
+            <p:ph type="body"/>
+          </p:nvPr>
+        </p:nvSpPr>
+        <p:spPr>
+          <a:xfrm>
+            <a:off x="457200" y="1600200"/>
+            <a:ext cx="8229240" cy="4525560"/>
+          </a:xfrm>
+          <a:prstGeom prst="rect">
+            <a:avLst/>
+          </a:prstGeom>
+        </p:spPr>
+        <p:txBody>
+          <a:bodyPr lIns="90000" rIns="90000" tIns="46800" bIns="46800">
+            <a:normAutofit/>
+          </a:bodyPr>
+          <a:p>
+            <a:pPr marL="432000" indent="-324000">
+              <a:spcBef>
+                <a:spcPts val="1417"/>
+              </a:spcBef>
+              <a:buClr>
+                <a:srgbClr val="000000"/>
+              </a:buClr>
+              <a:buSzPct val="45000"/>
+              <a:buFont typeface="Wingdings" charset="2"/>
+              <a:buChar char=""/>
+            </a:pPr>
+            <a:r>
+              <a:rPr b="0" lang="en-US" sz="1800" spc="-1" strike="noStrike">
+                <a:latin typeface="Arial"/>
+              </a:rPr>
+              <a:t>Click to edit the outline text format</a:t>
+            </a:r>
+            <a:endParaRPr b="0" lang="en-US" sz="1800" spc="-1" strike="noStrike">
+              <a:latin typeface="Arial"/>
+            </a:endParaRPr>
+          </a:p>
+          <a:p>
+            <a:pPr lvl="1" marL="864000" indent="-324000">
+              <a:spcBef>
+                <a:spcPts val="1134"/>
+              </a:spcBef>
+              <a:buClr>
+                <a:srgbClr val="000000"/>
+              </a:buClr>
+              <a:buSzPct val="75000"/>
+              <a:buFont typeface="Symbol" charset="2"/>
+              <a:buChar char=""/>
+            </a:pPr>
+            <a:r>
+              <a:rPr b="0" lang="en-US" sz="1800" spc="-1" strike="noStrike">
+                <a:latin typeface="Arial"/>
+              </a:rPr>
+              <a:t>Second Outline Level</a:t>
+            </a:r>
+            <a:endParaRPr b="0" lang="en-US" sz="1800" spc="-1" strike="noStrike">
+              <a:latin typeface="Arial"/>
+            </a:endParaRPr>
+          </a:p>
+          <a:p>
+            <a:pPr lvl="2" marL="1296000" indent="-288000">
+              <a:spcBef>
+                <a:spcPts val="850"/>
+              </a:spcBef>
+              <a:buClr>
+                <a:srgbClr val="000000"/>
+              </a:buClr>
+              <a:buSzPct val="45000"/>
+              <a:buFont typeface="Wingdings" charset="2"/>
+              <a:buChar char=""/>
+            </a:pPr>
+            <a:r>
+              <a:rPr b="0" lang="en-US" sz="1800" spc="-1" strike="noStrike">
+                <a:latin typeface="Arial"/>
+              </a:rPr>
+              <a:t>Third Outline Level</a:t>
+            </a:r>
+            <a:endParaRPr b="0" lang="en-US" sz="1800" spc="-1" strike="noStrike">
+              <a:latin typeface="Arial"/>
+            </a:endParaRPr>
+          </a:p>
+          <a:p>
+            <a:pPr lvl="3" marL="1728000" indent="-216000">
+              <a:spcBef>
+                <a:spcPts val="567"/>
+              </a:spcBef>
+              <a:buClr>
+                <a:srgbClr val="000000"/>
+              </a:buClr>
+              <a:buSzPct val="75000"/>
+              <a:buFont typeface="Symbol" charset="2"/>
+              <a:buChar char=""/>
+            </a:pPr>
+            <a:r>
+              <a:rPr b="0" lang="en-US" sz="1800" spc="-1" strike="noStrike">
+                <a:latin typeface="Arial"/>
+              </a:rPr>
+              <a:t>Fourth Outline Level</a:t>
+            </a:r>
+            <a:endParaRPr b="0" lang="en-US" sz="1800" spc="-1" strike="noStrike">
+              <a:latin typeface="Arial"/>
+            </a:endParaRPr>
+          </a:p>
+          <a:p>
+            <a:pPr lvl="4" marL="2160000" indent="-216000">
+              <a:spcBef>
+                <a:spcPts val="283"/>
+              </a:spcBef>
+              <a:buClr>
+                <a:srgbClr val="000000"/>
+              </a:buClr>
+              <a:buSzPct val="45000"/>
+              <a:buFont typeface="Wingdings" charset="2"/>
+              <a:buChar char=""/>
+            </a:pPr>
+            <a:r>
+              <a:rPr b="0" lang="en-US" sz="1800" spc="-1" strike="noStrike">
+                <a:latin typeface="Arial"/>
+              </a:rPr>
+              <a:t>Fifth Outline Level</a:t>
+            </a:r>
+            <a:endParaRPr b="0" lang="en-US" sz="1800" spc="-1" strike="noStrike">
+              <a:latin typeface="Arial"/>
+            </a:endParaRPr>
+          </a:p>
+          <a:p>
+            <a:pPr lvl="5" marL="2592000" indent="-216000">
+              <a:spcBef>
+                <a:spcPts val="283"/>
+              </a:spcBef>
+              <a:buClr>
+                <a:srgbClr val="000000"/>
+              </a:buClr>
+              <a:buSzPct val="45000"/>
+              <a:buFont typeface="Wingdings" charset="2"/>
+              <a:buChar char=""/>
+            </a:pPr>
+            <a:r>
+              <a:rPr b="0" lang="en-US" sz="1800" spc="-1" strike="noStrike">
+                <a:latin typeface="Arial"/>
+              </a:rPr>
+              <a:t>Sixth Outline Level</a:t>
+            </a:r>
+            <a:endParaRPr b="0" lang="en-US" sz="1800" spc="-1" strike="noStrike">
+              <a:latin typeface="Arial"/>
+            </a:endParaRPr>
+          </a:p>
+          <a:p>
+            <a:pPr lvl="6" marL="3024000" indent="-216000">
+              <a:spcBef>
+                <a:spcPts val="283"/>
+              </a:spcBef>
+              <a:buClr>
+                <a:srgbClr val="000000"/>
+              </a:buClr>
+              <a:buSzPct val="45000"/>
+              <a:buFont typeface="Wingdings" charset="2"/>
+              <a:buChar char=""/>
+            </a:pPr>
+            <a:r>
+              <a:rPr b="0" lang="en-US" sz="1800" spc="-1" strike="noStrike">
+                <a:latin typeface="Arial"/>
+              </a:rPr>
+              <a:t>Seventh Outline Level</a:t>
+            </a:r>
+            <a:endParaRPr b="0" lang="en-US" sz="1800" spc="-1" strike="noStrike">
+              <a:latin typeface="Arial"/>
+            </a:endParaRPr>
+          </a:p>
+        </p:txBody>
+      </p:sp>
+    </p:spTree>
+  </p:cSld>
+  <p:clrMap bg1="lt1" bg2="lt2" tx1="dk1" tx2="dk2" accent1="accent1" accent2="accent2" accent3="accent3" accent4="accent4" accent5="accent5" accent6="accent6" hlink="hlink" folHlink="folHlink"/>
+  <p:sldLayoutIdLst>
+    <p:sldLayoutId id="2147483662" r:id="rId3"/>
+    <p:sldLayoutId id="2147483663" r:id="rId4"/>
+    <p:sldLayoutId id="2147483664" r:id="rId5"/>
+    <p:sldLayoutId id="2147483665" r:id="rId6"/>
+    <p:sldLayoutId id="2147483666" r:id="rId7"/>
+    <p:sldLayoutId id="2147483667" r:id="rId8"/>
+    <p:sldLayoutId id="2147483668" r:id="rId9"/>
+    <p:sldLayoutId id="2147483669" r:id="rId10"/>
+    <p:sldLayoutId id="2147483670" r:id="rId11"/>
+    <p:sldLayoutId id="2147483671" r:id="rId12"/>
+    <p:sldLayoutId id="2147483672" r:id="rId13"/>
+    <p:sldLayoutId id="2147483673" r:id="rId14"/>
   </p:sldLayoutIdLst>
 </p:sldMaster>
 </file>
@@ -1927,14 +3239,14 @@
       </p:grpSpPr>
       <p:sp>
         <p:nvSpPr>
-          <p:cNvPr id="41" name="TextShape 1"/>
-          <p:cNvSpPr txBox="1"/>
+          <p:cNvPr id="76" name="CustomShape 1"/>
+          <p:cNvSpPr/>
           <p:nvPr/>
         </p:nvSpPr>
         <p:spPr>
           <a:xfrm>
             <a:off x="684360" y="2205000"/>
-            <a:ext cx="7772400" cy="1470240"/>
+            <a:ext cx="7772040" cy="1469880"/>
           </a:xfrm>
           <a:prstGeom prst="rect">
             <a:avLst/>
@@ -1944,12 +3256,22 @@
             <a:noFill/>
           </a:ln>
         </p:spPr>
+        <p:style>
+          <a:lnRef idx="0"/>
+          <a:fillRef idx="0"/>
+          <a:effectRef idx="0"/>
+          <a:fontRef idx="minor"/>
+        </p:style>
         <p:txBody>
           <a:bodyPr lIns="90000" rIns="90000" tIns="46800" bIns="46800" anchor="ctr"/>
           <a:p>
-            <a:pPr algn="ctr"/>
-            <a:r>
-              <a:rPr b="0" lang="es-UY" sz="4400" spc="-1" strike="noStrike">
+            <a:pPr algn="ctr">
+              <a:lnSpc>
+                <a:spcPct val="100000"/>
+              </a:lnSpc>
+            </a:pPr>
+            <a:r>
+              <a:rPr b="0" lang="en-US" sz="4400" spc="-1" strike="noStrike">
                 <a:solidFill>
                   <a:srgbClr val="000000"/>
                 </a:solidFill>
@@ -1959,7 +3281,7 @@
             </a:r>
             <a:br/>
             <a:r>
-              <a:rPr b="0" lang="es-UY" sz="4400" spc="-1" strike="noStrike">
+              <a:rPr b="0" lang="en-US" sz="4400" spc="-1" strike="noStrike">
                 <a:solidFill>
                   <a:srgbClr val="000000"/>
                 </a:solidFill>
@@ -1968,9 +3290,6 @@
               <a:t>A Formal Verification</a:t>
             </a:r>
             <a:endParaRPr b="0" lang="en-US" sz="4400" spc="-1" strike="noStrike">
-              <a:solidFill>
-                <a:srgbClr val="000000"/>
-              </a:solidFill>
               <a:latin typeface="Arial"/>
             </a:endParaRPr>
           </a:p>
@@ -2027,14 +3346,73 @@
       </p:grpSpPr>
       <p:sp>
         <p:nvSpPr>
-          <p:cNvPr id="58" name="TextShape 1"/>
-          <p:cNvSpPr txBox="1"/>
+          <p:cNvPr id="93" name="CustomShape 1"/>
+          <p:cNvSpPr/>
           <p:nvPr/>
         </p:nvSpPr>
         <p:spPr>
           <a:xfrm>
-            <a:off x="457200" y="274320"/>
-            <a:ext cx="8229600" cy="1143000"/>
+            <a:off x="0" y="274320"/>
+            <a:ext cx="7498080" cy="1142640"/>
+          </a:xfrm>
+          <a:prstGeom prst="rect">
+            <a:avLst/>
+          </a:prstGeom>
+          <a:solidFill>
+            <a:srgbClr val="adc5e7"/>
+          </a:solidFill>
+          <a:ln>
+            <a:noFill/>
+          </a:ln>
+        </p:spPr>
+        <p:style>
+          <a:lnRef idx="0"/>
+          <a:fillRef idx="0"/>
+          <a:effectRef idx="0"/>
+          <a:fontRef idx="minor"/>
+        </p:style>
+        <p:txBody>
+          <a:bodyPr lIns="90000" rIns="90000" tIns="46800" bIns="46800" anchor="ctr"/>
+          <a:p>
+            <a:pPr>
+              <a:lnSpc>
+                <a:spcPct val="100000"/>
+              </a:lnSpc>
+            </a:pPr>
+            <a:r>
+              <a:rPr b="0" lang="en-US" sz="4400" spc="-1" strike="noStrike">
+                <a:solidFill>
+                  <a:srgbClr val="000000"/>
+                </a:solidFill>
+                <a:latin typeface="Arial"/>
+              </a:rPr>
+              <a:t>  </a:t>
+            </a:r>
+            <a:r>
+              <a:rPr b="0" lang="en-US" sz="4400" spc="-1" strike="noStrike">
+                <a:solidFill>
+                  <a:srgbClr val="000000"/>
+                </a:solidFill>
+                <a:latin typeface="Arial"/>
+              </a:rPr>
+              <a:t>Verification Software</a:t>
+            </a:r>
+            <a:endParaRPr b="0" lang="en-US" sz="4400" spc="-1" strike="noStrike">
+              <a:latin typeface="Arial"/>
+            </a:endParaRPr>
+          </a:p>
+        </p:txBody>
+      </p:sp>
+      <p:sp>
+        <p:nvSpPr>
+          <p:cNvPr id="94" name="CustomShape 2"/>
+          <p:cNvSpPr/>
+          <p:nvPr/>
+        </p:nvSpPr>
+        <p:spPr>
+          <a:xfrm>
+            <a:off x="457200" y="1600200"/>
+            <a:ext cx="8229240" cy="4525560"/>
           </a:xfrm>
           <a:prstGeom prst="rect">
             <a:avLst/>
@@ -2044,53 +3422,21 @@
             <a:noFill/>
           </a:ln>
         </p:spPr>
-        <p:txBody>
-          <a:bodyPr lIns="90000" rIns="90000" tIns="46800" bIns="46800" anchor="ctr"/>
-          <a:p>
-            <a:pPr algn="ctr"/>
-            <a:r>
-              <a:rPr b="0" lang="en-US" sz="4400" spc="-1" strike="noStrike">
-                <a:solidFill>
-                  <a:srgbClr val="000000"/>
-                </a:solidFill>
-                <a:latin typeface="Arial"/>
-              </a:rPr>
-              <a:t>Verification Software</a:t>
-            </a:r>
-            <a:endParaRPr b="0" lang="en-US" sz="4400" spc="-1" strike="noStrike">
-              <a:solidFill>
-                <a:srgbClr val="000000"/>
-              </a:solidFill>
-              <a:latin typeface="Arial"/>
-            </a:endParaRPr>
-          </a:p>
-        </p:txBody>
-      </p:sp>
-      <p:sp>
-        <p:nvSpPr>
-          <p:cNvPr id="59" name="TextShape 2"/>
-          <p:cNvSpPr txBox="1"/>
-          <p:nvPr/>
-        </p:nvSpPr>
-        <p:spPr>
-          <a:xfrm>
-            <a:off x="457200" y="1600200"/>
-            <a:ext cx="8229600" cy="4525920"/>
-          </a:xfrm>
-          <a:prstGeom prst="rect">
-            <a:avLst/>
-          </a:prstGeom>
-          <a:noFill/>
-          <a:ln>
-            <a:noFill/>
-          </a:ln>
-        </p:spPr>
+        <p:style>
+          <a:lnRef idx="0"/>
+          <a:fillRef idx="0"/>
+          <a:effectRef idx="0"/>
+          <a:fontRef idx="minor"/>
+        </p:style>
         <p:txBody>
           <a:bodyPr lIns="90000" rIns="90000" tIns="46800" bIns="46800">
             <a:normAutofit/>
           </a:bodyPr>
           <a:p>
-            <a:pPr marL="342720" indent="-342720">
+            <a:pPr marL="342720" indent="-342360">
+              <a:lnSpc>
+                <a:spcPct val="100000"/>
+              </a:lnSpc>
               <a:spcBef>
                 <a:spcPts val="799"/>
               </a:spcBef>
@@ -2110,14 +3456,14 @@
               <a:t>Several Tools available:</a:t>
             </a:r>
             <a:endParaRPr b="0" lang="en-US" sz="3200" spc="-1" strike="noStrike">
-              <a:solidFill>
-                <a:srgbClr val="000000"/>
-              </a:solidFill>
-              <a:latin typeface="Arial"/>
-            </a:endParaRPr>
-          </a:p>
-          <a:p>
-            <a:pPr marL="342720" indent="-342720">
+              <a:latin typeface="Arial"/>
+            </a:endParaRPr>
+          </a:p>
+          <a:p>
+            <a:pPr marL="164520">
+              <a:lnSpc>
+                <a:spcPct val="100000"/>
+              </a:lnSpc>
               <a:spcBef>
                 <a:spcPts val="799"/>
               </a:spcBef>
@@ -2137,14 +3483,14 @@
               <a:t>Tamarin Prover</a:t>
             </a:r>
             <a:endParaRPr b="0" lang="en-US" sz="3200" spc="-1" strike="noStrike">
-              <a:solidFill>
-                <a:srgbClr val="000000"/>
-              </a:solidFill>
-              <a:latin typeface="Arial"/>
-            </a:endParaRPr>
-          </a:p>
-          <a:p>
-            <a:pPr marL="342720" indent="-342720">
+              <a:latin typeface="Arial"/>
+            </a:endParaRPr>
+          </a:p>
+          <a:p>
+            <a:pPr marL="164520">
+              <a:lnSpc>
+                <a:spcPct val="100000"/>
+              </a:lnSpc>
               <a:spcBef>
                 <a:spcPts val="799"/>
               </a:spcBef>
@@ -2164,14 +3510,14 @@
               <a:t>ProVerif</a:t>
             </a:r>
             <a:endParaRPr b="0" lang="en-US" sz="3200" spc="-1" strike="noStrike">
-              <a:solidFill>
-                <a:srgbClr val="000000"/>
-              </a:solidFill>
-              <a:latin typeface="Arial"/>
-            </a:endParaRPr>
-          </a:p>
-          <a:p>
-            <a:pPr marL="342720" indent="-342720">
+              <a:latin typeface="Arial"/>
+            </a:endParaRPr>
+          </a:p>
+          <a:p>
+            <a:pPr marL="164520">
+              <a:lnSpc>
+                <a:spcPct val="100000"/>
+              </a:lnSpc>
               <a:spcBef>
                 <a:spcPts val="799"/>
               </a:spcBef>
@@ -2191,14 +3537,14 @@
               <a:t>AVISPA</a:t>
             </a:r>
             <a:endParaRPr b="0" lang="en-US" sz="3200" spc="-1" strike="noStrike">
-              <a:solidFill>
-                <a:srgbClr val="000000"/>
-              </a:solidFill>
-              <a:latin typeface="Arial"/>
-            </a:endParaRPr>
-          </a:p>
-          <a:p>
-            <a:pPr marL="342720" indent="-342720">
+              <a:latin typeface="Arial"/>
+            </a:endParaRPr>
+          </a:p>
+          <a:p>
+            <a:pPr marL="164520">
+              <a:lnSpc>
+                <a:spcPct val="100000"/>
+              </a:lnSpc>
               <a:spcBef>
                 <a:spcPts val="799"/>
               </a:spcBef>
@@ -2218,27 +3564,19 @@
               <a:t>Maude-NPA</a:t>
             </a:r>
             <a:endParaRPr b="0" lang="en-US" sz="3200" spc="-1" strike="noStrike">
-              <a:solidFill>
-                <a:srgbClr val="000000"/>
-              </a:solidFill>
-              <a:latin typeface="Arial"/>
-            </a:endParaRPr>
-          </a:p>
-          <a:p>
-            <a:pPr marL="342720" indent="-342720">
+              <a:latin typeface="Arial"/>
+            </a:endParaRPr>
+          </a:p>
+          <a:p>
+            <a:pPr>
+              <a:lnSpc>
+                <a:spcPct val="100000"/>
+              </a:lnSpc>
               <a:spcBef>
                 <a:spcPts val="799"/>
               </a:spcBef>
-              <a:buClr>
-                <a:srgbClr val="000000"/>
-              </a:buClr>
-              <a:buFont typeface="Arial"/>
-              <a:buChar char="•"/>
             </a:pPr>
             <a:endParaRPr b="0" lang="en-US" sz="3200" spc="-1" strike="noStrike">
-              <a:solidFill>
-                <a:srgbClr val="000000"/>
-              </a:solidFill>
               <a:latin typeface="Arial"/>
             </a:endParaRPr>
           </a:p>
@@ -2295,14 +3633,73 @@
       </p:grpSpPr>
       <p:sp>
         <p:nvSpPr>
-          <p:cNvPr id="60" name="TextShape 1"/>
-          <p:cNvSpPr txBox="1"/>
+          <p:cNvPr id="95" name="CustomShape 1"/>
+          <p:cNvSpPr/>
           <p:nvPr/>
         </p:nvSpPr>
         <p:spPr>
           <a:xfrm>
-            <a:off x="457200" y="274320"/>
-            <a:ext cx="8229600" cy="1143000"/>
+            <a:off x="0" y="274320"/>
+            <a:ext cx="7406640" cy="1005840"/>
+          </a:xfrm>
+          <a:prstGeom prst="rect">
+            <a:avLst/>
+          </a:prstGeom>
+          <a:solidFill>
+            <a:srgbClr val="adc5e7"/>
+          </a:solidFill>
+          <a:ln>
+            <a:noFill/>
+          </a:ln>
+        </p:spPr>
+        <p:style>
+          <a:lnRef idx="0"/>
+          <a:fillRef idx="0"/>
+          <a:effectRef idx="0"/>
+          <a:fontRef idx="minor"/>
+        </p:style>
+        <p:txBody>
+          <a:bodyPr lIns="90000" rIns="90000" tIns="46800" bIns="46800" anchor="ctr"/>
+          <a:p>
+            <a:pPr>
+              <a:lnSpc>
+                <a:spcPct val="100000"/>
+              </a:lnSpc>
+            </a:pPr>
+            <a:r>
+              <a:rPr b="0" lang="en-US" sz="4400" spc="-1" strike="noStrike">
+                <a:solidFill>
+                  <a:srgbClr val="000000"/>
+                </a:solidFill>
+                <a:latin typeface="Arial"/>
+              </a:rPr>
+              <a:t>   </a:t>
+            </a:r>
+            <a:r>
+              <a:rPr b="0" lang="en-US" sz="4400" spc="-1" strike="noStrike">
+                <a:solidFill>
+                  <a:srgbClr val="000000"/>
+                </a:solidFill>
+                <a:latin typeface="Arial"/>
+              </a:rPr>
+              <a:t>Methodology</a:t>
+            </a:r>
+            <a:endParaRPr b="0" lang="en-US" sz="4400" spc="-1" strike="noStrike">
+              <a:latin typeface="Arial"/>
+            </a:endParaRPr>
+          </a:p>
+        </p:txBody>
+      </p:sp>
+      <p:sp>
+        <p:nvSpPr>
+          <p:cNvPr id="96" name="CustomShape 2"/>
+          <p:cNvSpPr/>
+          <p:nvPr/>
+        </p:nvSpPr>
+        <p:spPr>
+          <a:xfrm>
+            <a:off x="457200" y="1600200"/>
+            <a:ext cx="6674760" cy="4525560"/>
           </a:xfrm>
           <a:prstGeom prst="rect">
             <a:avLst/>
@@ -2312,53 +3709,21 @@
             <a:noFill/>
           </a:ln>
         </p:spPr>
-        <p:txBody>
-          <a:bodyPr lIns="90000" rIns="90000" tIns="46800" bIns="46800" anchor="ctr"/>
-          <a:p>
-            <a:pPr algn="ctr"/>
-            <a:r>
-              <a:rPr b="0" lang="en-US" sz="4400" spc="-1" strike="noStrike">
-                <a:solidFill>
-                  <a:srgbClr val="000000"/>
-                </a:solidFill>
-                <a:latin typeface="Arial"/>
-              </a:rPr>
-              <a:t>Methodology</a:t>
-            </a:r>
-            <a:endParaRPr b="0" lang="en-US" sz="4400" spc="-1" strike="noStrike">
-              <a:solidFill>
-                <a:srgbClr val="000000"/>
-              </a:solidFill>
-              <a:latin typeface="Arial"/>
-            </a:endParaRPr>
-          </a:p>
-        </p:txBody>
-      </p:sp>
-      <p:sp>
-        <p:nvSpPr>
-          <p:cNvPr id="61" name="TextShape 2"/>
-          <p:cNvSpPr txBox="1"/>
-          <p:nvPr/>
-        </p:nvSpPr>
-        <p:spPr>
-          <a:xfrm>
-            <a:off x="457200" y="1600200"/>
-            <a:ext cx="6675120" cy="4525920"/>
-          </a:xfrm>
-          <a:prstGeom prst="rect">
-            <a:avLst/>
-          </a:prstGeom>
-          <a:noFill/>
-          <a:ln>
-            <a:noFill/>
-          </a:ln>
-        </p:spPr>
+        <p:style>
+          <a:lnRef idx="0"/>
+          <a:fillRef idx="0"/>
+          <a:effectRef idx="0"/>
+          <a:fontRef idx="minor"/>
+        </p:style>
         <p:txBody>
           <a:bodyPr lIns="90000" rIns="90000" tIns="46800" bIns="46800">
             <a:normAutofit/>
           </a:bodyPr>
           <a:p>
-            <a:pPr marL="342720" indent="-342720">
+            <a:pPr marL="342720" indent="-342360">
+              <a:lnSpc>
+                <a:spcPct val="100000"/>
+              </a:lnSpc>
               <a:spcBef>
                 <a:spcPts val="799"/>
               </a:spcBef>
@@ -2366,7 +3731,7 @@
                 <a:srgbClr val="000000"/>
               </a:buClr>
               <a:buFont typeface="Arial"/>
-              <a:buChar char="•"/>
+              <a:buAutoNum type="arabicParenR"/>
             </a:pPr>
             <a:r>
               <a:rPr b="0" lang="en-US" sz="3200" spc="-1" strike="noStrike">
@@ -2378,14 +3743,14 @@
               <a:t>Model 5G-AKA in the Tamarin Language</a:t>
             </a:r>
             <a:endParaRPr b="0" lang="en-US" sz="3200" spc="-1" strike="noStrike">
-              <a:solidFill>
-                <a:srgbClr val="000000"/>
-              </a:solidFill>
-              <a:latin typeface="Arial"/>
-            </a:endParaRPr>
-          </a:p>
-          <a:p>
-            <a:pPr marL="342720" indent="-342720">
+              <a:latin typeface="Arial"/>
+            </a:endParaRPr>
+          </a:p>
+          <a:p>
+            <a:pPr marL="342720" indent="-342360">
+              <a:lnSpc>
+                <a:spcPct val="100000"/>
+              </a:lnSpc>
               <a:spcBef>
                 <a:spcPts val="799"/>
               </a:spcBef>
@@ -2393,7 +3758,7 @@
                 <a:srgbClr val="000000"/>
               </a:buClr>
               <a:buFont typeface="Arial"/>
-              <a:buChar char="•"/>
+              <a:buAutoNum type="arabicParenR"/>
             </a:pPr>
             <a:r>
               <a:rPr b="0" lang="en-US" sz="3200" spc="-1" strike="noStrike">
@@ -2405,14 +3770,14 @@
               <a:t>Allow the software to test the protocol using the Dolev–Yao adversary model</a:t>
             </a:r>
             <a:endParaRPr b="0" lang="en-US" sz="3200" spc="-1" strike="noStrike">
-              <a:solidFill>
-                <a:srgbClr val="000000"/>
-              </a:solidFill>
-              <a:latin typeface="Arial"/>
-            </a:endParaRPr>
-          </a:p>
-          <a:p>
-            <a:pPr marL="342720" indent="-342720">
+              <a:latin typeface="Arial"/>
+            </a:endParaRPr>
+          </a:p>
+          <a:p>
+            <a:pPr marL="342720" indent="-342360">
+              <a:lnSpc>
+                <a:spcPct val="100000"/>
+              </a:lnSpc>
               <a:spcBef>
                 <a:spcPts val="799"/>
               </a:spcBef>
@@ -2420,7 +3785,7 @@
                 <a:srgbClr val="000000"/>
               </a:buClr>
               <a:buFont typeface="Arial"/>
-              <a:buChar char="•"/>
+              <a:buAutoNum type="arabicParenR"/>
             </a:pPr>
             <a:r>
               <a:rPr b="0" lang="en-US" sz="3200" spc="-1" strike="noStrike">
@@ -2432,9 +3797,6 @@
               <a:t>Analyze the results</a:t>
             </a:r>
             <a:endParaRPr b="0" lang="en-US" sz="3200" spc="-1" strike="noStrike">
-              <a:solidFill>
-                <a:srgbClr val="000000"/>
-              </a:solidFill>
               <a:latin typeface="Arial"/>
             </a:endParaRPr>
           </a:p>
@@ -2491,14 +3853,73 @@
       </p:grpSpPr>
       <p:sp>
         <p:nvSpPr>
-          <p:cNvPr id="62" name="TextShape 1"/>
-          <p:cNvSpPr txBox="1"/>
+          <p:cNvPr id="97" name="CustomShape 1"/>
+          <p:cNvSpPr/>
           <p:nvPr/>
         </p:nvSpPr>
         <p:spPr>
           <a:xfrm>
-            <a:off x="457200" y="274320"/>
-            <a:ext cx="8229600" cy="1143000"/>
+            <a:off x="0" y="274320"/>
+            <a:ext cx="7498080" cy="1005840"/>
+          </a:xfrm>
+          <a:prstGeom prst="rect">
+            <a:avLst/>
+          </a:prstGeom>
+          <a:solidFill>
+            <a:srgbClr val="adc5e7"/>
+          </a:solidFill>
+          <a:ln>
+            <a:noFill/>
+          </a:ln>
+        </p:spPr>
+        <p:style>
+          <a:lnRef idx="0"/>
+          <a:fillRef idx="0"/>
+          <a:effectRef idx="0"/>
+          <a:fontRef idx="minor"/>
+        </p:style>
+        <p:txBody>
+          <a:bodyPr lIns="90000" rIns="90000" tIns="46800" bIns="46800" anchor="ctr"/>
+          <a:p>
+            <a:pPr>
+              <a:lnSpc>
+                <a:spcPct val="100000"/>
+              </a:lnSpc>
+            </a:pPr>
+            <a:r>
+              <a:rPr b="0" lang="en-US" sz="4400" spc="-1" strike="noStrike">
+                <a:solidFill>
+                  <a:srgbClr val="000000"/>
+                </a:solidFill>
+                <a:latin typeface="Arial"/>
+              </a:rPr>
+              <a:t>   </a:t>
+            </a:r>
+            <a:r>
+              <a:rPr b="0" lang="en-US" sz="4400" spc="-1" strike="noStrike">
+                <a:solidFill>
+                  <a:srgbClr val="000000"/>
+                </a:solidFill>
+                <a:latin typeface="Arial"/>
+              </a:rPr>
+              <a:t>Findings</a:t>
+            </a:r>
+            <a:endParaRPr b="0" lang="en-US" sz="4400" spc="-1" strike="noStrike">
+              <a:latin typeface="Arial"/>
+            </a:endParaRPr>
+          </a:p>
+        </p:txBody>
+      </p:sp>
+      <p:sp>
+        <p:nvSpPr>
+          <p:cNvPr id="98" name="CustomShape 2"/>
+          <p:cNvSpPr/>
+          <p:nvPr/>
+        </p:nvSpPr>
+        <p:spPr>
+          <a:xfrm>
+            <a:off x="457200" y="1600200"/>
+            <a:ext cx="8229240" cy="4525560"/>
           </a:xfrm>
           <a:prstGeom prst="rect">
             <a:avLst/>
@@ -2508,60 +3929,12 @@
             <a:noFill/>
           </a:ln>
         </p:spPr>
-        <p:txBody>
-          <a:bodyPr lIns="90000" rIns="90000" tIns="46800" bIns="46800" anchor="ctr"/>
-          <a:p>
-            <a:pPr algn="ctr"/>
-            <a:r>
-              <a:rPr b="0" lang="en-US" sz="4400" spc="-1" strike="noStrike">
-                <a:solidFill>
-                  <a:srgbClr val="000000"/>
-                </a:solidFill>
-                <a:latin typeface="Arial"/>
-              </a:rPr>
-              <a:t>Findings</a:t>
-            </a:r>
-            <a:endParaRPr b="0" lang="en-US" sz="4400" spc="-1" strike="noStrike">
-              <a:solidFill>
-                <a:srgbClr val="000000"/>
-              </a:solidFill>
-              <a:latin typeface="Arial"/>
-            </a:endParaRPr>
-          </a:p>
-        </p:txBody>
-      </p:sp>
-      <p:sp>
-        <p:nvSpPr>
-          <p:cNvPr id="63" name="TextShape 2"/>
-          <p:cNvSpPr txBox="1"/>
-          <p:nvPr/>
-        </p:nvSpPr>
-        <p:spPr>
-          <a:xfrm>
-            <a:off x="457200" y="1600200"/>
-            <a:ext cx="8229600" cy="4525920"/>
-          </a:xfrm>
-          <a:prstGeom prst="rect">
-            <a:avLst/>
-          </a:prstGeom>
-          <a:noFill/>
-          <a:ln>
-            <a:noFill/>
-          </a:ln>
-        </p:spPr>
-        <p:txBody>
-          <a:bodyPr lIns="90000" rIns="90000" tIns="46800" bIns="46800">
-            <a:normAutofit/>
-          </a:bodyPr>
-          <a:p>
-            <a:endParaRPr b="0" lang="en-US" sz="3200" spc="-1" strike="noStrike">
-              <a:solidFill>
-                <a:srgbClr val="000000"/>
-              </a:solidFill>
-              <a:latin typeface="Arial"/>
-            </a:endParaRPr>
-          </a:p>
-        </p:txBody>
+        <p:style>
+          <a:lnRef idx="0"/>
+          <a:fillRef idx="0"/>
+          <a:effectRef idx="0"/>
+          <a:fontRef idx="minor"/>
+        </p:style>
       </p:sp>
     </p:spTree>
   </p:cSld>
@@ -2614,14 +3987,73 @@
       </p:grpSpPr>
       <p:sp>
         <p:nvSpPr>
-          <p:cNvPr id="64" name="TextShape 1"/>
-          <p:cNvSpPr txBox="1"/>
+          <p:cNvPr id="99" name="CustomShape 1"/>
+          <p:cNvSpPr/>
           <p:nvPr/>
         </p:nvSpPr>
         <p:spPr>
           <a:xfrm>
-            <a:off x="457200" y="274320"/>
-            <a:ext cx="8229600" cy="1143000"/>
+            <a:off x="0" y="274320"/>
+            <a:ext cx="7498080" cy="1005840"/>
+          </a:xfrm>
+          <a:prstGeom prst="rect">
+            <a:avLst/>
+          </a:prstGeom>
+          <a:solidFill>
+            <a:srgbClr val="adc5e7"/>
+          </a:solidFill>
+          <a:ln>
+            <a:noFill/>
+          </a:ln>
+        </p:spPr>
+        <p:style>
+          <a:lnRef idx="0"/>
+          <a:fillRef idx="0"/>
+          <a:effectRef idx="0"/>
+          <a:fontRef idx="minor"/>
+        </p:style>
+        <p:txBody>
+          <a:bodyPr lIns="90000" rIns="90000" tIns="46800" bIns="46800" anchor="ctr"/>
+          <a:p>
+            <a:pPr>
+              <a:lnSpc>
+                <a:spcPct val="100000"/>
+              </a:lnSpc>
+            </a:pPr>
+            <a:r>
+              <a:rPr b="0" lang="en-US" sz="4400" spc="-1" strike="noStrike">
+                <a:solidFill>
+                  <a:srgbClr val="000000"/>
+                </a:solidFill>
+                <a:latin typeface="Arial"/>
+              </a:rPr>
+              <a:t>   </a:t>
+            </a:r>
+            <a:r>
+              <a:rPr b="0" lang="en-US" sz="4400" spc="-1" strike="noStrike">
+                <a:solidFill>
+                  <a:srgbClr val="000000"/>
+                </a:solidFill>
+                <a:latin typeface="Arial"/>
+              </a:rPr>
+              <a:t>Discussion</a:t>
+            </a:r>
+            <a:endParaRPr b="0" lang="en-US" sz="4400" spc="-1" strike="noStrike">
+              <a:latin typeface="Arial"/>
+            </a:endParaRPr>
+          </a:p>
+        </p:txBody>
+      </p:sp>
+      <p:sp>
+        <p:nvSpPr>
+          <p:cNvPr id="100" name="CustomShape 2"/>
+          <p:cNvSpPr/>
+          <p:nvPr/>
+        </p:nvSpPr>
+        <p:spPr>
+          <a:xfrm>
+            <a:off x="457200" y="1600200"/>
+            <a:ext cx="8229240" cy="4525560"/>
           </a:xfrm>
           <a:prstGeom prst="rect">
             <a:avLst/>
@@ -2631,60 +4063,12 @@
             <a:noFill/>
           </a:ln>
         </p:spPr>
-        <p:txBody>
-          <a:bodyPr lIns="90000" rIns="90000" tIns="46800" bIns="46800" anchor="ctr"/>
-          <a:p>
-            <a:pPr algn="ctr"/>
-            <a:r>
-              <a:rPr b="0" lang="en-US" sz="4400" spc="-1" strike="noStrike">
-                <a:solidFill>
-                  <a:srgbClr val="000000"/>
-                </a:solidFill>
-                <a:latin typeface="Arial"/>
-              </a:rPr>
-              <a:t>Discussion</a:t>
-            </a:r>
-            <a:endParaRPr b="0" lang="en-US" sz="4400" spc="-1" strike="noStrike">
-              <a:solidFill>
-                <a:srgbClr val="000000"/>
-              </a:solidFill>
-              <a:latin typeface="Arial"/>
-            </a:endParaRPr>
-          </a:p>
-        </p:txBody>
-      </p:sp>
-      <p:sp>
-        <p:nvSpPr>
-          <p:cNvPr id="65" name="TextShape 2"/>
-          <p:cNvSpPr txBox="1"/>
-          <p:nvPr/>
-        </p:nvSpPr>
-        <p:spPr>
-          <a:xfrm>
-            <a:off x="457200" y="1600200"/>
-            <a:ext cx="8229600" cy="4525920"/>
-          </a:xfrm>
-          <a:prstGeom prst="rect">
-            <a:avLst/>
-          </a:prstGeom>
-          <a:noFill/>
-          <a:ln>
-            <a:noFill/>
-          </a:ln>
-        </p:spPr>
-        <p:txBody>
-          <a:bodyPr lIns="90000" rIns="90000" tIns="46800" bIns="46800">
-            <a:normAutofit/>
-          </a:bodyPr>
-          <a:p>
-            <a:endParaRPr b="0" lang="en-US" sz="3200" spc="-1" strike="noStrike">
-              <a:solidFill>
-                <a:srgbClr val="000000"/>
-              </a:solidFill>
-              <a:latin typeface="Arial"/>
-            </a:endParaRPr>
-          </a:p>
-        </p:txBody>
+        <p:style>
+          <a:lnRef idx="0"/>
+          <a:fillRef idx="0"/>
+          <a:effectRef idx="0"/>
+          <a:fontRef idx="minor"/>
+        </p:style>
       </p:sp>
     </p:spTree>
   </p:cSld>
@@ -2737,14 +4121,64 @@
       </p:grpSpPr>
       <p:sp>
         <p:nvSpPr>
-          <p:cNvPr id="66" name="TextShape 1"/>
-          <p:cNvSpPr txBox="1"/>
+          <p:cNvPr id="101" name="CustomShape 1"/>
+          <p:cNvSpPr/>
           <p:nvPr/>
         </p:nvSpPr>
         <p:spPr>
           <a:xfrm>
-            <a:off x="457200" y="274320"/>
-            <a:ext cx="8229600" cy="1143000"/>
+            <a:off x="0" y="274320"/>
+            <a:ext cx="7406640" cy="1005840"/>
+          </a:xfrm>
+          <a:prstGeom prst="rect">
+            <a:avLst/>
+          </a:prstGeom>
+          <a:solidFill>
+            <a:srgbClr val="adc5e7"/>
+          </a:solidFill>
+          <a:ln>
+            <a:noFill/>
+          </a:ln>
+        </p:spPr>
+        <p:style>
+          <a:lnRef idx="0"/>
+          <a:fillRef idx="0"/>
+          <a:effectRef idx="0"/>
+          <a:fontRef idx="minor"/>
+        </p:style>
+        <p:txBody>
+          <a:bodyPr lIns="90000" rIns="90000" tIns="46800" bIns="46800" anchor="ctr"/>
+          <a:p>
+            <a:pPr>
+              <a:lnSpc>
+                <a:spcPct val="100000"/>
+              </a:lnSpc>
+            </a:pPr>
+            <a:r>
+              <a:rPr b="0" lang="en-US" sz="4400" spc="-1" strike="noStrike">
+                <a:solidFill>
+                  <a:srgbClr val="000000"/>
+                </a:solidFill>
+                <a:latin typeface="Arial"/>
+              </a:rPr>
+              <a:t>Conclusion</a:t>
+            </a:r>
+            <a:endParaRPr b="0" lang="en-US" sz="4400" spc="-1" strike="noStrike">
+              <a:latin typeface="Arial"/>
+            </a:endParaRPr>
+          </a:p>
+        </p:txBody>
+      </p:sp>
+      <p:sp>
+        <p:nvSpPr>
+          <p:cNvPr id="102" name="CustomShape 2"/>
+          <p:cNvSpPr/>
+          <p:nvPr/>
+        </p:nvSpPr>
+        <p:spPr>
+          <a:xfrm>
+            <a:off x="457200" y="1600200"/>
+            <a:ext cx="8229240" cy="4525560"/>
           </a:xfrm>
           <a:prstGeom prst="rect">
             <a:avLst/>
@@ -2754,60 +4188,12 @@
             <a:noFill/>
           </a:ln>
         </p:spPr>
-        <p:txBody>
-          <a:bodyPr lIns="90000" rIns="90000" tIns="46800" bIns="46800" anchor="ctr"/>
-          <a:p>
-            <a:pPr algn="ctr"/>
-            <a:r>
-              <a:rPr b="0" lang="en-US" sz="4400" spc="-1" strike="noStrike">
-                <a:solidFill>
-                  <a:srgbClr val="000000"/>
-                </a:solidFill>
-                <a:latin typeface="Arial"/>
-              </a:rPr>
-              <a:t>Conclusion</a:t>
-            </a:r>
-            <a:endParaRPr b="0" lang="en-US" sz="4400" spc="-1" strike="noStrike">
-              <a:solidFill>
-                <a:srgbClr val="000000"/>
-              </a:solidFill>
-              <a:latin typeface="Arial"/>
-            </a:endParaRPr>
-          </a:p>
-        </p:txBody>
-      </p:sp>
-      <p:sp>
-        <p:nvSpPr>
-          <p:cNvPr id="67" name="TextShape 2"/>
-          <p:cNvSpPr txBox="1"/>
-          <p:nvPr/>
-        </p:nvSpPr>
-        <p:spPr>
-          <a:xfrm>
-            <a:off x="457200" y="1600200"/>
-            <a:ext cx="8229600" cy="4525920"/>
-          </a:xfrm>
-          <a:prstGeom prst="rect">
-            <a:avLst/>
-          </a:prstGeom>
-          <a:noFill/>
-          <a:ln>
-            <a:noFill/>
-          </a:ln>
-        </p:spPr>
-        <p:txBody>
-          <a:bodyPr lIns="90000" rIns="90000" tIns="46800" bIns="46800">
-            <a:normAutofit/>
-          </a:bodyPr>
-          <a:p>
-            <a:endParaRPr b="0" lang="en-US" sz="3200" spc="-1" strike="noStrike">
-              <a:solidFill>
-                <a:srgbClr val="000000"/>
-              </a:solidFill>
-              <a:latin typeface="Arial"/>
-            </a:endParaRPr>
-          </a:p>
-        </p:txBody>
+        <p:style>
+          <a:lnRef idx="0"/>
+          <a:fillRef idx="0"/>
+          <a:effectRef idx="0"/>
+          <a:fontRef idx="minor"/>
+        </p:style>
       </p:sp>
     </p:spTree>
   </p:cSld>
@@ -2860,27 +4246,39 @@
       </p:grpSpPr>
       <p:sp>
         <p:nvSpPr>
-          <p:cNvPr id="42" name="TextShape 1"/>
-          <p:cNvSpPr txBox="1"/>
+          <p:cNvPr id="77" name="CustomShape 1"/>
+          <p:cNvSpPr/>
           <p:nvPr/>
         </p:nvSpPr>
         <p:spPr>
           <a:xfrm>
-            <a:off x="457200" y="274320"/>
-            <a:ext cx="8229600" cy="1143000"/>
-          </a:xfrm>
-          <a:prstGeom prst="rect">
-            <a:avLst/>
-          </a:prstGeom>
-          <a:noFill/>
+            <a:off x="0" y="274320"/>
+            <a:ext cx="7406640" cy="822960"/>
+          </a:xfrm>
+          <a:prstGeom prst="rect">
+            <a:avLst/>
+          </a:prstGeom>
+          <a:solidFill>
+            <a:srgbClr val="adc5e7"/>
+          </a:solidFill>
           <a:ln>
             <a:noFill/>
           </a:ln>
         </p:spPr>
+        <p:style>
+          <a:lnRef idx="0"/>
+          <a:fillRef idx="0"/>
+          <a:effectRef idx="0"/>
+          <a:fontRef idx="minor"/>
+        </p:style>
         <p:txBody>
           <a:bodyPr lIns="90000" rIns="90000" tIns="46800" bIns="46800" anchor="ctr"/>
           <a:p>
-            <a:pPr algn="ctr"/>
+            <a:pPr>
+              <a:lnSpc>
+                <a:spcPct val="100000"/>
+              </a:lnSpc>
+            </a:pPr>
             <a:r>
               <a:rPr b="0" lang="en-US" sz="4400" spc="-1" strike="noStrike">
                 <a:solidFill>
@@ -2891,9 +4289,6 @@
               <a:t>Growth of Mobile</a:t>
             </a:r>
             <a:endParaRPr b="0" lang="en-US" sz="4400" spc="-1" strike="noStrike">
-              <a:solidFill>
-                <a:srgbClr val="000000"/>
-              </a:solidFill>
               <a:latin typeface="Arial"/>
             </a:endParaRPr>
           </a:p>
@@ -2901,7 +4296,7 @@
       </p:sp>
       <p:pic>
         <p:nvPicPr>
-          <p:cNvPr id="43" name="" descr=""/>
+          <p:cNvPr id="78" name="" descr=""/>
           <p:cNvPicPr/>
           <p:nvPr/>
         </p:nvPicPr>
@@ -2912,7 +4307,7 @@
         <p:spPr>
           <a:xfrm>
             <a:off x="414720" y="1417320"/>
-            <a:ext cx="6351840" cy="4525920"/>
+            <a:ext cx="6351480" cy="4525560"/>
           </a:xfrm>
           <a:prstGeom prst="rect">
             <a:avLst/>
@@ -2983,14 +4378,73 @@
       </p:grpSpPr>
       <p:sp>
         <p:nvSpPr>
-          <p:cNvPr id="44" name="TextShape 1"/>
-          <p:cNvSpPr txBox="1"/>
+          <p:cNvPr id="79" name="CustomShape 1"/>
+          <p:cNvSpPr/>
           <p:nvPr/>
         </p:nvSpPr>
         <p:spPr>
           <a:xfrm>
-            <a:off x="457200" y="274320"/>
-            <a:ext cx="8229600" cy="1143000"/>
+            <a:off x="0" y="274320"/>
+            <a:ext cx="7223760" cy="1005840"/>
+          </a:xfrm>
+          <a:prstGeom prst="rect">
+            <a:avLst/>
+          </a:prstGeom>
+          <a:solidFill>
+            <a:srgbClr val="adc5e7"/>
+          </a:solidFill>
+          <a:ln>
+            <a:noFill/>
+          </a:ln>
+        </p:spPr>
+        <p:style>
+          <a:lnRef idx="0"/>
+          <a:fillRef idx="0"/>
+          <a:effectRef idx="0"/>
+          <a:fontRef idx="minor"/>
+        </p:style>
+        <p:txBody>
+          <a:bodyPr lIns="90000" rIns="90000" tIns="46800" bIns="46800" anchor="ctr"/>
+          <a:p>
+            <a:pPr>
+              <a:lnSpc>
+                <a:spcPct val="100000"/>
+              </a:lnSpc>
+            </a:pPr>
+            <a:r>
+              <a:rPr b="0" lang="en-US" sz="4400" spc="-1" strike="noStrike">
+                <a:solidFill>
+                  <a:srgbClr val="000000"/>
+                </a:solidFill>
+                <a:latin typeface="Arial"/>
+              </a:rPr>
+              <a:t>  </a:t>
+            </a:r>
+            <a:r>
+              <a:rPr b="0" lang="en-US" sz="4400" spc="-1" strike="noStrike">
+                <a:solidFill>
+                  <a:srgbClr val="000000"/>
+                </a:solidFill>
+                <a:latin typeface="Arial"/>
+              </a:rPr>
+              <a:t>Goals of 5G</a:t>
+            </a:r>
+            <a:endParaRPr b="0" lang="en-US" sz="4400" spc="-1" strike="noStrike">
+              <a:latin typeface="Arial"/>
+            </a:endParaRPr>
+          </a:p>
+        </p:txBody>
+      </p:sp>
+      <p:sp>
+        <p:nvSpPr>
+          <p:cNvPr id="80" name="CustomShape 2"/>
+          <p:cNvSpPr/>
+          <p:nvPr/>
+        </p:nvSpPr>
+        <p:spPr>
+          <a:xfrm>
+            <a:off x="457200" y="1600200"/>
+            <a:ext cx="8229240" cy="4525560"/>
           </a:xfrm>
           <a:prstGeom prst="rect">
             <a:avLst/>
@@ -3000,53 +4454,21 @@
             <a:noFill/>
           </a:ln>
         </p:spPr>
-        <p:txBody>
-          <a:bodyPr lIns="90000" rIns="90000" tIns="46800" bIns="46800" anchor="ctr"/>
-          <a:p>
-            <a:pPr algn="ctr"/>
-            <a:r>
-              <a:rPr b="0" lang="en-US" sz="4400" spc="-1" strike="noStrike">
-                <a:solidFill>
-                  <a:srgbClr val="000000"/>
-                </a:solidFill>
-                <a:latin typeface="Arial"/>
-              </a:rPr>
-              <a:t>The Goals of 5G</a:t>
-            </a:r>
-            <a:endParaRPr b="0" lang="en-US" sz="4400" spc="-1" strike="noStrike">
-              <a:solidFill>
-                <a:srgbClr val="000000"/>
-              </a:solidFill>
-              <a:latin typeface="Arial"/>
-            </a:endParaRPr>
-          </a:p>
-        </p:txBody>
-      </p:sp>
-      <p:sp>
-        <p:nvSpPr>
-          <p:cNvPr id="45" name="TextShape 2"/>
-          <p:cNvSpPr txBox="1"/>
-          <p:nvPr/>
-        </p:nvSpPr>
-        <p:spPr>
-          <a:xfrm>
-            <a:off x="457200" y="1600200"/>
-            <a:ext cx="8229600" cy="4525920"/>
-          </a:xfrm>
-          <a:prstGeom prst="rect">
-            <a:avLst/>
-          </a:prstGeom>
-          <a:noFill/>
-          <a:ln>
-            <a:noFill/>
-          </a:ln>
-        </p:spPr>
+        <p:style>
+          <a:lnRef idx="0"/>
+          <a:fillRef idx="0"/>
+          <a:effectRef idx="0"/>
+          <a:fontRef idx="minor"/>
+        </p:style>
         <p:txBody>
           <a:bodyPr lIns="90000" rIns="90000" tIns="46800" bIns="46800">
             <a:normAutofit/>
           </a:bodyPr>
           <a:p>
-            <a:pPr marL="342720" indent="-342720">
+            <a:pPr marL="342720" indent="-342360">
+              <a:lnSpc>
+                <a:spcPct val="100000"/>
+              </a:lnSpc>
               <a:spcBef>
                 <a:spcPts val="799"/>
               </a:spcBef>
@@ -3066,14 +4488,14 @@
               <a:t>Not just the next generation</a:t>
             </a:r>
             <a:endParaRPr b="0" lang="en-US" sz="2800" spc="-1" strike="noStrike">
-              <a:solidFill>
-                <a:srgbClr val="000000"/>
-              </a:solidFill>
-              <a:latin typeface="Arial"/>
-            </a:endParaRPr>
-          </a:p>
-          <a:p>
-            <a:pPr marL="182880">
+              <a:latin typeface="Arial"/>
+            </a:endParaRPr>
+          </a:p>
+          <a:p>
+            <a:pPr marL="347400">
+              <a:lnSpc>
+                <a:spcPct val="100000"/>
+              </a:lnSpc>
               <a:spcBef>
                 <a:spcPts val="799"/>
               </a:spcBef>
@@ -3093,14 +4515,14 @@
               <a:t>Internet-of-Things</a:t>
             </a:r>
             <a:endParaRPr b="0" lang="en-US" sz="2800" spc="-1" strike="noStrike">
-              <a:solidFill>
-                <a:srgbClr val="000000"/>
-              </a:solidFill>
-              <a:latin typeface="Arial"/>
-            </a:endParaRPr>
-          </a:p>
-          <a:p>
-            <a:pPr marL="182880">
+              <a:latin typeface="Arial"/>
+            </a:endParaRPr>
+          </a:p>
+          <a:p>
+            <a:pPr marL="347400">
+              <a:lnSpc>
+                <a:spcPct val="100000"/>
+              </a:lnSpc>
               <a:spcBef>
                 <a:spcPts val="799"/>
               </a:spcBef>
@@ -3117,17 +4539,17 @@
                 </a:solidFill>
                 <a:latin typeface="Arial"/>
               </a:rPr>
-              <a:t>Machine to Machine Communications</a:t>
+              <a:t>Machine-to-Machine Communications</a:t>
             </a:r>
             <a:endParaRPr b="0" lang="en-US" sz="2800" spc="-1" strike="noStrike">
-              <a:solidFill>
-                <a:srgbClr val="000000"/>
-              </a:solidFill>
-              <a:latin typeface="Arial"/>
-            </a:endParaRPr>
-          </a:p>
-          <a:p>
-            <a:pPr marL="182880">
+              <a:latin typeface="Arial"/>
+            </a:endParaRPr>
+          </a:p>
+          <a:p>
+            <a:pPr marL="347400">
+              <a:lnSpc>
+                <a:spcPct val="100000"/>
+              </a:lnSpc>
               <a:spcBef>
                 <a:spcPts val="799"/>
               </a:spcBef>
@@ -3144,17 +4566,17 @@
                 </a:solidFill>
                 <a:latin typeface="Arial"/>
               </a:rPr>
-              <a:t>(Think autonomous vehicles)</a:t>
+              <a:t>-Autonomous vehicles</a:t>
             </a:r>
             <a:endParaRPr b="0" lang="en-US" sz="2800" spc="-1" strike="noStrike">
-              <a:solidFill>
-                <a:srgbClr val="000000"/>
-              </a:solidFill>
-              <a:latin typeface="Arial"/>
-            </a:endParaRPr>
-          </a:p>
-          <a:p>
-            <a:pPr marL="182880">
+              <a:latin typeface="Arial"/>
+            </a:endParaRPr>
+          </a:p>
+          <a:p>
+            <a:pPr marL="347400">
+              <a:lnSpc>
+                <a:spcPct val="100000"/>
+              </a:lnSpc>
               <a:spcBef>
                 <a:spcPts val="799"/>
               </a:spcBef>
@@ -3174,14 +4596,14 @@
               <a:t>Critical Infrastructure</a:t>
             </a:r>
             <a:endParaRPr b="0" lang="en-US" sz="2800" spc="-1" strike="noStrike">
-              <a:solidFill>
-                <a:srgbClr val="000000"/>
-              </a:solidFill>
-              <a:latin typeface="Arial"/>
-            </a:endParaRPr>
-          </a:p>
-          <a:p>
-            <a:pPr marL="182880">
+              <a:latin typeface="Arial"/>
+            </a:endParaRPr>
+          </a:p>
+          <a:p>
+            <a:pPr marL="347400">
+              <a:lnSpc>
+                <a:spcPct val="100000"/>
+              </a:lnSpc>
               <a:spcBef>
                 <a:spcPts val="799"/>
               </a:spcBef>
@@ -3198,44 +4620,17 @@
                 </a:solidFill>
                 <a:latin typeface="Arial"/>
               </a:rPr>
-              <a:t>(Power Grid and Utilities)</a:t>
+              <a:t>-Power Grid and Utilities</a:t>
             </a:r>
             <a:endParaRPr b="0" lang="en-US" sz="2800" spc="-1" strike="noStrike">
-              <a:solidFill>
-                <a:srgbClr val="000000"/>
-              </a:solidFill>
-              <a:latin typeface="Arial"/>
-            </a:endParaRPr>
-          </a:p>
-          <a:p>
-            <a:pPr marL="182880">
-              <a:spcBef>
-                <a:spcPts val="799"/>
-              </a:spcBef>
-              <a:buClr>
-                <a:srgbClr val="000000"/>
-              </a:buClr>
-              <a:buFont typeface="Arial"/>
-              <a:buChar char="•"/>
-            </a:pPr>
-            <a:r>
-              <a:rPr b="0" lang="en-US" sz="2800" spc="-1" strike="noStrike">
-                <a:solidFill>
-                  <a:srgbClr val="000000"/>
-                </a:solidFill>
-                <a:latin typeface="Arial"/>
-              </a:rPr>
-              <a:t>Mobile is becoming the way the world</a:t>
-            </a:r>
-            <a:endParaRPr b="0" lang="en-US" sz="2800" spc="-1" strike="noStrike">
-              <a:solidFill>
-                <a:srgbClr val="000000"/>
-              </a:solidFill>
-              <a:latin typeface="Arial"/>
-            </a:endParaRPr>
-          </a:p>
-          <a:p>
-            <a:pPr marL="182880">
+              <a:latin typeface="Arial"/>
+            </a:endParaRPr>
+          </a:p>
+          <a:p>
+            <a:pPr marL="347400">
+              <a:lnSpc>
+                <a:spcPct val="100000"/>
+              </a:lnSpc>
               <a:spcBef>
                 <a:spcPts val="865"/>
               </a:spcBef>
@@ -3252,28 +4647,19 @@
                 </a:solidFill>
                 <a:latin typeface="Arial"/>
               </a:rPr>
-              <a:t> </a:t>
-            </a:r>
-            <a:r>
-              <a:rPr b="0" lang="en-US" sz="2800" spc="-1" strike="noStrike">
-                <a:solidFill>
-                  <a:srgbClr val="000000"/>
-                </a:solidFill>
-                <a:latin typeface="Arial"/>
-              </a:rPr>
-              <a:t>accesses the internet</a:t>
+              <a:t>Mobile is the the world’s gateway</a:t>
             </a:r>
             <a:endParaRPr b="0" lang="en-US" sz="2800" spc="-1" strike="noStrike">
-              <a:solidFill>
-                <a:srgbClr val="000000"/>
-              </a:solidFill>
-              <a:latin typeface="Arial"/>
-            </a:endParaRPr>
-          </a:p>
-          <a:p>
-            <a:pPr marL="182880">
+              <a:latin typeface="Arial"/>
+            </a:endParaRPr>
+          </a:p>
+          <a:p>
+            <a:pPr marL="347400">
+              <a:lnSpc>
+                <a:spcPct val="100000"/>
+              </a:lnSpc>
               <a:spcBef>
-                <a:spcPts val="799"/>
+                <a:spcPts val="865"/>
               </a:spcBef>
               <a:buClr>
                 <a:srgbClr val="000000"/>
@@ -3281,10 +4667,29 @@
               <a:buFont typeface="Arial"/>
               <a:buChar char="•"/>
             </a:pPr>
+            <a:r>
+              <a:rPr b="0" lang="en-US" sz="2800" spc="-1" strike="noStrike">
+                <a:solidFill>
+                  <a:srgbClr val="000000"/>
+                </a:solidFill>
+                <a:latin typeface="Arial"/>
+              </a:rPr>
+              <a:t>to the internet</a:t>
+            </a:r>
             <a:endParaRPr b="0" lang="en-US" sz="2800" spc="-1" strike="noStrike">
-              <a:solidFill>
-                <a:srgbClr val="000000"/>
-              </a:solidFill>
+              <a:latin typeface="Arial"/>
+            </a:endParaRPr>
+          </a:p>
+          <a:p>
+            <a:pPr marL="255960">
+              <a:lnSpc>
+                <a:spcPct val="100000"/>
+              </a:lnSpc>
+              <a:spcBef>
+                <a:spcPts val="799"/>
+              </a:spcBef>
+            </a:pPr>
+            <a:endParaRPr b="0" lang="en-US" sz="2800" spc="-1" strike="noStrike">
               <a:latin typeface="Arial"/>
             </a:endParaRPr>
           </a:p>
@@ -3341,14 +4746,64 @@
       </p:grpSpPr>
       <p:sp>
         <p:nvSpPr>
-          <p:cNvPr id="46" name="TextShape 1"/>
-          <p:cNvSpPr txBox="1"/>
+          <p:cNvPr id="81" name="CustomShape 1"/>
+          <p:cNvSpPr/>
           <p:nvPr/>
         </p:nvSpPr>
         <p:spPr>
           <a:xfrm>
-            <a:off x="457200" y="274320"/>
-            <a:ext cx="8229600" cy="1143000"/>
+            <a:off x="0" y="274320"/>
+            <a:ext cx="7406640" cy="1097280"/>
+          </a:xfrm>
+          <a:prstGeom prst="rect">
+            <a:avLst/>
+          </a:prstGeom>
+          <a:solidFill>
+            <a:srgbClr val="adc5e7"/>
+          </a:solidFill>
+          <a:ln>
+            <a:noFill/>
+          </a:ln>
+        </p:spPr>
+        <p:style>
+          <a:lnRef idx="0"/>
+          <a:fillRef idx="0"/>
+          <a:effectRef idx="0"/>
+          <a:fontRef idx="minor"/>
+        </p:style>
+        <p:txBody>
+          <a:bodyPr lIns="90000" rIns="90000" tIns="46800" bIns="46800" anchor="ctr"/>
+          <a:p>
+            <a:pPr>
+              <a:lnSpc>
+                <a:spcPct val="100000"/>
+              </a:lnSpc>
+            </a:pPr>
+            <a:r>
+              <a:rPr b="0" lang="en-US" sz="4400" spc="-1" strike="noStrike">
+                <a:solidFill>
+                  <a:srgbClr val="000000"/>
+                </a:solidFill>
+                <a:latin typeface="Arial"/>
+              </a:rPr>
+              <a:t>5G-AKA: What does it do?</a:t>
+            </a:r>
+            <a:endParaRPr b="0" lang="en-US" sz="4400" spc="-1" strike="noStrike">
+              <a:latin typeface="Arial"/>
+            </a:endParaRPr>
+          </a:p>
+        </p:txBody>
+      </p:sp>
+      <p:sp>
+        <p:nvSpPr>
+          <p:cNvPr id="82" name="CustomShape 2"/>
+          <p:cNvSpPr/>
+          <p:nvPr/>
+        </p:nvSpPr>
+        <p:spPr>
+          <a:xfrm>
+            <a:off x="457200" y="1600200"/>
+            <a:ext cx="6857640" cy="4525560"/>
           </a:xfrm>
           <a:prstGeom prst="rect">
             <a:avLst/>
@@ -3358,53 +4813,21 @@
             <a:noFill/>
           </a:ln>
         </p:spPr>
-        <p:txBody>
-          <a:bodyPr lIns="90000" rIns="90000" tIns="46800" bIns="46800" anchor="ctr"/>
-          <a:p>
-            <a:pPr algn="ctr"/>
-            <a:r>
-              <a:rPr b="0" lang="en-US" sz="4400" spc="-1" strike="noStrike">
-                <a:solidFill>
-                  <a:srgbClr val="000000"/>
-                </a:solidFill>
-                <a:latin typeface="Arial"/>
-              </a:rPr>
-              <a:t>5G-AKA: What does it do?</a:t>
-            </a:r>
-            <a:endParaRPr b="0" lang="en-US" sz="4400" spc="-1" strike="noStrike">
-              <a:solidFill>
-                <a:srgbClr val="000000"/>
-              </a:solidFill>
-              <a:latin typeface="Arial"/>
-            </a:endParaRPr>
-          </a:p>
-        </p:txBody>
-      </p:sp>
-      <p:sp>
-        <p:nvSpPr>
-          <p:cNvPr id="47" name="TextShape 2"/>
-          <p:cNvSpPr txBox="1"/>
-          <p:nvPr/>
-        </p:nvSpPr>
-        <p:spPr>
-          <a:xfrm>
-            <a:off x="457200" y="1600200"/>
-            <a:ext cx="6858000" cy="4525920"/>
-          </a:xfrm>
-          <a:prstGeom prst="rect">
-            <a:avLst/>
-          </a:prstGeom>
-          <a:noFill/>
-          <a:ln>
-            <a:noFill/>
-          </a:ln>
-        </p:spPr>
+        <p:style>
+          <a:lnRef idx="0"/>
+          <a:fillRef idx="0"/>
+          <a:effectRef idx="0"/>
+          <a:fontRef idx="minor"/>
+        </p:style>
         <p:txBody>
           <a:bodyPr lIns="90000" rIns="90000" tIns="46800" bIns="46800">
             <a:normAutofit/>
           </a:bodyPr>
           <a:p>
-            <a:pPr marL="342720" indent="-342720">
+            <a:pPr marL="342720" indent="-342360">
+              <a:lnSpc>
+                <a:spcPct val="100000"/>
+              </a:lnSpc>
               <a:spcBef>
                 <a:spcPts val="799"/>
               </a:spcBef>
@@ -3424,14 +4847,14 @@
               <a:t>5G- Authentication and Key Agreement</a:t>
             </a:r>
             <a:endParaRPr b="0" lang="en-US" sz="3200" spc="-1" strike="noStrike">
-              <a:solidFill>
-                <a:srgbClr val="000000"/>
-              </a:solidFill>
-              <a:latin typeface="Arial"/>
-            </a:endParaRPr>
-          </a:p>
-          <a:p>
-            <a:pPr marL="342720" indent="-342720">
+              <a:latin typeface="Arial"/>
+            </a:endParaRPr>
+          </a:p>
+          <a:p>
+            <a:pPr marL="342720" indent="-342360">
+              <a:lnSpc>
+                <a:spcPct val="100000"/>
+              </a:lnSpc>
               <a:spcBef>
                 <a:spcPts val="799"/>
               </a:spcBef>
@@ -3451,14 +4874,14 @@
               <a:t>Authenticates UE to network and network to UE</a:t>
             </a:r>
             <a:endParaRPr b="0" lang="en-US" sz="3200" spc="-1" strike="noStrike">
-              <a:solidFill>
-                <a:srgbClr val="000000"/>
-              </a:solidFill>
-              <a:latin typeface="Arial"/>
-            </a:endParaRPr>
-          </a:p>
-          <a:p>
-            <a:pPr marL="342720" indent="-342720">
+              <a:latin typeface="Arial"/>
+            </a:endParaRPr>
+          </a:p>
+          <a:p>
+            <a:pPr marL="342720" indent="-342360">
+              <a:lnSpc>
+                <a:spcPct val="100000"/>
+              </a:lnSpc>
               <a:spcBef>
                 <a:spcPts val="799"/>
               </a:spcBef>
@@ -3475,17 +4898,17 @@
                 </a:solidFill>
                 <a:latin typeface="Arial"/>
               </a:rPr>
-              <a:t>Establishes session keys between the UE and the network</a:t>
-            </a:r>
-            <a:endParaRPr b="0" lang="en-US" sz="3200" spc="-1" strike="noStrike">
-              <a:solidFill>
-                <a:srgbClr val="000000"/>
-              </a:solidFill>
-              <a:latin typeface="Arial"/>
-            </a:endParaRPr>
-          </a:p>
-          <a:p>
-            <a:pPr marL="342720" indent="-342720">
+              <a:t>Establishes session keys</a:t>
+            </a:r>
+            <a:endParaRPr b="0" lang="en-US" sz="3200" spc="-1" strike="noStrike">
+              <a:latin typeface="Arial"/>
+            </a:endParaRPr>
+          </a:p>
+          <a:p>
+            <a:pPr marL="342720" indent="-342360">
+              <a:lnSpc>
+                <a:spcPct val="100000"/>
+              </a:lnSpc>
               <a:spcBef>
                 <a:spcPts val="799"/>
               </a:spcBef>
@@ -3505,9 +4928,6 @@
               <a:t>Establishes a secure connection for other protocols over the RAN</a:t>
             </a:r>
             <a:endParaRPr b="0" lang="en-US" sz="3200" spc="-1" strike="noStrike">
-              <a:solidFill>
-                <a:srgbClr val="000000"/>
-              </a:solidFill>
               <a:latin typeface="Arial"/>
             </a:endParaRPr>
           </a:p>
@@ -3564,14 +4984,64 @@
       </p:grpSpPr>
       <p:sp>
         <p:nvSpPr>
-          <p:cNvPr id="48" name="TextShape 1"/>
-          <p:cNvSpPr txBox="1"/>
+          <p:cNvPr id="83" name="CustomShape 1"/>
+          <p:cNvSpPr/>
           <p:nvPr/>
         </p:nvSpPr>
         <p:spPr>
           <a:xfrm>
-            <a:off x="457200" y="128520"/>
-            <a:ext cx="8229600" cy="1434600"/>
+            <a:off x="0" y="128520"/>
+            <a:ext cx="7498080" cy="1151640"/>
+          </a:xfrm>
+          <a:prstGeom prst="rect">
+            <a:avLst/>
+          </a:prstGeom>
+          <a:solidFill>
+            <a:srgbClr val="adc5e7"/>
+          </a:solidFill>
+          <a:ln>
+            <a:noFill/>
+          </a:ln>
+        </p:spPr>
+        <p:style>
+          <a:lnRef idx="0"/>
+          <a:fillRef idx="0"/>
+          <a:effectRef idx="0"/>
+          <a:fontRef idx="minor"/>
+        </p:style>
+        <p:txBody>
+          <a:bodyPr lIns="90000" rIns="90000" tIns="46800" bIns="46800" anchor="ctr"/>
+          <a:p>
+            <a:pPr>
+              <a:lnSpc>
+                <a:spcPct val="100000"/>
+              </a:lnSpc>
+            </a:pPr>
+            <a:r>
+              <a:rPr b="0" lang="en-US" sz="4400" spc="-1" strike="noStrike">
+                <a:solidFill>
+                  <a:srgbClr val="000000"/>
+                </a:solidFill>
+                <a:latin typeface="Arial"/>
+              </a:rPr>
+              <a:t>5G Relevant Network Architecture</a:t>
+            </a:r>
+            <a:endParaRPr b="0" lang="en-US" sz="4400" spc="-1" strike="noStrike">
+              <a:latin typeface="Arial"/>
+            </a:endParaRPr>
+          </a:p>
+        </p:txBody>
+      </p:sp>
+      <p:sp>
+        <p:nvSpPr>
+          <p:cNvPr id="84" name="CustomShape 2"/>
+          <p:cNvSpPr/>
+          <p:nvPr/>
+        </p:nvSpPr>
+        <p:spPr>
+          <a:xfrm>
+            <a:off x="457200" y="1600200"/>
+            <a:ext cx="6766200" cy="4525560"/>
           </a:xfrm>
           <a:prstGeom prst="rect">
             <a:avLst/>
@@ -3581,53 +5051,21 @@
             <a:noFill/>
           </a:ln>
         </p:spPr>
-        <p:txBody>
-          <a:bodyPr lIns="90000" rIns="90000" tIns="46800" bIns="46800" anchor="ctr"/>
-          <a:p>
-            <a:pPr algn="ctr"/>
-            <a:r>
-              <a:rPr b="0" lang="en-US" sz="4400" spc="-1" strike="noStrike">
-                <a:solidFill>
-                  <a:srgbClr val="000000"/>
-                </a:solidFill>
-                <a:latin typeface="Arial"/>
-              </a:rPr>
-              <a:t>5G Relevant Network Architecture</a:t>
-            </a:r>
-            <a:endParaRPr b="0" lang="en-US" sz="4400" spc="-1" strike="noStrike">
-              <a:solidFill>
-                <a:srgbClr val="000000"/>
-              </a:solidFill>
-              <a:latin typeface="Arial"/>
-            </a:endParaRPr>
-          </a:p>
-        </p:txBody>
-      </p:sp>
-      <p:sp>
-        <p:nvSpPr>
-          <p:cNvPr id="49" name="TextShape 2"/>
-          <p:cNvSpPr txBox="1"/>
-          <p:nvPr/>
-        </p:nvSpPr>
-        <p:spPr>
-          <a:xfrm>
-            <a:off x="457200" y="1600200"/>
-            <a:ext cx="6766560" cy="4525920"/>
-          </a:xfrm>
-          <a:prstGeom prst="rect">
-            <a:avLst/>
-          </a:prstGeom>
-          <a:noFill/>
-          <a:ln>
-            <a:noFill/>
-          </a:ln>
-        </p:spPr>
+        <p:style>
+          <a:lnRef idx="0"/>
+          <a:fillRef idx="0"/>
+          <a:effectRef idx="0"/>
+          <a:fontRef idx="minor"/>
+        </p:style>
         <p:txBody>
           <a:bodyPr lIns="90000" rIns="90000" tIns="46800" bIns="46800">
             <a:normAutofit/>
           </a:bodyPr>
           <a:p>
-            <a:pPr marL="342720" indent="-342720">
+            <a:pPr marL="342720" indent="-342360">
+              <a:lnSpc>
+                <a:spcPct val="100000"/>
+              </a:lnSpc>
               <a:spcBef>
                 <a:spcPts val="799"/>
               </a:spcBef>
@@ -3647,14 +5085,14 @@
               <a:t>4 Primary players in AKA protocol</a:t>
             </a:r>
             <a:endParaRPr b="0" lang="en-US" sz="3200" spc="-1" strike="noStrike">
-              <a:solidFill>
-                <a:srgbClr val="000000"/>
-              </a:solidFill>
-              <a:latin typeface="Arial"/>
-            </a:endParaRPr>
-          </a:p>
-          <a:p>
-            <a:pPr marL="342720" indent="-342720">
+              <a:latin typeface="Arial"/>
+            </a:endParaRPr>
+          </a:p>
+          <a:p>
+            <a:pPr marL="342720" indent="-342360">
+              <a:lnSpc>
+                <a:spcPct val="100000"/>
+              </a:lnSpc>
               <a:spcBef>
                 <a:spcPts val="799"/>
               </a:spcBef>
@@ -3671,17 +5109,26 @@
                 </a:solidFill>
                 <a:latin typeface="Arial"/>
               </a:rPr>
+              <a:t> </a:t>
+            </a:r>
+            <a:r>
+              <a:rPr b="0" lang="en-US" sz="3200" spc="-1" strike="noStrike">
+                <a:solidFill>
+                  <a:srgbClr val="000000"/>
+                </a:solidFill>
+                <a:latin typeface="Arial"/>
+              </a:rPr>
               <a:t>UE – User Equipment</a:t>
             </a:r>
             <a:endParaRPr b="0" lang="en-US" sz="3200" spc="-1" strike="noStrike">
-              <a:solidFill>
-                <a:srgbClr val="000000"/>
-              </a:solidFill>
-              <a:latin typeface="Arial"/>
-            </a:endParaRPr>
-          </a:p>
-          <a:p>
-            <a:pPr marL="342720" indent="-342720">
+              <a:latin typeface="Arial"/>
+            </a:endParaRPr>
+          </a:p>
+          <a:p>
+            <a:pPr marL="342720" indent="-342360">
+              <a:lnSpc>
+                <a:spcPct val="100000"/>
+              </a:lnSpc>
               <a:spcBef>
                 <a:spcPts val="799"/>
               </a:spcBef>
@@ -3698,17 +5145,26 @@
                 </a:solidFill>
                 <a:latin typeface="Arial"/>
               </a:rPr>
+              <a:t> </a:t>
+            </a:r>
+            <a:r>
+              <a:rPr b="0" lang="en-US" sz="3200" spc="-1" strike="noStrike">
+                <a:solidFill>
+                  <a:srgbClr val="000000"/>
+                </a:solidFill>
+                <a:latin typeface="Arial"/>
+              </a:rPr>
               <a:t>SEAF – Security Anchor Function</a:t>
             </a:r>
             <a:endParaRPr b="0" lang="en-US" sz="3200" spc="-1" strike="noStrike">
-              <a:solidFill>
-                <a:srgbClr val="000000"/>
-              </a:solidFill>
-              <a:latin typeface="Arial"/>
-            </a:endParaRPr>
-          </a:p>
-          <a:p>
-            <a:pPr marL="342720" indent="-342720">
+              <a:latin typeface="Arial"/>
+            </a:endParaRPr>
+          </a:p>
+          <a:p>
+            <a:pPr marL="342720" indent="-342360">
+              <a:lnSpc>
+                <a:spcPct val="100000"/>
+              </a:lnSpc>
               <a:spcBef>
                 <a:spcPts val="799"/>
               </a:spcBef>
@@ -3725,17 +5181,26 @@
                 </a:solidFill>
                 <a:latin typeface="Arial"/>
               </a:rPr>
-              <a:t>AUSF – Authentication Server Function</a:t>
-            </a:r>
-            <a:endParaRPr b="0" lang="en-US" sz="3200" spc="-1" strike="noStrike">
-              <a:solidFill>
-                <a:srgbClr val="000000"/>
-              </a:solidFill>
-              <a:latin typeface="Arial"/>
-            </a:endParaRPr>
-          </a:p>
-          <a:p>
-            <a:pPr marL="342720" indent="-342720">
+              <a:t> </a:t>
+            </a:r>
+            <a:r>
+              <a:rPr b="0" lang="en-US" sz="3200" spc="-1" strike="noStrike">
+                <a:solidFill>
+                  <a:srgbClr val="000000"/>
+                </a:solidFill>
+                <a:latin typeface="Arial"/>
+              </a:rPr>
+              <a:t>AUSF – Authentication Server  Function</a:t>
+            </a:r>
+            <a:endParaRPr b="0" lang="en-US" sz="3200" spc="-1" strike="noStrike">
+              <a:latin typeface="Arial"/>
+            </a:endParaRPr>
+          </a:p>
+          <a:p>
+            <a:pPr marL="342720" indent="-342360">
+              <a:lnSpc>
+                <a:spcPct val="100000"/>
+              </a:lnSpc>
               <a:spcBef>
                 <a:spcPts val="799"/>
               </a:spcBef>
@@ -3752,12 +5217,18 @@
                 </a:solidFill>
                 <a:latin typeface="Arial"/>
               </a:rPr>
+              <a:t> </a:t>
+            </a:r>
+            <a:r>
+              <a:rPr b="0" lang="en-US" sz="3200" spc="-1" strike="noStrike">
+                <a:solidFill>
+                  <a:srgbClr val="000000"/>
+                </a:solidFill>
+                <a:latin typeface="Arial"/>
+              </a:rPr>
               <a:t>ARPF - Authentication credential Repository and Processing Function</a:t>
             </a:r>
             <a:endParaRPr b="0" lang="en-US" sz="3200" spc="-1" strike="noStrike">
-              <a:solidFill>
-                <a:srgbClr val="000000"/>
-              </a:solidFill>
               <a:latin typeface="Arial"/>
             </a:endParaRPr>
           </a:p>
@@ -3814,27 +5285,39 @@
       </p:grpSpPr>
       <p:sp>
         <p:nvSpPr>
-          <p:cNvPr id="50" name="TextShape 1"/>
-          <p:cNvSpPr txBox="1"/>
+          <p:cNvPr id="85" name="CustomShape 1"/>
+          <p:cNvSpPr/>
           <p:nvPr/>
         </p:nvSpPr>
         <p:spPr>
           <a:xfrm>
-            <a:off x="457200" y="274320"/>
-            <a:ext cx="6126480" cy="1036800"/>
-          </a:xfrm>
-          <a:prstGeom prst="rect">
-            <a:avLst/>
-          </a:prstGeom>
-          <a:noFill/>
+            <a:off x="0" y="274320"/>
+            <a:ext cx="7589520" cy="1036440"/>
+          </a:xfrm>
+          <a:prstGeom prst="rect">
+            <a:avLst/>
+          </a:prstGeom>
+          <a:solidFill>
+            <a:srgbClr val="adc5e7"/>
+          </a:solidFill>
           <a:ln>
             <a:noFill/>
           </a:ln>
         </p:spPr>
+        <p:style>
+          <a:lnRef idx="0"/>
+          <a:fillRef idx="0"/>
+          <a:effectRef idx="0"/>
+          <a:fontRef idx="minor"/>
+        </p:style>
         <p:txBody>
           <a:bodyPr lIns="90000" rIns="90000" tIns="46800" bIns="46800" anchor="ctr"/>
           <a:p>
-            <a:pPr algn="ctr"/>
+            <a:pPr>
+              <a:lnSpc>
+                <a:spcPct val="100000"/>
+              </a:lnSpc>
+            </a:pPr>
             <a:r>
               <a:rPr b="0" lang="en-US" sz="4400" spc="-1" strike="noStrike">
                 <a:solidFill>
@@ -3845,9 +5328,6 @@
               <a:t>Network Map</a:t>
             </a:r>
             <a:endParaRPr b="0" lang="en-US" sz="4400" spc="-1" strike="noStrike">
-              <a:solidFill>
-                <a:srgbClr val="000000"/>
-              </a:solidFill>
               <a:latin typeface="Arial"/>
             </a:endParaRPr>
           </a:p>
@@ -3855,7 +5335,7 @@
       </p:sp>
       <p:pic>
         <p:nvPicPr>
-          <p:cNvPr id="51" name="" descr=""/>
+          <p:cNvPr id="86" name="" descr=""/>
           <p:cNvPicPr/>
           <p:nvPr/>
         </p:nvPicPr>
@@ -3866,7 +5346,7 @@
         <p:spPr>
           <a:xfrm>
             <a:off x="457200" y="1920240"/>
-            <a:ext cx="6126480" cy="2449440"/>
+            <a:ext cx="6126120" cy="2449080"/>
           </a:xfrm>
           <a:prstGeom prst="rect">
             <a:avLst/>
@@ -3927,27 +5407,39 @@
       </p:grpSpPr>
       <p:sp>
         <p:nvSpPr>
-          <p:cNvPr id="52" name="TextShape 1"/>
-          <p:cNvSpPr txBox="1"/>
+          <p:cNvPr id="87" name="CustomShape 1"/>
+          <p:cNvSpPr/>
           <p:nvPr/>
         </p:nvSpPr>
         <p:spPr>
           <a:xfrm>
-            <a:off x="457200" y="274320"/>
-            <a:ext cx="8229600" cy="1143000"/>
-          </a:xfrm>
-          <a:prstGeom prst="rect">
-            <a:avLst/>
-          </a:prstGeom>
-          <a:noFill/>
+            <a:off x="0" y="274320"/>
+            <a:ext cx="7406640" cy="914400"/>
+          </a:xfrm>
+          <a:prstGeom prst="rect">
+            <a:avLst/>
+          </a:prstGeom>
+          <a:solidFill>
+            <a:srgbClr val="adc5e7"/>
+          </a:solidFill>
           <a:ln>
             <a:noFill/>
           </a:ln>
         </p:spPr>
+        <p:style>
+          <a:lnRef idx="0"/>
+          <a:fillRef idx="0"/>
+          <a:effectRef idx="0"/>
+          <a:fontRef idx="minor"/>
+        </p:style>
         <p:txBody>
           <a:bodyPr lIns="90000" rIns="90000" tIns="46800" bIns="46800" anchor="ctr"/>
           <a:p>
-            <a:pPr algn="ctr"/>
+            <a:pPr>
+              <a:lnSpc>
+                <a:spcPct val="100000"/>
+              </a:lnSpc>
+            </a:pPr>
             <a:r>
               <a:rPr b="0" lang="en-US" sz="4400" spc="-1" strike="noStrike">
                 <a:solidFill>
@@ -3958,9 +5450,6 @@
               <a:t>How The Protocol Works</a:t>
             </a:r>
             <a:endParaRPr b="0" lang="en-US" sz="4400" spc="-1" strike="noStrike">
-              <a:solidFill>
-                <a:srgbClr val="000000"/>
-              </a:solidFill>
               <a:latin typeface="Arial"/>
             </a:endParaRPr>
           </a:p>
@@ -3968,7 +5457,7 @@
       </p:sp>
       <p:pic>
         <p:nvPicPr>
-          <p:cNvPr id="53" name="" descr=""/>
+          <p:cNvPr id="88" name="" descr=""/>
           <p:cNvPicPr/>
           <p:nvPr/>
         </p:nvPicPr>
@@ -3979,7 +5468,7 @@
         <p:spPr>
           <a:xfrm>
             <a:off x="548640" y="1554480"/>
-            <a:ext cx="7120440" cy="3200400"/>
+            <a:ext cx="6309360" cy="3200040"/>
           </a:xfrm>
           <a:prstGeom prst="rect">
             <a:avLst/>
@@ -4040,14 +5529,73 @@
       </p:grpSpPr>
       <p:sp>
         <p:nvSpPr>
-          <p:cNvPr id="54" name="TextShape 1"/>
-          <p:cNvSpPr txBox="1"/>
+          <p:cNvPr id="89" name="CustomShape 1"/>
+          <p:cNvSpPr/>
           <p:nvPr/>
         </p:nvSpPr>
         <p:spPr>
           <a:xfrm>
-            <a:off x="457200" y="274320"/>
-            <a:ext cx="8229600" cy="1143000"/>
+            <a:off x="0" y="274320"/>
+            <a:ext cx="7498080" cy="1142640"/>
+          </a:xfrm>
+          <a:prstGeom prst="rect">
+            <a:avLst/>
+          </a:prstGeom>
+          <a:solidFill>
+            <a:srgbClr val="adc5e7"/>
+          </a:solidFill>
+          <a:ln>
+            <a:noFill/>
+          </a:ln>
+        </p:spPr>
+        <p:style>
+          <a:lnRef idx="0"/>
+          <a:fillRef idx="0"/>
+          <a:effectRef idx="0"/>
+          <a:fontRef idx="minor"/>
+        </p:style>
+        <p:txBody>
+          <a:bodyPr lIns="90000" rIns="90000" tIns="46800" bIns="46800" anchor="ctr"/>
+          <a:p>
+            <a:pPr>
+              <a:lnSpc>
+                <a:spcPct val="100000"/>
+              </a:lnSpc>
+            </a:pPr>
+            <a:r>
+              <a:rPr b="0" lang="en-US" sz="4400" spc="-1" strike="noStrike">
+                <a:solidFill>
+                  <a:srgbClr val="000000"/>
+                </a:solidFill>
+                <a:latin typeface="Arial"/>
+              </a:rPr>
+              <a:t>    </a:t>
+            </a:r>
+            <a:r>
+              <a:rPr b="0" lang="en-US" sz="4400" spc="-1" strike="noStrike">
+                <a:solidFill>
+                  <a:srgbClr val="000000"/>
+                </a:solidFill>
+                <a:latin typeface="Arial"/>
+              </a:rPr>
+              <a:t>Why Formal Verification</a:t>
+            </a:r>
+            <a:endParaRPr b="0" lang="en-US" sz="4400" spc="-1" strike="noStrike">
+              <a:latin typeface="Arial"/>
+            </a:endParaRPr>
+          </a:p>
+        </p:txBody>
+      </p:sp>
+      <p:sp>
+        <p:nvSpPr>
+          <p:cNvPr id="90" name="CustomShape 2"/>
+          <p:cNvSpPr/>
+          <p:nvPr/>
+        </p:nvSpPr>
+        <p:spPr>
+          <a:xfrm>
+            <a:off x="457200" y="1600200"/>
+            <a:ext cx="6583320" cy="4525560"/>
           </a:xfrm>
           <a:prstGeom prst="rect">
             <a:avLst/>
@@ -4057,53 +5605,21 @@
             <a:noFill/>
           </a:ln>
         </p:spPr>
-        <p:txBody>
-          <a:bodyPr lIns="90000" rIns="90000" tIns="46800" bIns="46800" anchor="ctr"/>
-          <a:p>
-            <a:pPr algn="ctr"/>
-            <a:r>
-              <a:rPr b="0" lang="en-US" sz="4400" spc="-1" strike="noStrike">
-                <a:solidFill>
-                  <a:srgbClr val="000000"/>
-                </a:solidFill>
-                <a:latin typeface="Arial"/>
-              </a:rPr>
-              <a:t>Why Formal Verification</a:t>
-            </a:r>
-            <a:endParaRPr b="0" lang="en-US" sz="4400" spc="-1" strike="noStrike">
-              <a:solidFill>
-                <a:srgbClr val="000000"/>
-              </a:solidFill>
-              <a:latin typeface="Arial"/>
-            </a:endParaRPr>
-          </a:p>
-        </p:txBody>
-      </p:sp>
-      <p:sp>
-        <p:nvSpPr>
-          <p:cNvPr id="55" name="TextShape 2"/>
-          <p:cNvSpPr txBox="1"/>
-          <p:nvPr/>
-        </p:nvSpPr>
-        <p:spPr>
-          <a:xfrm>
-            <a:off x="457200" y="1600200"/>
-            <a:ext cx="6583680" cy="4525920"/>
-          </a:xfrm>
-          <a:prstGeom prst="rect">
-            <a:avLst/>
-          </a:prstGeom>
-          <a:noFill/>
-          <a:ln>
-            <a:noFill/>
-          </a:ln>
-        </p:spPr>
+        <p:style>
+          <a:lnRef idx="0"/>
+          <a:fillRef idx="0"/>
+          <a:effectRef idx="0"/>
+          <a:fontRef idx="minor"/>
+        </p:style>
         <p:txBody>
           <a:bodyPr lIns="90000" rIns="90000" tIns="46800" bIns="46800">
             <a:normAutofit/>
           </a:bodyPr>
           <a:p>
-            <a:pPr marL="342720" indent="-342720">
+            <a:pPr marL="342720" indent="-342360">
+              <a:lnSpc>
+                <a:spcPct val="100000"/>
+              </a:lnSpc>
               <a:spcBef>
                 <a:spcPts val="799"/>
               </a:spcBef>
@@ -4123,14 +5639,14 @@
               <a:t>It allows systematic testing of a protocol through mathematical verification</a:t>
             </a:r>
             <a:endParaRPr b="0" lang="en-US" sz="3200" spc="-1" strike="noStrike">
-              <a:solidFill>
-                <a:srgbClr val="000000"/>
-              </a:solidFill>
-              <a:latin typeface="Arial"/>
-            </a:endParaRPr>
-          </a:p>
-          <a:p>
-            <a:pPr marL="342720" indent="-342720">
+              <a:latin typeface="Arial"/>
+            </a:endParaRPr>
+          </a:p>
+          <a:p>
+            <a:pPr marL="342720" indent="-342360">
+              <a:lnSpc>
+                <a:spcPct val="100000"/>
+              </a:lnSpc>
               <a:spcBef>
                 <a:spcPts val="799"/>
               </a:spcBef>
@@ -4150,14 +5666,14 @@
               <a:t>Increasingly preferred over simulation or testing</a:t>
             </a:r>
             <a:endParaRPr b="0" lang="en-US" sz="3200" spc="-1" strike="noStrike">
-              <a:solidFill>
-                <a:srgbClr val="000000"/>
-              </a:solidFill>
-              <a:latin typeface="Arial"/>
-            </a:endParaRPr>
-          </a:p>
-          <a:p>
-            <a:pPr marL="342720" indent="-342720">
+              <a:latin typeface="Arial"/>
+            </a:endParaRPr>
+          </a:p>
+          <a:p>
+            <a:pPr marL="342720" indent="-342360">
+              <a:lnSpc>
+                <a:spcPct val="100000"/>
+              </a:lnSpc>
               <a:spcBef>
                 <a:spcPts val="799"/>
               </a:spcBef>
@@ -4177,9 +5693,6 @@
               <a:t>Automated with modern software</a:t>
             </a:r>
             <a:endParaRPr b="0" lang="en-US" sz="3200" spc="-1" strike="noStrike">
-              <a:solidFill>
-                <a:srgbClr val="000000"/>
-              </a:solidFill>
               <a:latin typeface="Arial"/>
             </a:endParaRPr>
           </a:p>
@@ -4236,14 +5749,73 @@
       </p:grpSpPr>
       <p:sp>
         <p:nvSpPr>
-          <p:cNvPr id="56" name="TextShape 1"/>
-          <p:cNvSpPr txBox="1"/>
+          <p:cNvPr id="91" name="CustomShape 1"/>
+          <p:cNvSpPr/>
           <p:nvPr/>
         </p:nvSpPr>
         <p:spPr>
           <a:xfrm>
-            <a:off x="457200" y="274320"/>
-            <a:ext cx="8229600" cy="1143000"/>
+            <a:off x="0" y="274320"/>
+            <a:ext cx="7498080" cy="1005840"/>
+          </a:xfrm>
+          <a:prstGeom prst="rect">
+            <a:avLst/>
+          </a:prstGeom>
+          <a:solidFill>
+            <a:srgbClr val="adc5e7"/>
+          </a:solidFill>
+          <a:ln>
+            <a:noFill/>
+          </a:ln>
+        </p:spPr>
+        <p:style>
+          <a:lnRef idx="0"/>
+          <a:fillRef idx="0"/>
+          <a:effectRef idx="0"/>
+          <a:fontRef idx="minor"/>
+        </p:style>
+        <p:txBody>
+          <a:bodyPr lIns="90000" rIns="90000" tIns="46800" bIns="46800" anchor="ctr"/>
+          <a:p>
+            <a:pPr>
+              <a:lnSpc>
+                <a:spcPct val="100000"/>
+              </a:lnSpc>
+            </a:pPr>
+            <a:r>
+              <a:rPr b="0" lang="en-US" sz="4400" spc="-1" strike="noStrike">
+                <a:solidFill>
+                  <a:srgbClr val="000000"/>
+                </a:solidFill>
+                <a:latin typeface="Arial"/>
+              </a:rPr>
+              <a:t>  </a:t>
+            </a:r>
+            <a:r>
+              <a:rPr b="0" lang="en-US" sz="4400" spc="-1" strike="noStrike">
+                <a:solidFill>
+                  <a:srgbClr val="000000"/>
+                </a:solidFill>
+                <a:latin typeface="Arial"/>
+              </a:rPr>
+              <a:t>Types of Verification</a:t>
+            </a:r>
+            <a:endParaRPr b="0" lang="en-US" sz="4400" spc="-1" strike="noStrike">
+              <a:latin typeface="Arial"/>
+            </a:endParaRPr>
+          </a:p>
+        </p:txBody>
+      </p:sp>
+      <p:sp>
+        <p:nvSpPr>
+          <p:cNvPr id="92" name="CustomShape 2"/>
+          <p:cNvSpPr/>
+          <p:nvPr/>
+        </p:nvSpPr>
+        <p:spPr>
+          <a:xfrm>
+            <a:off x="457200" y="1600200"/>
+            <a:ext cx="6583320" cy="4525560"/>
           </a:xfrm>
           <a:prstGeom prst="rect">
             <a:avLst/>
@@ -4253,53 +5825,21 @@
             <a:noFill/>
           </a:ln>
         </p:spPr>
-        <p:txBody>
-          <a:bodyPr lIns="90000" rIns="90000" tIns="46800" bIns="46800" anchor="ctr"/>
-          <a:p>
-            <a:pPr algn="ctr"/>
-            <a:r>
-              <a:rPr b="0" lang="en-US" sz="4400" spc="-1" strike="noStrike">
-                <a:solidFill>
-                  <a:srgbClr val="000000"/>
-                </a:solidFill>
-                <a:latin typeface="Arial"/>
-              </a:rPr>
-              <a:t>Types of Verification</a:t>
-            </a:r>
-            <a:endParaRPr b="0" lang="en-US" sz="4400" spc="-1" strike="noStrike">
-              <a:solidFill>
-                <a:srgbClr val="000000"/>
-              </a:solidFill>
-              <a:latin typeface="Arial"/>
-            </a:endParaRPr>
-          </a:p>
-        </p:txBody>
-      </p:sp>
-      <p:sp>
-        <p:nvSpPr>
-          <p:cNvPr id="57" name="TextShape 2"/>
-          <p:cNvSpPr txBox="1"/>
-          <p:nvPr/>
-        </p:nvSpPr>
-        <p:spPr>
-          <a:xfrm>
-            <a:off x="457200" y="1600200"/>
-            <a:ext cx="6583680" cy="4525920"/>
-          </a:xfrm>
-          <a:prstGeom prst="rect">
-            <a:avLst/>
-          </a:prstGeom>
-          <a:noFill/>
-          <a:ln>
-            <a:noFill/>
-          </a:ln>
-        </p:spPr>
+        <p:style>
+          <a:lnRef idx="0"/>
+          <a:fillRef idx="0"/>
+          <a:effectRef idx="0"/>
+          <a:fontRef idx="minor"/>
+        </p:style>
         <p:txBody>
           <a:bodyPr lIns="90000" rIns="90000" tIns="46800" bIns="46800">
             <a:normAutofit/>
           </a:bodyPr>
           <a:p>
-            <a:pPr marL="342720" indent="-342720">
+            <a:pPr marL="342720" indent="-342360">
+              <a:lnSpc>
+                <a:spcPct val="100000"/>
+              </a:lnSpc>
               <a:spcBef>
                 <a:spcPts val="799"/>
               </a:spcBef>
@@ -4319,14 +5859,14 @@
               <a:t>Two classes of verification</a:t>
             </a:r>
             <a:endParaRPr b="0" lang="en-US" sz="3200" spc="-1" strike="noStrike">
-              <a:solidFill>
-                <a:srgbClr val="000000"/>
-              </a:solidFill>
-              <a:latin typeface="Arial"/>
-            </a:endParaRPr>
-          </a:p>
-          <a:p>
-            <a:pPr marL="342720" indent="-342720">
+              <a:latin typeface="Arial"/>
+            </a:endParaRPr>
+          </a:p>
+          <a:p>
+            <a:pPr marL="342720" indent="-342360">
+              <a:lnSpc>
+                <a:spcPct val="100000"/>
+              </a:lnSpc>
               <a:spcBef>
                 <a:spcPts val="799"/>
               </a:spcBef>
@@ -4337,23 +5877,33 @@
               <a:buAutoNum type="arabicParenR"/>
             </a:pPr>
             <a:r>
+              <a:rPr b="0" lang="en-US" sz="3200" spc="-1" strike="noStrike" u="sng">
+                <a:solidFill>
+                  <a:srgbClr val="000000"/>
+                </a:solidFill>
+                <a:uFillTx/>
+                <a:latin typeface="Arial"/>
+              </a:rPr>
+              <a:t>Model Checking</a:t>
+            </a:r>
+            <a:r>
               <a:rPr b="0" lang="en-US" sz="3200" spc="-1" strike="noStrike">
                 <a:solidFill>
                   <a:srgbClr val="000000"/>
                 </a:solidFill>
                 <a:latin typeface="Arial"/>
               </a:rPr>
-              <a:t>Model Checking-Represents the protocol as a state machine and systematically tests that the protocol behaves as intended as the protocol transitions from state to state</a:t>
-            </a:r>
-            <a:endParaRPr b="0" lang="en-US" sz="3200" spc="-1" strike="noStrike">
-              <a:solidFill>
-                <a:srgbClr val="000000"/>
-              </a:solidFill>
-              <a:latin typeface="Arial"/>
-            </a:endParaRPr>
-          </a:p>
-          <a:p>
-            <a:pPr marL="342720" indent="-342720">
+              <a:t>-Represents the protocol as a state machine and systematically tests that the protocol behaves as intended.</a:t>
+            </a:r>
+            <a:endParaRPr b="0" lang="en-US" sz="3200" spc="-1" strike="noStrike">
+              <a:latin typeface="Arial"/>
+            </a:endParaRPr>
+          </a:p>
+          <a:p>
+            <a:pPr marL="342720" indent="-342360">
+              <a:lnSpc>
+                <a:spcPct val="100000"/>
+              </a:lnSpc>
               <a:spcBef>
                 <a:spcPts val="799"/>
               </a:spcBef>
@@ -4364,18 +5914,25 @@
               <a:buAutoNum type="arabicParenR"/>
             </a:pPr>
             <a:r>
+              <a:rPr b="0" lang="en-US" sz="3200" spc="-1" strike="noStrike" u="sng">
+                <a:solidFill>
+                  <a:srgbClr val="000000"/>
+                </a:solidFill>
+                <a:uFillTx/>
+                <a:latin typeface="Arial"/>
+              </a:rPr>
+              <a:t>Logical Inference</a:t>
+            </a:r>
+            <a:r>
               <a:rPr b="0" lang="en-US" sz="3200" spc="-1" strike="noStrike">
                 <a:solidFill>
                   <a:srgbClr val="000000"/>
                 </a:solidFill>
                 <a:latin typeface="Arial"/>
               </a:rPr>
-              <a:t>Logical Inference-Mathematical proof that’s seldom automated and relies on verifier’s understanding of the system</a:t>
-            </a:r>
-            <a:endParaRPr b="0" lang="en-US" sz="3200" spc="-1" strike="noStrike">
-              <a:solidFill>
-                <a:srgbClr val="000000"/>
-              </a:solidFill>
+              <a:t>-Mathematical proof that’s seldom automated and relies on verifier’s understanding of the system</a:t>
+            </a:r>
+            <a:endParaRPr b="0" lang="en-US" sz="3200" spc="-1" strike="noStrike">
               <a:latin typeface="Arial"/>
             </a:endParaRPr>
           </a:p>
@@ -4634,4 +6191,227 @@
     </a:fmtScheme>
   </a:themeElements>
 </a:theme>
+</file>
+
+<file path=ppt/theme/theme2.xml><?xml version="1.0" encoding="utf-8"?>
+<a:theme xmlns:a="http://schemas.openxmlformats.org/drawingml/2006/main" name="Office Theme">
+  <a:themeElements>
+    <a:clrScheme name="Office">
+      <a:dk1>
+        <a:sysClr val="windowText" lastClr="000000"/>
+      </a:dk1>
+      <a:lt1>
+        <a:sysClr val="window" lastClr="FFFFFF"/>
+      </a:lt1>
+      <a:dk2>
+        <a:srgbClr val="1f497d"/>
+      </a:dk2>
+      <a:lt2>
+        <a:srgbClr val="eeece1"/>
+      </a:lt2>
+      <a:accent1>
+        <a:srgbClr val="4f81bd"/>
+      </a:accent1>
+      <a:accent2>
+        <a:srgbClr val="c0504d"/>
+      </a:accent2>
+      <a:accent3>
+        <a:srgbClr val="9bbb59"/>
+      </a:accent3>
+      <a:accent4>
+        <a:srgbClr val="8064a2"/>
+      </a:accent4>
+      <a:accent5>
+        <a:srgbClr val="4bacc6"/>
+      </a:accent5>
+      <a:accent6>
+        <a:srgbClr val="f79646"/>
+      </a:accent6>
+      <a:hlink>
+        <a:srgbClr val="0000ff"/>
+      </a:hlink>
+      <a:folHlink>
+        <a:srgbClr val="800080"/>
+      </a:folHlink>
+    </a:clrScheme>
+    <a:fontScheme name="Office">
+      <a:majorFont>
+        <a:latin typeface="Arial"/>
+        <a:ea typeface="DejaVu Sans"/>
+        <a:cs typeface="DejaVu Sans"/>
+      </a:majorFont>
+      <a:minorFont>
+        <a:latin typeface="Arial"/>
+        <a:ea typeface="DejaVu Sans"/>
+        <a:cs typeface="DejaVu Sans"/>
+      </a:minorFont>
+    </a:fontScheme>
+    <a:fmtScheme name="Office">
+      <a:fillStyleLst>
+        <a:solidFill>
+          <a:schemeClr val="phClr"/>
+        </a:solidFill>
+        <a:gradFill rotWithShape="1">
+          <a:gsLst>
+            <a:gs pos="0">
+              <a:schemeClr val="phClr">
+                <a:tint val="50000"/>
+                <a:satMod val="300000"/>
+              </a:schemeClr>
+            </a:gs>
+            <a:gs pos="35000">
+              <a:schemeClr val="phClr">
+                <a:tint val="37000"/>
+                <a:satMod val="300000"/>
+              </a:schemeClr>
+            </a:gs>
+            <a:gs pos="100000">
+              <a:schemeClr val="phClr">
+                <a:tint val="15000"/>
+                <a:satMod val="350000"/>
+              </a:schemeClr>
+            </a:gs>
+          </a:gsLst>
+          <a:lin ang="16200000" scaled="1"/>
+        </a:gradFill>
+        <a:gradFill rotWithShape="1">
+          <a:gsLst>
+            <a:gs pos="0">
+              <a:schemeClr val="phClr">
+                <a:shade val="51000"/>
+                <a:satMod val="130000"/>
+              </a:schemeClr>
+            </a:gs>
+            <a:gs pos="80000">
+              <a:schemeClr val="phClr">
+                <a:shade val="93000"/>
+                <a:satMod val="130000"/>
+              </a:schemeClr>
+            </a:gs>
+            <a:gs pos="100000">
+              <a:schemeClr val="phClr">
+                <a:shade val="94000"/>
+                <a:satMod val="135000"/>
+              </a:schemeClr>
+            </a:gs>
+          </a:gsLst>
+          <a:lin ang="16200000" scaled="0"/>
+        </a:gradFill>
+      </a:fillStyleLst>
+      <a:lnStyleLst>
+        <a:ln w="9525" cap="flat" cmpd="sng" algn="ctr">
+          <a:solidFill>
+            <a:schemeClr val="phClr">
+              <a:shade val="95000"/>
+              <a:satMod val="105000"/>
+            </a:schemeClr>
+          </a:solidFill>
+          <a:prstDash val="solid"/>
+        </a:ln>
+        <a:ln w="25400" cap="flat" cmpd="sng" algn="ctr">
+          <a:solidFill>
+            <a:schemeClr val="phClr"/>
+          </a:solidFill>
+          <a:prstDash val="solid"/>
+        </a:ln>
+        <a:ln w="38100" cap="flat" cmpd="sng" algn="ctr">
+          <a:solidFill>
+            <a:schemeClr val="phClr"/>
+          </a:solidFill>
+          <a:prstDash val="solid"/>
+        </a:ln>
+      </a:lnStyleLst>
+      <a:effectStyleLst>
+        <a:effectStyle>
+          <a:effectLst>
+            <a:outerShdw blurRad="40000" dist="20000" dir="5400000" rotWithShape="0">
+              <a:srgbClr val="000000">
+                <a:alpha val="38000"/>
+              </a:srgbClr>
+            </a:outerShdw>
+          </a:effectLst>
+        </a:effectStyle>
+        <a:effectStyle>
+          <a:effectLst>
+            <a:outerShdw blurRad="40000" dist="23000" dir="5400000" rotWithShape="0">
+              <a:srgbClr val="000000">
+                <a:alpha val="35000"/>
+              </a:srgbClr>
+            </a:outerShdw>
+          </a:effectLst>
+        </a:effectStyle>
+        <a:effectStyle>
+          <a:effectLst>
+            <a:outerShdw blurRad="40000" dist="23000" dir="5400000" rotWithShape="0">
+              <a:srgbClr val="000000">
+                <a:alpha val="35000"/>
+              </a:srgbClr>
+            </a:outerShdw>
+          </a:effectLst>
+          <a:scene3d>
+            <a:camera prst="orthographicFront">
+              <a:rot lat="0" lon="0" rev="0"/>
+            </a:camera>
+            <a:lightRig rig="threePt" dir="t">
+              <a:rot lat="0" lon="0" rev="1200000"/>
+            </a:lightRig>
+          </a:scene3d>
+          <a:sp3d>
+            <a:bevelT w="63500" h="25400"/>
+          </a:sp3d>
+        </a:effectStyle>
+      </a:effectStyleLst>
+      <a:bgFillStyleLst>
+        <a:solidFill>
+          <a:schemeClr val="phClr"/>
+        </a:solidFill>
+        <a:gradFill rotWithShape="1">
+          <a:gsLst>
+            <a:gs pos="0">
+              <a:schemeClr val="phClr">
+                <a:tint val="40000"/>
+                <a:satMod val="350000"/>
+              </a:schemeClr>
+            </a:gs>
+            <a:gs pos="40000">
+              <a:schemeClr val="phClr">
+                <a:tint val="45000"/>
+                <a:shade val="99000"/>
+                <a:satMod val="350000"/>
+              </a:schemeClr>
+            </a:gs>
+            <a:gs pos="100000">
+              <a:schemeClr val="phClr">
+                <a:shade val="20000"/>
+                <a:satMod val="255000"/>
+              </a:schemeClr>
+            </a:gs>
+          </a:gsLst>
+          <a:path path="circle">
+            <a:fillToRect l="50000" t="-80000" r="50000" b="180000"/>
+          </a:path>
+        </a:gradFill>
+        <a:gradFill rotWithShape="1">
+          <a:gsLst>
+            <a:gs pos="0">
+              <a:schemeClr val="phClr">
+                <a:tint val="80000"/>
+                <a:satMod val="300000"/>
+              </a:schemeClr>
+            </a:gs>
+            <a:gs pos="100000">
+              <a:schemeClr val="phClr">
+                <a:shade val="30000"/>
+                <a:satMod val="200000"/>
+              </a:schemeClr>
+            </a:gs>
+          </a:gsLst>
+          <a:path path="circle">
+            <a:fillToRect l="50000" t="50000" r="50000" b="50000"/>
+          </a:path>
+        </a:gradFill>
+      </a:bgFillStyleLst>
+    </a:fmtScheme>
+  </a:themeElements>
+</a:theme>
 </file>
--- a/ppt/5gakaPpt.pptx
+++ b/ppt/5gakaPpt.pptx
@@ -77,8 +77,8 @@
         </p:nvSpPr>
         <p:spPr>
           <a:xfrm>
-            <a:off x="457200" y="274320"/>
-            <a:ext cx="8229240" cy="1142640"/>
+            <a:off x="457200" y="273600"/>
+            <a:ext cx="8229240" cy="1144800"/>
           </a:xfrm>
           <a:prstGeom prst="rect">
             <a:avLst/>
@@ -106,8 +106,8 @@
         </p:nvSpPr>
         <p:spPr>
           <a:xfrm>
-            <a:off x="457200" y="1600200"/>
-            <a:ext cx="8229240" cy="2158560"/>
+            <a:off x="457200" y="1604520"/>
+            <a:ext cx="8229240" cy="1896840"/>
           </a:xfrm>
           <a:prstGeom prst="rect">
             <a:avLst/>
@@ -136,8 +136,8 @@
         </p:nvSpPr>
         <p:spPr>
           <a:xfrm>
-            <a:off x="457200" y="3964320"/>
-            <a:ext cx="8229240" cy="2158560"/>
+            <a:off x="457200" y="3682080"/>
+            <a:ext cx="8229240" cy="1896840"/>
           </a:xfrm>
           <a:prstGeom prst="rect">
             <a:avLst/>
@@ -188,8 +188,8 @@
         </p:nvSpPr>
         <p:spPr>
           <a:xfrm>
-            <a:off x="457200" y="274320"/>
-            <a:ext cx="8229240" cy="1142640"/>
+            <a:off x="457200" y="273600"/>
+            <a:ext cx="8229240" cy="1144800"/>
           </a:xfrm>
           <a:prstGeom prst="rect">
             <a:avLst/>
@@ -217,8 +217,8 @@
         </p:nvSpPr>
         <p:spPr>
           <a:xfrm>
-            <a:off x="457200" y="1600200"/>
-            <a:ext cx="4015800" cy="2158560"/>
+            <a:off x="457200" y="1604520"/>
+            <a:ext cx="4015800" cy="1896840"/>
           </a:xfrm>
           <a:prstGeom prst="rect">
             <a:avLst/>
@@ -247,8 +247,8 @@
         </p:nvSpPr>
         <p:spPr>
           <a:xfrm>
-            <a:off x="4674240" y="1600200"/>
-            <a:ext cx="4015800" cy="2158560"/>
+            <a:off x="4674240" y="1604520"/>
+            <a:ext cx="4015800" cy="1896840"/>
           </a:xfrm>
           <a:prstGeom prst="rect">
             <a:avLst/>
@@ -277,8 +277,8 @@
         </p:nvSpPr>
         <p:spPr>
           <a:xfrm>
-            <a:off x="457200" y="3964320"/>
-            <a:ext cx="4015800" cy="2158560"/>
+            <a:off x="457200" y="3682080"/>
+            <a:ext cx="4015800" cy="1896840"/>
           </a:xfrm>
           <a:prstGeom prst="rect">
             <a:avLst/>
@@ -307,8 +307,8 @@
         </p:nvSpPr>
         <p:spPr>
           <a:xfrm>
-            <a:off x="4674240" y="3964320"/>
-            <a:ext cx="4015800" cy="2158560"/>
+            <a:off x="4674240" y="3682080"/>
+            <a:ext cx="4015800" cy="1896840"/>
           </a:xfrm>
           <a:prstGeom prst="rect">
             <a:avLst/>
@@ -359,8 +359,8 @@
         </p:nvSpPr>
         <p:spPr>
           <a:xfrm>
-            <a:off x="457200" y="274320"/>
-            <a:ext cx="8229240" cy="1142640"/>
+            <a:off x="457200" y="273600"/>
+            <a:ext cx="8229240" cy="1144800"/>
           </a:xfrm>
           <a:prstGeom prst="rect">
             <a:avLst/>
@@ -388,8 +388,8 @@
         </p:nvSpPr>
         <p:spPr>
           <a:xfrm>
-            <a:off x="457200" y="1600200"/>
-            <a:ext cx="2649600" cy="2158560"/>
+            <a:off x="457200" y="1604520"/>
+            <a:ext cx="2649600" cy="1896840"/>
           </a:xfrm>
           <a:prstGeom prst="rect">
             <a:avLst/>
@@ -418,8 +418,8 @@
         </p:nvSpPr>
         <p:spPr>
           <a:xfrm>
-            <a:off x="3239640" y="1600200"/>
-            <a:ext cx="2649600" cy="2158560"/>
+            <a:off x="3239640" y="1604520"/>
+            <a:ext cx="2649600" cy="1896840"/>
           </a:xfrm>
           <a:prstGeom prst="rect">
             <a:avLst/>
@@ -448,8 +448,8 @@
         </p:nvSpPr>
         <p:spPr>
           <a:xfrm>
-            <a:off x="6022080" y="1600200"/>
-            <a:ext cx="2649600" cy="2158560"/>
+            <a:off x="6022080" y="1604520"/>
+            <a:ext cx="2649600" cy="1896840"/>
           </a:xfrm>
           <a:prstGeom prst="rect">
             <a:avLst/>
@@ -478,8 +478,8 @@
         </p:nvSpPr>
         <p:spPr>
           <a:xfrm>
-            <a:off x="457200" y="3964320"/>
-            <a:ext cx="2649600" cy="2158560"/>
+            <a:off x="457200" y="3682080"/>
+            <a:ext cx="2649600" cy="1896840"/>
           </a:xfrm>
           <a:prstGeom prst="rect">
             <a:avLst/>
@@ -508,8 +508,8 @@
         </p:nvSpPr>
         <p:spPr>
           <a:xfrm>
-            <a:off x="3239640" y="3964320"/>
-            <a:ext cx="2649600" cy="2158560"/>
+            <a:off x="3239640" y="3682080"/>
+            <a:ext cx="2649600" cy="1896840"/>
           </a:xfrm>
           <a:prstGeom prst="rect">
             <a:avLst/>
@@ -538,8 +538,8 @@
         </p:nvSpPr>
         <p:spPr>
           <a:xfrm>
-            <a:off x="6022080" y="3964320"/>
-            <a:ext cx="2649600" cy="2158560"/>
+            <a:off x="6022080" y="3682080"/>
+            <a:ext cx="2649600" cy="1896840"/>
           </a:xfrm>
           <a:prstGeom prst="rect">
             <a:avLst/>
@@ -612,8 +612,8 @@
         </p:nvSpPr>
         <p:spPr>
           <a:xfrm>
-            <a:off x="457200" y="274320"/>
-            <a:ext cx="8229240" cy="1142640"/>
+            <a:off x="457200" y="273600"/>
+            <a:ext cx="8229240" cy="1144800"/>
           </a:xfrm>
           <a:prstGeom prst="rect">
             <a:avLst/>
@@ -641,8 +641,8 @@
         </p:nvSpPr>
         <p:spPr>
           <a:xfrm>
-            <a:off x="457200" y="1600200"/>
-            <a:ext cx="8229240" cy="4525560"/>
+            <a:off x="457200" y="1604520"/>
+            <a:ext cx="8229240" cy="3977280"/>
           </a:xfrm>
           <a:prstGeom prst="rect">
             <a:avLst/>
@@ -692,8 +692,8 @@
         </p:nvSpPr>
         <p:spPr>
           <a:xfrm>
-            <a:off x="457200" y="274320"/>
-            <a:ext cx="8229240" cy="1142640"/>
+            <a:off x="457200" y="273600"/>
+            <a:ext cx="8229240" cy="1144800"/>
           </a:xfrm>
           <a:prstGeom prst="rect">
             <a:avLst/>
@@ -721,8 +721,8 @@
         </p:nvSpPr>
         <p:spPr>
           <a:xfrm>
-            <a:off x="457200" y="1600200"/>
-            <a:ext cx="8229240" cy="4525560"/>
+            <a:off x="457200" y="1604520"/>
+            <a:ext cx="8229240" cy="3977280"/>
           </a:xfrm>
           <a:prstGeom prst="rect">
             <a:avLst/>
@@ -773,8 +773,8 @@
         </p:nvSpPr>
         <p:spPr>
           <a:xfrm>
-            <a:off x="457200" y="274320"/>
-            <a:ext cx="8229240" cy="1142640"/>
+            <a:off x="457200" y="273600"/>
+            <a:ext cx="8229240" cy="1144800"/>
           </a:xfrm>
           <a:prstGeom prst="rect">
             <a:avLst/>
@@ -802,8 +802,8 @@
         </p:nvSpPr>
         <p:spPr>
           <a:xfrm>
-            <a:off x="457200" y="1600200"/>
-            <a:ext cx="4015800" cy="4525560"/>
+            <a:off x="457200" y="1604520"/>
+            <a:ext cx="4015800" cy="3977280"/>
           </a:xfrm>
           <a:prstGeom prst="rect">
             <a:avLst/>
@@ -832,8 +832,8 @@
         </p:nvSpPr>
         <p:spPr>
           <a:xfrm>
-            <a:off x="4674240" y="1600200"/>
-            <a:ext cx="4015800" cy="4525560"/>
+            <a:off x="4674240" y="1604520"/>
+            <a:ext cx="4015800" cy="3977280"/>
           </a:xfrm>
           <a:prstGeom prst="rect">
             <a:avLst/>
@@ -884,8 +884,8 @@
         </p:nvSpPr>
         <p:spPr>
           <a:xfrm>
-            <a:off x="457200" y="274320"/>
-            <a:ext cx="8229240" cy="1142640"/>
+            <a:off x="457200" y="273600"/>
+            <a:ext cx="8229240" cy="1144800"/>
           </a:xfrm>
           <a:prstGeom prst="rect">
             <a:avLst/>
@@ -935,8 +935,8 @@
         </p:nvSpPr>
         <p:spPr>
           <a:xfrm>
-            <a:off x="457200" y="274320"/>
-            <a:ext cx="8229240" cy="5297760"/>
+            <a:off x="457200" y="273600"/>
+            <a:ext cx="8229240" cy="5307840"/>
           </a:xfrm>
           <a:prstGeom prst="rect">
             <a:avLst/>
@@ -986,8 +986,8 @@
         </p:nvSpPr>
         <p:spPr>
           <a:xfrm>
-            <a:off x="457200" y="274320"/>
-            <a:ext cx="8229240" cy="1142640"/>
+            <a:off x="457200" y="273600"/>
+            <a:ext cx="8229240" cy="1144800"/>
           </a:xfrm>
           <a:prstGeom prst="rect">
             <a:avLst/>
@@ -1015,8 +1015,8 @@
         </p:nvSpPr>
         <p:spPr>
           <a:xfrm>
-            <a:off x="457200" y="1600200"/>
-            <a:ext cx="4015800" cy="2158560"/>
+            <a:off x="457200" y="1604520"/>
+            <a:ext cx="4015800" cy="1896840"/>
           </a:xfrm>
           <a:prstGeom prst="rect">
             <a:avLst/>
@@ -1045,8 +1045,8 @@
         </p:nvSpPr>
         <p:spPr>
           <a:xfrm>
-            <a:off x="4674240" y="1600200"/>
-            <a:ext cx="4015800" cy="4525560"/>
+            <a:off x="4674240" y="1604520"/>
+            <a:ext cx="4015800" cy="3977280"/>
           </a:xfrm>
           <a:prstGeom prst="rect">
             <a:avLst/>
@@ -1075,8 +1075,8 @@
         </p:nvSpPr>
         <p:spPr>
           <a:xfrm>
-            <a:off x="457200" y="3964320"/>
-            <a:ext cx="4015800" cy="2158560"/>
+            <a:off x="457200" y="3682080"/>
+            <a:ext cx="4015800" cy="1896840"/>
           </a:xfrm>
           <a:prstGeom prst="rect">
             <a:avLst/>
@@ -1127,8 +1127,8 @@
         </p:nvSpPr>
         <p:spPr>
           <a:xfrm>
-            <a:off x="457200" y="274320"/>
-            <a:ext cx="8229240" cy="1142640"/>
+            <a:off x="457200" y="273600"/>
+            <a:ext cx="8229240" cy="1144800"/>
           </a:xfrm>
           <a:prstGeom prst="rect">
             <a:avLst/>
@@ -1156,8 +1156,8 @@
         </p:nvSpPr>
         <p:spPr>
           <a:xfrm>
-            <a:off x="457200" y="1600200"/>
-            <a:ext cx="8229240" cy="4525560"/>
+            <a:off x="457200" y="1604520"/>
+            <a:ext cx="8229240" cy="3977280"/>
           </a:xfrm>
           <a:prstGeom prst="rect">
             <a:avLst/>
@@ -1207,8 +1207,8 @@
         </p:nvSpPr>
         <p:spPr>
           <a:xfrm>
-            <a:off x="457200" y="274320"/>
-            <a:ext cx="8229240" cy="1142640"/>
+            <a:off x="457200" y="273600"/>
+            <a:ext cx="8229240" cy="1144800"/>
           </a:xfrm>
           <a:prstGeom prst="rect">
             <a:avLst/>
@@ -1236,8 +1236,8 @@
         </p:nvSpPr>
         <p:spPr>
           <a:xfrm>
-            <a:off x="457200" y="1600200"/>
-            <a:ext cx="4015800" cy="4525560"/>
+            <a:off x="457200" y="1604520"/>
+            <a:ext cx="4015800" cy="3977280"/>
           </a:xfrm>
           <a:prstGeom prst="rect">
             <a:avLst/>
@@ -1266,8 +1266,8 @@
         </p:nvSpPr>
         <p:spPr>
           <a:xfrm>
-            <a:off x="4674240" y="1600200"/>
-            <a:ext cx="4015800" cy="2158560"/>
+            <a:off x="4674240" y="1604520"/>
+            <a:ext cx="4015800" cy="1896840"/>
           </a:xfrm>
           <a:prstGeom prst="rect">
             <a:avLst/>
@@ -1296,8 +1296,8 @@
         </p:nvSpPr>
         <p:spPr>
           <a:xfrm>
-            <a:off x="4674240" y="3964320"/>
-            <a:ext cx="4015800" cy="2158560"/>
+            <a:off x="4674240" y="3682080"/>
+            <a:ext cx="4015800" cy="1896840"/>
           </a:xfrm>
           <a:prstGeom prst="rect">
             <a:avLst/>
@@ -1348,8 +1348,8 @@
         </p:nvSpPr>
         <p:spPr>
           <a:xfrm>
-            <a:off x="457200" y="274320"/>
-            <a:ext cx="8229240" cy="1142640"/>
+            <a:off x="457200" y="273600"/>
+            <a:ext cx="8229240" cy="1144800"/>
           </a:xfrm>
           <a:prstGeom prst="rect">
             <a:avLst/>
@@ -1377,8 +1377,8 @@
         </p:nvSpPr>
         <p:spPr>
           <a:xfrm>
-            <a:off x="457200" y="1600200"/>
-            <a:ext cx="4015800" cy="2158560"/>
+            <a:off x="457200" y="1604520"/>
+            <a:ext cx="4015800" cy="1896840"/>
           </a:xfrm>
           <a:prstGeom prst="rect">
             <a:avLst/>
@@ -1407,8 +1407,8 @@
         </p:nvSpPr>
         <p:spPr>
           <a:xfrm>
-            <a:off x="4674240" y="1600200"/>
-            <a:ext cx="4015800" cy="2158560"/>
+            <a:off x="4674240" y="1604520"/>
+            <a:ext cx="4015800" cy="1896840"/>
           </a:xfrm>
           <a:prstGeom prst="rect">
             <a:avLst/>
@@ -1437,8 +1437,8 @@
         </p:nvSpPr>
         <p:spPr>
           <a:xfrm>
-            <a:off x="457200" y="3964320"/>
-            <a:ext cx="8229240" cy="2158560"/>
+            <a:off x="457200" y="3682080"/>
+            <a:ext cx="8229240" cy="1896840"/>
           </a:xfrm>
           <a:prstGeom prst="rect">
             <a:avLst/>
@@ -1489,8 +1489,8 @@
         </p:nvSpPr>
         <p:spPr>
           <a:xfrm>
-            <a:off x="457200" y="274320"/>
-            <a:ext cx="8229240" cy="1142640"/>
+            <a:off x="457200" y="273600"/>
+            <a:ext cx="8229240" cy="1144800"/>
           </a:xfrm>
           <a:prstGeom prst="rect">
             <a:avLst/>
@@ -1518,8 +1518,8 @@
         </p:nvSpPr>
         <p:spPr>
           <a:xfrm>
-            <a:off x="457200" y="1600200"/>
-            <a:ext cx="8229240" cy="2158560"/>
+            <a:off x="457200" y="1604520"/>
+            <a:ext cx="8229240" cy="1896840"/>
           </a:xfrm>
           <a:prstGeom prst="rect">
             <a:avLst/>
@@ -1548,8 +1548,8 @@
         </p:nvSpPr>
         <p:spPr>
           <a:xfrm>
-            <a:off x="457200" y="3964320"/>
-            <a:ext cx="8229240" cy="2158560"/>
+            <a:off x="457200" y="3682080"/>
+            <a:ext cx="8229240" cy="1896840"/>
           </a:xfrm>
           <a:prstGeom prst="rect">
             <a:avLst/>
@@ -1600,8 +1600,8 @@
         </p:nvSpPr>
         <p:spPr>
           <a:xfrm>
-            <a:off x="457200" y="274320"/>
-            <a:ext cx="8229240" cy="1142640"/>
+            <a:off x="457200" y="273600"/>
+            <a:ext cx="8229240" cy="1144800"/>
           </a:xfrm>
           <a:prstGeom prst="rect">
             <a:avLst/>
@@ -1629,8 +1629,8 @@
         </p:nvSpPr>
         <p:spPr>
           <a:xfrm>
-            <a:off x="457200" y="1600200"/>
-            <a:ext cx="4015800" cy="2158560"/>
+            <a:off x="457200" y="1604520"/>
+            <a:ext cx="4015800" cy="1896840"/>
           </a:xfrm>
           <a:prstGeom prst="rect">
             <a:avLst/>
@@ -1659,8 +1659,8 @@
         </p:nvSpPr>
         <p:spPr>
           <a:xfrm>
-            <a:off x="4674240" y="1600200"/>
-            <a:ext cx="4015800" cy="2158560"/>
+            <a:off x="4674240" y="1604520"/>
+            <a:ext cx="4015800" cy="1896840"/>
           </a:xfrm>
           <a:prstGeom prst="rect">
             <a:avLst/>
@@ -1689,8 +1689,8 @@
         </p:nvSpPr>
         <p:spPr>
           <a:xfrm>
-            <a:off x="457200" y="3964320"/>
-            <a:ext cx="4015800" cy="2158560"/>
+            <a:off x="457200" y="3682080"/>
+            <a:ext cx="4015800" cy="1896840"/>
           </a:xfrm>
           <a:prstGeom prst="rect">
             <a:avLst/>
@@ -1719,8 +1719,8 @@
         </p:nvSpPr>
         <p:spPr>
           <a:xfrm>
-            <a:off x="4674240" y="3964320"/>
-            <a:ext cx="4015800" cy="2158560"/>
+            <a:off x="4674240" y="3682080"/>
+            <a:ext cx="4015800" cy="1896840"/>
           </a:xfrm>
           <a:prstGeom prst="rect">
             <a:avLst/>
@@ -1771,8 +1771,8 @@
         </p:nvSpPr>
         <p:spPr>
           <a:xfrm>
-            <a:off x="457200" y="274320"/>
-            <a:ext cx="8229240" cy="1142640"/>
+            <a:off x="457200" y="273600"/>
+            <a:ext cx="8229240" cy="1144800"/>
           </a:xfrm>
           <a:prstGeom prst="rect">
             <a:avLst/>
@@ -1800,8 +1800,8 @@
         </p:nvSpPr>
         <p:spPr>
           <a:xfrm>
-            <a:off x="457200" y="1600200"/>
-            <a:ext cx="2649600" cy="2158560"/>
+            <a:off x="457200" y="1604520"/>
+            <a:ext cx="2649600" cy="1896840"/>
           </a:xfrm>
           <a:prstGeom prst="rect">
             <a:avLst/>
@@ -1830,8 +1830,8 @@
         </p:nvSpPr>
         <p:spPr>
           <a:xfrm>
-            <a:off x="3239640" y="1600200"/>
-            <a:ext cx="2649600" cy="2158560"/>
+            <a:off x="3239640" y="1604520"/>
+            <a:ext cx="2649600" cy="1896840"/>
           </a:xfrm>
           <a:prstGeom prst="rect">
             <a:avLst/>
@@ -1860,8 +1860,8 @@
         </p:nvSpPr>
         <p:spPr>
           <a:xfrm>
-            <a:off x="6022080" y="1600200"/>
-            <a:ext cx="2649600" cy="2158560"/>
+            <a:off x="6022080" y="1604520"/>
+            <a:ext cx="2649600" cy="1896840"/>
           </a:xfrm>
           <a:prstGeom prst="rect">
             <a:avLst/>
@@ -1890,8 +1890,8 @@
         </p:nvSpPr>
         <p:spPr>
           <a:xfrm>
-            <a:off x="457200" y="3964320"/>
-            <a:ext cx="2649600" cy="2158560"/>
+            <a:off x="457200" y="3682080"/>
+            <a:ext cx="2649600" cy="1896840"/>
           </a:xfrm>
           <a:prstGeom prst="rect">
             <a:avLst/>
@@ -1920,8 +1920,8 @@
         </p:nvSpPr>
         <p:spPr>
           <a:xfrm>
-            <a:off x="3239640" y="3964320"/>
-            <a:ext cx="2649600" cy="2158560"/>
+            <a:off x="3239640" y="3682080"/>
+            <a:ext cx="2649600" cy="1896840"/>
           </a:xfrm>
           <a:prstGeom prst="rect">
             <a:avLst/>
@@ -1950,8 +1950,8 @@
         </p:nvSpPr>
         <p:spPr>
           <a:xfrm>
-            <a:off x="6022080" y="3964320"/>
-            <a:ext cx="2649600" cy="2158560"/>
+            <a:off x="6022080" y="3682080"/>
+            <a:ext cx="2649600" cy="1896840"/>
           </a:xfrm>
           <a:prstGeom prst="rect">
             <a:avLst/>
@@ -2002,8 +2002,8 @@
         </p:nvSpPr>
         <p:spPr>
           <a:xfrm>
-            <a:off x="457200" y="274320"/>
-            <a:ext cx="8229240" cy="1142640"/>
+            <a:off x="457200" y="273600"/>
+            <a:ext cx="8229240" cy="1144800"/>
           </a:xfrm>
           <a:prstGeom prst="rect">
             <a:avLst/>
@@ -2031,8 +2031,8 @@
         </p:nvSpPr>
         <p:spPr>
           <a:xfrm>
-            <a:off x="457200" y="1600200"/>
-            <a:ext cx="8229240" cy="4525560"/>
+            <a:off x="457200" y="1604520"/>
+            <a:ext cx="8229240" cy="3977280"/>
           </a:xfrm>
           <a:prstGeom prst="rect">
             <a:avLst/>
@@ -2083,8 +2083,8 @@
         </p:nvSpPr>
         <p:spPr>
           <a:xfrm>
-            <a:off x="457200" y="274320"/>
-            <a:ext cx="8229240" cy="1142640"/>
+            <a:off x="457200" y="273600"/>
+            <a:ext cx="8229240" cy="1144800"/>
           </a:xfrm>
           <a:prstGeom prst="rect">
             <a:avLst/>
@@ -2112,8 +2112,8 @@
         </p:nvSpPr>
         <p:spPr>
           <a:xfrm>
-            <a:off x="457200" y="1600200"/>
-            <a:ext cx="4015800" cy="4525560"/>
+            <a:off x="457200" y="1604520"/>
+            <a:ext cx="4015800" cy="3977280"/>
           </a:xfrm>
           <a:prstGeom prst="rect">
             <a:avLst/>
@@ -2142,8 +2142,8 @@
         </p:nvSpPr>
         <p:spPr>
           <a:xfrm>
-            <a:off x="4674240" y="1600200"/>
-            <a:ext cx="4015800" cy="4525560"/>
+            <a:off x="4674240" y="1604520"/>
+            <a:ext cx="4015800" cy="3977280"/>
           </a:xfrm>
           <a:prstGeom prst="rect">
             <a:avLst/>
@@ -2194,8 +2194,8 @@
         </p:nvSpPr>
         <p:spPr>
           <a:xfrm>
-            <a:off x="457200" y="274320"/>
-            <a:ext cx="8229240" cy="1142640"/>
+            <a:off x="457200" y="273600"/>
+            <a:ext cx="8229240" cy="1144800"/>
           </a:xfrm>
           <a:prstGeom prst="rect">
             <a:avLst/>
@@ -2245,8 +2245,8 @@
         </p:nvSpPr>
         <p:spPr>
           <a:xfrm>
-            <a:off x="457200" y="274320"/>
-            <a:ext cx="8229240" cy="5297760"/>
+            <a:off x="457200" y="273600"/>
+            <a:ext cx="8229240" cy="5307840"/>
           </a:xfrm>
           <a:prstGeom prst="rect">
             <a:avLst/>
@@ -2296,8 +2296,8 @@
         </p:nvSpPr>
         <p:spPr>
           <a:xfrm>
-            <a:off x="457200" y="274320"/>
-            <a:ext cx="8229240" cy="1142640"/>
+            <a:off x="457200" y="273600"/>
+            <a:ext cx="8229240" cy="1144800"/>
           </a:xfrm>
           <a:prstGeom prst="rect">
             <a:avLst/>
@@ -2325,8 +2325,8 @@
         </p:nvSpPr>
         <p:spPr>
           <a:xfrm>
-            <a:off x="457200" y="1600200"/>
-            <a:ext cx="4015800" cy="2158560"/>
+            <a:off x="457200" y="1604520"/>
+            <a:ext cx="4015800" cy="1896840"/>
           </a:xfrm>
           <a:prstGeom prst="rect">
             <a:avLst/>
@@ -2355,8 +2355,8 @@
         </p:nvSpPr>
         <p:spPr>
           <a:xfrm>
-            <a:off x="4674240" y="1600200"/>
-            <a:ext cx="4015800" cy="4525560"/>
+            <a:off x="4674240" y="1604520"/>
+            <a:ext cx="4015800" cy="3977280"/>
           </a:xfrm>
           <a:prstGeom prst="rect">
             <a:avLst/>
@@ -2385,8 +2385,8 @@
         </p:nvSpPr>
         <p:spPr>
           <a:xfrm>
-            <a:off x="457200" y="3964320"/>
-            <a:ext cx="4015800" cy="2158560"/>
+            <a:off x="457200" y="3682080"/>
+            <a:ext cx="4015800" cy="1896840"/>
           </a:xfrm>
           <a:prstGeom prst="rect">
             <a:avLst/>
@@ -2437,8 +2437,8 @@
         </p:nvSpPr>
         <p:spPr>
           <a:xfrm>
-            <a:off x="457200" y="274320"/>
-            <a:ext cx="8229240" cy="1142640"/>
+            <a:off x="457200" y="273600"/>
+            <a:ext cx="8229240" cy="1144800"/>
           </a:xfrm>
           <a:prstGeom prst="rect">
             <a:avLst/>
@@ -2466,8 +2466,8 @@
         </p:nvSpPr>
         <p:spPr>
           <a:xfrm>
-            <a:off x="457200" y="1600200"/>
-            <a:ext cx="4015800" cy="4525560"/>
+            <a:off x="457200" y="1604520"/>
+            <a:ext cx="4015800" cy="3977280"/>
           </a:xfrm>
           <a:prstGeom prst="rect">
             <a:avLst/>
@@ -2496,8 +2496,8 @@
         </p:nvSpPr>
         <p:spPr>
           <a:xfrm>
-            <a:off x="4674240" y="1600200"/>
-            <a:ext cx="4015800" cy="2158560"/>
+            <a:off x="4674240" y="1604520"/>
+            <a:ext cx="4015800" cy="1896840"/>
           </a:xfrm>
           <a:prstGeom prst="rect">
             <a:avLst/>
@@ -2526,8 +2526,8 @@
         </p:nvSpPr>
         <p:spPr>
           <a:xfrm>
-            <a:off x="4674240" y="3964320"/>
-            <a:ext cx="4015800" cy="2158560"/>
+            <a:off x="4674240" y="3682080"/>
+            <a:ext cx="4015800" cy="1896840"/>
           </a:xfrm>
           <a:prstGeom prst="rect">
             <a:avLst/>
@@ -2578,8 +2578,8 @@
         </p:nvSpPr>
         <p:spPr>
           <a:xfrm>
-            <a:off x="457200" y="274320"/>
-            <a:ext cx="8229240" cy="1142640"/>
+            <a:off x="457200" y="273600"/>
+            <a:ext cx="8229240" cy="1144800"/>
           </a:xfrm>
           <a:prstGeom prst="rect">
             <a:avLst/>
@@ -2607,8 +2607,8 @@
         </p:nvSpPr>
         <p:spPr>
           <a:xfrm>
-            <a:off x="457200" y="1600200"/>
-            <a:ext cx="4015800" cy="2158560"/>
+            <a:off x="457200" y="1604520"/>
+            <a:ext cx="4015800" cy="1896840"/>
           </a:xfrm>
           <a:prstGeom prst="rect">
             <a:avLst/>
@@ -2637,8 +2637,8 @@
         </p:nvSpPr>
         <p:spPr>
           <a:xfrm>
-            <a:off x="4674240" y="1600200"/>
-            <a:ext cx="4015800" cy="2158560"/>
+            <a:off x="4674240" y="1604520"/>
+            <a:ext cx="4015800" cy="1896840"/>
           </a:xfrm>
           <a:prstGeom prst="rect">
             <a:avLst/>
@@ -2667,8 +2667,8 @@
         </p:nvSpPr>
         <p:spPr>
           <a:xfrm>
-            <a:off x="457200" y="3964320"/>
-            <a:ext cx="8229240" cy="2158560"/>
+            <a:off x="457200" y="3682080"/>
+            <a:ext cx="8229240" cy="1896840"/>
           </a:xfrm>
           <a:prstGeom prst="rect">
             <a:avLst/>
@@ -2729,23 +2729,24 @@
         </p:nvSpPr>
         <p:spPr>
           <a:xfrm>
-            <a:off x="457200" y="274320"/>
-            <a:ext cx="8229240" cy="1142640"/>
-          </a:xfrm>
-          <a:prstGeom prst="rect">
-            <a:avLst/>
-          </a:prstGeom>
-        </p:spPr>
-        <p:txBody>
-          <a:bodyPr lIns="90000" rIns="90000" tIns="46800" bIns="46800" anchor="ctr"/>
-          <a:p>
-            <a:r>
-              <a:rPr b="0" lang="en-US" sz="1800" spc="-1" strike="noStrike">
+            <a:off x="457200" y="273600"/>
+            <a:ext cx="8229240" cy="1144800"/>
+          </a:xfrm>
+          <a:prstGeom prst="rect">
+            <a:avLst/>
+          </a:prstGeom>
+        </p:spPr>
+        <p:txBody>
+          <a:bodyPr lIns="0" rIns="0" tIns="0" bIns="0" anchor="ctr"/>
+          <a:p>
+            <a:pPr algn="ctr"/>
+            <a:r>
+              <a:rPr b="0" lang="en-US" sz="4400" spc="-1" strike="noStrike">
                 <a:latin typeface="Arial"/>
               </a:rPr>
               <a:t>Click to edit the title text format</a:t>
             </a:r>
-            <a:endParaRPr b="0" lang="en-US" sz="1800" spc="-1" strike="noStrike">
+            <a:endParaRPr b="0" lang="en-US" sz="4400" spc="-1" strike="noStrike">
               <a:latin typeface="Arial"/>
             </a:endParaRPr>
           </a:p>
@@ -2989,23 +2990,24 @@
         </p:nvSpPr>
         <p:spPr>
           <a:xfrm>
-            <a:off x="457200" y="274320"/>
-            <a:ext cx="8229240" cy="1142640"/>
-          </a:xfrm>
-          <a:prstGeom prst="rect">
-            <a:avLst/>
-          </a:prstGeom>
-        </p:spPr>
-        <p:txBody>
-          <a:bodyPr lIns="90000" rIns="90000" tIns="46800" bIns="46800" anchor="ctr"/>
-          <a:p>
-            <a:r>
-              <a:rPr b="0" lang="en-US" sz="1800" spc="-1" strike="noStrike">
+            <a:off x="457200" y="273600"/>
+            <a:ext cx="8229240" cy="1144800"/>
+          </a:xfrm>
+          <a:prstGeom prst="rect">
+            <a:avLst/>
+          </a:prstGeom>
+        </p:spPr>
+        <p:txBody>
+          <a:bodyPr lIns="0" rIns="0" tIns="0" bIns="0" anchor="ctr"/>
+          <a:p>
+            <a:pPr algn="ctr"/>
+            <a:r>
+              <a:rPr b="0" lang="en-US" sz="4400" spc="-1" strike="noStrike">
                 <a:latin typeface="Arial"/>
               </a:rPr>
               <a:t>Click to edit the title text format</a:t>
             </a:r>
-            <a:endParaRPr b="0" lang="en-US" sz="1800" spc="-1" strike="noStrike">
+            <a:endParaRPr b="0" lang="en-US" sz="4400" spc="-1" strike="noStrike">
               <a:latin typeface="Arial"/>
             </a:endParaRPr>
           </a:p>
@@ -3023,15 +3025,15 @@
         </p:nvSpPr>
         <p:spPr>
           <a:xfrm>
-            <a:off x="457200" y="1600200"/>
-            <a:ext cx="8229240" cy="4525560"/>
-          </a:xfrm>
-          <a:prstGeom prst="rect">
-            <a:avLst/>
-          </a:prstGeom>
-        </p:spPr>
-        <p:txBody>
-          <a:bodyPr lIns="90000" rIns="90000" tIns="46800" bIns="46800">
+            <a:off x="457200" y="1604520"/>
+            <a:ext cx="8229240" cy="3977280"/>
+          </a:xfrm>
+          <a:prstGeom prst="rect">
+            <a:avLst/>
+          </a:prstGeom>
+        </p:spPr>
+        <p:txBody>
+          <a:bodyPr lIns="0" rIns="0" tIns="0" bIns="0">
             <a:normAutofit/>
           </a:bodyPr>
           <a:p>
@@ -3047,12 +3049,12 @@
               <a:buChar char=""/>
             </a:pPr>
             <a:r>
-              <a:rPr b="0" lang="en-US" sz="1800" spc="-1" strike="noStrike">
+              <a:rPr b="0" lang="en-US" sz="3200" spc="-1" strike="noStrike">
                 <a:latin typeface="Arial"/>
               </a:rPr>
               <a:t>Click to edit the outline text format</a:t>
             </a:r>
-            <a:endParaRPr b="0" lang="en-US" sz="1800" spc="-1" strike="noStrike">
+            <a:endParaRPr b="0" lang="en-US" sz="3200" spc="-1" strike="noStrike">
               <a:latin typeface="Arial"/>
             </a:endParaRPr>
           </a:p>
@@ -3069,12 +3071,12 @@
               <a:buChar char=""/>
             </a:pPr>
             <a:r>
-              <a:rPr b="0" lang="en-US" sz="1800" spc="-1" strike="noStrike">
+              <a:rPr b="0" lang="en-US" sz="2800" spc="-1" strike="noStrike">
                 <a:latin typeface="Arial"/>
               </a:rPr>
               <a:t>Second Outline Level</a:t>
             </a:r>
-            <a:endParaRPr b="0" lang="en-US" sz="1800" spc="-1" strike="noStrike">
+            <a:endParaRPr b="0" lang="en-US" sz="2800" spc="-1" strike="noStrike">
               <a:latin typeface="Arial"/>
             </a:endParaRPr>
           </a:p>
@@ -3091,12 +3093,12 @@
               <a:buChar char=""/>
             </a:pPr>
             <a:r>
-              <a:rPr b="0" lang="en-US" sz="1800" spc="-1" strike="noStrike">
+              <a:rPr b="0" lang="en-US" sz="2400" spc="-1" strike="noStrike">
                 <a:latin typeface="Arial"/>
               </a:rPr>
               <a:t>Third Outline Level</a:t>
             </a:r>
-            <a:endParaRPr b="0" lang="en-US" sz="1800" spc="-1" strike="noStrike">
+            <a:endParaRPr b="0" lang="en-US" sz="2400" spc="-1" strike="noStrike">
               <a:latin typeface="Arial"/>
             </a:endParaRPr>
           </a:p>
@@ -3113,12 +3115,12 @@
               <a:buChar char=""/>
             </a:pPr>
             <a:r>
-              <a:rPr b="0" lang="en-US" sz="1800" spc="-1" strike="noStrike">
+              <a:rPr b="0" lang="en-US" sz="2000" spc="-1" strike="noStrike">
                 <a:latin typeface="Arial"/>
               </a:rPr>
               <a:t>Fourth Outline Level</a:t>
             </a:r>
-            <a:endParaRPr b="0" lang="en-US" sz="1800" spc="-1" strike="noStrike">
+            <a:endParaRPr b="0" lang="en-US" sz="2000" spc="-1" strike="noStrike">
               <a:latin typeface="Arial"/>
             </a:endParaRPr>
           </a:p>
@@ -3135,12 +3137,12 @@
               <a:buChar char=""/>
             </a:pPr>
             <a:r>
-              <a:rPr b="0" lang="en-US" sz="1800" spc="-1" strike="noStrike">
+              <a:rPr b="0" lang="en-US" sz="2000" spc="-1" strike="noStrike">
                 <a:latin typeface="Arial"/>
               </a:rPr>
               <a:t>Fifth Outline Level</a:t>
             </a:r>
-            <a:endParaRPr b="0" lang="en-US" sz="1800" spc="-1" strike="noStrike">
+            <a:endParaRPr b="0" lang="en-US" sz="2000" spc="-1" strike="noStrike">
               <a:latin typeface="Arial"/>
             </a:endParaRPr>
           </a:p>
@@ -3157,12 +3159,12 @@
               <a:buChar char=""/>
             </a:pPr>
             <a:r>
-              <a:rPr b="0" lang="en-US" sz="1800" spc="-1" strike="noStrike">
+              <a:rPr b="0" lang="en-US" sz="2000" spc="-1" strike="noStrike">
                 <a:latin typeface="Arial"/>
               </a:rPr>
               <a:t>Sixth Outline Level</a:t>
             </a:r>
-            <a:endParaRPr b="0" lang="en-US" sz="1800" spc="-1" strike="noStrike">
+            <a:endParaRPr b="0" lang="en-US" sz="2000" spc="-1" strike="noStrike">
               <a:latin typeface="Arial"/>
             </a:endParaRPr>
           </a:p>
@@ -3179,12 +3181,12 @@
               <a:buChar char=""/>
             </a:pPr>
             <a:r>
-              <a:rPr b="0" lang="en-US" sz="1800" spc="-1" strike="noStrike">
+              <a:rPr b="0" lang="en-US" sz="2000" spc="-1" strike="noStrike">
                 <a:latin typeface="Arial"/>
               </a:rPr>
               <a:t>Seventh Outline Level</a:t>
             </a:r>
-            <a:endParaRPr b="0" lang="en-US" sz="1800" spc="-1" strike="noStrike">
+            <a:endParaRPr b="0" lang="en-US" sz="2000" spc="-1" strike="noStrike">
               <a:latin typeface="Arial"/>
             </a:endParaRPr>
           </a:p>
@@ -3246,7 +3248,7 @@
         <p:spPr>
           <a:xfrm>
             <a:off x="684360" y="2205000"/>
-            <a:ext cx="7772040" cy="1469880"/>
+            <a:ext cx="7771320" cy="1469160"/>
           </a:xfrm>
           <a:prstGeom prst="rect">
             <a:avLst/>
@@ -3276,6 +3278,7 @@
                   <a:srgbClr val="000000"/>
                 </a:solidFill>
                 <a:latin typeface="Arial"/>
+                <a:ea typeface="DejaVu Sans"/>
               </a:rPr>
               <a:t>5G-AKA</a:t>
             </a:r>
@@ -3286,6 +3289,7 @@
                   <a:srgbClr val="000000"/>
                 </a:solidFill>
                 <a:latin typeface="Arial"/>
+                <a:ea typeface="DejaVu Sans"/>
               </a:rPr>
               <a:t>A Formal Verification</a:t>
             </a:r>
@@ -3346,14 +3350,14 @@
       </p:grpSpPr>
       <p:sp>
         <p:nvSpPr>
-          <p:cNvPr id="93" name="CustomShape 1"/>
+          <p:cNvPr id="95" name="CustomShape 1"/>
           <p:cNvSpPr/>
           <p:nvPr/>
         </p:nvSpPr>
         <p:spPr>
           <a:xfrm>
             <a:off x="0" y="274320"/>
-            <a:ext cx="7498080" cy="1142640"/>
+            <a:ext cx="7497360" cy="1141920"/>
           </a:xfrm>
           <a:prstGeom prst="rect">
             <a:avLst/>
@@ -3385,6 +3389,7 @@
                   <a:srgbClr val="000000"/>
                 </a:solidFill>
                 <a:latin typeface="Arial"/>
+                <a:ea typeface="DejaVu Sans"/>
               </a:rPr>
               <a:t>  </a:t>
             </a:r>
@@ -3394,6 +3399,7 @@
                   <a:srgbClr val="000000"/>
                 </a:solidFill>
                 <a:latin typeface="Arial"/>
+                <a:ea typeface="DejaVu Sans"/>
               </a:rPr>
               <a:t>Verification Software</a:t>
             </a:r>
@@ -3405,14 +3411,14 @@
       </p:sp>
       <p:sp>
         <p:nvSpPr>
-          <p:cNvPr id="94" name="CustomShape 2"/>
+          <p:cNvPr id="96" name="CustomShape 2"/>
           <p:cNvSpPr/>
           <p:nvPr/>
         </p:nvSpPr>
         <p:spPr>
           <a:xfrm>
             <a:off x="457200" y="1600200"/>
-            <a:ext cx="8229240" cy="4525560"/>
+            <a:ext cx="8228520" cy="4524840"/>
           </a:xfrm>
           <a:prstGeom prst="rect">
             <a:avLst/>
@@ -3433,7 +3439,7 @@
             <a:normAutofit/>
           </a:bodyPr>
           <a:p>
-            <a:pPr marL="342720" indent="-342360">
+            <a:pPr marL="342720" indent="-341640">
               <a:lnSpc>
                 <a:spcPct val="100000"/>
               </a:lnSpc>
@@ -3452,6 +3458,7 @@
                   <a:srgbClr val="000000"/>
                 </a:solidFill>
                 <a:latin typeface="Arial"/>
+                <a:ea typeface="DejaVu Sans"/>
               </a:rPr>
               <a:t>Several Tools available:</a:t>
             </a:r>
@@ -3460,7 +3467,7 @@
             </a:endParaRPr>
           </a:p>
           <a:p>
-            <a:pPr marL="164520">
+            <a:pPr marL="164520" indent="-341640">
               <a:lnSpc>
                 <a:spcPct val="100000"/>
               </a:lnSpc>
@@ -3479,6 +3486,7 @@
                   <a:srgbClr val="000000"/>
                 </a:solidFill>
                 <a:latin typeface="Arial"/>
+                <a:ea typeface="DejaVu Sans"/>
               </a:rPr>
               <a:t>Tamarin Prover</a:t>
             </a:r>
@@ -3487,7 +3495,7 @@
             </a:endParaRPr>
           </a:p>
           <a:p>
-            <a:pPr marL="164520">
+            <a:pPr marL="164520" indent="-341640">
               <a:lnSpc>
                 <a:spcPct val="100000"/>
               </a:lnSpc>
@@ -3506,6 +3514,7 @@
                   <a:srgbClr val="000000"/>
                 </a:solidFill>
                 <a:latin typeface="Arial"/>
+                <a:ea typeface="DejaVu Sans"/>
               </a:rPr>
               <a:t>ProVerif</a:t>
             </a:r>
@@ -3514,7 +3523,7 @@
             </a:endParaRPr>
           </a:p>
           <a:p>
-            <a:pPr marL="164520">
+            <a:pPr marL="164520" indent="-341640">
               <a:lnSpc>
                 <a:spcPct val="100000"/>
               </a:lnSpc>
@@ -3533,6 +3542,7 @@
                   <a:srgbClr val="000000"/>
                 </a:solidFill>
                 <a:latin typeface="Arial"/>
+                <a:ea typeface="DejaVu Sans"/>
               </a:rPr>
               <a:t>AVISPA</a:t>
             </a:r>
@@ -3541,7 +3551,7 @@
             </a:endParaRPr>
           </a:p>
           <a:p>
-            <a:pPr marL="164520">
+            <a:pPr marL="164520" indent="-341640">
               <a:lnSpc>
                 <a:spcPct val="100000"/>
               </a:lnSpc>
@@ -3560,6 +3570,7 @@
                   <a:srgbClr val="000000"/>
                 </a:solidFill>
                 <a:latin typeface="Arial"/>
+                <a:ea typeface="DejaVu Sans"/>
               </a:rPr>
               <a:t>Maude-NPA</a:t>
             </a:r>
@@ -3633,14 +3644,14 @@
       </p:grpSpPr>
       <p:sp>
         <p:nvSpPr>
-          <p:cNvPr id="95" name="CustomShape 1"/>
+          <p:cNvPr id="97" name="CustomShape 1"/>
           <p:cNvSpPr/>
           <p:nvPr/>
         </p:nvSpPr>
         <p:spPr>
           <a:xfrm>
             <a:off x="0" y="274320"/>
-            <a:ext cx="7406640" cy="1005840"/>
+            <a:ext cx="7405920" cy="1005120"/>
           </a:xfrm>
           <a:prstGeom prst="rect">
             <a:avLst/>
@@ -3672,6 +3683,7 @@
                   <a:srgbClr val="000000"/>
                 </a:solidFill>
                 <a:latin typeface="Arial"/>
+                <a:ea typeface="DejaVu Sans"/>
               </a:rPr>
               <a:t>   </a:t>
             </a:r>
@@ -3681,6 +3693,7 @@
                   <a:srgbClr val="000000"/>
                 </a:solidFill>
                 <a:latin typeface="Arial"/>
+                <a:ea typeface="DejaVu Sans"/>
               </a:rPr>
               <a:t>Methodology</a:t>
             </a:r>
@@ -3692,14 +3705,14 @@
       </p:sp>
       <p:sp>
         <p:nvSpPr>
-          <p:cNvPr id="96" name="CustomShape 2"/>
+          <p:cNvPr id="98" name="CustomShape 2"/>
           <p:cNvSpPr/>
           <p:nvPr/>
         </p:nvSpPr>
         <p:spPr>
           <a:xfrm>
             <a:off x="457200" y="1600200"/>
-            <a:ext cx="6674760" cy="4525560"/>
+            <a:ext cx="6674040" cy="4524840"/>
           </a:xfrm>
           <a:prstGeom prst="rect">
             <a:avLst/>
@@ -3720,7 +3733,7 @@
             <a:normAutofit/>
           </a:bodyPr>
           <a:p>
-            <a:pPr marL="342720" indent="-342360">
+            <a:pPr marL="342720" indent="-341640">
               <a:lnSpc>
                 <a:spcPct val="100000"/>
               </a:lnSpc>
@@ -3739,6 +3752,7 @@
                   <a:srgbClr val="000000"/>
                 </a:solidFill>
                 <a:latin typeface="Arial"/>
+                <a:ea typeface="DejaVu Sans"/>
               </a:rPr>
               <a:t>Model 5G-AKA in the Tamarin Language</a:t>
             </a:r>
@@ -3747,7 +3761,7 @@
             </a:endParaRPr>
           </a:p>
           <a:p>
-            <a:pPr marL="342720" indent="-342360">
+            <a:pPr marL="342720" indent="-341640">
               <a:lnSpc>
                 <a:spcPct val="100000"/>
               </a:lnSpc>
@@ -3766,6 +3780,7 @@
                   <a:srgbClr val="000000"/>
                 </a:solidFill>
                 <a:latin typeface="Arial"/>
+                <a:ea typeface="DejaVu Sans"/>
               </a:rPr>
               <a:t>Allow the software to test the protocol using the Dolev–Yao adversary model</a:t>
             </a:r>
@@ -3774,7 +3789,7 @@
             </a:endParaRPr>
           </a:p>
           <a:p>
-            <a:pPr marL="342720" indent="-342360">
+            <a:pPr marL="342720" indent="-341640">
               <a:lnSpc>
                 <a:spcPct val="100000"/>
               </a:lnSpc>
@@ -3793,6 +3808,7 @@
                   <a:srgbClr val="000000"/>
                 </a:solidFill>
                 <a:latin typeface="Arial"/>
+                <a:ea typeface="DejaVu Sans"/>
               </a:rPr>
               <a:t>Analyze the results</a:t>
             </a:r>
@@ -3853,14 +3869,14 @@
       </p:grpSpPr>
       <p:sp>
         <p:nvSpPr>
-          <p:cNvPr id="97" name="CustomShape 1"/>
+          <p:cNvPr id="99" name="CustomShape 1"/>
           <p:cNvSpPr/>
           <p:nvPr/>
         </p:nvSpPr>
         <p:spPr>
           <a:xfrm>
             <a:off x="0" y="274320"/>
-            <a:ext cx="7498080" cy="1005840"/>
+            <a:ext cx="7497360" cy="1005120"/>
           </a:xfrm>
           <a:prstGeom prst="rect">
             <a:avLst/>
@@ -3892,6 +3908,7 @@
                   <a:srgbClr val="000000"/>
                 </a:solidFill>
                 <a:latin typeface="Arial"/>
+                <a:ea typeface="DejaVu Sans"/>
               </a:rPr>
               <a:t>   </a:t>
             </a:r>
@@ -3901,6 +3918,7 @@
                   <a:srgbClr val="000000"/>
                 </a:solidFill>
                 <a:latin typeface="Arial"/>
+                <a:ea typeface="DejaVu Sans"/>
               </a:rPr>
               <a:t>Findings</a:t>
             </a:r>
@@ -3912,14 +3930,14 @@
       </p:sp>
       <p:sp>
         <p:nvSpPr>
-          <p:cNvPr id="98" name="CustomShape 2"/>
+          <p:cNvPr id="100" name="CustomShape 2"/>
           <p:cNvSpPr/>
           <p:nvPr/>
         </p:nvSpPr>
         <p:spPr>
           <a:xfrm>
             <a:off x="457200" y="1600200"/>
-            <a:ext cx="8229240" cy="4525560"/>
+            <a:ext cx="8228520" cy="4524840"/>
           </a:xfrm>
           <a:prstGeom prst="rect">
             <a:avLst/>
@@ -3987,14 +4005,14 @@
       </p:grpSpPr>
       <p:sp>
         <p:nvSpPr>
-          <p:cNvPr id="99" name="CustomShape 1"/>
+          <p:cNvPr id="101" name="CustomShape 1"/>
           <p:cNvSpPr/>
           <p:nvPr/>
         </p:nvSpPr>
         <p:spPr>
           <a:xfrm>
             <a:off x="0" y="274320"/>
-            <a:ext cx="7498080" cy="1005840"/>
+            <a:ext cx="7497360" cy="1005120"/>
           </a:xfrm>
           <a:prstGeom prst="rect">
             <a:avLst/>
@@ -4026,6 +4044,7 @@
                   <a:srgbClr val="000000"/>
                 </a:solidFill>
                 <a:latin typeface="Arial"/>
+                <a:ea typeface="DejaVu Sans"/>
               </a:rPr>
               <a:t>   </a:t>
             </a:r>
@@ -4035,6 +4054,7 @@
                   <a:srgbClr val="000000"/>
                 </a:solidFill>
                 <a:latin typeface="Arial"/>
+                <a:ea typeface="DejaVu Sans"/>
               </a:rPr>
               <a:t>Discussion</a:t>
             </a:r>
@@ -4046,14 +4066,14 @@
       </p:sp>
       <p:sp>
         <p:nvSpPr>
-          <p:cNvPr id="100" name="CustomShape 2"/>
+          <p:cNvPr id="102" name="CustomShape 2"/>
           <p:cNvSpPr/>
           <p:nvPr/>
         </p:nvSpPr>
         <p:spPr>
           <a:xfrm>
             <a:off x="457200" y="1600200"/>
-            <a:ext cx="8229240" cy="4525560"/>
+            <a:ext cx="8228520" cy="4524840"/>
           </a:xfrm>
           <a:prstGeom prst="rect">
             <a:avLst/>
@@ -4121,14 +4141,14 @@
       </p:grpSpPr>
       <p:sp>
         <p:nvSpPr>
-          <p:cNvPr id="101" name="CustomShape 1"/>
+          <p:cNvPr id="103" name="CustomShape 1"/>
           <p:cNvSpPr/>
           <p:nvPr/>
         </p:nvSpPr>
         <p:spPr>
           <a:xfrm>
             <a:off x="0" y="274320"/>
-            <a:ext cx="7406640" cy="1005840"/>
+            <a:ext cx="7405920" cy="1005120"/>
           </a:xfrm>
           <a:prstGeom prst="rect">
             <a:avLst/>
@@ -4160,6 +4180,7 @@
                   <a:srgbClr val="000000"/>
                 </a:solidFill>
                 <a:latin typeface="Arial"/>
+                <a:ea typeface="DejaVu Sans"/>
               </a:rPr>
               <a:t>Conclusion</a:t>
             </a:r>
@@ -4171,14 +4192,14 @@
       </p:sp>
       <p:sp>
         <p:nvSpPr>
-          <p:cNvPr id="102" name="CustomShape 2"/>
+          <p:cNvPr id="104" name="CustomShape 2"/>
           <p:cNvSpPr/>
           <p:nvPr/>
         </p:nvSpPr>
         <p:spPr>
           <a:xfrm>
             <a:off x="457200" y="1600200"/>
-            <a:ext cx="8229240" cy="4525560"/>
+            <a:ext cx="8228520" cy="4524840"/>
           </a:xfrm>
           <a:prstGeom prst="rect">
             <a:avLst/>
@@ -4253,7 +4274,7 @@
         <p:spPr>
           <a:xfrm>
             <a:off x="0" y="274320"/>
-            <a:ext cx="7406640" cy="822960"/>
+            <a:ext cx="7405920" cy="822240"/>
           </a:xfrm>
           <a:prstGeom prst="rect">
             <a:avLst/>
@@ -4285,6 +4306,7 @@
                   <a:srgbClr val="000000"/>
                 </a:solidFill>
                 <a:latin typeface="Arial"/>
+                <a:ea typeface="DejaVu Sans"/>
               </a:rPr>
               <a:t>Growth of Mobile</a:t>
             </a:r>
@@ -4307,7 +4329,7 @@
         <p:spPr>
           <a:xfrm>
             <a:off x="414720" y="1417320"/>
-            <a:ext cx="6351480" cy="4525560"/>
+            <a:ext cx="6350760" cy="4524840"/>
           </a:xfrm>
           <a:prstGeom prst="rect">
             <a:avLst/>
@@ -4385,7 +4407,7 @@
         <p:spPr>
           <a:xfrm>
             <a:off x="0" y="274320"/>
-            <a:ext cx="7223760" cy="1005840"/>
+            <a:ext cx="9143640" cy="1005120"/>
           </a:xfrm>
           <a:prstGeom prst="rect">
             <a:avLst/>
@@ -4417,6 +4439,7 @@
                   <a:srgbClr val="000000"/>
                 </a:solidFill>
                 <a:latin typeface="Arial"/>
+                <a:ea typeface="DejaVu Sans"/>
               </a:rPr>
               <a:t>  </a:t>
             </a:r>
@@ -4426,6 +4449,7 @@
                   <a:srgbClr val="000000"/>
                 </a:solidFill>
                 <a:latin typeface="Arial"/>
+                <a:ea typeface="DejaVu Sans"/>
               </a:rPr>
               <a:t>Goals of 5G</a:t>
             </a:r>
@@ -4443,8 +4467,8 @@
         </p:nvSpPr>
         <p:spPr>
           <a:xfrm>
-            <a:off x="457200" y="1600200"/>
-            <a:ext cx="8229240" cy="4525560"/>
+            <a:off x="457200" y="1456200"/>
+            <a:ext cx="7955280" cy="738360"/>
           </a:xfrm>
           <a:prstGeom prst="rect">
             <a:avLst/>
@@ -4465,169 +4489,7 @@
             <a:normAutofit/>
           </a:bodyPr>
           <a:p>
-            <a:pPr marL="342720" indent="-342360">
-              <a:lnSpc>
-                <a:spcPct val="100000"/>
-              </a:lnSpc>
-              <a:spcBef>
-                <a:spcPts val="799"/>
-              </a:spcBef>
-              <a:buClr>
-                <a:srgbClr val="000000"/>
-              </a:buClr>
-              <a:buFont typeface="Arial"/>
-              <a:buChar char="•"/>
-            </a:pPr>
-            <a:r>
-              <a:rPr b="0" lang="en-US" sz="2800" spc="-1" strike="noStrike">
-                <a:solidFill>
-                  <a:srgbClr val="000000"/>
-                </a:solidFill>
-                <a:latin typeface="Arial"/>
-              </a:rPr>
-              <a:t>Not just the next generation</a:t>
-            </a:r>
-            <a:endParaRPr b="0" lang="en-US" sz="2800" spc="-1" strike="noStrike">
-              <a:latin typeface="Arial"/>
-            </a:endParaRPr>
-          </a:p>
-          <a:p>
-            <a:pPr marL="347400">
-              <a:lnSpc>
-                <a:spcPct val="100000"/>
-              </a:lnSpc>
-              <a:spcBef>
-                <a:spcPts val="799"/>
-              </a:spcBef>
-              <a:buClr>
-                <a:srgbClr val="000000"/>
-              </a:buClr>
-              <a:buFont typeface="Arial"/>
-              <a:buChar char="•"/>
-            </a:pPr>
-            <a:r>
-              <a:rPr b="0" lang="en-US" sz="2800" spc="-1" strike="noStrike">
-                <a:solidFill>
-                  <a:srgbClr val="000000"/>
-                </a:solidFill>
-                <a:latin typeface="Arial"/>
-              </a:rPr>
-              <a:t>Internet-of-Things</a:t>
-            </a:r>
-            <a:endParaRPr b="0" lang="en-US" sz="2800" spc="-1" strike="noStrike">
-              <a:latin typeface="Arial"/>
-            </a:endParaRPr>
-          </a:p>
-          <a:p>
-            <a:pPr marL="347400">
-              <a:lnSpc>
-                <a:spcPct val="100000"/>
-              </a:lnSpc>
-              <a:spcBef>
-                <a:spcPts val="799"/>
-              </a:spcBef>
-              <a:buClr>
-                <a:srgbClr val="000000"/>
-              </a:buClr>
-              <a:buFont typeface="Arial"/>
-              <a:buChar char="•"/>
-            </a:pPr>
-            <a:r>
-              <a:rPr b="0" lang="en-US" sz="2800" spc="-1" strike="noStrike">
-                <a:solidFill>
-                  <a:srgbClr val="000000"/>
-                </a:solidFill>
-                <a:latin typeface="Arial"/>
-              </a:rPr>
-              <a:t>Machine-to-Machine Communications</a:t>
-            </a:r>
-            <a:endParaRPr b="0" lang="en-US" sz="2800" spc="-1" strike="noStrike">
-              <a:latin typeface="Arial"/>
-            </a:endParaRPr>
-          </a:p>
-          <a:p>
-            <a:pPr marL="347400">
-              <a:lnSpc>
-                <a:spcPct val="100000"/>
-              </a:lnSpc>
-              <a:spcBef>
-                <a:spcPts val="799"/>
-              </a:spcBef>
-              <a:buClr>
-                <a:srgbClr val="000000"/>
-              </a:buClr>
-              <a:buFont typeface="Arial"/>
-              <a:buChar char="•"/>
-            </a:pPr>
-            <a:r>
-              <a:rPr b="0" lang="en-US" sz="2800" spc="-1" strike="noStrike">
-                <a:solidFill>
-                  <a:srgbClr val="000000"/>
-                </a:solidFill>
-                <a:latin typeface="Arial"/>
-              </a:rPr>
-              <a:t>-Autonomous vehicles</a:t>
-            </a:r>
-            <a:endParaRPr b="0" lang="en-US" sz="2800" spc="-1" strike="noStrike">
-              <a:latin typeface="Arial"/>
-            </a:endParaRPr>
-          </a:p>
-          <a:p>
-            <a:pPr marL="347400">
-              <a:lnSpc>
-                <a:spcPct val="100000"/>
-              </a:lnSpc>
-              <a:spcBef>
-                <a:spcPts val="799"/>
-              </a:spcBef>
-              <a:buClr>
-                <a:srgbClr val="000000"/>
-              </a:buClr>
-              <a:buFont typeface="Arial"/>
-              <a:buChar char="•"/>
-            </a:pPr>
-            <a:r>
-              <a:rPr b="0" lang="en-US" sz="2800" spc="-1" strike="noStrike">
-                <a:solidFill>
-                  <a:srgbClr val="000000"/>
-                </a:solidFill>
-                <a:latin typeface="Arial"/>
-              </a:rPr>
-              <a:t>Critical Infrastructure</a:t>
-            </a:r>
-            <a:endParaRPr b="0" lang="en-US" sz="2800" spc="-1" strike="noStrike">
-              <a:latin typeface="Arial"/>
-            </a:endParaRPr>
-          </a:p>
-          <a:p>
-            <a:pPr marL="347400">
-              <a:lnSpc>
-                <a:spcPct val="100000"/>
-              </a:lnSpc>
-              <a:spcBef>
-                <a:spcPts val="799"/>
-              </a:spcBef>
-              <a:buClr>
-                <a:srgbClr val="000000"/>
-              </a:buClr>
-              <a:buFont typeface="Arial"/>
-              <a:buChar char="•"/>
-            </a:pPr>
-            <a:r>
-              <a:rPr b="0" lang="en-US" sz="2800" spc="-1" strike="noStrike">
-                <a:solidFill>
-                  <a:srgbClr val="000000"/>
-                </a:solidFill>
-                <a:latin typeface="Arial"/>
-              </a:rPr>
-              <a:t>-Power Grid and Utilities</a:t>
-            </a:r>
-            <a:endParaRPr b="0" lang="en-US" sz="2800" spc="-1" strike="noStrike">
-              <a:latin typeface="Arial"/>
-            </a:endParaRPr>
-          </a:p>
-          <a:p>
-            <a:pPr marL="347400">
+            <a:pPr marL="182880" indent="-341640">
               <a:lnSpc>
                 <a:spcPct val="100000"/>
               </a:lnSpc>
@@ -4646,15 +4508,16 @@
                   <a:srgbClr val="000000"/>
                 </a:solidFill>
                 <a:latin typeface="Arial"/>
-              </a:rPr>
-              <a:t>Mobile is the the world’s gateway</a:t>
+                <a:ea typeface="DejaVu Sans"/>
+              </a:rPr>
+              <a:t>Not JUST the next generation</a:t>
             </a:r>
             <a:endParaRPr b="0" lang="en-US" sz="2800" spc="-1" strike="noStrike">
               <a:latin typeface="Arial"/>
             </a:endParaRPr>
           </a:p>
           <a:p>
-            <a:pPr marL="347400">
+            <a:pPr marL="182880" indent="-341640">
               <a:lnSpc>
                 <a:spcPct val="100000"/>
               </a:lnSpc>
@@ -4673,9 +4536,46 @@
                   <a:srgbClr val="000000"/>
                 </a:solidFill>
                 <a:latin typeface="Arial"/>
-              </a:rPr>
-              <a:t>to the internet</a:t>
-            </a:r>
+                <a:ea typeface="DejaVu Sans"/>
+              </a:rPr>
+              <a:t>Mobile is the world’s gateway to the internet</a:t>
+            </a:r>
+            <a:endParaRPr b="0" lang="en-US" sz="2800" spc="-1" strike="noStrike">
+              <a:latin typeface="Arial"/>
+            </a:endParaRPr>
+          </a:p>
+          <a:p>
+            <a:pPr marL="182880" indent="-341640">
+              <a:lnSpc>
+                <a:spcPct val="100000"/>
+              </a:lnSpc>
+              <a:spcBef>
+                <a:spcPts val="865"/>
+              </a:spcBef>
+              <a:buClr>
+                <a:srgbClr val="000000"/>
+              </a:buClr>
+              <a:buFont typeface="Arial"/>
+              <a:buChar char="•"/>
+            </a:pPr>
+            <a:endParaRPr b="0" lang="en-US" sz="2800" spc="-1" strike="noStrike">
+              <a:latin typeface="Arial"/>
+            </a:endParaRPr>
+          </a:p>
+          <a:p>
+            <a:pPr marL="182880" indent="-341640">
+              <a:lnSpc>
+                <a:spcPct val="100000"/>
+              </a:lnSpc>
+              <a:spcBef>
+                <a:spcPts val="865"/>
+              </a:spcBef>
+              <a:buClr>
+                <a:srgbClr val="000000"/>
+              </a:buClr>
+              <a:buFont typeface="Arial"/>
+              <a:buChar char="•"/>
+            </a:pPr>
             <a:endParaRPr b="0" lang="en-US" sz="2800" spc="-1" strike="noStrike">
               <a:latin typeface="Arial"/>
             </a:endParaRPr>
@@ -4690,6 +4590,128 @@
               </a:spcBef>
             </a:pPr>
             <a:endParaRPr b="0" lang="en-US" sz="2800" spc="-1" strike="noStrike">
+              <a:latin typeface="Arial"/>
+            </a:endParaRPr>
+          </a:p>
+        </p:txBody>
+      </p:sp>
+      <p:pic>
+        <p:nvPicPr>
+          <p:cNvPr id="81" name="" descr=""/>
+          <p:cNvPicPr/>
+          <p:nvPr/>
+        </p:nvPicPr>
+        <p:blipFill>
+          <a:blip r:embed="rId2"/>
+          <a:stretch/>
+        </p:blipFill>
+        <p:spPr>
+          <a:xfrm>
+            <a:off x="3321360" y="2194560"/>
+            <a:ext cx="5486400" cy="3035880"/>
+          </a:xfrm>
+          <a:prstGeom prst="rect">
+            <a:avLst/>
+          </a:prstGeom>
+          <a:ln>
+            <a:noFill/>
+          </a:ln>
+        </p:spPr>
+      </p:pic>
+      <p:sp>
+        <p:nvSpPr>
+          <p:cNvPr id="82" name="TextShape 3"/>
+          <p:cNvSpPr txBox="1"/>
+          <p:nvPr/>
+        </p:nvSpPr>
+        <p:spPr>
+          <a:xfrm>
+            <a:off x="640080" y="2869200"/>
+            <a:ext cx="2560320" cy="1370160"/>
+          </a:xfrm>
+          <a:prstGeom prst="rect">
+            <a:avLst/>
+          </a:prstGeom>
+          <a:noFill/>
+          <a:ln>
+            <a:noFill/>
+          </a:ln>
+        </p:spPr>
+        <p:txBody>
+          <a:bodyPr lIns="90000" rIns="90000" tIns="45000" bIns="45000"/>
+          <a:p>
+            <a:pPr marL="216000" indent="-216000">
+              <a:buClr>
+                <a:srgbClr val="000000"/>
+              </a:buClr>
+              <a:buSzPct val="45000"/>
+              <a:buFont typeface="Wingdings" charset="2"/>
+              <a:buChar char=""/>
+            </a:pPr>
+            <a:r>
+              <a:rPr b="0" lang="en-US" sz="1800" spc="-1" strike="noStrike">
+                <a:latin typeface="Arial"/>
+              </a:rPr>
+              <a:t>IOT</a:t>
+            </a:r>
+            <a:endParaRPr b="0" lang="en-US" sz="1800" spc="-1" strike="noStrike">
+              <a:latin typeface="Arial"/>
+            </a:endParaRPr>
+          </a:p>
+          <a:p>
+            <a:pPr marL="216000" indent="-216000">
+              <a:buClr>
+                <a:srgbClr val="000000"/>
+              </a:buClr>
+              <a:buSzPct val="45000"/>
+              <a:buFont typeface="Wingdings" charset="2"/>
+              <a:buChar char=""/>
+            </a:pPr>
+            <a:r>
+              <a:rPr b="0" lang="en-US" sz="1800" spc="-1" strike="noStrike">
+                <a:latin typeface="Arial"/>
+              </a:rPr>
+              <a:t>Autonomous Cars</a:t>
+            </a:r>
+            <a:endParaRPr b="0" lang="en-US" sz="1800" spc="-1" strike="noStrike">
+              <a:latin typeface="Arial"/>
+            </a:endParaRPr>
+          </a:p>
+          <a:p>
+            <a:pPr marL="216000" indent="-216000">
+              <a:buClr>
+                <a:srgbClr val="000000"/>
+              </a:buClr>
+              <a:buSzPct val="45000"/>
+              <a:buFont typeface="Wingdings" charset="2"/>
+              <a:buChar char=""/>
+            </a:pPr>
+            <a:r>
+              <a:rPr b="0" lang="en-US" sz="1800" spc="-1" strike="noStrike">
+                <a:latin typeface="Arial"/>
+              </a:rPr>
+              <a:t>Utilities</a:t>
+            </a:r>
+            <a:endParaRPr b="0" lang="en-US" sz="1800" spc="-1" strike="noStrike">
+              <a:latin typeface="Arial"/>
+            </a:endParaRPr>
+          </a:p>
+          <a:p>
+            <a:pPr marL="216000" indent="-216000">
+              <a:buClr>
+                <a:srgbClr val="000000"/>
+              </a:buClr>
+              <a:buSzPct val="45000"/>
+              <a:buFont typeface="Wingdings" charset="2"/>
+              <a:buChar char=""/>
+            </a:pPr>
+            <a:r>
+              <a:rPr b="0" lang="en-US" sz="1800" spc="-1" strike="noStrike">
+                <a:latin typeface="Arial"/>
+              </a:rPr>
+              <a:t>Machine-to-Machine communications</a:t>
+            </a:r>
+            <a:endParaRPr b="0" lang="en-US" sz="1800" spc="-1" strike="noStrike">
               <a:latin typeface="Arial"/>
             </a:endParaRPr>
           </a:p>
@@ -4746,14 +4768,14 @@
       </p:grpSpPr>
       <p:sp>
         <p:nvSpPr>
-          <p:cNvPr id="81" name="CustomShape 1"/>
+          <p:cNvPr id="83" name="CustomShape 1"/>
           <p:cNvSpPr/>
           <p:nvPr/>
         </p:nvSpPr>
         <p:spPr>
           <a:xfrm>
             <a:off x="0" y="274320"/>
-            <a:ext cx="7406640" cy="1097280"/>
+            <a:ext cx="7405920" cy="1096560"/>
           </a:xfrm>
           <a:prstGeom prst="rect">
             <a:avLst/>
@@ -4785,6 +4807,17 @@
                   <a:srgbClr val="000000"/>
                 </a:solidFill>
                 <a:latin typeface="Arial"/>
+                <a:ea typeface="DejaVu Sans"/>
+              </a:rPr>
+              <a:t> </a:t>
+            </a:r>
+            <a:r>
+              <a:rPr b="0" lang="en-US" sz="4400" spc="-1" strike="noStrike">
+                <a:solidFill>
+                  <a:srgbClr val="000000"/>
+                </a:solidFill>
+                <a:latin typeface="Arial"/>
+                <a:ea typeface="DejaVu Sans"/>
               </a:rPr>
               <a:t>5G-AKA: What does it do?</a:t>
             </a:r>
@@ -4796,14 +4829,14 @@
       </p:sp>
       <p:sp>
         <p:nvSpPr>
-          <p:cNvPr id="82" name="CustomShape 2"/>
+          <p:cNvPr id="84" name="CustomShape 2"/>
           <p:cNvSpPr/>
           <p:nvPr/>
         </p:nvSpPr>
         <p:spPr>
           <a:xfrm>
             <a:off x="457200" y="1600200"/>
-            <a:ext cx="6857640" cy="4525560"/>
+            <a:ext cx="6856920" cy="4524840"/>
           </a:xfrm>
           <a:prstGeom prst="rect">
             <a:avLst/>
@@ -4824,7 +4857,7 @@
             <a:normAutofit/>
           </a:bodyPr>
           <a:p>
-            <a:pPr marL="342720" indent="-342360">
+            <a:pPr marL="342720" indent="-341640">
               <a:lnSpc>
                 <a:spcPct val="100000"/>
               </a:lnSpc>
@@ -4843,6 +4876,7 @@
                   <a:srgbClr val="000000"/>
                 </a:solidFill>
                 <a:latin typeface="Arial"/>
+                <a:ea typeface="DejaVu Sans"/>
               </a:rPr>
               <a:t>5G- Authentication and Key Agreement</a:t>
             </a:r>
@@ -4851,7 +4885,7 @@
             </a:endParaRPr>
           </a:p>
           <a:p>
-            <a:pPr marL="342720" indent="-342360">
+            <a:pPr marL="342720" indent="-341640">
               <a:lnSpc>
                 <a:spcPct val="100000"/>
               </a:lnSpc>
@@ -4870,6 +4904,7 @@
                   <a:srgbClr val="000000"/>
                 </a:solidFill>
                 <a:latin typeface="Arial"/>
+                <a:ea typeface="DejaVu Sans"/>
               </a:rPr>
               <a:t>Authenticates UE to network and network to UE</a:t>
             </a:r>
@@ -4878,7 +4913,7 @@
             </a:endParaRPr>
           </a:p>
           <a:p>
-            <a:pPr marL="342720" indent="-342360">
+            <a:pPr marL="342720" indent="-341640">
               <a:lnSpc>
                 <a:spcPct val="100000"/>
               </a:lnSpc>
@@ -4897,6 +4932,7 @@
                   <a:srgbClr val="000000"/>
                 </a:solidFill>
                 <a:latin typeface="Arial"/>
+                <a:ea typeface="DejaVu Sans"/>
               </a:rPr>
               <a:t>Establishes session keys</a:t>
             </a:r>
@@ -4905,7 +4941,7 @@
             </a:endParaRPr>
           </a:p>
           <a:p>
-            <a:pPr marL="342720" indent="-342360">
+            <a:pPr marL="342720" indent="-341640">
               <a:lnSpc>
                 <a:spcPct val="100000"/>
               </a:lnSpc>
@@ -4924,6 +4960,7 @@
                   <a:srgbClr val="000000"/>
                 </a:solidFill>
                 <a:latin typeface="Arial"/>
+                <a:ea typeface="DejaVu Sans"/>
               </a:rPr>
               <a:t>Establishes a secure connection for other protocols over the RAN</a:t>
             </a:r>
@@ -4984,14 +5021,14 @@
       </p:grpSpPr>
       <p:sp>
         <p:nvSpPr>
-          <p:cNvPr id="83" name="CustomShape 1"/>
+          <p:cNvPr id="85" name="CustomShape 1"/>
           <p:cNvSpPr/>
           <p:nvPr/>
         </p:nvSpPr>
         <p:spPr>
           <a:xfrm>
             <a:off x="0" y="128520"/>
-            <a:ext cx="7498080" cy="1151640"/>
+            <a:ext cx="7497360" cy="1150920"/>
           </a:xfrm>
           <a:prstGeom prst="rect">
             <a:avLst/>
@@ -5023,6 +5060,7 @@
                   <a:srgbClr val="000000"/>
                 </a:solidFill>
                 <a:latin typeface="Arial"/>
+                <a:ea typeface="DejaVu Sans"/>
               </a:rPr>
               <a:t>5G Relevant Network Architecture</a:t>
             </a:r>
@@ -5034,14 +5072,14 @@
       </p:sp>
       <p:sp>
         <p:nvSpPr>
-          <p:cNvPr id="84" name="CustomShape 2"/>
+          <p:cNvPr id="86" name="CustomShape 2"/>
           <p:cNvSpPr/>
           <p:nvPr/>
         </p:nvSpPr>
         <p:spPr>
           <a:xfrm>
             <a:off x="457200" y="1600200"/>
-            <a:ext cx="6766200" cy="4525560"/>
+            <a:ext cx="6765480" cy="4524840"/>
           </a:xfrm>
           <a:prstGeom prst="rect">
             <a:avLst/>
@@ -5062,7 +5100,7 @@
             <a:normAutofit/>
           </a:bodyPr>
           <a:p>
-            <a:pPr marL="342720" indent="-342360">
+            <a:pPr marL="342720" indent="-341640">
               <a:lnSpc>
                 <a:spcPct val="100000"/>
               </a:lnSpc>
@@ -5081,6 +5119,7 @@
                   <a:srgbClr val="000000"/>
                 </a:solidFill>
                 <a:latin typeface="Arial"/>
+                <a:ea typeface="DejaVu Sans"/>
               </a:rPr>
               <a:t>4 Primary players in AKA protocol</a:t>
             </a:r>
@@ -5089,7 +5128,7 @@
             </a:endParaRPr>
           </a:p>
           <a:p>
-            <a:pPr marL="342720" indent="-342360">
+            <a:pPr marL="342720" indent="-341640">
               <a:lnSpc>
                 <a:spcPct val="100000"/>
               </a:lnSpc>
@@ -5108,6 +5147,7 @@
                   <a:srgbClr val="000000"/>
                 </a:solidFill>
                 <a:latin typeface="Arial"/>
+                <a:ea typeface="DejaVu Sans"/>
               </a:rPr>
               <a:t> </a:t>
             </a:r>
@@ -5117,6 +5157,7 @@
                   <a:srgbClr val="000000"/>
                 </a:solidFill>
                 <a:latin typeface="Arial"/>
+                <a:ea typeface="DejaVu Sans"/>
               </a:rPr>
               <a:t>UE – User Equipment</a:t>
             </a:r>
@@ -5125,7 +5166,7 @@
             </a:endParaRPr>
           </a:p>
           <a:p>
-            <a:pPr marL="342720" indent="-342360">
+            <a:pPr marL="342720" indent="-341640">
               <a:lnSpc>
                 <a:spcPct val="100000"/>
               </a:lnSpc>
@@ -5144,6 +5185,7 @@
                   <a:srgbClr val="000000"/>
                 </a:solidFill>
                 <a:latin typeface="Arial"/>
+                <a:ea typeface="DejaVu Sans"/>
               </a:rPr>
               <a:t> </a:t>
             </a:r>
@@ -5153,6 +5195,7 @@
                   <a:srgbClr val="000000"/>
                 </a:solidFill>
                 <a:latin typeface="Arial"/>
+                <a:ea typeface="DejaVu Sans"/>
               </a:rPr>
               <a:t>SEAF – Security Anchor Function</a:t>
             </a:r>
@@ -5161,7 +5204,7 @@
             </a:endParaRPr>
           </a:p>
           <a:p>
-            <a:pPr marL="342720" indent="-342360">
+            <a:pPr marL="342720" indent="-341640">
               <a:lnSpc>
                 <a:spcPct val="100000"/>
               </a:lnSpc>
@@ -5180,6 +5223,7 @@
                   <a:srgbClr val="000000"/>
                 </a:solidFill>
                 <a:latin typeface="Arial"/>
+                <a:ea typeface="DejaVu Sans"/>
               </a:rPr>
               <a:t> </a:t>
             </a:r>
@@ -5189,6 +5233,7 @@
                   <a:srgbClr val="000000"/>
                 </a:solidFill>
                 <a:latin typeface="Arial"/>
+                <a:ea typeface="DejaVu Sans"/>
               </a:rPr>
               <a:t>AUSF – Authentication Server  Function</a:t>
             </a:r>
@@ -5197,7 +5242,7 @@
             </a:endParaRPr>
           </a:p>
           <a:p>
-            <a:pPr marL="342720" indent="-342360">
+            <a:pPr marL="342720" indent="-341640">
               <a:lnSpc>
                 <a:spcPct val="100000"/>
               </a:lnSpc>
@@ -5216,6 +5261,7 @@
                   <a:srgbClr val="000000"/>
                 </a:solidFill>
                 <a:latin typeface="Arial"/>
+                <a:ea typeface="DejaVu Sans"/>
               </a:rPr>
               <a:t> </a:t>
             </a:r>
@@ -5225,6 +5271,7 @@
                   <a:srgbClr val="000000"/>
                 </a:solidFill>
                 <a:latin typeface="Arial"/>
+                <a:ea typeface="DejaVu Sans"/>
               </a:rPr>
               <a:t>ARPF - Authentication credential Repository and Processing Function</a:t>
             </a:r>
@@ -5285,14 +5332,14 @@
       </p:grpSpPr>
       <p:sp>
         <p:nvSpPr>
-          <p:cNvPr id="85" name="CustomShape 1"/>
+          <p:cNvPr id="87" name="CustomShape 1"/>
           <p:cNvSpPr/>
           <p:nvPr/>
         </p:nvSpPr>
         <p:spPr>
           <a:xfrm>
             <a:off x="0" y="274320"/>
-            <a:ext cx="7589520" cy="1036440"/>
+            <a:ext cx="7588800" cy="1035720"/>
           </a:xfrm>
           <a:prstGeom prst="rect">
             <a:avLst/>
@@ -5324,6 +5371,7 @@
                   <a:srgbClr val="000000"/>
                 </a:solidFill>
                 <a:latin typeface="Arial"/>
+                <a:ea typeface="DejaVu Sans"/>
               </a:rPr>
               <a:t>Network Map</a:t>
             </a:r>
@@ -5335,7 +5383,7 @@
       </p:sp>
       <p:pic>
         <p:nvPicPr>
-          <p:cNvPr id="86" name="" descr=""/>
+          <p:cNvPr id="88" name="" descr=""/>
           <p:cNvPicPr/>
           <p:nvPr/>
         </p:nvPicPr>
@@ -5345,8 +5393,8 @@
         </p:blipFill>
         <p:spPr>
           <a:xfrm>
-            <a:off x="457200" y="1920240"/>
-            <a:ext cx="6126120" cy="2449080"/>
+            <a:off x="457200" y="2136240"/>
+            <a:ext cx="6125400" cy="2448360"/>
           </a:xfrm>
           <a:prstGeom prst="rect">
             <a:avLst/>
@@ -5407,14 +5455,14 @@
       </p:grpSpPr>
       <p:sp>
         <p:nvSpPr>
-          <p:cNvPr id="87" name="CustomShape 1"/>
+          <p:cNvPr id="89" name="CustomShape 1"/>
           <p:cNvSpPr/>
           <p:nvPr/>
         </p:nvSpPr>
         <p:spPr>
           <a:xfrm>
             <a:off x="0" y="274320"/>
-            <a:ext cx="7406640" cy="914400"/>
+            <a:ext cx="7405920" cy="913680"/>
           </a:xfrm>
           <a:prstGeom prst="rect">
             <a:avLst/>
@@ -5446,6 +5494,7 @@
                   <a:srgbClr val="000000"/>
                 </a:solidFill>
                 <a:latin typeface="Arial"/>
+                <a:ea typeface="DejaVu Sans"/>
               </a:rPr>
               <a:t>How The Protocol Works</a:t>
             </a:r>
@@ -5457,7 +5506,7 @@
       </p:sp>
       <p:pic>
         <p:nvPicPr>
-          <p:cNvPr id="88" name="" descr=""/>
+          <p:cNvPr id="90" name="" descr=""/>
           <p:cNvPicPr/>
           <p:nvPr/>
         </p:nvPicPr>
@@ -5468,7 +5517,7 @@
         <p:spPr>
           <a:xfrm>
             <a:off x="548640" y="1554480"/>
-            <a:ext cx="6309360" cy="3200040"/>
+            <a:ext cx="6308640" cy="3199320"/>
           </a:xfrm>
           <a:prstGeom prst="rect">
             <a:avLst/>
@@ -5529,14 +5578,14 @@
       </p:grpSpPr>
       <p:sp>
         <p:nvSpPr>
-          <p:cNvPr id="89" name="CustomShape 1"/>
+          <p:cNvPr id="91" name="CustomShape 1"/>
           <p:cNvSpPr/>
           <p:nvPr/>
         </p:nvSpPr>
         <p:spPr>
           <a:xfrm>
             <a:off x="0" y="274320"/>
-            <a:ext cx="7498080" cy="1142640"/>
+            <a:ext cx="7497360" cy="1141920"/>
           </a:xfrm>
           <a:prstGeom prst="rect">
             <a:avLst/>
@@ -5568,6 +5617,7 @@
                   <a:srgbClr val="000000"/>
                 </a:solidFill>
                 <a:latin typeface="Arial"/>
+                <a:ea typeface="DejaVu Sans"/>
               </a:rPr>
               <a:t>    </a:t>
             </a:r>
@@ -5577,6 +5627,7 @@
                   <a:srgbClr val="000000"/>
                 </a:solidFill>
                 <a:latin typeface="Arial"/>
+                <a:ea typeface="DejaVu Sans"/>
               </a:rPr>
               <a:t>Why Formal Verification</a:t>
             </a:r>
@@ -5588,14 +5639,14 @@
       </p:sp>
       <p:sp>
         <p:nvSpPr>
-          <p:cNvPr id="90" name="CustomShape 2"/>
+          <p:cNvPr id="92" name="CustomShape 2"/>
           <p:cNvSpPr/>
           <p:nvPr/>
         </p:nvSpPr>
         <p:spPr>
           <a:xfrm>
             <a:off x="457200" y="1600200"/>
-            <a:ext cx="6583320" cy="4525560"/>
+            <a:ext cx="6582600" cy="4524840"/>
           </a:xfrm>
           <a:prstGeom prst="rect">
             <a:avLst/>
@@ -5616,7 +5667,7 @@
             <a:normAutofit/>
           </a:bodyPr>
           <a:p>
-            <a:pPr marL="342720" indent="-342360">
+            <a:pPr marL="342720" indent="-341640">
               <a:lnSpc>
                 <a:spcPct val="100000"/>
               </a:lnSpc>
@@ -5635,6 +5686,7 @@
                   <a:srgbClr val="000000"/>
                 </a:solidFill>
                 <a:latin typeface="Arial"/>
+                <a:ea typeface="DejaVu Sans"/>
               </a:rPr>
               <a:t>It allows systematic testing of a protocol through mathematical verification</a:t>
             </a:r>
@@ -5643,7 +5695,7 @@
             </a:endParaRPr>
           </a:p>
           <a:p>
-            <a:pPr marL="342720" indent="-342360">
+            <a:pPr marL="342720" indent="-341640">
               <a:lnSpc>
                 <a:spcPct val="100000"/>
               </a:lnSpc>
@@ -5662,6 +5714,7 @@
                   <a:srgbClr val="000000"/>
                 </a:solidFill>
                 <a:latin typeface="Arial"/>
+                <a:ea typeface="DejaVu Sans"/>
               </a:rPr>
               <a:t>Increasingly preferred over simulation or testing</a:t>
             </a:r>
@@ -5670,7 +5723,7 @@
             </a:endParaRPr>
           </a:p>
           <a:p>
-            <a:pPr marL="342720" indent="-342360">
+            <a:pPr marL="342720" indent="-341640">
               <a:lnSpc>
                 <a:spcPct val="100000"/>
               </a:lnSpc>
@@ -5689,6 +5742,7 @@
                   <a:srgbClr val="000000"/>
                 </a:solidFill>
                 <a:latin typeface="Arial"/>
+                <a:ea typeface="DejaVu Sans"/>
               </a:rPr>
               <a:t>Automated with modern software</a:t>
             </a:r>
@@ -5749,14 +5803,14 @@
       </p:grpSpPr>
       <p:sp>
         <p:nvSpPr>
-          <p:cNvPr id="91" name="CustomShape 1"/>
+          <p:cNvPr id="93" name="CustomShape 1"/>
           <p:cNvSpPr/>
           <p:nvPr/>
         </p:nvSpPr>
         <p:spPr>
           <a:xfrm>
             <a:off x="0" y="274320"/>
-            <a:ext cx="7498080" cy="1005840"/>
+            <a:ext cx="7497360" cy="1005120"/>
           </a:xfrm>
           <a:prstGeom prst="rect">
             <a:avLst/>
@@ -5788,6 +5842,7 @@
                   <a:srgbClr val="000000"/>
                 </a:solidFill>
                 <a:latin typeface="Arial"/>
+                <a:ea typeface="DejaVu Sans"/>
               </a:rPr>
               <a:t>  </a:t>
             </a:r>
@@ -5797,6 +5852,7 @@
                   <a:srgbClr val="000000"/>
                 </a:solidFill>
                 <a:latin typeface="Arial"/>
+                <a:ea typeface="DejaVu Sans"/>
               </a:rPr>
               <a:t>Types of Verification</a:t>
             </a:r>
@@ -5808,14 +5864,14 @@
       </p:sp>
       <p:sp>
         <p:nvSpPr>
-          <p:cNvPr id="92" name="CustomShape 2"/>
+          <p:cNvPr id="94" name="CustomShape 2"/>
           <p:cNvSpPr/>
           <p:nvPr/>
         </p:nvSpPr>
         <p:spPr>
           <a:xfrm>
             <a:off x="457200" y="1600200"/>
-            <a:ext cx="6583320" cy="4525560"/>
+            <a:ext cx="6582600" cy="4524840"/>
           </a:xfrm>
           <a:prstGeom prst="rect">
             <a:avLst/>
@@ -5836,7 +5892,7 @@
             <a:normAutofit/>
           </a:bodyPr>
           <a:p>
-            <a:pPr marL="342720" indent="-342360">
+            <a:pPr marL="342720" indent="-341640">
               <a:lnSpc>
                 <a:spcPct val="100000"/>
               </a:lnSpc>
@@ -5855,6 +5911,7 @@
                   <a:srgbClr val="000000"/>
                 </a:solidFill>
                 <a:latin typeface="Arial"/>
+                <a:ea typeface="DejaVu Sans"/>
               </a:rPr>
               <a:t>Two classes of verification</a:t>
             </a:r>
@@ -5863,7 +5920,7 @@
             </a:endParaRPr>
           </a:p>
           <a:p>
-            <a:pPr marL="342720" indent="-342360">
+            <a:pPr marL="342720" indent="-341640">
               <a:lnSpc>
                 <a:spcPct val="100000"/>
               </a:lnSpc>
@@ -5883,6 +5940,7 @@
                 </a:solidFill>
                 <a:uFillTx/>
                 <a:latin typeface="Arial"/>
+                <a:ea typeface="DejaVu Sans"/>
               </a:rPr>
               <a:t>Model Checking</a:t>
             </a:r>
@@ -5892,6 +5950,7 @@
                   <a:srgbClr val="000000"/>
                 </a:solidFill>
                 <a:latin typeface="Arial"/>
+                <a:ea typeface="DejaVu Sans"/>
               </a:rPr>
               <a:t>-Represents the protocol as a state machine and systematically tests that the protocol behaves as intended.</a:t>
             </a:r>
@@ -5900,7 +5959,7 @@
             </a:endParaRPr>
           </a:p>
           <a:p>
-            <a:pPr marL="342720" indent="-342360">
+            <a:pPr marL="342720" indent="-341640">
               <a:lnSpc>
                 <a:spcPct val="100000"/>
               </a:lnSpc>
@@ -5920,6 +5979,7 @@
                 </a:solidFill>
                 <a:uFillTx/>
                 <a:latin typeface="Arial"/>
+                <a:ea typeface="DejaVu Sans"/>
               </a:rPr>
               <a:t>Logical Inference</a:t>
             </a:r>
@@ -5929,6 +5989,7 @@
                   <a:srgbClr val="000000"/>
                 </a:solidFill>
                 <a:latin typeface="Arial"/>
+                <a:ea typeface="DejaVu Sans"/>
               </a:rPr>
               <a:t>-Mathematical proof that’s seldom automated and relies on verifier’s understanding of the system</a:t>
             </a:r>

--- a/ppt/5gakaPpt.pptx
+++ b/ppt/5gakaPpt.pptx
@@ -20,6 +20,11 @@
     <p:sldId id="267" r:id="rId15"/>
     <p:sldId id="268" r:id="rId16"/>
     <p:sldId id="269" r:id="rId17"/>
+    <p:sldId id="270" r:id="rId18"/>
+    <p:sldId id="271" r:id="rId19"/>
+    <p:sldId id="272" r:id="rId20"/>
+    <p:sldId id="273" r:id="rId21"/>
+    <p:sldId id="274" r:id="rId22"/>
   </p:sldIdLst>
   <p:sldSz cx="9144000" cy="6858000"/>
   <p:notesSz cx="7772400" cy="10058400"/>
@@ -2778,7 +2783,7 @@
           <a:p>
             <a:pPr marL="432000" indent="-324000">
               <a:spcBef>
-                <a:spcPts val="1417"/>
+                <a:spcPts val="1414"/>
               </a:spcBef>
               <a:buClr>
                 <a:srgbClr val="000000"/>
@@ -3039,7 +3044,7 @@
           <a:p>
             <a:pPr marL="432000" indent="-324000">
               <a:spcBef>
-                <a:spcPts val="1417"/>
+                <a:spcPts val="1414"/>
               </a:spcBef>
               <a:buClr>
                 <a:srgbClr val="000000"/>
@@ -3248,7 +3253,7 @@
         <p:spPr>
           <a:xfrm>
             <a:off x="684360" y="2205000"/>
-            <a:ext cx="7771320" cy="1469160"/>
+            <a:ext cx="7770960" cy="1468800"/>
           </a:xfrm>
           <a:prstGeom prst="rect">
             <a:avLst/>
@@ -3334,6 +3339,16 @@
 <file path=ppt/slides/slide10.xml><?xml version="1.0" encoding="utf-8"?>
 <p:sld xmlns:a="http://schemas.openxmlformats.org/drawingml/2006/main" xmlns:p="http://schemas.openxmlformats.org/presentationml/2006/main" xmlns:r="http://schemas.openxmlformats.org/officeDocument/2006/relationships" xmlns:p14="http://schemas.microsoft.com/office/powerpoint/2010/main" xmlns:p15="http://schemas.microsoft.com/office/powerpoint/2012/main" xmlns:mc="http://schemas.openxmlformats.org/markup-compatibility/2006">
   <p:cSld>
+    <p:bg>
+      <p:bgPr>
+        <a:blipFill rotWithShape="0">
+          <a:blip r:embed="rId1"/>
+          <a:stretch>
+            <a:fillRect/>
+          </a:stretch>
+        </a:blipFill>
+      </p:bgPr>
+    </p:bg>
     <p:spTree>
       <p:nvGrpSpPr>
         <p:cNvPr id="1" name=""/>
@@ -3350,14 +3365,14 @@
       </p:grpSpPr>
       <p:sp>
         <p:nvSpPr>
-          <p:cNvPr id="95" name="CustomShape 1"/>
+          <p:cNvPr id="97" name="CustomShape 1"/>
           <p:cNvSpPr/>
           <p:nvPr/>
         </p:nvSpPr>
         <p:spPr>
           <a:xfrm>
             <a:off x="0" y="274320"/>
-            <a:ext cx="7497360" cy="1141920"/>
+            <a:ext cx="7406640" cy="1004760"/>
           </a:xfrm>
           <a:prstGeom prst="rect">
             <a:avLst/>
@@ -3401,7 +3416,17 @@
                 <a:latin typeface="Arial"/>
                 <a:ea typeface="DejaVu Sans"/>
               </a:rPr>
-              <a:t>Verification Software</a:t>
+              <a:t>5G Network </a:t>
+            </a:r>
+            <a:r>
+              <a:rPr b="0" lang="en-US" sz="4400" spc="-1" strike="noStrike">
+                <a:solidFill>
+                  <a:srgbClr val="000000"/>
+                </a:solidFill>
+                <a:latin typeface="Arial"/>
+                <a:ea typeface="DejaVu Sans"/>
+              </a:rPr>
+              <a:t>Elements</a:t>
             </a:r>
             <a:endParaRPr b="0" lang="en-US" sz="4400" spc="-1" strike="noStrike">
               <a:latin typeface="Arial"/>
@@ -3411,14 +3436,14 @@
       </p:sp>
       <p:sp>
         <p:nvSpPr>
-          <p:cNvPr id="96" name="CustomShape 2"/>
+          <p:cNvPr id="98" name="CustomShape 2"/>
           <p:cNvSpPr/>
           <p:nvPr/>
         </p:nvSpPr>
         <p:spPr>
           <a:xfrm>
-            <a:off x="457200" y="1600200"/>
-            <a:ext cx="8228520" cy="4524840"/>
+            <a:off x="169200" y="1456200"/>
+            <a:ext cx="6780240" cy="2658600"/>
           </a:xfrm>
           <a:prstGeom prst="rect">
             <a:avLst/>
@@ -3439,12 +3464,12 @@
             <a:normAutofit/>
           </a:bodyPr>
           <a:p>
-            <a:pPr marL="342720" indent="-341640">
-              <a:lnSpc>
-                <a:spcPct val="100000"/>
-              </a:lnSpc>
-              <a:spcBef>
-                <a:spcPts val="799"/>
+            <a:pPr marL="182880" indent="-341280">
+              <a:lnSpc>
+                <a:spcPct val="100000"/>
+              </a:lnSpc>
+              <a:spcBef>
+                <a:spcPts val="865"/>
               </a:spcBef>
               <a:buClr>
                 <a:srgbClr val="000000"/>
@@ -3453,26 +3478,26 @@
               <a:buChar char="•"/>
             </a:pPr>
             <a:r>
-              <a:rPr b="0" lang="en-US" sz="3200" spc="-1" strike="noStrike">
-                <a:solidFill>
-                  <a:srgbClr val="000000"/>
-                </a:solidFill>
-                <a:latin typeface="Arial"/>
-                <a:ea typeface="DejaVu Sans"/>
-              </a:rPr>
-              <a:t>Several Tools available:</a:t>
-            </a:r>
-            <a:endParaRPr b="0" lang="en-US" sz="3200" spc="-1" strike="noStrike">
-              <a:latin typeface="Arial"/>
-            </a:endParaRPr>
-          </a:p>
-          <a:p>
-            <a:pPr marL="164520" indent="-341640">
-              <a:lnSpc>
-                <a:spcPct val="100000"/>
-              </a:lnSpc>
-              <a:spcBef>
-                <a:spcPts val="799"/>
+              <a:rPr b="0" lang="en-US" sz="2800" spc="-1" strike="noStrike">
+                <a:solidFill>
+                  <a:srgbClr val="000000"/>
+                </a:solidFill>
+                <a:latin typeface="Arial"/>
+                <a:ea typeface="DejaVu Sans"/>
+              </a:rPr>
+              <a:t>ARPF</a:t>
+            </a:r>
+            <a:endParaRPr b="0" lang="en-US" sz="2800" spc="-1" strike="noStrike">
+              <a:latin typeface="Arial"/>
+            </a:endParaRPr>
+          </a:p>
+          <a:p>
+            <a:pPr marL="311040">
+              <a:lnSpc>
+                <a:spcPct val="100000"/>
+              </a:lnSpc>
+              <a:spcBef>
+                <a:spcPts val="865"/>
               </a:spcBef>
               <a:buClr>
                 <a:srgbClr val="000000"/>
@@ -3481,26 +3506,26 @@
               <a:buChar char="•"/>
             </a:pPr>
             <a:r>
-              <a:rPr b="0" lang="en-US" sz="3200" spc="-1" strike="noStrike">
-                <a:solidFill>
-                  <a:srgbClr val="000000"/>
-                </a:solidFill>
-                <a:latin typeface="Arial"/>
-                <a:ea typeface="DejaVu Sans"/>
-              </a:rPr>
-              <a:t>Tamarin Prover</a:t>
-            </a:r>
-            <a:endParaRPr b="0" lang="en-US" sz="3200" spc="-1" strike="noStrike">
-              <a:latin typeface="Arial"/>
-            </a:endParaRPr>
-          </a:p>
-          <a:p>
-            <a:pPr marL="164520" indent="-341640">
-              <a:lnSpc>
-                <a:spcPct val="100000"/>
-              </a:lnSpc>
-              <a:spcBef>
-                <a:spcPts val="799"/>
+              <a:rPr b="0" lang="en-US" sz="2800" spc="-1" strike="noStrike">
+                <a:solidFill>
+                  <a:srgbClr val="000000"/>
+                </a:solidFill>
+                <a:latin typeface="Arial"/>
+                <a:ea typeface="DejaVu Sans"/>
+              </a:rPr>
+              <a:t>Located in UE home network</a:t>
+            </a:r>
+            <a:endParaRPr b="0" lang="en-US" sz="2800" spc="-1" strike="noStrike">
+              <a:latin typeface="Arial"/>
+            </a:endParaRPr>
+          </a:p>
+          <a:p>
+            <a:pPr marL="311040">
+              <a:lnSpc>
+                <a:spcPct val="100000"/>
+              </a:lnSpc>
+              <a:spcBef>
+                <a:spcPts val="865"/>
               </a:spcBef>
               <a:buClr>
                 <a:srgbClr val="000000"/>
@@ -3509,26 +3534,26 @@
               <a:buChar char="•"/>
             </a:pPr>
             <a:r>
-              <a:rPr b="0" lang="en-US" sz="3200" spc="-1" strike="noStrike">
-                <a:solidFill>
-                  <a:srgbClr val="000000"/>
-                </a:solidFill>
-                <a:latin typeface="Arial"/>
-                <a:ea typeface="DejaVu Sans"/>
-              </a:rPr>
-              <a:t>ProVerif</a:t>
-            </a:r>
-            <a:endParaRPr b="0" lang="en-US" sz="3200" spc="-1" strike="noStrike">
-              <a:latin typeface="Arial"/>
-            </a:endParaRPr>
-          </a:p>
-          <a:p>
-            <a:pPr marL="164520" indent="-341640">
-              <a:lnSpc>
-                <a:spcPct val="100000"/>
-              </a:lnSpc>
-              <a:spcBef>
-                <a:spcPts val="799"/>
+              <a:rPr b="0" lang="en-US" sz="2800" spc="-1" strike="noStrike">
+                <a:solidFill>
+                  <a:srgbClr val="000000"/>
+                </a:solidFill>
+                <a:latin typeface="Arial"/>
+                <a:ea typeface="DejaVu Sans"/>
+              </a:rPr>
+              <a:t>Network’s most secured component</a:t>
+            </a:r>
+            <a:endParaRPr b="0" lang="en-US" sz="2800" spc="-1" strike="noStrike">
+              <a:latin typeface="Arial"/>
+            </a:endParaRPr>
+          </a:p>
+          <a:p>
+            <a:pPr marL="311040">
+              <a:lnSpc>
+                <a:spcPct val="100000"/>
+              </a:lnSpc>
+              <a:spcBef>
+                <a:spcPts val="865"/>
               </a:spcBef>
               <a:buClr>
                 <a:srgbClr val="000000"/>
@@ -3537,26 +3562,26 @@
               <a:buChar char="•"/>
             </a:pPr>
             <a:r>
-              <a:rPr b="0" lang="en-US" sz="3200" spc="-1" strike="noStrike">
-                <a:solidFill>
-                  <a:srgbClr val="000000"/>
-                </a:solidFill>
-                <a:latin typeface="Arial"/>
-                <a:ea typeface="DejaVu Sans"/>
-              </a:rPr>
-              <a:t>AVISPA</a:t>
-            </a:r>
-            <a:endParaRPr b="0" lang="en-US" sz="3200" spc="-1" strike="noStrike">
-              <a:latin typeface="Arial"/>
-            </a:endParaRPr>
-          </a:p>
-          <a:p>
-            <a:pPr marL="164520" indent="-341640">
-              <a:lnSpc>
-                <a:spcPct val="100000"/>
-              </a:lnSpc>
-              <a:spcBef>
-                <a:spcPts val="799"/>
+              <a:rPr b="0" lang="en-US" sz="2800" spc="-1" strike="noStrike">
+                <a:solidFill>
+                  <a:srgbClr val="000000"/>
+                </a:solidFill>
+                <a:latin typeface="Arial"/>
+                <a:ea typeface="DejaVu Sans"/>
+              </a:rPr>
+              <a:t>Stores SUPI, SUCI and UE’s key</a:t>
+            </a:r>
+            <a:endParaRPr b="0" lang="en-US" sz="2800" spc="-1" strike="noStrike">
+              <a:latin typeface="Arial"/>
+            </a:endParaRPr>
+          </a:p>
+          <a:p>
+            <a:pPr marL="311040">
+              <a:lnSpc>
+                <a:spcPct val="100000"/>
+              </a:lnSpc>
+              <a:spcBef>
+                <a:spcPts val="865"/>
               </a:spcBef>
               <a:buClr>
                 <a:srgbClr val="000000"/>
@@ -3565,16 +3590,52 @@
               <a:buChar char="•"/>
             </a:pPr>
             <a:r>
-              <a:rPr b="0" lang="en-US" sz="3200" spc="-1" strike="noStrike">
-                <a:solidFill>
-                  <a:srgbClr val="000000"/>
-                </a:solidFill>
-                <a:latin typeface="Arial"/>
-                <a:ea typeface="DejaVu Sans"/>
-              </a:rPr>
-              <a:t>Maude-NPA</a:t>
-            </a:r>
-            <a:endParaRPr b="0" lang="en-US" sz="3200" spc="-1" strike="noStrike">
+              <a:rPr b="0" lang="en-US" sz="2800" spc="-1" strike="noStrike">
+                <a:solidFill>
+                  <a:srgbClr val="000000"/>
+                </a:solidFill>
+                <a:latin typeface="Arial"/>
+                <a:ea typeface="DejaVu Sans"/>
+              </a:rPr>
+              <a:t>Creates IV critical to authentication process</a:t>
+            </a:r>
+            <a:endParaRPr b="0" lang="en-US" sz="2800" spc="-1" strike="noStrike">
+              <a:latin typeface="Arial"/>
+            </a:endParaRPr>
+          </a:p>
+          <a:p>
+            <a:pPr marL="182880" indent="-341280">
+              <a:lnSpc>
+                <a:spcPct val="100000"/>
+              </a:lnSpc>
+              <a:spcBef>
+                <a:spcPts val="865"/>
+              </a:spcBef>
+              <a:buClr>
+                <a:srgbClr val="000000"/>
+              </a:buClr>
+              <a:buFont typeface="Arial"/>
+              <a:buChar char="•"/>
+            </a:pPr>
+            <a:endParaRPr b="0" lang="en-US" sz="2800" spc="-1" strike="noStrike">
+              <a:latin typeface="Arial"/>
+            </a:endParaRPr>
+          </a:p>
+          <a:p>
+            <a:pPr marL="182880" indent="-341280">
+              <a:lnSpc>
+                <a:spcPct val="100000"/>
+              </a:lnSpc>
+              <a:spcBef>
+                <a:spcPts val="865"/>
+              </a:spcBef>
+              <a:buClr>
+                <a:srgbClr val="000000"/>
+              </a:buClr>
+              <a:buFont typeface="Arial"/>
+              <a:buChar char="•"/>
+            </a:pPr>
+            <a:endParaRPr b="0" lang="en-US" sz="2800" spc="-1" strike="noStrike">
               <a:latin typeface="Arial"/>
             </a:endParaRPr>
           </a:p>
@@ -3584,10 +3645,36 @@
                 <a:spcPct val="100000"/>
               </a:lnSpc>
               <a:spcBef>
+                <a:spcPts val="865"/>
+              </a:spcBef>
+            </a:pPr>
+            <a:endParaRPr b="0" lang="en-US" sz="2800" spc="-1" strike="noStrike">
+              <a:latin typeface="Arial"/>
+            </a:endParaRPr>
+          </a:p>
+          <a:p>
+            <a:pPr>
+              <a:lnSpc>
+                <a:spcPct val="100000"/>
+              </a:lnSpc>
+              <a:spcBef>
+                <a:spcPts val="865"/>
+              </a:spcBef>
+            </a:pPr>
+            <a:endParaRPr b="0" lang="en-US" sz="2800" spc="-1" strike="noStrike">
+              <a:latin typeface="Arial"/>
+            </a:endParaRPr>
+          </a:p>
+          <a:p>
+            <a:pPr marL="255960">
+              <a:lnSpc>
+                <a:spcPct val="100000"/>
+              </a:lnSpc>
+              <a:spcBef>
                 <a:spcPts val="799"/>
               </a:spcBef>
             </a:pPr>
-            <a:endParaRPr b="0" lang="en-US" sz="3200" spc="-1" strike="noStrike">
+            <a:endParaRPr b="0" lang="en-US" sz="2800" spc="-1" strike="noStrike">
               <a:latin typeface="Arial"/>
             </a:endParaRPr>
           </a:p>
@@ -3644,14 +3731,14 @@
       </p:grpSpPr>
       <p:sp>
         <p:nvSpPr>
-          <p:cNvPr id="97" name="CustomShape 1"/>
+          <p:cNvPr id="99" name="CustomShape 1"/>
           <p:cNvSpPr/>
           <p:nvPr/>
         </p:nvSpPr>
         <p:spPr>
           <a:xfrm>
             <a:off x="0" y="274320"/>
-            <a:ext cx="7405920" cy="1005120"/>
+            <a:ext cx="7588440" cy="1035360"/>
           </a:xfrm>
           <a:prstGeom prst="rect">
             <a:avLst/>
@@ -3685,17 +3772,7 @@
                 <a:latin typeface="Arial"/>
                 <a:ea typeface="DejaVu Sans"/>
               </a:rPr>
-              <a:t>   </a:t>
-            </a:r>
-            <a:r>
-              <a:rPr b="0" lang="en-US" sz="4400" spc="-1" strike="noStrike">
-                <a:solidFill>
-                  <a:srgbClr val="000000"/>
-                </a:solidFill>
-                <a:latin typeface="Arial"/>
-                <a:ea typeface="DejaVu Sans"/>
-              </a:rPr>
-              <a:t>Methodology</a:t>
+              <a:t>Network Map</a:t>
             </a:r>
             <a:endParaRPr b="0" lang="en-US" sz="4400" spc="-1" strike="noStrike">
               <a:latin typeface="Arial"/>
@@ -3703,121 +3780,29 @@
           </a:p>
         </p:txBody>
       </p:sp>
-      <p:sp>
-        <p:nvSpPr>
-          <p:cNvPr id="98" name="CustomShape 2"/>
-          <p:cNvSpPr/>
+      <p:pic>
+        <p:nvPicPr>
+          <p:cNvPr id="100" name="" descr=""/>
+          <p:cNvPicPr/>
           <p:nvPr/>
-        </p:nvSpPr>
-        <p:spPr>
-          <a:xfrm>
-            <a:off x="457200" y="1600200"/>
-            <a:ext cx="6674040" cy="4524840"/>
-          </a:xfrm>
-          <a:prstGeom prst="rect">
-            <a:avLst/>
-          </a:prstGeom>
-          <a:noFill/>
+        </p:nvPicPr>
+        <p:blipFill>
+          <a:blip r:embed="rId1"/>
+          <a:stretch/>
+        </p:blipFill>
+        <p:spPr>
+          <a:xfrm>
+            <a:off x="457200" y="2136240"/>
+            <a:ext cx="6125040" cy="2448000"/>
+          </a:xfrm>
+          <a:prstGeom prst="rect">
+            <a:avLst/>
+          </a:prstGeom>
           <a:ln>
             <a:noFill/>
           </a:ln>
         </p:spPr>
-        <p:style>
-          <a:lnRef idx="0"/>
-          <a:fillRef idx="0"/>
-          <a:effectRef idx="0"/>
-          <a:fontRef idx="minor"/>
-        </p:style>
-        <p:txBody>
-          <a:bodyPr lIns="90000" rIns="90000" tIns="46800" bIns="46800">
-            <a:normAutofit/>
-          </a:bodyPr>
-          <a:p>
-            <a:pPr marL="342720" indent="-341640">
-              <a:lnSpc>
-                <a:spcPct val="100000"/>
-              </a:lnSpc>
-              <a:spcBef>
-                <a:spcPts val="799"/>
-              </a:spcBef>
-              <a:buClr>
-                <a:srgbClr val="000000"/>
-              </a:buClr>
-              <a:buFont typeface="Arial"/>
-              <a:buAutoNum type="arabicParenR"/>
-            </a:pPr>
-            <a:r>
-              <a:rPr b="0" lang="en-US" sz="3200" spc="-1" strike="noStrike">
-                <a:solidFill>
-                  <a:srgbClr val="000000"/>
-                </a:solidFill>
-                <a:latin typeface="Arial"/>
-                <a:ea typeface="DejaVu Sans"/>
-              </a:rPr>
-              <a:t>Model 5G-AKA in the Tamarin Language</a:t>
-            </a:r>
-            <a:endParaRPr b="0" lang="en-US" sz="3200" spc="-1" strike="noStrike">
-              <a:latin typeface="Arial"/>
-            </a:endParaRPr>
-          </a:p>
-          <a:p>
-            <a:pPr marL="342720" indent="-341640">
-              <a:lnSpc>
-                <a:spcPct val="100000"/>
-              </a:lnSpc>
-              <a:spcBef>
-                <a:spcPts val="799"/>
-              </a:spcBef>
-              <a:buClr>
-                <a:srgbClr val="000000"/>
-              </a:buClr>
-              <a:buFont typeface="Arial"/>
-              <a:buAutoNum type="arabicParenR"/>
-            </a:pPr>
-            <a:r>
-              <a:rPr b="0" lang="en-US" sz="3200" spc="-1" strike="noStrike">
-                <a:solidFill>
-                  <a:srgbClr val="000000"/>
-                </a:solidFill>
-                <a:latin typeface="Arial"/>
-                <a:ea typeface="DejaVu Sans"/>
-              </a:rPr>
-              <a:t>Allow the software to test the protocol using the Dolev–Yao adversary model</a:t>
-            </a:r>
-            <a:endParaRPr b="0" lang="en-US" sz="3200" spc="-1" strike="noStrike">
-              <a:latin typeface="Arial"/>
-            </a:endParaRPr>
-          </a:p>
-          <a:p>
-            <a:pPr marL="342720" indent="-341640">
-              <a:lnSpc>
-                <a:spcPct val="100000"/>
-              </a:lnSpc>
-              <a:spcBef>
-                <a:spcPts val="799"/>
-              </a:spcBef>
-              <a:buClr>
-                <a:srgbClr val="000000"/>
-              </a:buClr>
-              <a:buFont typeface="Arial"/>
-              <a:buAutoNum type="arabicParenR"/>
-            </a:pPr>
-            <a:r>
-              <a:rPr b="0" lang="en-US" sz="3200" spc="-1" strike="noStrike">
-                <a:solidFill>
-                  <a:srgbClr val="000000"/>
-                </a:solidFill>
-                <a:latin typeface="Arial"/>
-                <a:ea typeface="DejaVu Sans"/>
-              </a:rPr>
-              <a:t>Analyze the results</a:t>
-            </a:r>
-            <a:endParaRPr b="0" lang="en-US" sz="3200" spc="-1" strike="noStrike">
-              <a:latin typeface="Arial"/>
-            </a:endParaRPr>
-          </a:p>
-        </p:txBody>
-      </p:sp>
+      </p:pic>
     </p:spTree>
   </p:cSld>
   <p:timing>
@@ -3869,14 +3854,14 @@
       </p:grpSpPr>
       <p:sp>
         <p:nvSpPr>
-          <p:cNvPr id="99" name="CustomShape 1"/>
+          <p:cNvPr id="101" name="CustomShape 1"/>
           <p:cNvSpPr/>
           <p:nvPr/>
         </p:nvSpPr>
         <p:spPr>
           <a:xfrm>
             <a:off x="0" y="274320"/>
-            <a:ext cx="7497360" cy="1005120"/>
+            <a:ext cx="7405560" cy="913320"/>
           </a:xfrm>
           <a:prstGeom prst="rect">
             <a:avLst/>
@@ -3910,17 +3895,7 @@
                 <a:latin typeface="Arial"/>
                 <a:ea typeface="DejaVu Sans"/>
               </a:rPr>
-              <a:t>   </a:t>
-            </a:r>
-            <a:r>
-              <a:rPr b="0" lang="en-US" sz="4400" spc="-1" strike="noStrike">
-                <a:solidFill>
-                  <a:srgbClr val="000000"/>
-                </a:solidFill>
-                <a:latin typeface="Arial"/>
-                <a:ea typeface="DejaVu Sans"/>
-              </a:rPr>
-              <a:t>Findings</a:t>
+              <a:t>How The Protocol Works</a:t>
             </a:r>
             <a:endParaRPr b="0" lang="en-US" sz="4400" spc="-1" strike="noStrike">
               <a:latin typeface="Arial"/>
@@ -3928,32 +3903,29 @@
           </a:p>
         </p:txBody>
       </p:sp>
-      <p:sp>
-        <p:nvSpPr>
-          <p:cNvPr id="100" name="CustomShape 2"/>
-          <p:cNvSpPr/>
+      <p:pic>
+        <p:nvPicPr>
+          <p:cNvPr id="102" name="" descr=""/>
+          <p:cNvPicPr/>
           <p:nvPr/>
-        </p:nvSpPr>
-        <p:spPr>
-          <a:xfrm>
-            <a:off x="457200" y="1600200"/>
-            <a:ext cx="8228520" cy="4524840"/>
-          </a:xfrm>
-          <a:prstGeom prst="rect">
-            <a:avLst/>
-          </a:prstGeom>
-          <a:noFill/>
+        </p:nvPicPr>
+        <p:blipFill>
+          <a:blip r:embed="rId1"/>
+          <a:stretch/>
+        </p:blipFill>
+        <p:spPr>
+          <a:xfrm>
+            <a:off x="548640" y="1554480"/>
+            <a:ext cx="6308280" cy="3198960"/>
+          </a:xfrm>
+          <a:prstGeom prst="rect">
+            <a:avLst/>
+          </a:prstGeom>
           <a:ln>
             <a:noFill/>
           </a:ln>
         </p:spPr>
-        <p:style>
-          <a:lnRef idx="0"/>
-          <a:fillRef idx="0"/>
-          <a:effectRef idx="0"/>
-          <a:fontRef idx="minor"/>
-        </p:style>
-      </p:sp>
+      </p:pic>
     </p:spTree>
   </p:cSld>
   <p:timing>
@@ -4005,14 +3977,14 @@
       </p:grpSpPr>
       <p:sp>
         <p:nvSpPr>
-          <p:cNvPr id="101" name="CustomShape 1"/>
+          <p:cNvPr id="103" name="CustomShape 1"/>
           <p:cNvSpPr/>
           <p:nvPr/>
         </p:nvSpPr>
         <p:spPr>
           <a:xfrm>
             <a:off x="0" y="274320"/>
-            <a:ext cx="7497360" cy="1005120"/>
+            <a:ext cx="7497000" cy="1141560"/>
           </a:xfrm>
           <a:prstGeom prst="rect">
             <a:avLst/>
@@ -4046,7 +4018,7 @@
                 <a:latin typeface="Arial"/>
                 <a:ea typeface="DejaVu Sans"/>
               </a:rPr>
-              <a:t>   </a:t>
+              <a:t>    </a:t>
             </a:r>
             <a:r>
               <a:rPr b="0" lang="en-US" sz="4400" spc="-1" strike="noStrike">
@@ -4056,7 +4028,7 @@
                 <a:latin typeface="Arial"/>
                 <a:ea typeface="DejaVu Sans"/>
               </a:rPr>
-              <a:t>Discussion</a:t>
+              <a:t>Why Formal Verification</a:t>
             </a:r>
             <a:endParaRPr b="0" lang="en-US" sz="4400" spc="-1" strike="noStrike">
               <a:latin typeface="Arial"/>
@@ -4066,14 +4038,14 @@
       </p:sp>
       <p:sp>
         <p:nvSpPr>
-          <p:cNvPr id="102" name="CustomShape 2"/>
+          <p:cNvPr id="104" name="CustomShape 2"/>
           <p:cNvSpPr/>
           <p:nvPr/>
         </p:nvSpPr>
         <p:spPr>
           <a:xfrm>
             <a:off x="457200" y="1600200"/>
-            <a:ext cx="8228520" cy="4524840"/>
+            <a:ext cx="6582240" cy="4524480"/>
           </a:xfrm>
           <a:prstGeom prst="rect">
             <a:avLst/>
@@ -4089,6 +4061,95 @@
           <a:effectRef idx="0"/>
           <a:fontRef idx="minor"/>
         </p:style>
+        <p:txBody>
+          <a:bodyPr lIns="90000" rIns="90000" tIns="46800" bIns="46800">
+            <a:normAutofit/>
+          </a:bodyPr>
+          <a:p>
+            <a:pPr marL="342720" indent="-341280">
+              <a:lnSpc>
+                <a:spcPct val="100000"/>
+              </a:lnSpc>
+              <a:spcBef>
+                <a:spcPts val="799"/>
+              </a:spcBef>
+              <a:buClr>
+                <a:srgbClr val="000000"/>
+              </a:buClr>
+              <a:buFont typeface="Arial"/>
+              <a:buChar char="•"/>
+            </a:pPr>
+            <a:r>
+              <a:rPr b="0" lang="en-US" sz="3200" spc="-1" strike="noStrike">
+                <a:solidFill>
+                  <a:srgbClr val="000000"/>
+                </a:solidFill>
+                <a:latin typeface="Arial"/>
+                <a:ea typeface="DejaVu Sans"/>
+              </a:rPr>
+              <a:t>It allows systematic testing of a protocol through mathematical verification</a:t>
+            </a:r>
+            <a:endParaRPr b="0" lang="en-US" sz="3200" spc="-1" strike="noStrike">
+              <a:latin typeface="Arial"/>
+            </a:endParaRPr>
+          </a:p>
+          <a:p>
+            <a:pPr marL="342720" indent="-341280">
+              <a:lnSpc>
+                <a:spcPct val="100000"/>
+              </a:lnSpc>
+              <a:spcBef>
+                <a:spcPts val="799"/>
+              </a:spcBef>
+              <a:buClr>
+                <a:srgbClr val="000000"/>
+              </a:buClr>
+              <a:buFont typeface="Arial"/>
+              <a:buChar char="•"/>
+            </a:pPr>
+            <a:r>
+              <a:rPr b="0" lang="en-US" sz="3200" spc="-1" strike="noStrike">
+                <a:solidFill>
+                  <a:srgbClr val="000000"/>
+                </a:solidFill>
+                <a:latin typeface="Arial"/>
+                <a:ea typeface="DejaVu Sans"/>
+              </a:rPr>
+              <a:t>Increasingly preferred over simulation or testing</a:t>
+            </a:r>
+            <a:endParaRPr b="0" lang="en-US" sz="3200" spc="-1" strike="noStrike">
+              <a:latin typeface="Arial"/>
+            </a:endParaRPr>
+          </a:p>
+          <a:p>
+            <a:pPr marL="342720" indent="-341280">
+              <a:lnSpc>
+                <a:spcPct val="100000"/>
+              </a:lnSpc>
+              <a:spcBef>
+                <a:spcPts val="799"/>
+              </a:spcBef>
+              <a:buClr>
+                <a:srgbClr val="000000"/>
+              </a:buClr>
+              <a:buFont typeface="Arial"/>
+              <a:buChar char="•"/>
+            </a:pPr>
+            <a:r>
+              <a:rPr b="0" lang="en-US" sz="3200" spc="-1" strike="noStrike">
+                <a:solidFill>
+                  <a:srgbClr val="000000"/>
+                </a:solidFill>
+                <a:latin typeface="Arial"/>
+                <a:ea typeface="DejaVu Sans"/>
+              </a:rPr>
+              <a:t>Automated with modern software</a:t>
+            </a:r>
+            <a:endParaRPr b="0" lang="en-US" sz="3200" spc="-1" strike="noStrike">
+              <a:latin typeface="Arial"/>
+            </a:endParaRPr>
+          </a:p>
+        </p:txBody>
       </p:sp>
     </p:spTree>
   </p:cSld>
@@ -4141,14 +4202,14 @@
       </p:grpSpPr>
       <p:sp>
         <p:nvSpPr>
-          <p:cNvPr id="103" name="CustomShape 1"/>
+          <p:cNvPr id="105" name="CustomShape 1"/>
           <p:cNvSpPr/>
           <p:nvPr/>
         </p:nvSpPr>
         <p:spPr>
           <a:xfrm>
             <a:off x="0" y="274320"/>
-            <a:ext cx="7405920" cy="1005120"/>
+            <a:ext cx="7497000" cy="1004760"/>
           </a:xfrm>
           <a:prstGeom prst="rect">
             <a:avLst/>
@@ -4182,7 +4243,17 @@
                 <a:latin typeface="Arial"/>
                 <a:ea typeface="DejaVu Sans"/>
               </a:rPr>
-              <a:t>Conclusion</a:t>
+              <a:t>  </a:t>
+            </a:r>
+            <a:r>
+              <a:rPr b="0" lang="en-US" sz="4400" spc="-1" strike="noStrike">
+                <a:solidFill>
+                  <a:srgbClr val="000000"/>
+                </a:solidFill>
+                <a:latin typeface="Arial"/>
+                <a:ea typeface="DejaVu Sans"/>
+              </a:rPr>
+              <a:t>Types of Verification</a:t>
             </a:r>
             <a:endParaRPr b="0" lang="en-US" sz="4400" spc="-1" strike="noStrike">
               <a:latin typeface="Arial"/>
@@ -4192,14 +4263,14 @@
       </p:sp>
       <p:sp>
         <p:nvSpPr>
-          <p:cNvPr id="104" name="CustomShape 2"/>
+          <p:cNvPr id="106" name="CustomShape 2"/>
           <p:cNvSpPr/>
           <p:nvPr/>
         </p:nvSpPr>
         <p:spPr>
           <a:xfrm>
             <a:off x="457200" y="1600200"/>
-            <a:ext cx="8228520" cy="4524840"/>
+            <a:ext cx="6582240" cy="4524480"/>
           </a:xfrm>
           <a:prstGeom prst="rect">
             <a:avLst/>
@@ -4215,6 +4286,117 @@
           <a:effectRef idx="0"/>
           <a:fontRef idx="minor"/>
         </p:style>
+        <p:txBody>
+          <a:bodyPr lIns="90000" rIns="90000" tIns="46800" bIns="46800">
+            <a:normAutofit/>
+          </a:bodyPr>
+          <a:p>
+            <a:pPr marL="342720" indent="-341280">
+              <a:lnSpc>
+                <a:spcPct val="100000"/>
+              </a:lnSpc>
+              <a:spcBef>
+                <a:spcPts val="799"/>
+              </a:spcBef>
+              <a:buClr>
+                <a:srgbClr val="000000"/>
+              </a:buClr>
+              <a:buFont typeface="Arial"/>
+              <a:buChar char="•"/>
+            </a:pPr>
+            <a:r>
+              <a:rPr b="0" lang="en-US" sz="3200" spc="-1" strike="noStrike">
+                <a:solidFill>
+                  <a:srgbClr val="000000"/>
+                </a:solidFill>
+                <a:latin typeface="Arial"/>
+                <a:ea typeface="DejaVu Sans"/>
+              </a:rPr>
+              <a:t>Two classes of verification</a:t>
+            </a:r>
+            <a:endParaRPr b="0" lang="en-US" sz="3200" spc="-1" strike="noStrike">
+              <a:latin typeface="Arial"/>
+            </a:endParaRPr>
+          </a:p>
+          <a:p>
+            <a:pPr marL="342720" indent="-341280">
+              <a:lnSpc>
+                <a:spcPct val="100000"/>
+              </a:lnSpc>
+              <a:spcBef>
+                <a:spcPts val="799"/>
+              </a:spcBef>
+              <a:buClr>
+                <a:srgbClr val="000000"/>
+              </a:buClr>
+              <a:buFont typeface="Arial"/>
+              <a:buAutoNum type="arabicParenR"/>
+            </a:pPr>
+            <a:r>
+              <a:rPr b="0" lang="en-US" sz="3200" spc="-1" strike="noStrike" u="sng">
+                <a:solidFill>
+                  <a:srgbClr val="000000"/>
+                </a:solidFill>
+                <a:uFillTx/>
+                <a:latin typeface="Arial"/>
+                <a:ea typeface="DejaVu Sans"/>
+              </a:rPr>
+              <a:t>Model Checking</a:t>
+            </a:r>
+            <a:r>
+              <a:rPr b="0" lang="en-US" sz="3200" spc="-1" strike="noStrike">
+                <a:solidFill>
+                  <a:srgbClr val="000000"/>
+                </a:solidFill>
+                <a:latin typeface="Arial"/>
+                <a:ea typeface="DejaVu Sans"/>
+              </a:rPr>
+              <a:t>-Represents the protocol as a state machine and systematically tests that the protocol behaves as intended</a:t>
+            </a:r>
+            <a:endParaRPr b="0" lang="en-US" sz="3200" spc="-1" strike="noStrike">
+              <a:latin typeface="Arial"/>
+            </a:endParaRPr>
+          </a:p>
+          <a:p>
+            <a:pPr marL="342720" indent="-341280">
+              <a:lnSpc>
+                <a:spcPct val="100000"/>
+              </a:lnSpc>
+              <a:spcBef>
+                <a:spcPts val="799"/>
+              </a:spcBef>
+              <a:buClr>
+                <a:srgbClr val="000000"/>
+              </a:buClr>
+              <a:buFont typeface="Arial"/>
+              <a:buAutoNum type="arabicParenR"/>
+            </a:pPr>
+            <a:r>
+              <a:rPr b="0" lang="en-US" sz="3200" spc="-1" strike="noStrike" u="sng">
+                <a:solidFill>
+                  <a:srgbClr val="000000"/>
+                </a:solidFill>
+                <a:uFillTx/>
+                <a:latin typeface="Arial"/>
+                <a:ea typeface="DejaVu Sans"/>
+              </a:rPr>
+              <a:t>Logical Inference</a:t>
+            </a:r>
+            <a:r>
+              <a:rPr b="0" lang="en-US" sz="3200" spc="-1" strike="noStrike">
+                <a:solidFill>
+                  <a:srgbClr val="000000"/>
+                </a:solidFill>
+                <a:latin typeface="Arial"/>
+                <a:ea typeface="DejaVu Sans"/>
+              </a:rPr>
+              <a:t>-Mathematical proof that’s seldom automated and relies on verifier’s understanding of the system</a:t>
+            </a:r>
+            <a:endParaRPr b="0" lang="en-US" sz="3200" spc="-1" strike="noStrike">
+              <a:latin typeface="Arial"/>
+            </a:endParaRPr>
+          </a:p>
+        </p:txBody>
       </p:sp>
     </p:spTree>
   </p:cSld>
@@ -4225,6 +4407,923 @@
           <p:childTnLst>
             <p:seq>
               <p:cTn id="28" dur="indefinite" nodeType="mainSeq"/>
+              <p:prevCondLst>
+                <p:cond delay="0" evt="onPrev">
+                  <p:tgtEl>
+                    <p:sldTgt/>
+                  </p:tgtEl>
+                </p:cond>
+              </p:prevCondLst>
+              <p:nextCondLst>
+                <p:cond delay="0" evt="onNext">
+                  <p:tgtEl>
+                    <p:sldTgt/>
+                  </p:tgtEl>
+                </p:cond>
+              </p:nextCondLst>
+            </p:seq>
+          </p:childTnLst>
+        </p:cTn>
+      </p:par>
+    </p:tnLst>
+  </p:timing>
+</p:sld>
+</file>
+
+<file path=ppt/slides/slide15.xml><?xml version="1.0" encoding="utf-8"?>
+<p:sld xmlns:a="http://schemas.openxmlformats.org/drawingml/2006/main" xmlns:p="http://schemas.openxmlformats.org/presentationml/2006/main" xmlns:r="http://schemas.openxmlformats.org/officeDocument/2006/relationships" xmlns:p14="http://schemas.microsoft.com/office/powerpoint/2010/main" xmlns:p15="http://schemas.microsoft.com/office/powerpoint/2012/main" xmlns:mc="http://schemas.openxmlformats.org/markup-compatibility/2006">
+  <p:cSld>
+    <p:spTree>
+      <p:nvGrpSpPr>
+        <p:cNvPr id="1" name=""/>
+        <p:cNvGrpSpPr/>
+        <p:nvPr/>
+      </p:nvGrpSpPr>
+      <p:grpSpPr>
+        <a:xfrm>
+          <a:off x="0" y="0"/>
+          <a:ext cx="0" cy="0"/>
+          <a:chOff x="0" y="0"/>
+          <a:chExt cx="0" cy="0"/>
+        </a:xfrm>
+      </p:grpSpPr>
+      <p:sp>
+        <p:nvSpPr>
+          <p:cNvPr id="107" name="CustomShape 1"/>
+          <p:cNvSpPr/>
+          <p:nvPr/>
+        </p:nvSpPr>
+        <p:spPr>
+          <a:xfrm>
+            <a:off x="0" y="274320"/>
+            <a:ext cx="7497000" cy="1141560"/>
+          </a:xfrm>
+          <a:prstGeom prst="rect">
+            <a:avLst/>
+          </a:prstGeom>
+          <a:solidFill>
+            <a:srgbClr val="adc5e7"/>
+          </a:solidFill>
+          <a:ln>
+            <a:noFill/>
+          </a:ln>
+        </p:spPr>
+        <p:style>
+          <a:lnRef idx="0"/>
+          <a:fillRef idx="0"/>
+          <a:effectRef idx="0"/>
+          <a:fontRef idx="minor"/>
+        </p:style>
+        <p:txBody>
+          <a:bodyPr lIns="90000" rIns="90000" tIns="46800" bIns="46800" anchor="ctr"/>
+          <a:p>
+            <a:pPr>
+              <a:lnSpc>
+                <a:spcPct val="100000"/>
+              </a:lnSpc>
+            </a:pPr>
+            <a:r>
+              <a:rPr b="0" lang="en-US" sz="4400" spc="-1" strike="noStrike">
+                <a:solidFill>
+                  <a:srgbClr val="000000"/>
+                </a:solidFill>
+                <a:latin typeface="Arial"/>
+                <a:ea typeface="DejaVu Sans"/>
+              </a:rPr>
+              <a:t>  </a:t>
+            </a:r>
+            <a:r>
+              <a:rPr b="0" lang="en-US" sz="4400" spc="-1" strike="noStrike">
+                <a:solidFill>
+                  <a:srgbClr val="000000"/>
+                </a:solidFill>
+                <a:latin typeface="Arial"/>
+                <a:ea typeface="DejaVu Sans"/>
+              </a:rPr>
+              <a:t>Verification Software</a:t>
+            </a:r>
+            <a:endParaRPr b="0" lang="en-US" sz="4400" spc="-1" strike="noStrike">
+              <a:latin typeface="Arial"/>
+            </a:endParaRPr>
+          </a:p>
+        </p:txBody>
+      </p:sp>
+      <p:sp>
+        <p:nvSpPr>
+          <p:cNvPr id="108" name="CustomShape 2"/>
+          <p:cNvSpPr/>
+          <p:nvPr/>
+        </p:nvSpPr>
+        <p:spPr>
+          <a:xfrm>
+            <a:off x="457200" y="1600200"/>
+            <a:ext cx="8228160" cy="4524480"/>
+          </a:xfrm>
+          <a:prstGeom prst="rect">
+            <a:avLst/>
+          </a:prstGeom>
+          <a:noFill/>
+          <a:ln>
+            <a:noFill/>
+          </a:ln>
+        </p:spPr>
+        <p:style>
+          <a:lnRef idx="0"/>
+          <a:fillRef idx="0"/>
+          <a:effectRef idx="0"/>
+          <a:fontRef idx="minor"/>
+        </p:style>
+        <p:txBody>
+          <a:bodyPr lIns="90000" rIns="90000" tIns="46800" bIns="46800">
+            <a:normAutofit/>
+          </a:bodyPr>
+          <a:p>
+            <a:pPr marL="342720" indent="-341280">
+              <a:lnSpc>
+                <a:spcPct val="100000"/>
+              </a:lnSpc>
+              <a:spcBef>
+                <a:spcPts val="799"/>
+              </a:spcBef>
+              <a:buClr>
+                <a:srgbClr val="000000"/>
+              </a:buClr>
+              <a:buFont typeface="Arial"/>
+              <a:buChar char="•"/>
+            </a:pPr>
+            <a:r>
+              <a:rPr b="0" lang="en-US" sz="3200" spc="-1" strike="noStrike">
+                <a:solidFill>
+                  <a:srgbClr val="000000"/>
+                </a:solidFill>
+                <a:latin typeface="Arial"/>
+                <a:ea typeface="DejaVu Sans"/>
+              </a:rPr>
+              <a:t>Several Tools available:</a:t>
+            </a:r>
+            <a:endParaRPr b="0" lang="en-US" sz="3200" spc="-1" strike="noStrike">
+              <a:latin typeface="Arial"/>
+            </a:endParaRPr>
+          </a:p>
+          <a:p>
+            <a:pPr marL="164520" indent="-341280">
+              <a:lnSpc>
+                <a:spcPct val="100000"/>
+              </a:lnSpc>
+              <a:spcBef>
+                <a:spcPts val="799"/>
+              </a:spcBef>
+              <a:buClr>
+                <a:srgbClr val="000000"/>
+              </a:buClr>
+              <a:buFont typeface="Arial"/>
+              <a:buChar char="•"/>
+            </a:pPr>
+            <a:r>
+              <a:rPr b="0" lang="en-US" sz="3200" spc="-1" strike="noStrike">
+                <a:solidFill>
+                  <a:srgbClr val="000000"/>
+                </a:solidFill>
+                <a:latin typeface="Arial"/>
+                <a:ea typeface="DejaVu Sans"/>
+              </a:rPr>
+              <a:t>Tamarin Prover</a:t>
+            </a:r>
+            <a:endParaRPr b="0" lang="en-US" sz="3200" spc="-1" strike="noStrike">
+              <a:latin typeface="Arial"/>
+            </a:endParaRPr>
+          </a:p>
+          <a:p>
+            <a:pPr marL="164520" indent="-341280">
+              <a:lnSpc>
+                <a:spcPct val="100000"/>
+              </a:lnSpc>
+              <a:spcBef>
+                <a:spcPts val="799"/>
+              </a:spcBef>
+              <a:buClr>
+                <a:srgbClr val="000000"/>
+              </a:buClr>
+              <a:buFont typeface="Arial"/>
+              <a:buChar char="•"/>
+            </a:pPr>
+            <a:r>
+              <a:rPr b="0" lang="en-US" sz="3200" spc="-1" strike="noStrike">
+                <a:solidFill>
+                  <a:srgbClr val="000000"/>
+                </a:solidFill>
+                <a:latin typeface="Arial"/>
+                <a:ea typeface="DejaVu Sans"/>
+              </a:rPr>
+              <a:t>ProVerif</a:t>
+            </a:r>
+            <a:endParaRPr b="0" lang="en-US" sz="3200" spc="-1" strike="noStrike">
+              <a:latin typeface="Arial"/>
+            </a:endParaRPr>
+          </a:p>
+          <a:p>
+            <a:pPr marL="164520" indent="-341280">
+              <a:lnSpc>
+                <a:spcPct val="100000"/>
+              </a:lnSpc>
+              <a:spcBef>
+                <a:spcPts val="799"/>
+              </a:spcBef>
+              <a:buClr>
+                <a:srgbClr val="000000"/>
+              </a:buClr>
+              <a:buFont typeface="Arial"/>
+              <a:buChar char="•"/>
+            </a:pPr>
+            <a:r>
+              <a:rPr b="0" lang="en-US" sz="3200" spc="-1" strike="noStrike">
+                <a:solidFill>
+                  <a:srgbClr val="000000"/>
+                </a:solidFill>
+                <a:latin typeface="Arial"/>
+                <a:ea typeface="DejaVu Sans"/>
+              </a:rPr>
+              <a:t>AVISPA</a:t>
+            </a:r>
+            <a:endParaRPr b="0" lang="en-US" sz="3200" spc="-1" strike="noStrike">
+              <a:latin typeface="Arial"/>
+            </a:endParaRPr>
+          </a:p>
+          <a:p>
+            <a:pPr marL="164520" indent="-341280">
+              <a:lnSpc>
+                <a:spcPct val="100000"/>
+              </a:lnSpc>
+              <a:spcBef>
+                <a:spcPts val="799"/>
+              </a:spcBef>
+              <a:buClr>
+                <a:srgbClr val="000000"/>
+              </a:buClr>
+              <a:buFont typeface="Arial"/>
+              <a:buChar char="•"/>
+            </a:pPr>
+            <a:r>
+              <a:rPr b="0" lang="en-US" sz="3200" spc="-1" strike="noStrike">
+                <a:solidFill>
+                  <a:srgbClr val="000000"/>
+                </a:solidFill>
+                <a:latin typeface="Arial"/>
+                <a:ea typeface="DejaVu Sans"/>
+              </a:rPr>
+              <a:t>Maude-NPA</a:t>
+            </a:r>
+            <a:endParaRPr b="0" lang="en-US" sz="3200" spc="-1" strike="noStrike">
+              <a:latin typeface="Arial"/>
+            </a:endParaRPr>
+          </a:p>
+          <a:p>
+            <a:pPr>
+              <a:lnSpc>
+                <a:spcPct val="100000"/>
+              </a:lnSpc>
+              <a:spcBef>
+                <a:spcPts val="799"/>
+              </a:spcBef>
+            </a:pPr>
+            <a:endParaRPr b="0" lang="en-US" sz="3200" spc="-1" strike="noStrike">
+              <a:latin typeface="Arial"/>
+            </a:endParaRPr>
+          </a:p>
+        </p:txBody>
+      </p:sp>
+    </p:spTree>
+  </p:cSld>
+  <p:timing>
+    <p:tnLst>
+      <p:par>
+        <p:cTn id="29" dur="indefinite" restart="never" nodeType="tmRoot">
+          <p:childTnLst>
+            <p:seq>
+              <p:cTn id="30" dur="indefinite" nodeType="mainSeq"/>
+              <p:prevCondLst>
+                <p:cond delay="0" evt="onPrev">
+                  <p:tgtEl>
+                    <p:sldTgt/>
+                  </p:tgtEl>
+                </p:cond>
+              </p:prevCondLst>
+              <p:nextCondLst>
+                <p:cond delay="0" evt="onNext">
+                  <p:tgtEl>
+                    <p:sldTgt/>
+                  </p:tgtEl>
+                </p:cond>
+              </p:nextCondLst>
+            </p:seq>
+          </p:childTnLst>
+        </p:cTn>
+      </p:par>
+    </p:tnLst>
+  </p:timing>
+</p:sld>
+</file>
+
+<file path=ppt/slides/slide16.xml><?xml version="1.0" encoding="utf-8"?>
+<p:sld xmlns:a="http://schemas.openxmlformats.org/drawingml/2006/main" xmlns:p="http://schemas.openxmlformats.org/presentationml/2006/main" xmlns:r="http://schemas.openxmlformats.org/officeDocument/2006/relationships" xmlns:p14="http://schemas.microsoft.com/office/powerpoint/2010/main" xmlns:p15="http://schemas.microsoft.com/office/powerpoint/2012/main" xmlns:mc="http://schemas.openxmlformats.org/markup-compatibility/2006">
+  <p:cSld>
+    <p:spTree>
+      <p:nvGrpSpPr>
+        <p:cNvPr id="1" name=""/>
+        <p:cNvGrpSpPr/>
+        <p:nvPr/>
+      </p:nvGrpSpPr>
+      <p:grpSpPr>
+        <a:xfrm>
+          <a:off x="0" y="0"/>
+          <a:ext cx="0" cy="0"/>
+          <a:chOff x="0" y="0"/>
+          <a:chExt cx="0" cy="0"/>
+        </a:xfrm>
+      </p:grpSpPr>
+      <p:sp>
+        <p:nvSpPr>
+          <p:cNvPr id="109" name="CustomShape 1"/>
+          <p:cNvSpPr/>
+          <p:nvPr/>
+        </p:nvSpPr>
+        <p:spPr>
+          <a:xfrm>
+            <a:off x="0" y="274320"/>
+            <a:ext cx="7405560" cy="1004760"/>
+          </a:xfrm>
+          <a:prstGeom prst="rect">
+            <a:avLst/>
+          </a:prstGeom>
+          <a:solidFill>
+            <a:srgbClr val="adc5e7"/>
+          </a:solidFill>
+          <a:ln>
+            <a:noFill/>
+          </a:ln>
+        </p:spPr>
+        <p:style>
+          <a:lnRef idx="0"/>
+          <a:fillRef idx="0"/>
+          <a:effectRef idx="0"/>
+          <a:fontRef idx="minor"/>
+        </p:style>
+        <p:txBody>
+          <a:bodyPr lIns="90000" rIns="90000" tIns="46800" bIns="46800" anchor="ctr"/>
+          <a:p>
+            <a:pPr>
+              <a:lnSpc>
+                <a:spcPct val="100000"/>
+              </a:lnSpc>
+            </a:pPr>
+            <a:r>
+              <a:rPr b="0" lang="en-US" sz="4400" spc="-1" strike="noStrike">
+                <a:solidFill>
+                  <a:srgbClr val="000000"/>
+                </a:solidFill>
+                <a:latin typeface="Arial"/>
+                <a:ea typeface="DejaVu Sans"/>
+              </a:rPr>
+              <a:t>   </a:t>
+            </a:r>
+            <a:r>
+              <a:rPr b="0" lang="en-US" sz="4400" spc="-1" strike="noStrike">
+                <a:solidFill>
+                  <a:srgbClr val="000000"/>
+                </a:solidFill>
+                <a:latin typeface="Arial"/>
+                <a:ea typeface="DejaVu Sans"/>
+              </a:rPr>
+              <a:t>Methodology</a:t>
+            </a:r>
+            <a:endParaRPr b="0" lang="en-US" sz="4400" spc="-1" strike="noStrike">
+              <a:latin typeface="Arial"/>
+            </a:endParaRPr>
+          </a:p>
+        </p:txBody>
+      </p:sp>
+      <p:sp>
+        <p:nvSpPr>
+          <p:cNvPr id="110" name="CustomShape 2"/>
+          <p:cNvSpPr/>
+          <p:nvPr/>
+        </p:nvSpPr>
+        <p:spPr>
+          <a:xfrm>
+            <a:off x="457200" y="1600200"/>
+            <a:ext cx="6673680" cy="4524480"/>
+          </a:xfrm>
+          <a:prstGeom prst="rect">
+            <a:avLst/>
+          </a:prstGeom>
+          <a:noFill/>
+          <a:ln>
+            <a:noFill/>
+          </a:ln>
+        </p:spPr>
+        <p:style>
+          <a:lnRef idx="0"/>
+          <a:fillRef idx="0"/>
+          <a:effectRef idx="0"/>
+          <a:fontRef idx="minor"/>
+        </p:style>
+        <p:txBody>
+          <a:bodyPr lIns="90000" rIns="90000" tIns="46800" bIns="46800">
+            <a:normAutofit/>
+          </a:bodyPr>
+          <a:p>
+            <a:pPr marL="342720" indent="-341280">
+              <a:lnSpc>
+                <a:spcPct val="100000"/>
+              </a:lnSpc>
+              <a:spcBef>
+                <a:spcPts val="799"/>
+              </a:spcBef>
+              <a:buClr>
+                <a:srgbClr val="000000"/>
+              </a:buClr>
+              <a:buFont typeface="Arial"/>
+              <a:buAutoNum type="arabicParenR"/>
+            </a:pPr>
+            <a:r>
+              <a:rPr b="0" lang="en-US" sz="3200" spc="-1" strike="noStrike">
+                <a:solidFill>
+                  <a:srgbClr val="000000"/>
+                </a:solidFill>
+                <a:latin typeface="Arial"/>
+                <a:ea typeface="DejaVu Sans"/>
+              </a:rPr>
+              <a:t>Model 5G-AKA in the Tamarin Language</a:t>
+            </a:r>
+            <a:endParaRPr b="0" lang="en-US" sz="3200" spc="-1" strike="noStrike">
+              <a:latin typeface="Arial"/>
+            </a:endParaRPr>
+          </a:p>
+          <a:p>
+            <a:pPr marL="342720" indent="-341280">
+              <a:lnSpc>
+                <a:spcPct val="100000"/>
+              </a:lnSpc>
+              <a:spcBef>
+                <a:spcPts val="799"/>
+              </a:spcBef>
+              <a:buClr>
+                <a:srgbClr val="000000"/>
+              </a:buClr>
+              <a:buFont typeface="Arial"/>
+              <a:buAutoNum type="arabicParenR"/>
+            </a:pPr>
+            <a:r>
+              <a:rPr b="0" lang="en-US" sz="3200" spc="-1" strike="noStrike">
+                <a:solidFill>
+                  <a:srgbClr val="000000"/>
+                </a:solidFill>
+                <a:latin typeface="Arial"/>
+                <a:ea typeface="DejaVu Sans"/>
+              </a:rPr>
+              <a:t>Allow the software to test the protocol using the Dolev–Yao adversary model</a:t>
+            </a:r>
+            <a:endParaRPr b="0" lang="en-US" sz="3200" spc="-1" strike="noStrike">
+              <a:latin typeface="Arial"/>
+            </a:endParaRPr>
+          </a:p>
+          <a:p>
+            <a:pPr marL="342720" indent="-341280">
+              <a:lnSpc>
+                <a:spcPct val="100000"/>
+              </a:lnSpc>
+              <a:spcBef>
+                <a:spcPts val="799"/>
+              </a:spcBef>
+              <a:buClr>
+                <a:srgbClr val="000000"/>
+              </a:buClr>
+              <a:buFont typeface="Arial"/>
+              <a:buAutoNum type="arabicParenR"/>
+            </a:pPr>
+            <a:r>
+              <a:rPr b="0" lang="en-US" sz="3200" spc="-1" strike="noStrike">
+                <a:solidFill>
+                  <a:srgbClr val="000000"/>
+                </a:solidFill>
+                <a:latin typeface="Arial"/>
+                <a:ea typeface="DejaVu Sans"/>
+              </a:rPr>
+              <a:t>Analyze the results</a:t>
+            </a:r>
+            <a:endParaRPr b="0" lang="en-US" sz="3200" spc="-1" strike="noStrike">
+              <a:latin typeface="Arial"/>
+            </a:endParaRPr>
+          </a:p>
+        </p:txBody>
+      </p:sp>
+    </p:spTree>
+  </p:cSld>
+  <p:timing>
+    <p:tnLst>
+      <p:par>
+        <p:cTn id="31" dur="indefinite" restart="never" nodeType="tmRoot">
+          <p:childTnLst>
+            <p:seq>
+              <p:cTn id="32" dur="indefinite" nodeType="mainSeq"/>
+              <p:prevCondLst>
+                <p:cond delay="0" evt="onPrev">
+                  <p:tgtEl>
+                    <p:sldTgt/>
+                  </p:tgtEl>
+                </p:cond>
+              </p:prevCondLst>
+              <p:nextCondLst>
+                <p:cond delay="0" evt="onNext">
+                  <p:tgtEl>
+                    <p:sldTgt/>
+                  </p:tgtEl>
+                </p:cond>
+              </p:nextCondLst>
+            </p:seq>
+          </p:childTnLst>
+        </p:cTn>
+      </p:par>
+    </p:tnLst>
+  </p:timing>
+</p:sld>
+</file>
+
+<file path=ppt/slides/slide17.xml><?xml version="1.0" encoding="utf-8"?>
+<p:sld xmlns:a="http://schemas.openxmlformats.org/drawingml/2006/main" xmlns:p="http://schemas.openxmlformats.org/presentationml/2006/main" xmlns:r="http://schemas.openxmlformats.org/officeDocument/2006/relationships" xmlns:p14="http://schemas.microsoft.com/office/powerpoint/2010/main" xmlns:p15="http://schemas.microsoft.com/office/powerpoint/2012/main" xmlns:mc="http://schemas.openxmlformats.org/markup-compatibility/2006">
+  <p:cSld>
+    <p:spTree>
+      <p:nvGrpSpPr>
+        <p:cNvPr id="1" name=""/>
+        <p:cNvGrpSpPr/>
+        <p:nvPr/>
+      </p:nvGrpSpPr>
+      <p:grpSpPr>
+        <a:xfrm>
+          <a:off x="0" y="0"/>
+          <a:ext cx="0" cy="0"/>
+          <a:chOff x="0" y="0"/>
+          <a:chExt cx="0" cy="0"/>
+        </a:xfrm>
+      </p:grpSpPr>
+      <p:sp>
+        <p:nvSpPr>
+          <p:cNvPr id="111" name="CustomShape 1"/>
+          <p:cNvSpPr/>
+          <p:nvPr/>
+        </p:nvSpPr>
+        <p:spPr>
+          <a:xfrm>
+            <a:off x="0" y="274320"/>
+            <a:ext cx="7497000" cy="1004760"/>
+          </a:xfrm>
+          <a:prstGeom prst="rect">
+            <a:avLst/>
+          </a:prstGeom>
+          <a:solidFill>
+            <a:srgbClr val="adc5e7"/>
+          </a:solidFill>
+          <a:ln>
+            <a:noFill/>
+          </a:ln>
+        </p:spPr>
+        <p:style>
+          <a:lnRef idx="0"/>
+          <a:fillRef idx="0"/>
+          <a:effectRef idx="0"/>
+          <a:fontRef idx="minor"/>
+        </p:style>
+        <p:txBody>
+          <a:bodyPr lIns="90000" rIns="90000" tIns="46800" bIns="46800" anchor="ctr"/>
+          <a:p>
+            <a:pPr>
+              <a:lnSpc>
+                <a:spcPct val="100000"/>
+              </a:lnSpc>
+            </a:pPr>
+            <a:r>
+              <a:rPr b="0" lang="en-US" sz="4400" spc="-1" strike="noStrike">
+                <a:solidFill>
+                  <a:srgbClr val="000000"/>
+                </a:solidFill>
+                <a:latin typeface="Arial"/>
+                <a:ea typeface="DejaVu Sans"/>
+              </a:rPr>
+              <a:t>   </a:t>
+            </a:r>
+            <a:r>
+              <a:rPr b="0" lang="en-US" sz="4400" spc="-1" strike="noStrike">
+                <a:solidFill>
+                  <a:srgbClr val="000000"/>
+                </a:solidFill>
+                <a:latin typeface="Arial"/>
+                <a:ea typeface="DejaVu Sans"/>
+              </a:rPr>
+              <a:t>Findings</a:t>
+            </a:r>
+            <a:endParaRPr b="0" lang="en-US" sz="4400" spc="-1" strike="noStrike">
+              <a:latin typeface="Arial"/>
+            </a:endParaRPr>
+          </a:p>
+        </p:txBody>
+      </p:sp>
+      <p:sp>
+        <p:nvSpPr>
+          <p:cNvPr id="112" name="CustomShape 2"/>
+          <p:cNvSpPr/>
+          <p:nvPr/>
+        </p:nvSpPr>
+        <p:spPr>
+          <a:xfrm>
+            <a:off x="457200" y="1600200"/>
+            <a:ext cx="8228160" cy="4524480"/>
+          </a:xfrm>
+          <a:prstGeom prst="rect">
+            <a:avLst/>
+          </a:prstGeom>
+          <a:noFill/>
+          <a:ln>
+            <a:noFill/>
+          </a:ln>
+        </p:spPr>
+        <p:style>
+          <a:lnRef idx="0"/>
+          <a:fillRef idx="0"/>
+          <a:effectRef idx="0"/>
+          <a:fontRef idx="minor"/>
+        </p:style>
+      </p:sp>
+    </p:spTree>
+  </p:cSld>
+  <p:timing>
+    <p:tnLst>
+      <p:par>
+        <p:cTn id="33" dur="indefinite" restart="never" nodeType="tmRoot">
+          <p:childTnLst>
+            <p:seq>
+              <p:cTn id="34" dur="indefinite" nodeType="mainSeq"/>
+              <p:prevCondLst>
+                <p:cond delay="0" evt="onPrev">
+                  <p:tgtEl>
+                    <p:sldTgt/>
+                  </p:tgtEl>
+                </p:cond>
+              </p:prevCondLst>
+              <p:nextCondLst>
+                <p:cond delay="0" evt="onNext">
+                  <p:tgtEl>
+                    <p:sldTgt/>
+                  </p:tgtEl>
+                </p:cond>
+              </p:nextCondLst>
+            </p:seq>
+          </p:childTnLst>
+        </p:cTn>
+      </p:par>
+    </p:tnLst>
+  </p:timing>
+</p:sld>
+</file>
+
+<file path=ppt/slides/slide18.xml><?xml version="1.0" encoding="utf-8"?>
+<p:sld xmlns:a="http://schemas.openxmlformats.org/drawingml/2006/main" xmlns:p="http://schemas.openxmlformats.org/presentationml/2006/main" xmlns:r="http://schemas.openxmlformats.org/officeDocument/2006/relationships" xmlns:p14="http://schemas.microsoft.com/office/powerpoint/2010/main" xmlns:p15="http://schemas.microsoft.com/office/powerpoint/2012/main" xmlns:mc="http://schemas.openxmlformats.org/markup-compatibility/2006">
+  <p:cSld>
+    <p:spTree>
+      <p:nvGrpSpPr>
+        <p:cNvPr id="1" name=""/>
+        <p:cNvGrpSpPr/>
+        <p:nvPr/>
+      </p:nvGrpSpPr>
+      <p:grpSpPr>
+        <a:xfrm>
+          <a:off x="0" y="0"/>
+          <a:ext cx="0" cy="0"/>
+          <a:chOff x="0" y="0"/>
+          <a:chExt cx="0" cy="0"/>
+        </a:xfrm>
+      </p:grpSpPr>
+      <p:sp>
+        <p:nvSpPr>
+          <p:cNvPr id="113" name="CustomShape 1"/>
+          <p:cNvSpPr/>
+          <p:nvPr/>
+        </p:nvSpPr>
+        <p:spPr>
+          <a:xfrm>
+            <a:off x="0" y="274320"/>
+            <a:ext cx="7497000" cy="1004760"/>
+          </a:xfrm>
+          <a:prstGeom prst="rect">
+            <a:avLst/>
+          </a:prstGeom>
+          <a:solidFill>
+            <a:srgbClr val="adc5e7"/>
+          </a:solidFill>
+          <a:ln>
+            <a:noFill/>
+          </a:ln>
+        </p:spPr>
+        <p:style>
+          <a:lnRef idx="0"/>
+          <a:fillRef idx="0"/>
+          <a:effectRef idx="0"/>
+          <a:fontRef idx="minor"/>
+        </p:style>
+        <p:txBody>
+          <a:bodyPr lIns="90000" rIns="90000" tIns="46800" bIns="46800" anchor="ctr"/>
+          <a:p>
+            <a:pPr>
+              <a:lnSpc>
+                <a:spcPct val="100000"/>
+              </a:lnSpc>
+            </a:pPr>
+            <a:r>
+              <a:rPr b="0" lang="en-US" sz="4400" spc="-1" strike="noStrike">
+                <a:solidFill>
+                  <a:srgbClr val="000000"/>
+                </a:solidFill>
+                <a:latin typeface="Arial"/>
+                <a:ea typeface="DejaVu Sans"/>
+              </a:rPr>
+              <a:t>   </a:t>
+            </a:r>
+            <a:r>
+              <a:rPr b="0" lang="en-US" sz="4400" spc="-1" strike="noStrike">
+                <a:solidFill>
+                  <a:srgbClr val="000000"/>
+                </a:solidFill>
+                <a:latin typeface="Arial"/>
+                <a:ea typeface="DejaVu Sans"/>
+              </a:rPr>
+              <a:t>Discussion</a:t>
+            </a:r>
+            <a:endParaRPr b="0" lang="en-US" sz="4400" spc="-1" strike="noStrike">
+              <a:latin typeface="Arial"/>
+            </a:endParaRPr>
+          </a:p>
+        </p:txBody>
+      </p:sp>
+      <p:sp>
+        <p:nvSpPr>
+          <p:cNvPr id="114" name="CustomShape 2"/>
+          <p:cNvSpPr/>
+          <p:nvPr/>
+        </p:nvSpPr>
+        <p:spPr>
+          <a:xfrm>
+            <a:off x="457200" y="1600200"/>
+            <a:ext cx="8228160" cy="4524480"/>
+          </a:xfrm>
+          <a:prstGeom prst="rect">
+            <a:avLst/>
+          </a:prstGeom>
+          <a:noFill/>
+          <a:ln>
+            <a:noFill/>
+          </a:ln>
+        </p:spPr>
+        <p:style>
+          <a:lnRef idx="0"/>
+          <a:fillRef idx="0"/>
+          <a:effectRef idx="0"/>
+          <a:fontRef idx="minor"/>
+        </p:style>
+      </p:sp>
+    </p:spTree>
+  </p:cSld>
+  <p:timing>
+    <p:tnLst>
+      <p:par>
+        <p:cTn id="35" dur="indefinite" restart="never" nodeType="tmRoot">
+          <p:childTnLst>
+            <p:seq>
+              <p:cTn id="36" dur="indefinite" nodeType="mainSeq"/>
+              <p:prevCondLst>
+                <p:cond delay="0" evt="onPrev">
+                  <p:tgtEl>
+                    <p:sldTgt/>
+                  </p:tgtEl>
+                </p:cond>
+              </p:prevCondLst>
+              <p:nextCondLst>
+                <p:cond delay="0" evt="onNext">
+                  <p:tgtEl>
+                    <p:sldTgt/>
+                  </p:tgtEl>
+                </p:cond>
+              </p:nextCondLst>
+            </p:seq>
+          </p:childTnLst>
+        </p:cTn>
+      </p:par>
+    </p:tnLst>
+  </p:timing>
+</p:sld>
+</file>
+
+<file path=ppt/slides/slide19.xml><?xml version="1.0" encoding="utf-8"?>
+<p:sld xmlns:a="http://schemas.openxmlformats.org/drawingml/2006/main" xmlns:p="http://schemas.openxmlformats.org/presentationml/2006/main" xmlns:r="http://schemas.openxmlformats.org/officeDocument/2006/relationships" xmlns:p14="http://schemas.microsoft.com/office/powerpoint/2010/main" xmlns:p15="http://schemas.microsoft.com/office/powerpoint/2012/main" xmlns:mc="http://schemas.openxmlformats.org/markup-compatibility/2006">
+  <p:cSld>
+    <p:spTree>
+      <p:nvGrpSpPr>
+        <p:cNvPr id="1" name=""/>
+        <p:cNvGrpSpPr/>
+        <p:nvPr/>
+      </p:nvGrpSpPr>
+      <p:grpSpPr>
+        <a:xfrm>
+          <a:off x="0" y="0"/>
+          <a:ext cx="0" cy="0"/>
+          <a:chOff x="0" y="0"/>
+          <a:chExt cx="0" cy="0"/>
+        </a:xfrm>
+      </p:grpSpPr>
+      <p:sp>
+        <p:nvSpPr>
+          <p:cNvPr id="115" name="CustomShape 1"/>
+          <p:cNvSpPr/>
+          <p:nvPr/>
+        </p:nvSpPr>
+        <p:spPr>
+          <a:xfrm>
+            <a:off x="0" y="274320"/>
+            <a:ext cx="7405560" cy="1004760"/>
+          </a:xfrm>
+          <a:prstGeom prst="rect">
+            <a:avLst/>
+          </a:prstGeom>
+          <a:solidFill>
+            <a:srgbClr val="adc5e7"/>
+          </a:solidFill>
+          <a:ln>
+            <a:noFill/>
+          </a:ln>
+        </p:spPr>
+        <p:style>
+          <a:lnRef idx="0"/>
+          <a:fillRef idx="0"/>
+          <a:effectRef idx="0"/>
+          <a:fontRef idx="minor"/>
+        </p:style>
+        <p:txBody>
+          <a:bodyPr lIns="90000" rIns="90000" tIns="46800" bIns="46800" anchor="ctr"/>
+          <a:p>
+            <a:pPr>
+              <a:lnSpc>
+                <a:spcPct val="100000"/>
+              </a:lnSpc>
+            </a:pPr>
+            <a:r>
+              <a:rPr b="0" lang="en-US" sz="4400" spc="-1" strike="noStrike">
+                <a:solidFill>
+                  <a:srgbClr val="000000"/>
+                </a:solidFill>
+                <a:latin typeface="Arial"/>
+                <a:ea typeface="DejaVu Sans"/>
+              </a:rPr>
+              <a:t>Conclusion</a:t>
+            </a:r>
+            <a:endParaRPr b="0" lang="en-US" sz="4400" spc="-1" strike="noStrike">
+              <a:latin typeface="Arial"/>
+            </a:endParaRPr>
+          </a:p>
+        </p:txBody>
+      </p:sp>
+      <p:sp>
+        <p:nvSpPr>
+          <p:cNvPr id="116" name="CustomShape 2"/>
+          <p:cNvSpPr/>
+          <p:nvPr/>
+        </p:nvSpPr>
+        <p:spPr>
+          <a:xfrm>
+            <a:off x="457200" y="1600200"/>
+            <a:ext cx="8228160" cy="4524480"/>
+          </a:xfrm>
+          <a:prstGeom prst="rect">
+            <a:avLst/>
+          </a:prstGeom>
+          <a:noFill/>
+          <a:ln>
+            <a:noFill/>
+          </a:ln>
+        </p:spPr>
+        <p:style>
+          <a:lnRef idx="0"/>
+          <a:fillRef idx="0"/>
+          <a:effectRef idx="0"/>
+          <a:fontRef idx="minor"/>
+        </p:style>
+      </p:sp>
+    </p:spTree>
+  </p:cSld>
+  <p:timing>
+    <p:tnLst>
+      <p:par>
+        <p:cTn id="37" dur="indefinite" restart="never" nodeType="tmRoot">
+          <p:childTnLst>
+            <p:seq>
+              <p:cTn id="38" dur="indefinite" nodeType="mainSeq"/>
               <p:prevCondLst>
                 <p:cond delay="0" evt="onPrev">
                   <p:tgtEl>
@@ -4274,7 +5373,7 @@
         <p:spPr>
           <a:xfrm>
             <a:off x="0" y="274320"/>
-            <a:ext cx="7405920" cy="822240"/>
+            <a:ext cx="7405560" cy="821880"/>
           </a:xfrm>
           <a:prstGeom prst="rect">
             <a:avLst/>
@@ -4329,7 +5428,7 @@
         <p:spPr>
           <a:xfrm>
             <a:off x="414720" y="1417320"/>
-            <a:ext cx="6350760" cy="4524840"/>
+            <a:ext cx="6350400" cy="4524480"/>
           </a:xfrm>
           <a:prstGeom prst="rect">
             <a:avLst/>
@@ -4407,7 +5506,7 @@
         <p:spPr>
           <a:xfrm>
             <a:off x="0" y="274320"/>
-            <a:ext cx="9143640" cy="1005120"/>
+            <a:ext cx="9143280" cy="1004760"/>
           </a:xfrm>
           <a:prstGeom prst="rect">
             <a:avLst/>
@@ -4468,7 +5567,7 @@
         <p:spPr>
           <a:xfrm>
             <a:off x="457200" y="1456200"/>
-            <a:ext cx="7955280" cy="738360"/>
+            <a:ext cx="7954920" cy="738000"/>
           </a:xfrm>
           <a:prstGeom prst="rect">
             <a:avLst/>
@@ -4489,7 +5588,7 @@
             <a:normAutofit/>
           </a:bodyPr>
           <a:p>
-            <a:pPr marL="182880" indent="-341640">
+            <a:pPr marL="182880" indent="-341280">
               <a:lnSpc>
                 <a:spcPct val="100000"/>
               </a:lnSpc>
@@ -4517,7 +5616,7 @@
             </a:endParaRPr>
           </a:p>
           <a:p>
-            <a:pPr marL="182880" indent="-341640">
+            <a:pPr marL="182880" indent="-341280">
               <a:lnSpc>
                 <a:spcPct val="100000"/>
               </a:lnSpc>
@@ -4545,36 +5644,26 @@
             </a:endParaRPr>
           </a:p>
           <a:p>
-            <a:pPr marL="182880" indent="-341640">
+            <a:pPr>
               <a:lnSpc>
                 <a:spcPct val="100000"/>
               </a:lnSpc>
               <a:spcBef>
                 <a:spcPts val="865"/>
               </a:spcBef>
-              <a:buClr>
-                <a:srgbClr val="000000"/>
-              </a:buClr>
-              <a:buFont typeface="Arial"/>
-              <a:buChar char="•"/>
             </a:pPr>
             <a:endParaRPr b="0" lang="en-US" sz="2800" spc="-1" strike="noStrike">
               <a:latin typeface="Arial"/>
             </a:endParaRPr>
           </a:p>
           <a:p>
-            <a:pPr marL="182880" indent="-341640">
+            <a:pPr>
               <a:lnSpc>
                 <a:spcPct val="100000"/>
               </a:lnSpc>
               <a:spcBef>
                 <a:spcPts val="865"/>
               </a:spcBef>
-              <a:buClr>
-                <a:srgbClr val="000000"/>
-              </a:buClr>
-              <a:buFont typeface="Arial"/>
-              <a:buChar char="•"/>
             </a:pPr>
             <a:endParaRPr b="0" lang="en-US" sz="2800" spc="-1" strike="noStrike">
               <a:latin typeface="Arial"/>
@@ -4608,7 +5697,7 @@
         <p:spPr>
           <a:xfrm>
             <a:off x="3321360" y="2194560"/>
-            <a:ext cx="5486400" cy="3035880"/>
+            <a:ext cx="5486040" cy="3035520"/>
           </a:xfrm>
           <a:prstGeom prst="rect">
             <a:avLst/>
@@ -4620,14 +5709,14 @@
       </p:pic>
       <p:sp>
         <p:nvSpPr>
-          <p:cNvPr id="82" name="TextShape 3"/>
-          <p:cNvSpPr txBox="1"/>
+          <p:cNvPr id="82" name="CustomShape 3"/>
+          <p:cNvSpPr/>
           <p:nvPr/>
         </p:nvSpPr>
         <p:spPr>
           <a:xfrm>
             <a:off x="640080" y="2869200"/>
-            <a:ext cx="2560320" cy="1370160"/>
+            <a:ext cx="2559960" cy="1369800"/>
           </a:xfrm>
           <a:prstGeom prst="rect">
             <a:avLst/>
@@ -4637,10 +5726,19 @@
             <a:noFill/>
           </a:ln>
         </p:spPr>
+        <p:style>
+          <a:lnRef idx="0"/>
+          <a:fillRef idx="0"/>
+          <a:effectRef idx="0"/>
+          <a:fontRef idx="minor"/>
+        </p:style>
         <p:txBody>
           <a:bodyPr lIns="90000" rIns="90000" tIns="45000" bIns="45000"/>
           <a:p>
-            <a:pPr marL="216000" indent="-216000">
+            <a:pPr marL="216000" indent="-215640">
+              <a:lnSpc>
+                <a:spcPct val="100000"/>
+              </a:lnSpc>
               <a:buClr>
                 <a:srgbClr val="000000"/>
               </a:buClr>
@@ -4659,7 +5757,10 @@
             </a:endParaRPr>
           </a:p>
           <a:p>
-            <a:pPr marL="216000" indent="-216000">
+            <a:pPr marL="216000" indent="-215640">
+              <a:lnSpc>
+                <a:spcPct val="100000"/>
+              </a:lnSpc>
               <a:buClr>
                 <a:srgbClr val="000000"/>
               </a:buClr>
@@ -4678,7 +5779,10 @@
             </a:endParaRPr>
           </a:p>
           <a:p>
-            <a:pPr marL="216000" indent="-216000">
+            <a:pPr marL="216000" indent="-215640">
+              <a:lnSpc>
+                <a:spcPct val="100000"/>
+              </a:lnSpc>
               <a:buClr>
                 <a:srgbClr val="000000"/>
               </a:buClr>
@@ -4697,7 +5801,10 @@
             </a:endParaRPr>
           </a:p>
           <a:p>
-            <a:pPr marL="216000" indent="-216000">
+            <a:pPr marL="216000" indent="-215640">
+              <a:lnSpc>
+                <a:spcPct val="100000"/>
+              </a:lnSpc>
               <a:buClr>
                 <a:srgbClr val="000000"/>
               </a:buClr>
@@ -4752,6 +5859,16 @@
 <file path=ppt/slides/slide4.xml><?xml version="1.0" encoding="utf-8"?>
 <p:sld xmlns:a="http://schemas.openxmlformats.org/drawingml/2006/main" xmlns:p="http://schemas.openxmlformats.org/presentationml/2006/main" xmlns:r="http://schemas.openxmlformats.org/officeDocument/2006/relationships" xmlns:p14="http://schemas.microsoft.com/office/powerpoint/2010/main" xmlns:p15="http://schemas.microsoft.com/office/powerpoint/2012/main" xmlns:mc="http://schemas.openxmlformats.org/markup-compatibility/2006">
   <p:cSld>
+    <p:bg>
+      <p:bgPr>
+        <a:blipFill rotWithShape="0">
+          <a:blip r:embed="rId1"/>
+          <a:stretch>
+            <a:fillRect/>
+          </a:stretch>
+        </a:blipFill>
+      </p:bgPr>
+    </p:bg>
     <p:spTree>
       <p:nvGrpSpPr>
         <p:cNvPr id="1" name=""/>
@@ -4775,7 +5892,7 @@
         <p:spPr>
           <a:xfrm>
             <a:off x="0" y="274320"/>
-            <a:ext cx="7405920" cy="1096560"/>
+            <a:ext cx="9143280" cy="1004760"/>
           </a:xfrm>
           <a:prstGeom prst="rect">
             <a:avLst/>
@@ -4809,7 +5926,7 @@
                 <a:latin typeface="Arial"/>
                 <a:ea typeface="DejaVu Sans"/>
               </a:rPr>
-              <a:t> </a:t>
+              <a:t>  </a:t>
             </a:r>
             <a:r>
               <a:rPr b="0" lang="en-US" sz="4400" spc="-1" strike="noStrike">
@@ -4819,7 +5936,7 @@
                 <a:latin typeface="Arial"/>
                 <a:ea typeface="DejaVu Sans"/>
               </a:rPr>
-              <a:t>5G-AKA: What does it do?</a:t>
+              <a:t>Security Implications</a:t>
             </a:r>
             <a:endParaRPr b="0" lang="en-US" sz="4400" spc="-1" strike="noStrike">
               <a:latin typeface="Arial"/>
@@ -4835,8 +5952,8 @@
         </p:nvSpPr>
         <p:spPr>
           <a:xfrm>
-            <a:off x="457200" y="1600200"/>
-            <a:ext cx="6856920" cy="4524840"/>
+            <a:off x="169200" y="1456200"/>
+            <a:ext cx="4663440" cy="2658600"/>
           </a:xfrm>
           <a:prstGeom prst="rect">
             <a:avLst/>
@@ -4857,12 +5974,12 @@
             <a:normAutofit/>
           </a:bodyPr>
           <a:p>
-            <a:pPr marL="342720" indent="-341640">
-              <a:lnSpc>
-                <a:spcPct val="100000"/>
-              </a:lnSpc>
-              <a:spcBef>
-                <a:spcPts val="799"/>
+            <a:pPr marL="182880" indent="-341280">
+              <a:lnSpc>
+                <a:spcPct val="100000"/>
+              </a:lnSpc>
+              <a:spcBef>
+                <a:spcPts val="865"/>
               </a:spcBef>
               <a:buClr>
                 <a:srgbClr val="000000"/>
@@ -4871,26 +5988,26 @@
               <a:buChar char="•"/>
             </a:pPr>
             <a:r>
-              <a:rPr b="0" lang="en-US" sz="3200" spc="-1" strike="noStrike">
-                <a:solidFill>
-                  <a:srgbClr val="000000"/>
-                </a:solidFill>
-                <a:latin typeface="Arial"/>
-                <a:ea typeface="DejaVu Sans"/>
-              </a:rPr>
-              <a:t>5G- Authentication and Key Agreement</a:t>
-            </a:r>
-            <a:endParaRPr b="0" lang="en-US" sz="3200" spc="-1" strike="noStrike">
-              <a:latin typeface="Arial"/>
-            </a:endParaRPr>
-          </a:p>
-          <a:p>
-            <a:pPr marL="342720" indent="-341640">
-              <a:lnSpc>
-                <a:spcPct val="100000"/>
-              </a:lnSpc>
-              <a:spcBef>
-                <a:spcPts val="799"/>
+              <a:rPr b="0" lang="en-US" sz="2800" spc="-1" strike="noStrike">
+                <a:solidFill>
+                  <a:srgbClr val="000000"/>
+                </a:solidFill>
+                <a:latin typeface="Arial"/>
+                <a:ea typeface="DejaVu Sans"/>
+              </a:rPr>
+              <a:t>Mobile devices become high value targets</a:t>
+            </a:r>
+            <a:endParaRPr b="0" lang="en-US" sz="2800" spc="-1" strike="noStrike">
+              <a:latin typeface="Arial"/>
+            </a:endParaRPr>
+          </a:p>
+          <a:p>
+            <a:pPr marL="311040">
+              <a:lnSpc>
+                <a:spcPct val="100000"/>
+              </a:lnSpc>
+              <a:spcBef>
+                <a:spcPts val="865"/>
               </a:spcBef>
               <a:buClr>
                 <a:srgbClr val="000000"/>
@@ -4899,26 +6016,26 @@
               <a:buChar char="•"/>
             </a:pPr>
             <a:r>
-              <a:rPr b="0" lang="en-US" sz="3200" spc="-1" strike="noStrike">
-                <a:solidFill>
-                  <a:srgbClr val="000000"/>
-                </a:solidFill>
-                <a:latin typeface="Arial"/>
-                <a:ea typeface="DejaVu Sans"/>
-              </a:rPr>
-              <a:t>Authenticates UE to network and network to UE</a:t>
-            </a:r>
-            <a:endParaRPr b="0" lang="en-US" sz="3200" spc="-1" strike="noStrike">
-              <a:latin typeface="Arial"/>
-            </a:endParaRPr>
-          </a:p>
-          <a:p>
-            <a:pPr marL="342720" indent="-341640">
-              <a:lnSpc>
-                <a:spcPct val="100000"/>
-              </a:lnSpc>
-              <a:spcBef>
-                <a:spcPts val="799"/>
+              <a:rPr b="0" lang="en-US" sz="2800" spc="-1" strike="noStrike">
+                <a:solidFill>
+                  <a:srgbClr val="000000"/>
+                </a:solidFill>
+                <a:latin typeface="Arial"/>
+                <a:ea typeface="DejaVu Sans"/>
+              </a:rPr>
+              <a:t>Wrecked vehicles</a:t>
+            </a:r>
+            <a:endParaRPr b="0" lang="en-US" sz="2800" spc="-1" strike="noStrike">
+              <a:latin typeface="Arial"/>
+            </a:endParaRPr>
+          </a:p>
+          <a:p>
+            <a:pPr marL="311040">
+              <a:lnSpc>
+                <a:spcPct val="100000"/>
+              </a:lnSpc>
+              <a:spcBef>
+                <a:spcPts val="865"/>
               </a:spcBef>
               <a:buClr>
                 <a:srgbClr val="000000"/>
@@ -4927,26 +6044,26 @@
               <a:buChar char="•"/>
             </a:pPr>
             <a:r>
-              <a:rPr b="0" lang="en-US" sz="3200" spc="-1" strike="noStrike">
-                <a:solidFill>
-                  <a:srgbClr val="000000"/>
-                </a:solidFill>
-                <a:latin typeface="Arial"/>
-                <a:ea typeface="DejaVu Sans"/>
-              </a:rPr>
-              <a:t>Establishes session keys</a:t>
-            </a:r>
-            <a:endParaRPr b="0" lang="en-US" sz="3200" spc="-1" strike="noStrike">
-              <a:latin typeface="Arial"/>
-            </a:endParaRPr>
-          </a:p>
-          <a:p>
-            <a:pPr marL="342720" indent="-341640">
-              <a:lnSpc>
-                <a:spcPct val="100000"/>
-              </a:lnSpc>
-              <a:spcBef>
-                <a:spcPts val="799"/>
+              <a:rPr b="0" lang="en-US" sz="2800" spc="-1" strike="noStrike">
+                <a:solidFill>
+                  <a:srgbClr val="000000"/>
+                </a:solidFill>
+                <a:latin typeface="Arial"/>
+                <a:ea typeface="DejaVu Sans"/>
+              </a:rPr>
+              <a:t>Hijacked medical devices</a:t>
+            </a:r>
+            <a:endParaRPr b="0" lang="en-US" sz="2800" spc="-1" strike="noStrike">
+              <a:latin typeface="Arial"/>
+            </a:endParaRPr>
+          </a:p>
+          <a:p>
+            <a:pPr marL="311040">
+              <a:lnSpc>
+                <a:spcPct val="100000"/>
+              </a:lnSpc>
+              <a:spcBef>
+                <a:spcPts val="865"/>
               </a:spcBef>
               <a:buClr>
                 <a:srgbClr val="000000"/>
@@ -4955,21 +6072,129 @@
               <a:buChar char="•"/>
             </a:pPr>
             <a:r>
-              <a:rPr b="0" lang="en-US" sz="3200" spc="-1" strike="noStrike">
-                <a:solidFill>
-                  <a:srgbClr val="000000"/>
-                </a:solidFill>
-                <a:latin typeface="Arial"/>
-                <a:ea typeface="DejaVu Sans"/>
-              </a:rPr>
-              <a:t>Establishes a secure connection for other protocols over the RAN</a:t>
-            </a:r>
-            <a:endParaRPr b="0" lang="en-US" sz="3200" spc="-1" strike="noStrike">
-              <a:latin typeface="Arial"/>
-            </a:endParaRPr>
-          </a:p>
-        </p:txBody>
-      </p:sp>
+              <a:rPr b="0" lang="en-US" sz="2800" spc="-1" strike="noStrike">
+                <a:solidFill>
+                  <a:srgbClr val="000000"/>
+                </a:solidFill>
+                <a:latin typeface="Arial"/>
+                <a:ea typeface="DejaVu Sans"/>
+              </a:rPr>
+              <a:t>Hacked financial accounts</a:t>
+            </a:r>
+            <a:endParaRPr b="0" lang="en-US" sz="2800" spc="-1" strike="noStrike">
+              <a:latin typeface="Arial"/>
+            </a:endParaRPr>
+          </a:p>
+          <a:p>
+            <a:pPr marL="311040">
+              <a:lnSpc>
+                <a:spcPct val="100000"/>
+              </a:lnSpc>
+              <a:spcBef>
+                <a:spcPts val="865"/>
+              </a:spcBef>
+              <a:buClr>
+                <a:srgbClr val="000000"/>
+              </a:buClr>
+              <a:buFont typeface="Arial"/>
+              <a:buChar char="•"/>
+            </a:pPr>
+            <a:r>
+              <a:rPr b="0" lang="en-US" sz="2800" spc="-1" strike="noStrike">
+                <a:solidFill>
+                  <a:srgbClr val="ce181e"/>
+                </a:solidFill>
+                <a:latin typeface="Arial"/>
+                <a:ea typeface="DejaVu Sans"/>
+              </a:rPr>
+              <a:t>Expanded potential for mayhem</a:t>
+            </a:r>
+            <a:endParaRPr b="0" lang="en-US" sz="2800" spc="-1" strike="noStrike">
+              <a:latin typeface="Arial"/>
+            </a:endParaRPr>
+          </a:p>
+          <a:p>
+            <a:pPr marL="182880" indent="-341280">
+              <a:lnSpc>
+                <a:spcPct val="100000"/>
+              </a:lnSpc>
+              <a:spcBef>
+                <a:spcPts val="865"/>
+              </a:spcBef>
+              <a:buClr>
+                <a:srgbClr val="000000"/>
+              </a:buClr>
+              <a:buFont typeface="Arial"/>
+              <a:buChar char="•"/>
+            </a:pPr>
+            <a:endParaRPr b="0" lang="en-US" sz="2800" spc="-1" strike="noStrike">
+              <a:latin typeface="Arial"/>
+            </a:endParaRPr>
+          </a:p>
+          <a:p>
+            <a:pPr>
+              <a:lnSpc>
+                <a:spcPct val="100000"/>
+              </a:lnSpc>
+              <a:spcBef>
+                <a:spcPts val="865"/>
+              </a:spcBef>
+            </a:pPr>
+            <a:endParaRPr b="0" lang="en-US" sz="2800" spc="-1" strike="noStrike">
+              <a:latin typeface="Arial"/>
+            </a:endParaRPr>
+          </a:p>
+          <a:p>
+            <a:pPr>
+              <a:lnSpc>
+                <a:spcPct val="100000"/>
+              </a:lnSpc>
+              <a:spcBef>
+                <a:spcPts val="865"/>
+              </a:spcBef>
+            </a:pPr>
+            <a:endParaRPr b="0" lang="en-US" sz="2800" spc="-1" strike="noStrike">
+              <a:latin typeface="Arial"/>
+            </a:endParaRPr>
+          </a:p>
+          <a:p>
+            <a:pPr marL="255960">
+              <a:lnSpc>
+                <a:spcPct val="100000"/>
+              </a:lnSpc>
+              <a:spcBef>
+                <a:spcPts val="799"/>
+              </a:spcBef>
+            </a:pPr>
+            <a:endParaRPr b="0" lang="en-US" sz="2800" spc="-1" strike="noStrike">
+              <a:latin typeface="Arial"/>
+            </a:endParaRPr>
+          </a:p>
+        </p:txBody>
+      </p:sp>
+      <p:pic>
+        <p:nvPicPr>
+          <p:cNvPr id="85" name="" descr=""/>
+          <p:cNvPicPr/>
+          <p:nvPr/>
+        </p:nvPicPr>
+        <p:blipFill>
+          <a:blip r:embed="rId2"/>
+          <a:stretch/>
+        </p:blipFill>
+        <p:spPr>
+          <a:xfrm>
+            <a:off x="4921200" y="1828080"/>
+            <a:ext cx="3988080" cy="2538720"/>
+          </a:xfrm>
+          <a:prstGeom prst="rect">
+            <a:avLst/>
+          </a:prstGeom>
+          <a:ln>
+            <a:noFill/>
+          </a:ln>
+        </p:spPr>
+      </p:pic>
     </p:spTree>
   </p:cSld>
   <p:timing>
@@ -5021,14 +6246,14 @@
       </p:grpSpPr>
       <p:sp>
         <p:nvSpPr>
-          <p:cNvPr id="85" name="CustomShape 1"/>
+          <p:cNvPr id="86" name="CustomShape 1"/>
           <p:cNvSpPr/>
           <p:nvPr/>
         </p:nvSpPr>
         <p:spPr>
           <a:xfrm>
-            <a:off x="0" y="128520"/>
-            <a:ext cx="7497360" cy="1150920"/>
+            <a:off x="0" y="274320"/>
+            <a:ext cx="7405560" cy="1096200"/>
           </a:xfrm>
           <a:prstGeom prst="rect">
             <a:avLst/>
@@ -5062,7 +6287,17 @@
                 <a:latin typeface="Arial"/>
                 <a:ea typeface="DejaVu Sans"/>
               </a:rPr>
-              <a:t>5G Relevant Network Architecture</a:t>
+              <a:t> </a:t>
+            </a:r>
+            <a:r>
+              <a:rPr b="0" lang="en-US" sz="4400" spc="-1" strike="noStrike">
+                <a:solidFill>
+                  <a:srgbClr val="000000"/>
+                </a:solidFill>
+                <a:latin typeface="Arial"/>
+                <a:ea typeface="DejaVu Sans"/>
+              </a:rPr>
+              <a:t>5G-AKA: What does it do?</a:t>
             </a:r>
             <a:endParaRPr b="0" lang="en-US" sz="4400" spc="-1" strike="noStrike">
               <a:latin typeface="Arial"/>
@@ -5072,14 +6307,14 @@
       </p:sp>
       <p:sp>
         <p:nvSpPr>
-          <p:cNvPr id="86" name="CustomShape 2"/>
+          <p:cNvPr id="87" name="CustomShape 2"/>
           <p:cNvSpPr/>
           <p:nvPr/>
         </p:nvSpPr>
         <p:spPr>
           <a:xfrm>
             <a:off x="457200" y="1600200"/>
-            <a:ext cx="6765480" cy="4524840"/>
+            <a:ext cx="6856560" cy="4524480"/>
           </a:xfrm>
           <a:prstGeom prst="rect">
             <a:avLst/>
@@ -5100,7 +6335,7 @@
             <a:normAutofit/>
           </a:bodyPr>
           <a:p>
-            <a:pPr marL="342720" indent="-341640">
+            <a:pPr marL="342720" indent="-341280">
               <a:lnSpc>
                 <a:spcPct val="100000"/>
               </a:lnSpc>
@@ -5121,14 +6356,14 @@
                 <a:latin typeface="Arial"/>
                 <a:ea typeface="DejaVu Sans"/>
               </a:rPr>
-              <a:t>4 Primary players in AKA protocol</a:t>
+              <a:t>5G- Authentication and Key Agreement</a:t>
             </a:r>
             <a:endParaRPr b="0" lang="en-US" sz="3200" spc="-1" strike="noStrike">
               <a:latin typeface="Arial"/>
             </a:endParaRPr>
           </a:p>
           <a:p>
-            <a:pPr marL="342720" indent="-341640">
+            <a:pPr marL="342720" indent="-341280">
               <a:lnSpc>
                 <a:spcPct val="100000"/>
               </a:lnSpc>
@@ -5139,7 +6374,7 @@
                 <a:srgbClr val="000000"/>
               </a:buClr>
               <a:buFont typeface="Arial"/>
-              <a:buAutoNum type="arabicParenR"/>
+              <a:buChar char="•"/>
             </a:pPr>
             <a:r>
               <a:rPr b="0" lang="en-US" sz="3200" spc="-1" strike="noStrike">
@@ -5149,24 +6384,14 @@
                 <a:latin typeface="Arial"/>
                 <a:ea typeface="DejaVu Sans"/>
               </a:rPr>
-              <a:t> </a:t>
-            </a:r>
-            <a:r>
-              <a:rPr b="0" lang="en-US" sz="3200" spc="-1" strike="noStrike">
-                <a:solidFill>
-                  <a:srgbClr val="000000"/>
-                </a:solidFill>
-                <a:latin typeface="Arial"/>
-                <a:ea typeface="DejaVu Sans"/>
-              </a:rPr>
-              <a:t>UE – User Equipment</a:t>
+              <a:t>Authenticates UE to network and network to UE</a:t>
             </a:r>
             <a:endParaRPr b="0" lang="en-US" sz="3200" spc="-1" strike="noStrike">
               <a:latin typeface="Arial"/>
             </a:endParaRPr>
           </a:p>
           <a:p>
-            <a:pPr marL="342720" indent="-341640">
+            <a:pPr marL="342720" indent="-341280">
               <a:lnSpc>
                 <a:spcPct val="100000"/>
               </a:lnSpc>
@@ -5177,7 +6402,7 @@
                 <a:srgbClr val="000000"/>
               </a:buClr>
               <a:buFont typeface="Arial"/>
-              <a:buAutoNum type="arabicParenR"/>
+              <a:buChar char="•"/>
             </a:pPr>
             <a:r>
               <a:rPr b="0" lang="en-US" sz="3200" spc="-1" strike="noStrike">
@@ -5187,24 +6412,14 @@
                 <a:latin typeface="Arial"/>
                 <a:ea typeface="DejaVu Sans"/>
               </a:rPr>
-              <a:t> </a:t>
-            </a:r>
-            <a:r>
-              <a:rPr b="0" lang="en-US" sz="3200" spc="-1" strike="noStrike">
-                <a:solidFill>
-                  <a:srgbClr val="000000"/>
-                </a:solidFill>
-                <a:latin typeface="Arial"/>
-                <a:ea typeface="DejaVu Sans"/>
-              </a:rPr>
-              <a:t>SEAF – Security Anchor Function</a:t>
+              <a:t>Establishes session keys</a:t>
             </a:r>
             <a:endParaRPr b="0" lang="en-US" sz="3200" spc="-1" strike="noStrike">
               <a:latin typeface="Arial"/>
             </a:endParaRPr>
           </a:p>
           <a:p>
-            <a:pPr marL="342720" indent="-341640">
+            <a:pPr marL="342720" indent="-341280">
               <a:lnSpc>
                 <a:spcPct val="100000"/>
               </a:lnSpc>
@@ -5215,7 +6430,7 @@
                 <a:srgbClr val="000000"/>
               </a:buClr>
               <a:buFont typeface="Arial"/>
-              <a:buAutoNum type="arabicParenR"/>
+              <a:buChar char="•"/>
             </a:pPr>
             <a:r>
               <a:rPr b="0" lang="en-US" sz="3200" spc="-1" strike="noStrike">
@@ -5225,55 +6440,7 @@
                 <a:latin typeface="Arial"/>
                 <a:ea typeface="DejaVu Sans"/>
               </a:rPr>
-              <a:t> </a:t>
-            </a:r>
-            <a:r>
-              <a:rPr b="0" lang="en-US" sz="3200" spc="-1" strike="noStrike">
-                <a:solidFill>
-                  <a:srgbClr val="000000"/>
-                </a:solidFill>
-                <a:latin typeface="Arial"/>
-                <a:ea typeface="DejaVu Sans"/>
-              </a:rPr>
-              <a:t>AUSF – Authentication Server  Function</a:t>
-            </a:r>
-            <a:endParaRPr b="0" lang="en-US" sz="3200" spc="-1" strike="noStrike">
-              <a:latin typeface="Arial"/>
-            </a:endParaRPr>
-          </a:p>
-          <a:p>
-            <a:pPr marL="342720" indent="-341640">
-              <a:lnSpc>
-                <a:spcPct val="100000"/>
-              </a:lnSpc>
-              <a:spcBef>
-                <a:spcPts val="799"/>
-              </a:spcBef>
-              <a:buClr>
-                <a:srgbClr val="000000"/>
-              </a:buClr>
-              <a:buFont typeface="Arial"/>
-              <a:buAutoNum type="arabicParenR"/>
-            </a:pPr>
-            <a:r>
-              <a:rPr b="0" lang="en-US" sz="3200" spc="-1" strike="noStrike">
-                <a:solidFill>
-                  <a:srgbClr val="000000"/>
-                </a:solidFill>
-                <a:latin typeface="Arial"/>
-                <a:ea typeface="DejaVu Sans"/>
-              </a:rPr>
-              <a:t> </a:t>
-            </a:r>
-            <a:r>
-              <a:rPr b="0" lang="en-US" sz="3200" spc="-1" strike="noStrike">
-                <a:solidFill>
-                  <a:srgbClr val="000000"/>
-                </a:solidFill>
-                <a:latin typeface="Arial"/>
-                <a:ea typeface="DejaVu Sans"/>
-              </a:rPr>
-              <a:t>ARPF - Authentication credential Repository and Processing Function</a:t>
+              <a:t>Establishes a secure connection for other protocols over the RAN</a:t>
             </a:r>
             <a:endParaRPr b="0" lang="en-US" sz="3200" spc="-1" strike="noStrike">
               <a:latin typeface="Arial"/>
@@ -5332,14 +6499,14 @@
       </p:grpSpPr>
       <p:sp>
         <p:nvSpPr>
-          <p:cNvPr id="87" name="CustomShape 1"/>
+          <p:cNvPr id="88" name="CustomShape 1"/>
           <p:cNvSpPr/>
           <p:nvPr/>
         </p:nvSpPr>
         <p:spPr>
           <a:xfrm>
-            <a:off x="0" y="274320"/>
-            <a:ext cx="7588800" cy="1035720"/>
+            <a:off x="0" y="128520"/>
+            <a:ext cx="7497000" cy="1150560"/>
           </a:xfrm>
           <a:prstGeom prst="rect">
             <a:avLst/>
@@ -5373,7 +6540,7 @@
                 <a:latin typeface="Arial"/>
                 <a:ea typeface="DejaVu Sans"/>
               </a:rPr>
-              <a:t>Network Map</a:t>
+              <a:t>5G Network Elements</a:t>
             </a:r>
             <a:endParaRPr b="0" lang="en-US" sz="4400" spc="-1" strike="noStrike">
               <a:latin typeface="Arial"/>
@@ -5381,29 +6548,217 @@
           </a:p>
         </p:txBody>
       </p:sp>
-      <p:pic>
-        <p:nvPicPr>
-          <p:cNvPr id="88" name="" descr=""/>
-          <p:cNvPicPr/>
+      <p:sp>
+        <p:nvSpPr>
+          <p:cNvPr id="89" name="CustomShape 2"/>
+          <p:cNvSpPr/>
           <p:nvPr/>
-        </p:nvPicPr>
-        <p:blipFill>
-          <a:blip r:embed="rId1"/>
-          <a:stretch/>
-        </p:blipFill>
-        <p:spPr>
-          <a:xfrm>
-            <a:off x="457200" y="2136240"/>
-            <a:ext cx="6125400" cy="2448360"/>
-          </a:xfrm>
-          <a:prstGeom prst="rect">
-            <a:avLst/>
-          </a:prstGeom>
+        </p:nvSpPr>
+        <p:spPr>
+          <a:xfrm>
+            <a:off x="457200" y="1600200"/>
+            <a:ext cx="6765120" cy="4524480"/>
+          </a:xfrm>
+          <a:prstGeom prst="rect">
+            <a:avLst/>
+          </a:prstGeom>
+          <a:noFill/>
           <a:ln>
             <a:noFill/>
           </a:ln>
         </p:spPr>
-      </p:pic>
+        <p:style>
+          <a:lnRef idx="0"/>
+          <a:fillRef idx="0"/>
+          <a:effectRef idx="0"/>
+          <a:fontRef idx="minor"/>
+        </p:style>
+        <p:txBody>
+          <a:bodyPr lIns="90000" rIns="90000" tIns="46800" bIns="46800">
+            <a:normAutofit/>
+          </a:bodyPr>
+          <a:p>
+            <a:pPr marL="342720" indent="-341280">
+              <a:lnSpc>
+                <a:spcPct val="100000"/>
+              </a:lnSpc>
+              <a:spcBef>
+                <a:spcPts val="799"/>
+              </a:spcBef>
+              <a:buClr>
+                <a:srgbClr val="000000"/>
+              </a:buClr>
+              <a:buFont typeface="Arial"/>
+              <a:buChar char="•"/>
+            </a:pPr>
+            <a:r>
+              <a:rPr b="0" lang="en-US" sz="3200" spc="-1" strike="noStrike">
+                <a:solidFill>
+                  <a:srgbClr val="000000"/>
+                </a:solidFill>
+                <a:latin typeface="Arial"/>
+                <a:ea typeface="DejaVu Sans"/>
+              </a:rPr>
+              <a:t>4 Primary players in AKA protocol</a:t>
+            </a:r>
+            <a:endParaRPr b="0" lang="en-US" sz="3200" spc="-1" strike="noStrike">
+              <a:latin typeface="Arial"/>
+            </a:endParaRPr>
+          </a:p>
+          <a:p>
+            <a:pPr marL="342720" indent="-341280">
+              <a:lnSpc>
+                <a:spcPct val="100000"/>
+              </a:lnSpc>
+              <a:spcBef>
+                <a:spcPts val="799"/>
+              </a:spcBef>
+              <a:buClr>
+                <a:srgbClr val="000000"/>
+              </a:buClr>
+              <a:buFont typeface="Arial"/>
+              <a:buAutoNum type="arabicParenR"/>
+            </a:pPr>
+            <a:r>
+              <a:rPr b="0" lang="en-US" sz="3200" spc="-1" strike="noStrike">
+                <a:solidFill>
+                  <a:srgbClr val="000000"/>
+                </a:solidFill>
+                <a:latin typeface="Arial"/>
+                <a:ea typeface="DejaVu Sans"/>
+              </a:rPr>
+              <a:t> </a:t>
+            </a:r>
+            <a:r>
+              <a:rPr b="0" lang="en-US" sz="3200" spc="-1" strike="noStrike">
+                <a:solidFill>
+                  <a:srgbClr val="000000"/>
+                </a:solidFill>
+                <a:latin typeface="Arial"/>
+                <a:ea typeface="DejaVu Sans"/>
+              </a:rPr>
+              <a:t>UE – User Equipment</a:t>
+            </a:r>
+            <a:endParaRPr b="0" lang="en-US" sz="3200" spc="-1" strike="noStrike">
+              <a:latin typeface="Arial"/>
+            </a:endParaRPr>
+          </a:p>
+          <a:p>
+            <a:pPr marL="342720" indent="-341280">
+              <a:lnSpc>
+                <a:spcPct val="100000"/>
+              </a:lnSpc>
+              <a:spcBef>
+                <a:spcPts val="799"/>
+              </a:spcBef>
+              <a:buClr>
+                <a:srgbClr val="000000"/>
+              </a:buClr>
+              <a:buFont typeface="Arial"/>
+              <a:buAutoNum type="arabicParenR"/>
+            </a:pPr>
+            <a:r>
+              <a:rPr b="0" lang="en-US" sz="3200" spc="-1" strike="noStrike">
+                <a:solidFill>
+                  <a:srgbClr val="000000"/>
+                </a:solidFill>
+                <a:latin typeface="Arial"/>
+                <a:ea typeface="DejaVu Sans"/>
+              </a:rPr>
+              <a:t> </a:t>
+            </a:r>
+            <a:r>
+              <a:rPr b="0" lang="en-US" sz="3200" spc="-1" strike="noStrike">
+                <a:solidFill>
+                  <a:srgbClr val="000000"/>
+                </a:solidFill>
+                <a:latin typeface="Arial"/>
+                <a:ea typeface="DejaVu Sans"/>
+              </a:rPr>
+              <a:t>SEAF – Security Anchor Function</a:t>
+            </a:r>
+            <a:endParaRPr b="0" lang="en-US" sz="3200" spc="-1" strike="noStrike">
+              <a:latin typeface="Arial"/>
+            </a:endParaRPr>
+          </a:p>
+          <a:p>
+            <a:pPr marL="342720" indent="-341280">
+              <a:lnSpc>
+                <a:spcPct val="100000"/>
+              </a:lnSpc>
+              <a:spcBef>
+                <a:spcPts val="799"/>
+              </a:spcBef>
+              <a:buClr>
+                <a:srgbClr val="000000"/>
+              </a:buClr>
+              <a:buFont typeface="Arial"/>
+              <a:buAutoNum type="arabicParenR"/>
+            </a:pPr>
+            <a:r>
+              <a:rPr b="0" lang="en-US" sz="3200" spc="-1" strike="noStrike">
+                <a:solidFill>
+                  <a:srgbClr val="000000"/>
+                </a:solidFill>
+                <a:latin typeface="Arial"/>
+                <a:ea typeface="DejaVu Sans"/>
+              </a:rPr>
+              <a:t> </a:t>
+            </a:r>
+            <a:r>
+              <a:rPr b="0" lang="en-US" sz="3200" spc="-1" strike="noStrike">
+                <a:solidFill>
+                  <a:srgbClr val="000000"/>
+                </a:solidFill>
+                <a:latin typeface="Arial"/>
+                <a:ea typeface="DejaVu Sans"/>
+              </a:rPr>
+              <a:t>AUSF – Authentication Server  Function</a:t>
+            </a:r>
+            <a:endParaRPr b="0" lang="en-US" sz="3200" spc="-1" strike="noStrike">
+              <a:latin typeface="Arial"/>
+            </a:endParaRPr>
+          </a:p>
+          <a:p>
+            <a:pPr marL="342720" indent="-341280">
+              <a:lnSpc>
+                <a:spcPct val="100000"/>
+              </a:lnSpc>
+              <a:spcBef>
+                <a:spcPts val="799"/>
+              </a:spcBef>
+              <a:buClr>
+                <a:srgbClr val="000000"/>
+              </a:buClr>
+              <a:buFont typeface="Arial"/>
+              <a:buAutoNum type="arabicParenR"/>
+            </a:pPr>
+            <a:r>
+              <a:rPr b="0" lang="en-US" sz="3200" spc="-1" strike="noStrike">
+                <a:solidFill>
+                  <a:srgbClr val="000000"/>
+                </a:solidFill>
+                <a:latin typeface="Arial"/>
+                <a:ea typeface="DejaVu Sans"/>
+              </a:rPr>
+              <a:t> </a:t>
+            </a:r>
+            <a:r>
+              <a:rPr b="0" lang="en-US" sz="3200" spc="-1" strike="noStrike">
+                <a:solidFill>
+                  <a:srgbClr val="000000"/>
+                </a:solidFill>
+                <a:latin typeface="Arial"/>
+                <a:ea typeface="DejaVu Sans"/>
+              </a:rPr>
+              <a:t>ARPF - Authentication credential Repository and Processing Function</a:t>
+            </a:r>
+            <a:endParaRPr b="0" lang="en-US" sz="3200" spc="-1" strike="noStrike">
+              <a:latin typeface="Arial"/>
+            </a:endParaRPr>
+          </a:p>
+        </p:txBody>
+      </p:sp>
     </p:spTree>
   </p:cSld>
   <p:timing>
@@ -5439,6 +6794,16 @@
 <file path=ppt/slides/slide7.xml><?xml version="1.0" encoding="utf-8"?>
 <p:sld xmlns:a="http://schemas.openxmlformats.org/drawingml/2006/main" xmlns:p="http://schemas.openxmlformats.org/presentationml/2006/main" xmlns:r="http://schemas.openxmlformats.org/officeDocument/2006/relationships" xmlns:p14="http://schemas.microsoft.com/office/powerpoint/2010/main" xmlns:p15="http://schemas.microsoft.com/office/powerpoint/2012/main" xmlns:mc="http://schemas.openxmlformats.org/markup-compatibility/2006">
   <p:cSld>
+    <p:bg>
+      <p:bgPr>
+        <a:blipFill rotWithShape="0">
+          <a:blip r:embed="rId1"/>
+          <a:stretch>
+            <a:fillRect/>
+          </a:stretch>
+        </a:blipFill>
+      </p:bgPr>
+    </p:bg>
     <p:spTree>
       <p:nvGrpSpPr>
         <p:cNvPr id="1" name=""/>
@@ -5455,14 +6820,14 @@
       </p:grpSpPr>
       <p:sp>
         <p:nvSpPr>
-          <p:cNvPr id="89" name="CustomShape 1"/>
+          <p:cNvPr id="90" name="CustomShape 1"/>
           <p:cNvSpPr/>
           <p:nvPr/>
         </p:nvSpPr>
         <p:spPr>
           <a:xfrm>
             <a:off x="0" y="274320"/>
-            <a:ext cx="7405920" cy="913680"/>
+            <a:ext cx="9143280" cy="1004760"/>
           </a:xfrm>
           <a:prstGeom prst="rect">
             <a:avLst/>
@@ -5496,9 +6861,275 @@
                 <a:latin typeface="Arial"/>
                 <a:ea typeface="DejaVu Sans"/>
               </a:rPr>
-              <a:t>How The Protocol Works</a:t>
+              <a:t>  </a:t>
+            </a:r>
+            <a:r>
+              <a:rPr b="0" lang="en-US" sz="4400" spc="-1" strike="noStrike">
+                <a:solidFill>
+                  <a:srgbClr val="000000"/>
+                </a:solidFill>
+                <a:latin typeface="Arial"/>
+                <a:ea typeface="DejaVu Sans"/>
+              </a:rPr>
+              <a:t>5G Network Elements</a:t>
             </a:r>
             <a:endParaRPr b="0" lang="en-US" sz="4400" spc="-1" strike="noStrike">
+              <a:latin typeface="Arial"/>
+            </a:endParaRPr>
+          </a:p>
+        </p:txBody>
+      </p:sp>
+      <p:sp>
+        <p:nvSpPr>
+          <p:cNvPr id="91" name="CustomShape 2"/>
+          <p:cNvSpPr/>
+          <p:nvPr/>
+        </p:nvSpPr>
+        <p:spPr>
+          <a:xfrm>
+            <a:off x="169200" y="1456200"/>
+            <a:ext cx="4663440" cy="2658600"/>
+          </a:xfrm>
+          <a:prstGeom prst="rect">
+            <a:avLst/>
+          </a:prstGeom>
+          <a:noFill/>
+          <a:ln>
+            <a:noFill/>
+          </a:ln>
+        </p:spPr>
+        <p:style>
+          <a:lnRef idx="0"/>
+          <a:fillRef idx="0"/>
+          <a:effectRef idx="0"/>
+          <a:fontRef idx="minor"/>
+        </p:style>
+        <p:txBody>
+          <a:bodyPr lIns="90000" rIns="90000" tIns="46800" bIns="46800">
+            <a:normAutofit/>
+          </a:bodyPr>
+          <a:p>
+            <a:pPr marL="182880" indent="-341280">
+              <a:lnSpc>
+                <a:spcPct val="100000"/>
+              </a:lnSpc>
+              <a:spcBef>
+                <a:spcPts val="865"/>
+              </a:spcBef>
+              <a:buClr>
+                <a:srgbClr val="000000"/>
+              </a:buClr>
+              <a:buFont typeface="Arial"/>
+              <a:buChar char="•"/>
+            </a:pPr>
+            <a:r>
+              <a:rPr b="0" lang="en-US" sz="2800" spc="-1" strike="noStrike">
+                <a:solidFill>
+                  <a:srgbClr val="000000"/>
+                </a:solidFill>
+                <a:latin typeface="Arial"/>
+                <a:ea typeface="DejaVu Sans"/>
+              </a:rPr>
+              <a:t>UE</a:t>
+            </a:r>
+            <a:endParaRPr b="0" lang="en-US" sz="2800" spc="-1" strike="noStrike">
+              <a:latin typeface="Arial"/>
+            </a:endParaRPr>
+          </a:p>
+          <a:p>
+            <a:pPr marL="182880" indent="-341280">
+              <a:lnSpc>
+                <a:spcPct val="100000"/>
+              </a:lnSpc>
+              <a:spcBef>
+                <a:spcPts val="865"/>
+              </a:spcBef>
+              <a:buClr>
+                <a:srgbClr val="000000"/>
+              </a:buClr>
+              <a:buFont typeface="Arial"/>
+              <a:buChar char="•"/>
+            </a:pPr>
+            <a:r>
+              <a:rPr b="0" lang="en-US" sz="2800" spc="-1" strike="noStrike">
+                <a:solidFill>
+                  <a:srgbClr val="000000"/>
+                </a:solidFill>
+                <a:latin typeface="Arial"/>
+                <a:ea typeface="DejaVu Sans"/>
+              </a:rPr>
+              <a:t>Identified by SUCI</a:t>
+            </a:r>
+            <a:endParaRPr b="0" lang="en-US" sz="2800" spc="-1" strike="noStrike">
+              <a:latin typeface="Arial"/>
+            </a:endParaRPr>
+          </a:p>
+          <a:p>
+            <a:pPr marL="182880" indent="-341280">
+              <a:lnSpc>
+                <a:spcPct val="100000"/>
+              </a:lnSpc>
+              <a:spcBef>
+                <a:spcPts val="865"/>
+              </a:spcBef>
+              <a:buClr>
+                <a:srgbClr val="000000"/>
+              </a:buClr>
+              <a:buFont typeface="Arial"/>
+              <a:buChar char="•"/>
+            </a:pPr>
+            <a:r>
+              <a:rPr b="0" lang="en-US" sz="2800" spc="-1" strike="noStrike">
+                <a:solidFill>
+                  <a:srgbClr val="000000"/>
+                </a:solidFill>
+                <a:latin typeface="Arial"/>
+                <a:ea typeface="DejaVu Sans"/>
+              </a:rPr>
+              <a:t>Subscription Concealed Identifier</a:t>
+            </a:r>
+            <a:endParaRPr b="0" lang="en-US" sz="2800" spc="-1" strike="noStrike">
+              <a:latin typeface="Arial"/>
+            </a:endParaRPr>
+          </a:p>
+          <a:p>
+            <a:pPr marL="182880" indent="-341280">
+              <a:lnSpc>
+                <a:spcPct val="100000"/>
+              </a:lnSpc>
+              <a:spcBef>
+                <a:spcPts val="865"/>
+              </a:spcBef>
+              <a:buClr>
+                <a:srgbClr val="000000"/>
+              </a:buClr>
+              <a:buFont typeface="Arial"/>
+              <a:buChar char="•"/>
+            </a:pPr>
+            <a:r>
+              <a:rPr b="0" lang="en-US" sz="2800" spc="-1" strike="noStrike">
+                <a:solidFill>
+                  <a:srgbClr val="000000"/>
+                </a:solidFill>
+                <a:latin typeface="Arial"/>
+                <a:ea typeface="DejaVu Sans"/>
+              </a:rPr>
+              <a:t>And SUPI </a:t>
+            </a:r>
+            <a:endParaRPr b="0" lang="en-US" sz="2800" spc="-1" strike="noStrike">
+              <a:latin typeface="Arial"/>
+            </a:endParaRPr>
+          </a:p>
+          <a:p>
+            <a:pPr marL="182880" indent="-341280">
+              <a:lnSpc>
+                <a:spcPct val="100000"/>
+              </a:lnSpc>
+              <a:spcBef>
+                <a:spcPts val="865"/>
+              </a:spcBef>
+              <a:buClr>
+                <a:srgbClr val="000000"/>
+              </a:buClr>
+              <a:buFont typeface="Arial"/>
+              <a:buChar char="•"/>
+            </a:pPr>
+            <a:r>
+              <a:rPr b="0" lang="en-US" sz="2800" spc="-1" strike="noStrike">
+                <a:solidFill>
+                  <a:srgbClr val="000000"/>
+                </a:solidFill>
+                <a:latin typeface="Arial"/>
+                <a:ea typeface="DejaVu Sans"/>
+              </a:rPr>
+              <a:t>Subscription permanent identifier</a:t>
+            </a:r>
+            <a:endParaRPr b="0" lang="en-US" sz="2800" spc="-1" strike="noStrike">
+              <a:latin typeface="Arial"/>
+            </a:endParaRPr>
+          </a:p>
+          <a:p>
+            <a:pPr marL="182880" indent="-341280">
+              <a:lnSpc>
+                <a:spcPct val="100000"/>
+              </a:lnSpc>
+              <a:spcBef>
+                <a:spcPts val="865"/>
+              </a:spcBef>
+              <a:buClr>
+                <a:srgbClr val="000000"/>
+              </a:buClr>
+              <a:buFont typeface="Arial"/>
+              <a:buChar char="•"/>
+            </a:pPr>
+            <a:r>
+              <a:rPr b="0" lang="en-US" sz="2800" spc="-1" strike="noStrike">
+                <a:solidFill>
+                  <a:srgbClr val="000000"/>
+                </a:solidFill>
+                <a:latin typeface="Arial"/>
+                <a:ea typeface="DejaVu Sans"/>
+              </a:rPr>
+              <a:t>Key stored on SIM card</a:t>
+            </a:r>
+            <a:endParaRPr b="0" lang="en-US" sz="2800" spc="-1" strike="noStrike">
+              <a:latin typeface="Arial"/>
+            </a:endParaRPr>
+          </a:p>
+          <a:p>
+            <a:pPr marL="182880" indent="-341280">
+              <a:lnSpc>
+                <a:spcPct val="100000"/>
+              </a:lnSpc>
+              <a:spcBef>
+                <a:spcPts val="865"/>
+              </a:spcBef>
+              <a:buClr>
+                <a:srgbClr val="000000"/>
+              </a:buClr>
+              <a:buFont typeface="Arial"/>
+              <a:buChar char="•"/>
+            </a:pPr>
+            <a:endParaRPr b="0" lang="en-US" sz="2800" spc="-1" strike="noStrike">
+              <a:latin typeface="Arial"/>
+            </a:endParaRPr>
+          </a:p>
+          <a:p>
+            <a:pPr>
+              <a:lnSpc>
+                <a:spcPct val="100000"/>
+              </a:lnSpc>
+              <a:spcBef>
+                <a:spcPts val="865"/>
+              </a:spcBef>
+            </a:pPr>
+            <a:endParaRPr b="0" lang="en-US" sz="2800" spc="-1" strike="noStrike">
+              <a:latin typeface="Arial"/>
+            </a:endParaRPr>
+          </a:p>
+          <a:p>
+            <a:pPr>
+              <a:lnSpc>
+                <a:spcPct val="100000"/>
+              </a:lnSpc>
+              <a:spcBef>
+                <a:spcPts val="865"/>
+              </a:spcBef>
+            </a:pPr>
+            <a:endParaRPr b="0" lang="en-US" sz="2800" spc="-1" strike="noStrike">
+              <a:latin typeface="Arial"/>
+            </a:endParaRPr>
+          </a:p>
+          <a:p>
+            <a:pPr marL="255960">
+              <a:lnSpc>
+                <a:spcPct val="100000"/>
+              </a:lnSpc>
+              <a:spcBef>
+                <a:spcPts val="799"/>
+              </a:spcBef>
+            </a:pPr>
+            <a:endParaRPr b="0" lang="en-US" sz="2800" spc="-1" strike="noStrike">
               <a:latin typeface="Arial"/>
             </a:endParaRPr>
           </a:p>
@@ -5506,18 +7137,18 @@
       </p:sp>
       <p:pic>
         <p:nvPicPr>
-          <p:cNvPr id="90" name="" descr=""/>
+          <p:cNvPr id="92" name="" descr=""/>
           <p:cNvPicPr/>
           <p:nvPr/>
         </p:nvPicPr>
         <p:blipFill>
-          <a:blip r:embed="rId1"/>
+          <a:blip r:embed="rId2"/>
           <a:stretch/>
         </p:blipFill>
         <p:spPr>
           <a:xfrm>
-            <a:off x="548640" y="1554480"/>
-            <a:ext cx="6308640" cy="3199320"/>
+            <a:off x="6217920" y="2011680"/>
+            <a:ext cx="1971360" cy="2085480"/>
           </a:xfrm>
           <a:prstGeom prst="rect">
             <a:avLst/>
@@ -5562,6 +7193,16 @@
 <file path=ppt/slides/slide8.xml><?xml version="1.0" encoding="utf-8"?>
 <p:sld xmlns:a="http://schemas.openxmlformats.org/drawingml/2006/main" xmlns:p="http://schemas.openxmlformats.org/presentationml/2006/main" xmlns:r="http://schemas.openxmlformats.org/officeDocument/2006/relationships" xmlns:p14="http://schemas.microsoft.com/office/powerpoint/2010/main" xmlns:p15="http://schemas.microsoft.com/office/powerpoint/2012/main" xmlns:mc="http://schemas.openxmlformats.org/markup-compatibility/2006">
   <p:cSld>
+    <p:bg>
+      <p:bgPr>
+        <a:blipFill rotWithShape="0">
+          <a:blip r:embed="rId1"/>
+          <a:stretch>
+            <a:fillRect/>
+          </a:stretch>
+        </a:blipFill>
+      </p:bgPr>
+    </p:bg>
     <p:spTree>
       <p:nvGrpSpPr>
         <p:cNvPr id="1" name=""/>
@@ -5578,14 +7219,14 @@
       </p:grpSpPr>
       <p:sp>
         <p:nvSpPr>
-          <p:cNvPr id="91" name="CustomShape 1"/>
+          <p:cNvPr id="93" name="CustomShape 1"/>
           <p:cNvSpPr/>
           <p:nvPr/>
         </p:nvSpPr>
         <p:spPr>
           <a:xfrm>
             <a:off x="0" y="274320"/>
-            <a:ext cx="7497360" cy="1141920"/>
+            <a:ext cx="7498080" cy="1004760"/>
           </a:xfrm>
           <a:prstGeom prst="rect">
             <a:avLst/>
@@ -5619,7 +7260,7 @@
                 <a:latin typeface="Arial"/>
                 <a:ea typeface="DejaVu Sans"/>
               </a:rPr>
-              <a:t>    </a:t>
+              <a:t>  </a:t>
             </a:r>
             <a:r>
               <a:rPr b="0" lang="en-US" sz="4400" spc="-1" strike="noStrike">
@@ -5629,7 +7270,7 @@
                 <a:latin typeface="Arial"/>
                 <a:ea typeface="DejaVu Sans"/>
               </a:rPr>
-              <a:t>Why Formal Verification</a:t>
+              <a:t>5G Network Elements</a:t>
             </a:r>
             <a:endParaRPr b="0" lang="en-US" sz="4400" spc="-1" strike="noStrike">
               <a:latin typeface="Arial"/>
@@ -5639,14 +7280,14 @@
       </p:sp>
       <p:sp>
         <p:nvSpPr>
-          <p:cNvPr id="92" name="CustomShape 2"/>
+          <p:cNvPr id="94" name="CustomShape 2"/>
           <p:cNvSpPr/>
           <p:nvPr/>
         </p:nvSpPr>
         <p:spPr>
           <a:xfrm>
-            <a:off x="457200" y="1600200"/>
-            <a:ext cx="6582600" cy="4524840"/>
+            <a:off x="169200" y="1456200"/>
+            <a:ext cx="6505920" cy="2658600"/>
           </a:xfrm>
           <a:prstGeom prst="rect">
             <a:avLst/>
@@ -5667,12 +7308,12 @@
             <a:normAutofit/>
           </a:bodyPr>
           <a:p>
-            <a:pPr marL="342720" indent="-341640">
-              <a:lnSpc>
-                <a:spcPct val="100000"/>
-              </a:lnSpc>
-              <a:spcBef>
-                <a:spcPts val="799"/>
+            <a:pPr marL="182880" indent="-341280">
+              <a:lnSpc>
+                <a:spcPct val="100000"/>
+              </a:lnSpc>
+              <a:spcBef>
+                <a:spcPts val="865"/>
               </a:spcBef>
               <a:buClr>
                 <a:srgbClr val="000000"/>
@@ -5681,26 +7322,26 @@
               <a:buChar char="•"/>
             </a:pPr>
             <a:r>
-              <a:rPr b="0" lang="en-US" sz="3200" spc="-1" strike="noStrike">
-                <a:solidFill>
-                  <a:srgbClr val="000000"/>
-                </a:solidFill>
-                <a:latin typeface="Arial"/>
-                <a:ea typeface="DejaVu Sans"/>
-              </a:rPr>
-              <a:t>It allows systematic testing of a protocol through mathematical verification</a:t>
-            </a:r>
-            <a:endParaRPr b="0" lang="en-US" sz="3200" spc="-1" strike="noStrike">
-              <a:latin typeface="Arial"/>
-            </a:endParaRPr>
-          </a:p>
-          <a:p>
-            <a:pPr marL="342720" indent="-341640">
-              <a:lnSpc>
-                <a:spcPct val="100000"/>
-              </a:lnSpc>
-              <a:spcBef>
-                <a:spcPts val="799"/>
+              <a:rPr b="0" lang="en-US" sz="2800" spc="-1" strike="noStrike">
+                <a:solidFill>
+                  <a:srgbClr val="000000"/>
+                </a:solidFill>
+                <a:latin typeface="Arial"/>
+                <a:ea typeface="DejaVu Sans"/>
+              </a:rPr>
+              <a:t>SEAF</a:t>
+            </a:r>
+            <a:endParaRPr b="0" lang="en-US" sz="2800" spc="-1" strike="noStrike">
+              <a:latin typeface="Arial"/>
+            </a:endParaRPr>
+          </a:p>
+          <a:p>
+            <a:pPr marL="420480">
+              <a:lnSpc>
+                <a:spcPct val="100000"/>
+              </a:lnSpc>
+              <a:spcBef>
+                <a:spcPts val="865"/>
               </a:spcBef>
               <a:buClr>
                 <a:srgbClr val="000000"/>
@@ -5709,26 +7350,26 @@
               <a:buChar char="•"/>
             </a:pPr>
             <a:r>
-              <a:rPr b="0" lang="en-US" sz="3200" spc="-1" strike="noStrike">
-                <a:solidFill>
-                  <a:srgbClr val="000000"/>
-                </a:solidFill>
-                <a:latin typeface="Arial"/>
-                <a:ea typeface="DejaVu Sans"/>
-              </a:rPr>
-              <a:t>Increasingly preferred over simulation or testing</a:t>
-            </a:r>
-            <a:endParaRPr b="0" lang="en-US" sz="3200" spc="-1" strike="noStrike">
-              <a:latin typeface="Arial"/>
-            </a:endParaRPr>
-          </a:p>
-          <a:p>
-            <a:pPr marL="342720" indent="-341640">
-              <a:lnSpc>
-                <a:spcPct val="100000"/>
-              </a:lnSpc>
-              <a:spcBef>
-                <a:spcPts val="799"/>
+              <a:rPr b="0" lang="en-US" sz="2800" spc="-1" strike="noStrike">
+                <a:solidFill>
+                  <a:srgbClr val="000000"/>
+                </a:solidFill>
+                <a:latin typeface="Arial"/>
+                <a:ea typeface="DejaVu Sans"/>
+              </a:rPr>
+              <a:t>Part of the serving network</a:t>
+            </a:r>
+            <a:endParaRPr b="0" lang="en-US" sz="2800" spc="-1" strike="noStrike">
+              <a:latin typeface="Arial"/>
+            </a:endParaRPr>
+          </a:p>
+          <a:p>
+            <a:pPr marL="420480">
+              <a:lnSpc>
+                <a:spcPct val="100000"/>
+              </a:lnSpc>
+              <a:spcBef>
+                <a:spcPts val="865"/>
               </a:spcBef>
               <a:buClr>
                 <a:srgbClr val="000000"/>
@@ -5737,16 +7378,159 @@
               <a:buChar char="•"/>
             </a:pPr>
             <a:r>
-              <a:rPr b="0" lang="en-US" sz="3200" spc="-1" strike="noStrike">
-                <a:solidFill>
-                  <a:srgbClr val="000000"/>
-                </a:solidFill>
-                <a:latin typeface="Arial"/>
-                <a:ea typeface="DejaVu Sans"/>
-              </a:rPr>
-              <a:t>Automated with modern software</a:t>
-            </a:r>
-            <a:endParaRPr b="0" lang="en-US" sz="3200" spc="-1" strike="noStrike">
+              <a:rPr b="0" lang="en-US" sz="2800" spc="-1" strike="noStrike">
+                <a:solidFill>
+                  <a:srgbClr val="000000"/>
+                </a:solidFill>
+                <a:latin typeface="Arial"/>
+                <a:ea typeface="DejaVu Sans"/>
+              </a:rPr>
+              <a:t>Creates key, K</a:t>
+            </a:r>
+            <a:r>
+              <a:rPr b="0" lang="en-US" sz="2800" spc="-1" strike="noStrike" baseline="-33000">
+                <a:solidFill>
+                  <a:srgbClr val="000000"/>
+                </a:solidFill>
+                <a:latin typeface="Arial"/>
+                <a:ea typeface="DejaVu Sans"/>
+              </a:rPr>
+              <a:t>seaf ,</a:t>
+            </a:r>
+            <a:r>
+              <a:rPr b="0" lang="en-US" sz="2800" spc="-1" strike="noStrike">
+                <a:solidFill>
+                  <a:srgbClr val="000000"/>
+                </a:solidFill>
+                <a:latin typeface="Arial"/>
+                <a:ea typeface="DejaVu Sans"/>
+              </a:rPr>
+              <a:t> used during authentication</a:t>
+            </a:r>
+            <a:endParaRPr b="0" lang="en-US" sz="2800" spc="-1" strike="noStrike">
+              <a:latin typeface="Arial"/>
+            </a:endParaRPr>
+          </a:p>
+          <a:p>
+            <a:pPr marL="420480">
+              <a:lnSpc>
+                <a:spcPct val="100000"/>
+              </a:lnSpc>
+              <a:spcBef>
+                <a:spcPts val="865"/>
+              </a:spcBef>
+              <a:buClr>
+                <a:srgbClr val="000000"/>
+              </a:buClr>
+              <a:buFont typeface="Arial"/>
+              <a:buChar char="•"/>
+            </a:pPr>
+            <a:r>
+              <a:rPr b="0" lang="en-US" sz="2800" spc="-1" strike="noStrike">
+                <a:solidFill>
+                  <a:srgbClr val="000000"/>
+                </a:solidFill>
+                <a:latin typeface="Arial"/>
+                <a:ea typeface="DejaVu Sans"/>
+              </a:rPr>
+              <a:t>K</a:t>
+            </a:r>
+            <a:r>
+              <a:rPr b="0" lang="en-US" sz="2800" spc="-1" strike="noStrike" baseline="-33000">
+                <a:solidFill>
+                  <a:srgbClr val="000000"/>
+                </a:solidFill>
+                <a:latin typeface="Arial"/>
+                <a:ea typeface="DejaVu Sans"/>
+              </a:rPr>
+              <a:t>seaf</a:t>
+            </a:r>
+            <a:r>
+              <a:rPr b="0" lang="en-US" sz="2800" spc="-1" strike="noStrike">
+                <a:solidFill>
+                  <a:srgbClr val="000000"/>
+                </a:solidFill>
+                <a:latin typeface="Arial"/>
+                <a:ea typeface="DejaVu Sans"/>
+              </a:rPr>
+              <a:t> used to derive session key post authentication</a:t>
+            </a:r>
+            <a:endParaRPr b="0" lang="en-US" sz="2800" spc="-1" strike="noStrike">
+              <a:latin typeface="Arial"/>
+            </a:endParaRPr>
+          </a:p>
+          <a:p>
+            <a:pPr marL="182880" indent="-341280">
+              <a:lnSpc>
+                <a:spcPct val="100000"/>
+              </a:lnSpc>
+              <a:spcBef>
+                <a:spcPts val="865"/>
+              </a:spcBef>
+              <a:buClr>
+                <a:srgbClr val="000000"/>
+              </a:buClr>
+              <a:buFont typeface="Arial"/>
+              <a:buChar char="•"/>
+            </a:pPr>
+            <a:endParaRPr b="0" lang="en-US" sz="2800" spc="-1" strike="noStrike">
+              <a:latin typeface="Arial"/>
+            </a:endParaRPr>
+          </a:p>
+          <a:p>
+            <a:pPr marL="182880" indent="-341280">
+              <a:lnSpc>
+                <a:spcPct val="100000"/>
+              </a:lnSpc>
+              <a:spcBef>
+                <a:spcPts val="865"/>
+              </a:spcBef>
+              <a:buClr>
+                <a:srgbClr val="000000"/>
+              </a:buClr>
+              <a:buFont typeface="Arial"/>
+              <a:buChar char="•"/>
+            </a:pPr>
+            <a:endParaRPr b="0" lang="en-US" sz="2800" spc="-1" strike="noStrike">
+              <a:latin typeface="Arial"/>
+            </a:endParaRPr>
+          </a:p>
+          <a:p>
+            <a:pPr>
+              <a:lnSpc>
+                <a:spcPct val="100000"/>
+              </a:lnSpc>
+              <a:spcBef>
+                <a:spcPts val="865"/>
+              </a:spcBef>
+            </a:pPr>
+            <a:endParaRPr b="0" lang="en-US" sz="2800" spc="-1" strike="noStrike">
+              <a:latin typeface="Arial"/>
+            </a:endParaRPr>
+          </a:p>
+          <a:p>
+            <a:pPr>
+              <a:lnSpc>
+                <a:spcPct val="100000"/>
+              </a:lnSpc>
+              <a:spcBef>
+                <a:spcPts val="865"/>
+              </a:spcBef>
+            </a:pPr>
+            <a:endParaRPr b="0" lang="en-US" sz="2800" spc="-1" strike="noStrike">
+              <a:latin typeface="Arial"/>
+            </a:endParaRPr>
+          </a:p>
+          <a:p>
+            <a:pPr marL="255960">
+              <a:lnSpc>
+                <a:spcPct val="100000"/>
+              </a:lnSpc>
+              <a:spcBef>
+                <a:spcPts val="799"/>
+              </a:spcBef>
+            </a:pPr>
+            <a:endParaRPr b="0" lang="en-US" sz="2800" spc="-1" strike="noStrike">
               <a:latin typeface="Arial"/>
             </a:endParaRPr>
           </a:p>
@@ -5787,6 +7571,16 @@
 <file path=ppt/slides/slide9.xml><?xml version="1.0" encoding="utf-8"?>
 <p:sld xmlns:a="http://schemas.openxmlformats.org/drawingml/2006/main" xmlns:p="http://schemas.openxmlformats.org/presentationml/2006/main" xmlns:r="http://schemas.openxmlformats.org/officeDocument/2006/relationships" xmlns:p14="http://schemas.microsoft.com/office/powerpoint/2010/main" xmlns:p15="http://schemas.microsoft.com/office/powerpoint/2012/main" xmlns:mc="http://schemas.openxmlformats.org/markup-compatibility/2006">
   <p:cSld>
+    <p:bg>
+      <p:bgPr>
+        <a:blipFill rotWithShape="0">
+          <a:blip r:embed="rId1"/>
+          <a:stretch>
+            <a:fillRect/>
+          </a:stretch>
+        </a:blipFill>
+      </p:bgPr>
+    </p:bg>
     <p:spTree>
       <p:nvGrpSpPr>
         <p:cNvPr id="1" name=""/>
@@ -5803,14 +7597,14 @@
       </p:grpSpPr>
       <p:sp>
         <p:nvSpPr>
-          <p:cNvPr id="93" name="CustomShape 1"/>
+          <p:cNvPr id="95" name="CustomShape 1"/>
           <p:cNvSpPr/>
           <p:nvPr/>
         </p:nvSpPr>
         <p:spPr>
           <a:xfrm>
             <a:off x="0" y="274320"/>
-            <a:ext cx="7497360" cy="1005120"/>
+            <a:ext cx="7406640" cy="1004760"/>
           </a:xfrm>
           <a:prstGeom prst="rect">
             <a:avLst/>
@@ -5854,7 +7648,7 @@
                 <a:latin typeface="Arial"/>
                 <a:ea typeface="DejaVu Sans"/>
               </a:rPr>
-              <a:t>Types of Verification</a:t>
+              <a:t>5G Network Elements</a:t>
             </a:r>
             <a:endParaRPr b="0" lang="en-US" sz="4400" spc="-1" strike="noStrike">
               <a:latin typeface="Arial"/>
@@ -5864,14 +7658,14 @@
       </p:sp>
       <p:sp>
         <p:nvSpPr>
-          <p:cNvPr id="94" name="CustomShape 2"/>
+          <p:cNvPr id="96" name="CustomShape 2"/>
           <p:cNvSpPr/>
           <p:nvPr/>
         </p:nvSpPr>
         <p:spPr>
           <a:xfrm>
-            <a:off x="457200" y="1600200"/>
-            <a:ext cx="6582600" cy="4524840"/>
+            <a:off x="169200" y="1456200"/>
+            <a:ext cx="4663440" cy="2658600"/>
           </a:xfrm>
           <a:prstGeom prst="rect">
             <a:avLst/>
@@ -5892,12 +7686,12 @@
             <a:normAutofit/>
           </a:bodyPr>
           <a:p>
-            <a:pPr marL="342720" indent="-341640">
-              <a:lnSpc>
-                <a:spcPct val="100000"/>
-              </a:lnSpc>
-              <a:spcBef>
-                <a:spcPts val="799"/>
+            <a:pPr marL="182880" indent="-341280">
+              <a:lnSpc>
+                <a:spcPct val="100000"/>
+              </a:lnSpc>
+              <a:spcBef>
+                <a:spcPts val="865"/>
               </a:spcBef>
               <a:buClr>
                 <a:srgbClr val="000000"/>
@@ -5906,94 +7700,175 @@
               <a:buChar char="•"/>
             </a:pPr>
             <a:r>
-              <a:rPr b="0" lang="en-US" sz="3200" spc="-1" strike="noStrike">
-                <a:solidFill>
-                  <a:srgbClr val="000000"/>
-                </a:solidFill>
-                <a:latin typeface="Arial"/>
-                <a:ea typeface="DejaVu Sans"/>
-              </a:rPr>
-              <a:t>Two classes of verification</a:t>
-            </a:r>
-            <a:endParaRPr b="0" lang="en-US" sz="3200" spc="-1" strike="noStrike">
-              <a:latin typeface="Arial"/>
-            </a:endParaRPr>
-          </a:p>
-          <a:p>
-            <a:pPr marL="342720" indent="-341640">
-              <a:lnSpc>
-                <a:spcPct val="100000"/>
-              </a:lnSpc>
-              <a:spcBef>
-                <a:spcPts val="799"/>
+              <a:rPr b="0" lang="en-US" sz="2800" spc="-1" strike="noStrike">
+                <a:solidFill>
+                  <a:srgbClr val="000000"/>
+                </a:solidFill>
+                <a:latin typeface="Arial"/>
+                <a:ea typeface="DejaVu Sans"/>
+              </a:rPr>
+              <a:t>AUSF</a:t>
+            </a:r>
+            <a:endParaRPr b="0" lang="en-US" sz="2800" spc="-1" strike="noStrike">
+              <a:latin typeface="Arial"/>
+            </a:endParaRPr>
+          </a:p>
+          <a:p>
+            <a:pPr marL="311040">
+              <a:lnSpc>
+                <a:spcPct val="100000"/>
+              </a:lnSpc>
+              <a:spcBef>
+                <a:spcPts val="865"/>
               </a:spcBef>
               <a:buClr>
                 <a:srgbClr val="000000"/>
               </a:buClr>
               <a:buFont typeface="Arial"/>
-              <a:buAutoNum type="arabicParenR"/>
-            </a:pPr>
-            <a:r>
-              <a:rPr b="0" lang="en-US" sz="3200" spc="-1" strike="noStrike" u="sng">
-                <a:solidFill>
-                  <a:srgbClr val="000000"/>
-                </a:solidFill>
-                <a:uFillTx/>
-                <a:latin typeface="Arial"/>
-                <a:ea typeface="DejaVu Sans"/>
-              </a:rPr>
-              <a:t>Model Checking</a:t>
-            </a:r>
-            <a:r>
-              <a:rPr b="0" lang="en-US" sz="3200" spc="-1" strike="noStrike">
-                <a:solidFill>
-                  <a:srgbClr val="000000"/>
-                </a:solidFill>
-                <a:latin typeface="Arial"/>
-                <a:ea typeface="DejaVu Sans"/>
-              </a:rPr>
-              <a:t>-Represents the protocol as a state machine and systematically tests that the protocol behaves as intended.</a:t>
-            </a:r>
-            <a:endParaRPr b="0" lang="en-US" sz="3200" spc="-1" strike="noStrike">
-              <a:latin typeface="Arial"/>
-            </a:endParaRPr>
-          </a:p>
-          <a:p>
-            <a:pPr marL="342720" indent="-341640">
-              <a:lnSpc>
-                <a:spcPct val="100000"/>
-              </a:lnSpc>
-              <a:spcBef>
-                <a:spcPts val="799"/>
+              <a:buChar char="•"/>
+            </a:pPr>
+            <a:r>
+              <a:rPr b="0" lang="en-US" sz="2800" spc="-1" strike="noStrike">
+                <a:solidFill>
+                  <a:srgbClr val="000000"/>
+                </a:solidFill>
+                <a:latin typeface="Arial"/>
+                <a:ea typeface="DejaVu Sans"/>
+              </a:rPr>
+              <a:t>Part of the home network</a:t>
+            </a:r>
+            <a:endParaRPr b="0" lang="en-US" sz="2800" spc="-1" strike="noStrike">
+              <a:latin typeface="Arial"/>
+            </a:endParaRPr>
+          </a:p>
+          <a:p>
+            <a:pPr marL="311040">
+              <a:lnSpc>
+                <a:spcPct val="100000"/>
+              </a:lnSpc>
+              <a:spcBef>
+                <a:spcPts val="865"/>
               </a:spcBef>
               <a:buClr>
                 <a:srgbClr val="000000"/>
               </a:buClr>
               <a:buFont typeface="Arial"/>
-              <a:buAutoNum type="arabicParenR"/>
-            </a:pPr>
-            <a:r>
-              <a:rPr b="0" lang="en-US" sz="3200" spc="-1" strike="noStrike" u="sng">
-                <a:solidFill>
-                  <a:srgbClr val="000000"/>
-                </a:solidFill>
-                <a:uFillTx/>
-                <a:latin typeface="Arial"/>
-                <a:ea typeface="DejaVu Sans"/>
-              </a:rPr>
-              <a:t>Logical Inference</a:t>
-            </a:r>
-            <a:r>
-              <a:rPr b="0" lang="en-US" sz="3200" spc="-1" strike="noStrike">
-                <a:solidFill>
-                  <a:srgbClr val="000000"/>
-                </a:solidFill>
-                <a:latin typeface="Arial"/>
-                <a:ea typeface="DejaVu Sans"/>
-              </a:rPr>
-              <a:t>-Mathematical proof that’s seldom automated and relies on verifier’s understanding of the system</a:t>
-            </a:r>
-            <a:endParaRPr b="0" lang="en-US" sz="3200" spc="-1" strike="noStrike">
+              <a:buChar char="•"/>
+            </a:pPr>
+            <a:r>
+              <a:rPr b="0" lang="en-US" sz="2800" spc="-1" strike="noStrike">
+                <a:solidFill>
+                  <a:srgbClr val="000000"/>
+                </a:solidFill>
+                <a:latin typeface="Arial"/>
+                <a:ea typeface="DejaVu Sans"/>
+              </a:rPr>
+              <a:t>Handles authentication requests</a:t>
+            </a:r>
+            <a:endParaRPr b="0" lang="en-US" sz="2800" spc="-1" strike="noStrike">
+              <a:latin typeface="Arial"/>
+            </a:endParaRPr>
+          </a:p>
+          <a:p>
+            <a:pPr marL="311040">
+              <a:lnSpc>
+                <a:spcPct val="100000"/>
+              </a:lnSpc>
+              <a:spcBef>
+                <a:spcPts val="865"/>
+              </a:spcBef>
+              <a:buClr>
+                <a:srgbClr val="000000"/>
+              </a:buClr>
+              <a:buFont typeface="Arial"/>
+              <a:buChar char="•"/>
+            </a:pPr>
+            <a:r>
+              <a:rPr b="0" lang="en-US" sz="2800" spc="-1" strike="noStrike">
+                <a:solidFill>
+                  <a:srgbClr val="000000"/>
+                </a:solidFill>
+                <a:latin typeface="Arial"/>
+                <a:ea typeface="DejaVu Sans"/>
+              </a:rPr>
+              <a:t>Informs the UDM(contains ARPF) of the result of authentication</a:t>
+            </a:r>
+            <a:endParaRPr b="0" lang="en-US" sz="2800" spc="-1" strike="noStrike">
+              <a:latin typeface="Arial"/>
+            </a:endParaRPr>
+          </a:p>
+          <a:p>
+            <a:pPr marL="311040">
+              <a:lnSpc>
+                <a:spcPct val="100000"/>
+              </a:lnSpc>
+              <a:spcBef>
+                <a:spcPts val="865"/>
+              </a:spcBef>
+              <a:buClr>
+                <a:srgbClr val="000000"/>
+              </a:buClr>
+              <a:buFont typeface="Arial"/>
+              <a:buChar char="•"/>
+            </a:pPr>
+            <a:endParaRPr b="0" lang="en-US" sz="2800" spc="-1" strike="noStrike">
+              <a:latin typeface="Arial"/>
+            </a:endParaRPr>
+          </a:p>
+          <a:p>
+            <a:pPr marL="182880" indent="-341280">
+              <a:lnSpc>
+                <a:spcPct val="100000"/>
+              </a:lnSpc>
+              <a:spcBef>
+                <a:spcPts val="865"/>
+              </a:spcBef>
+              <a:buClr>
+                <a:srgbClr val="000000"/>
+              </a:buClr>
+              <a:buFont typeface="Arial"/>
+              <a:buChar char="•"/>
+            </a:pPr>
+            <a:endParaRPr b="0" lang="en-US" sz="2800" spc="-1" strike="noStrike">
+              <a:latin typeface="Arial"/>
+            </a:endParaRPr>
+          </a:p>
+          <a:p>
+            <a:pPr>
+              <a:lnSpc>
+                <a:spcPct val="100000"/>
+              </a:lnSpc>
+              <a:spcBef>
+                <a:spcPts val="865"/>
+              </a:spcBef>
+            </a:pPr>
+            <a:endParaRPr b="0" lang="en-US" sz="2800" spc="-1" strike="noStrike">
+              <a:latin typeface="Arial"/>
+            </a:endParaRPr>
+          </a:p>
+          <a:p>
+            <a:pPr>
+              <a:lnSpc>
+                <a:spcPct val="100000"/>
+              </a:lnSpc>
+              <a:spcBef>
+                <a:spcPts val="865"/>
+              </a:spcBef>
+            </a:pPr>
+            <a:endParaRPr b="0" lang="en-US" sz="2800" spc="-1" strike="noStrike">
+              <a:latin typeface="Arial"/>
+            </a:endParaRPr>
+          </a:p>
+          <a:p>
+            <a:pPr marL="255960">
+              <a:lnSpc>
+                <a:spcPct val="100000"/>
+              </a:lnSpc>
+              <a:spcBef>
+                <a:spcPts val="799"/>
+              </a:spcBef>
+            </a:pPr>
+            <a:endParaRPr b="0" lang="en-US" sz="2800" spc="-1" strike="noStrike">
               <a:latin typeface="Arial"/>
             </a:endParaRPr>
           </a:p>

--- a/ppt/5gakaPpt.pptx
+++ b/ppt/5gakaPpt.pptx
@@ -25,6 +25,9 @@
     <p:sldId id="272" r:id="rId20"/>
     <p:sldId id="273" r:id="rId21"/>
     <p:sldId id="274" r:id="rId22"/>
+    <p:sldId id="275" r:id="rId23"/>
+    <p:sldId id="276" r:id="rId24"/>
+    <p:sldId id="277" r:id="rId25"/>
   </p:sldIdLst>
   <p:sldSz cx="9144000" cy="6858000"/>
   <p:notesSz cx="7772400" cy="10058400"/>
@@ -2783,7 +2786,7 @@
           <a:p>
             <a:pPr marL="432000" indent="-324000">
               <a:spcBef>
-                <a:spcPts val="1414"/>
+                <a:spcPts val="1417"/>
               </a:spcBef>
               <a:buClr>
                 <a:srgbClr val="000000"/>
@@ -3044,7 +3047,7 @@
           <a:p>
             <a:pPr marL="432000" indent="-324000">
               <a:spcBef>
-                <a:spcPts val="1414"/>
+                <a:spcPts val="1417"/>
               </a:spcBef>
               <a:buClr>
                 <a:srgbClr val="000000"/>
@@ -3253,7 +3256,7 @@
         <p:spPr>
           <a:xfrm>
             <a:off x="684360" y="2205000"/>
-            <a:ext cx="7770960" cy="1468800"/>
+            <a:ext cx="7769880" cy="1467720"/>
           </a:xfrm>
           <a:prstGeom prst="rect">
             <a:avLst/>
@@ -3372,7 +3375,7 @@
         <p:spPr>
           <a:xfrm>
             <a:off x="0" y="274320"/>
-            <a:ext cx="7406640" cy="1004760"/>
+            <a:ext cx="7405560" cy="1003680"/>
           </a:xfrm>
           <a:prstGeom prst="rect">
             <a:avLst/>
@@ -3416,17 +3419,7 @@
                 <a:latin typeface="Arial"/>
                 <a:ea typeface="DejaVu Sans"/>
               </a:rPr>
-              <a:t>5G Network </a:t>
-            </a:r>
-            <a:r>
-              <a:rPr b="0" lang="en-US" sz="4400" spc="-1" strike="noStrike">
-                <a:solidFill>
-                  <a:srgbClr val="000000"/>
-                </a:solidFill>
-                <a:latin typeface="Arial"/>
-                <a:ea typeface="DejaVu Sans"/>
-              </a:rPr>
-              <a:t>Elements</a:t>
+              <a:t>5G Network Elements</a:t>
             </a:r>
             <a:endParaRPr b="0" lang="en-US" sz="4400" spc="-1" strike="noStrike">
               <a:latin typeface="Arial"/>
@@ -3443,7 +3436,7 @@
         <p:spPr>
           <a:xfrm>
             <a:off x="169200" y="1456200"/>
-            <a:ext cx="6780240" cy="2658600"/>
+            <a:ext cx="6779160" cy="2657520"/>
           </a:xfrm>
           <a:prstGeom prst="rect">
             <a:avLst/>
@@ -3464,7 +3457,7 @@
             <a:normAutofit/>
           </a:bodyPr>
           <a:p>
-            <a:pPr marL="182880" indent="-341280">
+            <a:pPr marL="182880" indent="-340200">
               <a:lnSpc>
                 <a:spcPct val="100000"/>
               </a:lnSpc>
@@ -3492,7 +3485,7 @@
             </a:endParaRPr>
           </a:p>
           <a:p>
-            <a:pPr marL="311040">
+            <a:pPr marL="311040" indent="-340200">
               <a:lnSpc>
                 <a:spcPct val="100000"/>
               </a:lnSpc>
@@ -3520,7 +3513,7 @@
             </a:endParaRPr>
           </a:p>
           <a:p>
-            <a:pPr marL="311040">
+            <a:pPr marL="311040" indent="-340200">
               <a:lnSpc>
                 <a:spcPct val="100000"/>
               </a:lnSpc>
@@ -3548,7 +3541,7 @@
             </a:endParaRPr>
           </a:p>
           <a:p>
-            <a:pPr marL="311040">
+            <a:pPr marL="311040" indent="-340200">
               <a:lnSpc>
                 <a:spcPct val="100000"/>
               </a:lnSpc>
@@ -3576,7 +3569,7 @@
             </a:endParaRPr>
           </a:p>
           <a:p>
-            <a:pPr marL="311040">
+            <a:pPr marL="311040" indent="-340200">
               <a:lnSpc>
                 <a:spcPct val="100000"/>
               </a:lnSpc>
@@ -3604,36 +3597,26 @@
             </a:endParaRPr>
           </a:p>
           <a:p>
-            <a:pPr marL="182880" indent="-341280">
+            <a:pPr>
               <a:lnSpc>
                 <a:spcPct val="100000"/>
               </a:lnSpc>
               <a:spcBef>
                 <a:spcPts val="865"/>
               </a:spcBef>
-              <a:buClr>
-                <a:srgbClr val="000000"/>
-              </a:buClr>
-              <a:buFont typeface="Arial"/>
-              <a:buChar char="•"/>
             </a:pPr>
             <a:endParaRPr b="0" lang="en-US" sz="2800" spc="-1" strike="noStrike">
               <a:latin typeface="Arial"/>
             </a:endParaRPr>
           </a:p>
           <a:p>
-            <a:pPr marL="182880" indent="-341280">
+            <a:pPr>
               <a:lnSpc>
                 <a:spcPct val="100000"/>
               </a:lnSpc>
               <a:spcBef>
                 <a:spcPts val="865"/>
               </a:spcBef>
-              <a:buClr>
-                <a:srgbClr val="000000"/>
-              </a:buClr>
-              <a:buFont typeface="Arial"/>
-              <a:buChar char="•"/>
             </a:pPr>
             <a:endParaRPr b="0" lang="en-US" sz="2800" spc="-1" strike="noStrike">
               <a:latin typeface="Arial"/>
@@ -3738,7 +3721,7 @@
         <p:spPr>
           <a:xfrm>
             <a:off x="0" y="274320"/>
-            <a:ext cx="7588440" cy="1035360"/>
+            <a:ext cx="7587360" cy="1034280"/>
           </a:xfrm>
           <a:prstGeom prst="rect">
             <a:avLst/>
@@ -3793,7 +3776,7 @@
         <p:spPr>
           <a:xfrm>
             <a:off x="457200" y="2136240"/>
-            <a:ext cx="6125040" cy="2448000"/>
+            <a:ext cx="6123960" cy="2446920"/>
           </a:xfrm>
           <a:prstGeom prst="rect">
             <a:avLst/>
@@ -3861,7 +3844,7 @@
         <p:spPr>
           <a:xfrm>
             <a:off x="0" y="274320"/>
-            <a:ext cx="7405560" cy="913320"/>
+            <a:ext cx="7404480" cy="912240"/>
           </a:xfrm>
           <a:prstGeom prst="rect">
             <a:avLst/>
@@ -3916,7 +3899,7 @@
         <p:spPr>
           <a:xfrm>
             <a:off x="548640" y="1554480"/>
-            <a:ext cx="6308280" cy="3198960"/>
+            <a:ext cx="6307200" cy="3197880"/>
           </a:xfrm>
           <a:prstGeom prst="rect">
             <a:avLst/>
@@ -3961,6 +3944,16 @@
 <file path=ppt/slides/slide13.xml><?xml version="1.0" encoding="utf-8"?>
 <p:sld xmlns:a="http://schemas.openxmlformats.org/drawingml/2006/main" xmlns:p="http://schemas.openxmlformats.org/presentationml/2006/main" xmlns:r="http://schemas.openxmlformats.org/officeDocument/2006/relationships" xmlns:p14="http://schemas.microsoft.com/office/powerpoint/2010/main" xmlns:p15="http://schemas.microsoft.com/office/powerpoint/2012/main" xmlns:mc="http://schemas.openxmlformats.org/markup-compatibility/2006">
   <p:cSld>
+    <p:bg>
+      <p:bgPr>
+        <a:blipFill rotWithShape="0">
+          <a:blip r:embed="rId1"/>
+          <a:stretch>
+            <a:fillRect/>
+          </a:stretch>
+        </a:blipFill>
+      </p:bgPr>
+    </p:bg>
     <p:spTree>
       <p:nvGrpSpPr>
         <p:cNvPr id="1" name=""/>
@@ -3984,7 +3977,7 @@
         <p:spPr>
           <a:xfrm>
             <a:off x="0" y="274320"/>
-            <a:ext cx="7497000" cy="1141560"/>
+            <a:ext cx="9143640" cy="912240"/>
           </a:xfrm>
           <a:prstGeom prst="rect">
             <a:avLst/>
@@ -4018,17 +4011,7 @@
                 <a:latin typeface="Arial"/>
                 <a:ea typeface="DejaVu Sans"/>
               </a:rPr>
-              <a:t>    </a:t>
-            </a:r>
-            <a:r>
-              <a:rPr b="0" lang="en-US" sz="4400" spc="-1" strike="noStrike">
-                <a:solidFill>
-                  <a:srgbClr val="000000"/>
-                </a:solidFill>
-                <a:latin typeface="Arial"/>
-                <a:ea typeface="DejaVu Sans"/>
-              </a:rPr>
-              <a:t>Why Formal Verification</a:t>
+              <a:t>How The Protocol Works</a:t>
             </a:r>
             <a:endParaRPr b="0" lang="en-US" sz="4400" spc="-1" strike="noStrike">
               <a:latin typeface="Arial"/>
@@ -4044,8 +4027,8 @@
         </p:nvSpPr>
         <p:spPr>
           <a:xfrm>
-            <a:off x="457200" y="1600200"/>
-            <a:ext cx="6582240" cy="4524480"/>
+            <a:off x="17076240" y="9692280"/>
+            <a:ext cx="2422800" cy="1188360"/>
           </a:xfrm>
           <a:prstGeom prst="rect">
             <a:avLst/>
@@ -4062,90 +4045,156 @@
           <a:fontRef idx="minor"/>
         </p:style>
         <p:txBody>
-          <a:bodyPr lIns="90000" rIns="90000" tIns="46800" bIns="46800">
-            <a:normAutofit/>
-          </a:bodyPr>
-          <a:p>
-            <a:pPr marL="342720" indent="-341280">
-              <a:lnSpc>
-                <a:spcPct val="100000"/>
-              </a:lnSpc>
-              <a:spcBef>
-                <a:spcPts val="799"/>
-              </a:spcBef>
-              <a:buClr>
-                <a:srgbClr val="000000"/>
-              </a:buClr>
-              <a:buFont typeface="Arial"/>
-              <a:buChar char="•"/>
+          <a:bodyPr lIns="90000" rIns="90000" tIns="45000" bIns="45000"/>
+          <a:p>
+            <a:pPr algn="ctr">
+              <a:lnSpc>
+                <a:spcPct val="100000"/>
+              </a:lnSpc>
             </a:pPr>
             <a:r>
               <a:rPr b="0" lang="en-US" sz="3200" spc="-1" strike="noStrike">
-                <a:solidFill>
-                  <a:srgbClr val="000000"/>
-                </a:solidFill>
-                <a:latin typeface="Arial"/>
-                <a:ea typeface="DejaVu Sans"/>
-              </a:rPr>
-              <a:t>It allows systematic testing of a protocol through mathematical verification</a:t>
+                <a:latin typeface="Arial"/>
+              </a:rPr>
+              <a:t>XRES*</a:t>
             </a:r>
             <a:endParaRPr b="0" lang="en-US" sz="3200" spc="-1" strike="noStrike">
               <a:latin typeface="Arial"/>
             </a:endParaRPr>
           </a:p>
-          <a:p>
-            <a:pPr marL="342720" indent="-341280">
-              <a:lnSpc>
-                <a:spcPct val="100000"/>
-              </a:lnSpc>
-              <a:spcBef>
-                <a:spcPts val="799"/>
-              </a:spcBef>
-              <a:buClr>
-                <a:srgbClr val="000000"/>
-              </a:buClr>
-              <a:buFont typeface="Arial"/>
-              <a:buChar char="•"/>
-            </a:pPr>
-            <a:r>
-              <a:rPr b="0" lang="en-US" sz="3200" spc="-1" strike="noStrike">
-                <a:solidFill>
-                  <a:srgbClr val="000000"/>
-                </a:solidFill>
-                <a:latin typeface="Arial"/>
-                <a:ea typeface="DejaVu Sans"/>
-              </a:rPr>
-              <a:t>Increasingly preferred over simulation or testing</a:t>
-            </a:r>
-            <a:endParaRPr b="0" lang="en-US" sz="3200" spc="-1" strike="noStrike">
-              <a:latin typeface="Arial"/>
-            </a:endParaRPr>
-          </a:p>
-          <a:p>
-            <a:pPr marL="342720" indent="-341280">
-              <a:lnSpc>
-                <a:spcPct val="100000"/>
-              </a:lnSpc>
-              <a:spcBef>
-                <a:spcPts val="799"/>
-              </a:spcBef>
-              <a:buClr>
-                <a:srgbClr val="000000"/>
-              </a:buClr>
-              <a:buFont typeface="Arial"/>
-              <a:buChar char="•"/>
-            </a:pPr>
-            <a:r>
-              <a:rPr b="0" lang="en-US" sz="3200" spc="-1" strike="noStrike">
-                <a:solidFill>
-                  <a:srgbClr val="000000"/>
-                </a:solidFill>
-                <a:latin typeface="Arial"/>
-                <a:ea typeface="DejaVu Sans"/>
-              </a:rPr>
-              <a:t>Automated with modern software</a:t>
-            </a:r>
-            <a:endParaRPr b="0" lang="en-US" sz="3200" spc="-1" strike="noStrike">
+        </p:txBody>
+      </p:sp>
+      <p:pic>
+        <p:nvPicPr>
+          <p:cNvPr id="105" name="" descr=""/>
+          <p:cNvPicPr/>
+          <p:nvPr/>
+        </p:nvPicPr>
+        <p:blipFill>
+          <a:blip r:embed="rId2"/>
+          <a:stretch/>
+        </p:blipFill>
+        <p:spPr>
+          <a:xfrm>
+            <a:off x="4699440" y="1438920"/>
+            <a:ext cx="4571640" cy="4571640"/>
+          </a:xfrm>
+          <a:prstGeom prst="rect">
+            <a:avLst/>
+          </a:prstGeom>
+          <a:ln>
+            <a:noFill/>
+          </a:ln>
+        </p:spPr>
+      </p:pic>
+      <p:pic>
+        <p:nvPicPr>
+          <p:cNvPr id="106" name="" descr=""/>
+          <p:cNvPicPr/>
+          <p:nvPr/>
+        </p:nvPicPr>
+        <p:blipFill>
+          <a:blip r:embed="rId3"/>
+          <a:stretch/>
+        </p:blipFill>
+        <p:spPr>
+          <a:xfrm>
+            <a:off x="274320" y="1371600"/>
+            <a:ext cx="4571640" cy="4571640"/>
+          </a:xfrm>
+          <a:prstGeom prst="rect">
+            <a:avLst/>
+          </a:prstGeom>
+          <a:ln>
+            <a:noFill/>
+          </a:ln>
+        </p:spPr>
+      </p:pic>
+      <p:sp>
+        <p:nvSpPr>
+          <p:cNvPr id="107" name="CustomShape 3"/>
+          <p:cNvSpPr/>
+          <p:nvPr/>
+        </p:nvSpPr>
+        <p:spPr>
+          <a:xfrm>
+            <a:off x="731520" y="5943600"/>
+            <a:ext cx="1737000" cy="345960"/>
+          </a:xfrm>
+          <a:prstGeom prst="rect">
+            <a:avLst/>
+          </a:prstGeom>
+          <a:noFill/>
+          <a:ln>
+            <a:noFill/>
+          </a:ln>
+        </p:spPr>
+        <p:style>
+          <a:lnRef idx="0"/>
+          <a:fillRef idx="0"/>
+          <a:effectRef idx="0"/>
+          <a:fontRef idx="minor"/>
+        </p:style>
+        <p:txBody>
+          <a:bodyPr lIns="90000" rIns="90000" tIns="45000" bIns="45000"/>
+          <a:p>
+            <a:pPr algn="ctr">
+              <a:lnSpc>
+                <a:spcPct val="100000"/>
+              </a:lnSpc>
+            </a:pPr>
+            <a:r>
+              <a:rPr b="0" lang="en-US" sz="1800" spc="-1" strike="noStrike">
+                <a:latin typeface="Arial"/>
+              </a:rPr>
+              <a:t>ARPF</a:t>
+            </a:r>
+            <a:endParaRPr b="0" lang="en-US" sz="1800" spc="-1" strike="noStrike">
+              <a:latin typeface="Arial"/>
+            </a:endParaRPr>
+          </a:p>
+        </p:txBody>
+      </p:sp>
+      <p:sp>
+        <p:nvSpPr>
+          <p:cNvPr id="108" name="CustomShape 4"/>
+          <p:cNvSpPr/>
+          <p:nvPr/>
+        </p:nvSpPr>
+        <p:spPr>
+          <a:xfrm>
+            <a:off x="6109920" y="5938920"/>
+            <a:ext cx="1371240" cy="345960"/>
+          </a:xfrm>
+          <a:prstGeom prst="rect">
+            <a:avLst/>
+          </a:prstGeom>
+          <a:noFill/>
+          <a:ln>
+            <a:noFill/>
+          </a:ln>
+        </p:spPr>
+        <p:style>
+          <a:lnRef idx="0"/>
+          <a:fillRef idx="0"/>
+          <a:effectRef idx="0"/>
+          <a:fontRef idx="minor"/>
+        </p:style>
+        <p:txBody>
+          <a:bodyPr lIns="90000" rIns="90000" tIns="45000" bIns="45000"/>
+          <a:p>
+            <a:pPr algn="ctr">
+              <a:lnSpc>
+                <a:spcPct val="100000"/>
+              </a:lnSpc>
+            </a:pPr>
+            <a:r>
+              <a:rPr b="0" lang="en-US" sz="1800" spc="-1" strike="noStrike">
+                <a:latin typeface="Arial"/>
+              </a:rPr>
+              <a:t>UE</a:t>
+            </a:r>
+            <a:endParaRPr b="0" lang="en-US" sz="1800" spc="-1" strike="noStrike">
               <a:latin typeface="Arial"/>
             </a:endParaRPr>
           </a:p>
@@ -4202,14 +4251,14 @@
       </p:grpSpPr>
       <p:sp>
         <p:nvSpPr>
-          <p:cNvPr id="105" name="CustomShape 1"/>
+          <p:cNvPr id="109" name="CustomShape 1"/>
           <p:cNvSpPr/>
           <p:nvPr/>
         </p:nvSpPr>
         <p:spPr>
           <a:xfrm>
             <a:off x="0" y="274320"/>
-            <a:ext cx="7497000" cy="1004760"/>
+            <a:ext cx="7495920" cy="1140480"/>
           </a:xfrm>
           <a:prstGeom prst="rect">
             <a:avLst/>
@@ -4243,7 +4292,7 @@
                 <a:latin typeface="Arial"/>
                 <a:ea typeface="DejaVu Sans"/>
               </a:rPr>
-              <a:t>  </a:t>
+              <a:t>    </a:t>
             </a:r>
             <a:r>
               <a:rPr b="0" lang="en-US" sz="4400" spc="-1" strike="noStrike">
@@ -4253,7 +4302,7 @@
                 <a:latin typeface="Arial"/>
                 <a:ea typeface="DejaVu Sans"/>
               </a:rPr>
-              <a:t>Types of Verification</a:t>
+              <a:t>Why Formal Verification</a:t>
             </a:r>
             <a:endParaRPr b="0" lang="en-US" sz="4400" spc="-1" strike="noStrike">
               <a:latin typeface="Arial"/>
@@ -4263,14 +4312,14 @@
       </p:sp>
       <p:sp>
         <p:nvSpPr>
-          <p:cNvPr id="106" name="CustomShape 2"/>
+          <p:cNvPr id="110" name="CustomShape 2"/>
           <p:cNvSpPr/>
           <p:nvPr/>
         </p:nvSpPr>
         <p:spPr>
           <a:xfrm>
             <a:off x="457200" y="1600200"/>
-            <a:ext cx="6582240" cy="4524480"/>
+            <a:ext cx="6581160" cy="4523400"/>
           </a:xfrm>
           <a:prstGeom prst="rect">
             <a:avLst/>
@@ -4291,7 +4340,7 @@
             <a:normAutofit/>
           </a:bodyPr>
           <a:p>
-            <a:pPr marL="342720" indent="-341280">
+            <a:pPr marL="342720" indent="-340200">
               <a:lnSpc>
                 <a:spcPct val="100000"/>
               </a:lnSpc>
@@ -4312,14 +4361,14 @@
                 <a:latin typeface="Arial"/>
                 <a:ea typeface="DejaVu Sans"/>
               </a:rPr>
-              <a:t>Two classes of verification</a:t>
+              <a:t>It allows systematic testing of a protocol through mathematical verification</a:t>
             </a:r>
             <a:endParaRPr b="0" lang="en-US" sz="3200" spc="-1" strike="noStrike">
               <a:latin typeface="Arial"/>
             </a:endParaRPr>
           </a:p>
           <a:p>
-            <a:pPr marL="342720" indent="-341280">
+            <a:pPr marL="342720" indent="-340200">
               <a:lnSpc>
                 <a:spcPct val="100000"/>
               </a:lnSpc>
@@ -4330,19 +4379,8 @@
                 <a:srgbClr val="000000"/>
               </a:buClr>
               <a:buFont typeface="Arial"/>
-              <a:buAutoNum type="arabicParenR"/>
-            </a:pPr>
-            <a:r>
-              <a:rPr b="0" lang="en-US" sz="3200" spc="-1" strike="noStrike" u="sng">
-                <a:solidFill>
-                  <a:srgbClr val="000000"/>
-                </a:solidFill>
-                <a:uFillTx/>
-                <a:latin typeface="Arial"/>
-                <a:ea typeface="DejaVu Sans"/>
-              </a:rPr>
-              <a:t>Model Checking</a:t>
-            </a:r>
+              <a:buChar char="•"/>
+            </a:pPr>
             <a:r>
               <a:rPr b="0" lang="en-US" sz="3200" spc="-1" strike="noStrike">
                 <a:solidFill>
@@ -4351,14 +4389,14 @@
                 <a:latin typeface="Arial"/>
                 <a:ea typeface="DejaVu Sans"/>
               </a:rPr>
-              <a:t>-Represents the protocol as a state machine and systematically tests that the protocol behaves as intended</a:t>
+              <a:t>Increasingly preferred over simulation or testing</a:t>
             </a:r>
             <a:endParaRPr b="0" lang="en-US" sz="3200" spc="-1" strike="noStrike">
               <a:latin typeface="Arial"/>
             </a:endParaRPr>
           </a:p>
           <a:p>
-            <a:pPr marL="342720" indent="-341280">
+            <a:pPr marL="342720" indent="-340200">
               <a:lnSpc>
                 <a:spcPct val="100000"/>
               </a:lnSpc>
@@ -4369,19 +4407,8 @@
                 <a:srgbClr val="000000"/>
               </a:buClr>
               <a:buFont typeface="Arial"/>
-              <a:buAutoNum type="arabicParenR"/>
-            </a:pPr>
-            <a:r>
-              <a:rPr b="0" lang="en-US" sz="3200" spc="-1" strike="noStrike" u="sng">
-                <a:solidFill>
-                  <a:srgbClr val="000000"/>
-                </a:solidFill>
-                <a:uFillTx/>
-                <a:latin typeface="Arial"/>
-                <a:ea typeface="DejaVu Sans"/>
-              </a:rPr>
-              <a:t>Logical Inference</a:t>
-            </a:r>
+              <a:buChar char="•"/>
+            </a:pPr>
             <a:r>
               <a:rPr b="0" lang="en-US" sz="3200" spc="-1" strike="noStrike">
                 <a:solidFill>
@@ -4390,7 +4417,7 @@
                 <a:latin typeface="Arial"/>
                 <a:ea typeface="DejaVu Sans"/>
               </a:rPr>
-              <a:t>-Mathematical proof that’s seldom automated and relies on verifier’s understanding of the system</a:t>
+              <a:t>Automated with modern software</a:t>
             </a:r>
             <a:endParaRPr b="0" lang="en-US" sz="3200" spc="-1" strike="noStrike">
               <a:latin typeface="Arial"/>
@@ -4449,14 +4476,14 @@
       </p:grpSpPr>
       <p:sp>
         <p:nvSpPr>
-          <p:cNvPr id="107" name="CustomShape 1"/>
+          <p:cNvPr id="111" name="CustomShape 1"/>
           <p:cNvSpPr/>
           <p:nvPr/>
         </p:nvSpPr>
         <p:spPr>
           <a:xfrm>
             <a:off x="0" y="274320"/>
-            <a:ext cx="7497000" cy="1141560"/>
+            <a:ext cx="7495920" cy="1003680"/>
           </a:xfrm>
           <a:prstGeom prst="rect">
             <a:avLst/>
@@ -4500,7 +4527,7 @@
                 <a:latin typeface="Arial"/>
                 <a:ea typeface="DejaVu Sans"/>
               </a:rPr>
-              <a:t>Verification Software</a:t>
+              <a:t>Types of Verification</a:t>
             </a:r>
             <a:endParaRPr b="0" lang="en-US" sz="4400" spc="-1" strike="noStrike">
               <a:latin typeface="Arial"/>
@@ -4510,14 +4537,14 @@
       </p:sp>
       <p:sp>
         <p:nvSpPr>
-          <p:cNvPr id="108" name="CustomShape 2"/>
+          <p:cNvPr id="112" name="CustomShape 2"/>
           <p:cNvSpPr/>
           <p:nvPr/>
         </p:nvSpPr>
         <p:spPr>
           <a:xfrm>
             <a:off x="457200" y="1600200"/>
-            <a:ext cx="8228160" cy="4524480"/>
+            <a:ext cx="6581160" cy="4523400"/>
           </a:xfrm>
           <a:prstGeom prst="rect">
             <a:avLst/>
@@ -4538,7 +4565,7 @@
             <a:normAutofit/>
           </a:bodyPr>
           <a:p>
-            <a:pPr marL="342720" indent="-341280">
+            <a:pPr marL="342720" indent="-340200">
               <a:lnSpc>
                 <a:spcPct val="100000"/>
               </a:lnSpc>
@@ -4559,14 +4586,14 @@
                 <a:latin typeface="Arial"/>
                 <a:ea typeface="DejaVu Sans"/>
               </a:rPr>
-              <a:t>Several Tools available:</a:t>
+              <a:t>Two classes of verification</a:t>
             </a:r>
             <a:endParaRPr b="0" lang="en-US" sz="3200" spc="-1" strike="noStrike">
               <a:latin typeface="Arial"/>
             </a:endParaRPr>
           </a:p>
           <a:p>
-            <a:pPr marL="164520" indent="-341280">
+            <a:pPr marL="342720" indent="-340200">
               <a:lnSpc>
                 <a:spcPct val="100000"/>
               </a:lnSpc>
@@ -4577,8 +4604,19 @@
                 <a:srgbClr val="000000"/>
               </a:buClr>
               <a:buFont typeface="Arial"/>
-              <a:buChar char="•"/>
-            </a:pPr>
+              <a:buAutoNum type="arabicParenR"/>
+            </a:pPr>
+            <a:r>
+              <a:rPr b="0" lang="en-US" sz="3200" spc="-1" strike="noStrike" u="sng">
+                <a:solidFill>
+                  <a:srgbClr val="000000"/>
+                </a:solidFill>
+                <a:uFillTx/>
+                <a:latin typeface="Arial"/>
+                <a:ea typeface="DejaVu Sans"/>
+              </a:rPr>
+              <a:t>Model Checking</a:t>
+            </a:r>
             <a:r>
               <a:rPr b="0" lang="en-US" sz="3200" spc="-1" strike="noStrike">
                 <a:solidFill>
@@ -4587,14 +4625,14 @@
                 <a:latin typeface="Arial"/>
                 <a:ea typeface="DejaVu Sans"/>
               </a:rPr>
-              <a:t>Tamarin Prover</a:t>
+              <a:t>-Represents the protocol as a state machine and systematically tests that the protocol behaves as intended</a:t>
             </a:r>
             <a:endParaRPr b="0" lang="en-US" sz="3200" spc="-1" strike="noStrike">
               <a:latin typeface="Arial"/>
             </a:endParaRPr>
           </a:p>
           <a:p>
-            <a:pPr marL="164520" indent="-341280">
+            <a:pPr marL="342720" indent="-340200">
               <a:lnSpc>
                 <a:spcPct val="100000"/>
               </a:lnSpc>
@@ -4605,8 +4643,19 @@
                 <a:srgbClr val="000000"/>
               </a:buClr>
               <a:buFont typeface="Arial"/>
-              <a:buChar char="•"/>
-            </a:pPr>
+              <a:buAutoNum type="arabicParenR"/>
+            </a:pPr>
+            <a:r>
+              <a:rPr b="0" lang="en-US" sz="3200" spc="-1" strike="noStrike" u="sng">
+                <a:solidFill>
+                  <a:srgbClr val="000000"/>
+                </a:solidFill>
+                <a:uFillTx/>
+                <a:latin typeface="Arial"/>
+                <a:ea typeface="DejaVu Sans"/>
+              </a:rPr>
+              <a:t>Logical Inference</a:t>
+            </a:r>
             <a:r>
               <a:rPr b="0" lang="en-US" sz="3200" spc="-1" strike="noStrike">
                 <a:solidFill>
@@ -4615,77 +4664,8 @@
                 <a:latin typeface="Arial"/>
                 <a:ea typeface="DejaVu Sans"/>
               </a:rPr>
-              <a:t>ProVerif</a:t>
-            </a:r>
-            <a:endParaRPr b="0" lang="en-US" sz="3200" spc="-1" strike="noStrike">
-              <a:latin typeface="Arial"/>
-            </a:endParaRPr>
-          </a:p>
-          <a:p>
-            <a:pPr marL="164520" indent="-341280">
-              <a:lnSpc>
-                <a:spcPct val="100000"/>
-              </a:lnSpc>
-              <a:spcBef>
-                <a:spcPts val="799"/>
-              </a:spcBef>
-              <a:buClr>
-                <a:srgbClr val="000000"/>
-              </a:buClr>
-              <a:buFont typeface="Arial"/>
-              <a:buChar char="•"/>
-            </a:pPr>
-            <a:r>
-              <a:rPr b="0" lang="en-US" sz="3200" spc="-1" strike="noStrike">
-                <a:solidFill>
-                  <a:srgbClr val="000000"/>
-                </a:solidFill>
-                <a:latin typeface="Arial"/>
-                <a:ea typeface="DejaVu Sans"/>
-              </a:rPr>
-              <a:t>AVISPA</a:t>
-            </a:r>
-            <a:endParaRPr b="0" lang="en-US" sz="3200" spc="-1" strike="noStrike">
-              <a:latin typeface="Arial"/>
-            </a:endParaRPr>
-          </a:p>
-          <a:p>
-            <a:pPr marL="164520" indent="-341280">
-              <a:lnSpc>
-                <a:spcPct val="100000"/>
-              </a:lnSpc>
-              <a:spcBef>
-                <a:spcPts val="799"/>
-              </a:spcBef>
-              <a:buClr>
-                <a:srgbClr val="000000"/>
-              </a:buClr>
-              <a:buFont typeface="Arial"/>
-              <a:buChar char="•"/>
-            </a:pPr>
-            <a:r>
-              <a:rPr b="0" lang="en-US" sz="3200" spc="-1" strike="noStrike">
-                <a:solidFill>
-                  <a:srgbClr val="000000"/>
-                </a:solidFill>
-                <a:latin typeface="Arial"/>
-                <a:ea typeface="DejaVu Sans"/>
-              </a:rPr>
-              <a:t>Maude-NPA</a:t>
-            </a:r>
-            <a:endParaRPr b="0" lang="en-US" sz="3200" spc="-1" strike="noStrike">
-              <a:latin typeface="Arial"/>
-            </a:endParaRPr>
-          </a:p>
-          <a:p>
-            <a:pPr>
-              <a:lnSpc>
-                <a:spcPct val="100000"/>
-              </a:lnSpc>
-              <a:spcBef>
-                <a:spcPts val="799"/>
-              </a:spcBef>
-            </a:pPr>
+              <a:t>-Mathematical proof that’s seldom automated and relies on verifier’s understanding of the system</a:t>
+            </a:r>
             <a:endParaRPr b="0" lang="en-US" sz="3200" spc="-1" strike="noStrike">
               <a:latin typeface="Arial"/>
             </a:endParaRPr>
@@ -4743,14 +4723,14 @@
       </p:grpSpPr>
       <p:sp>
         <p:nvSpPr>
-          <p:cNvPr id="109" name="CustomShape 1"/>
+          <p:cNvPr id="113" name="CustomShape 1"/>
           <p:cNvSpPr/>
           <p:nvPr/>
         </p:nvSpPr>
         <p:spPr>
           <a:xfrm>
             <a:off x="0" y="274320"/>
-            <a:ext cx="7405560" cy="1004760"/>
+            <a:ext cx="7495920" cy="1140480"/>
           </a:xfrm>
           <a:prstGeom prst="rect">
             <a:avLst/>
@@ -4784,7 +4764,7 @@
                 <a:latin typeface="Arial"/>
                 <a:ea typeface="DejaVu Sans"/>
               </a:rPr>
-              <a:t>   </a:t>
+              <a:t>  </a:t>
             </a:r>
             <a:r>
               <a:rPr b="0" lang="en-US" sz="4400" spc="-1" strike="noStrike">
@@ -4794,7 +4774,7 @@
                 <a:latin typeface="Arial"/>
                 <a:ea typeface="DejaVu Sans"/>
               </a:rPr>
-              <a:t>Methodology</a:t>
+              <a:t>Verification Software</a:t>
             </a:r>
             <a:endParaRPr b="0" lang="en-US" sz="4400" spc="-1" strike="noStrike">
               <a:latin typeface="Arial"/>
@@ -4804,14 +4784,14 @@
       </p:sp>
       <p:sp>
         <p:nvSpPr>
-          <p:cNvPr id="110" name="CustomShape 2"/>
+          <p:cNvPr id="114" name="CustomShape 2"/>
           <p:cNvSpPr/>
           <p:nvPr/>
         </p:nvSpPr>
         <p:spPr>
           <a:xfrm>
             <a:off x="457200" y="1600200"/>
-            <a:ext cx="6673680" cy="4524480"/>
+            <a:ext cx="8227080" cy="4523400"/>
           </a:xfrm>
           <a:prstGeom prst="rect">
             <a:avLst/>
@@ -4832,7 +4812,7 @@
             <a:normAutofit/>
           </a:bodyPr>
           <a:p>
-            <a:pPr marL="342720" indent="-341280">
+            <a:pPr marL="342720" indent="-340200">
               <a:lnSpc>
                 <a:spcPct val="100000"/>
               </a:lnSpc>
@@ -4843,7 +4823,7 @@
                 <a:srgbClr val="000000"/>
               </a:buClr>
               <a:buFont typeface="Arial"/>
-              <a:buAutoNum type="arabicParenR"/>
+              <a:buChar char="•"/>
             </a:pPr>
             <a:r>
               <a:rPr b="0" lang="en-US" sz="3200" spc="-1" strike="noStrike">
@@ -4853,14 +4833,14 @@
                 <a:latin typeface="Arial"/>
                 <a:ea typeface="DejaVu Sans"/>
               </a:rPr>
-              <a:t>Model 5G-AKA in the Tamarin Language</a:t>
+              <a:t>Several Tools available:</a:t>
             </a:r>
             <a:endParaRPr b="0" lang="en-US" sz="3200" spc="-1" strike="noStrike">
               <a:latin typeface="Arial"/>
             </a:endParaRPr>
           </a:p>
           <a:p>
-            <a:pPr marL="342720" indent="-341280">
+            <a:pPr marL="164520" indent="-340200">
               <a:lnSpc>
                 <a:spcPct val="100000"/>
               </a:lnSpc>
@@ -4871,7 +4851,7 @@
                 <a:srgbClr val="000000"/>
               </a:buClr>
               <a:buFont typeface="Arial"/>
-              <a:buAutoNum type="arabicParenR"/>
+              <a:buChar char="•"/>
             </a:pPr>
             <a:r>
               <a:rPr b="0" lang="en-US" sz="3200" spc="-1" strike="noStrike">
@@ -4881,14 +4861,14 @@
                 <a:latin typeface="Arial"/>
                 <a:ea typeface="DejaVu Sans"/>
               </a:rPr>
-              <a:t>Allow the software to test the protocol using the Dolev–Yao adversary model</a:t>
+              <a:t>Tamarin Prover</a:t>
             </a:r>
             <a:endParaRPr b="0" lang="en-US" sz="3200" spc="-1" strike="noStrike">
               <a:latin typeface="Arial"/>
             </a:endParaRPr>
           </a:p>
           <a:p>
-            <a:pPr marL="342720" indent="-341280">
+            <a:pPr marL="164520" indent="-340200">
               <a:lnSpc>
                 <a:spcPct val="100000"/>
               </a:lnSpc>
@@ -4899,7 +4879,7 @@
                 <a:srgbClr val="000000"/>
               </a:buClr>
               <a:buFont typeface="Arial"/>
-              <a:buAutoNum type="arabicParenR"/>
+              <a:buChar char="•"/>
             </a:pPr>
             <a:r>
               <a:rPr b="0" lang="en-US" sz="3200" spc="-1" strike="noStrike">
@@ -4909,8 +4889,77 @@
                 <a:latin typeface="Arial"/>
                 <a:ea typeface="DejaVu Sans"/>
               </a:rPr>
-              <a:t>Analyze the results</a:t>
-            </a:r>
+              <a:t>ProVerif</a:t>
+            </a:r>
+            <a:endParaRPr b="0" lang="en-US" sz="3200" spc="-1" strike="noStrike">
+              <a:latin typeface="Arial"/>
+            </a:endParaRPr>
+          </a:p>
+          <a:p>
+            <a:pPr marL="164520" indent="-340200">
+              <a:lnSpc>
+                <a:spcPct val="100000"/>
+              </a:lnSpc>
+              <a:spcBef>
+                <a:spcPts val="799"/>
+              </a:spcBef>
+              <a:buClr>
+                <a:srgbClr val="000000"/>
+              </a:buClr>
+              <a:buFont typeface="Arial"/>
+              <a:buChar char="•"/>
+            </a:pPr>
+            <a:r>
+              <a:rPr b="0" lang="en-US" sz="3200" spc="-1" strike="noStrike">
+                <a:solidFill>
+                  <a:srgbClr val="000000"/>
+                </a:solidFill>
+                <a:latin typeface="Arial"/>
+                <a:ea typeface="DejaVu Sans"/>
+              </a:rPr>
+              <a:t>AVISPA</a:t>
+            </a:r>
+            <a:endParaRPr b="0" lang="en-US" sz="3200" spc="-1" strike="noStrike">
+              <a:latin typeface="Arial"/>
+            </a:endParaRPr>
+          </a:p>
+          <a:p>
+            <a:pPr marL="164520" indent="-340200">
+              <a:lnSpc>
+                <a:spcPct val="100000"/>
+              </a:lnSpc>
+              <a:spcBef>
+                <a:spcPts val="799"/>
+              </a:spcBef>
+              <a:buClr>
+                <a:srgbClr val="000000"/>
+              </a:buClr>
+              <a:buFont typeface="Arial"/>
+              <a:buChar char="•"/>
+            </a:pPr>
+            <a:r>
+              <a:rPr b="0" lang="en-US" sz="3200" spc="-1" strike="noStrike">
+                <a:solidFill>
+                  <a:srgbClr val="000000"/>
+                </a:solidFill>
+                <a:latin typeface="Arial"/>
+                <a:ea typeface="DejaVu Sans"/>
+              </a:rPr>
+              <a:t>Maude-NPA</a:t>
+            </a:r>
+            <a:endParaRPr b="0" lang="en-US" sz="3200" spc="-1" strike="noStrike">
+              <a:latin typeface="Arial"/>
+            </a:endParaRPr>
+          </a:p>
+          <a:p>
+            <a:pPr>
+              <a:lnSpc>
+                <a:spcPct val="100000"/>
+              </a:lnSpc>
+              <a:spcBef>
+                <a:spcPts val="799"/>
+              </a:spcBef>
+            </a:pPr>
             <a:endParaRPr b="0" lang="en-US" sz="3200" spc="-1" strike="noStrike">
               <a:latin typeface="Arial"/>
             </a:endParaRPr>
@@ -4968,14 +5017,14 @@
       </p:grpSpPr>
       <p:sp>
         <p:nvSpPr>
-          <p:cNvPr id="111" name="CustomShape 1"/>
+          <p:cNvPr id="115" name="CustomShape 1"/>
           <p:cNvSpPr/>
           <p:nvPr/>
         </p:nvSpPr>
         <p:spPr>
           <a:xfrm>
             <a:off x="0" y="274320"/>
-            <a:ext cx="7497000" cy="1004760"/>
+            <a:ext cx="7404480" cy="1003680"/>
           </a:xfrm>
           <a:prstGeom prst="rect">
             <a:avLst/>
@@ -5019,7 +5068,7 @@
                 <a:latin typeface="Arial"/>
                 <a:ea typeface="DejaVu Sans"/>
               </a:rPr>
-              <a:t>Findings</a:t>
+              <a:t>Methodology</a:t>
             </a:r>
             <a:endParaRPr b="0" lang="en-US" sz="4400" spc="-1" strike="noStrike">
               <a:latin typeface="Arial"/>
@@ -5029,14 +5078,14 @@
       </p:sp>
       <p:sp>
         <p:nvSpPr>
-          <p:cNvPr id="112" name="CustomShape 2"/>
+          <p:cNvPr id="116" name="CustomShape 2"/>
           <p:cNvSpPr/>
           <p:nvPr/>
         </p:nvSpPr>
         <p:spPr>
           <a:xfrm>
             <a:off x="457200" y="1600200"/>
-            <a:ext cx="8228160" cy="4524480"/>
+            <a:ext cx="6672600" cy="4523400"/>
           </a:xfrm>
           <a:prstGeom prst="rect">
             <a:avLst/>
@@ -5052,6 +5101,95 @@
           <a:effectRef idx="0"/>
           <a:fontRef idx="minor"/>
         </p:style>
+        <p:txBody>
+          <a:bodyPr lIns="90000" rIns="90000" tIns="46800" bIns="46800">
+            <a:normAutofit/>
+          </a:bodyPr>
+          <a:p>
+            <a:pPr marL="342720" indent="-340200">
+              <a:lnSpc>
+                <a:spcPct val="100000"/>
+              </a:lnSpc>
+              <a:spcBef>
+                <a:spcPts val="799"/>
+              </a:spcBef>
+              <a:buClr>
+                <a:srgbClr val="000000"/>
+              </a:buClr>
+              <a:buFont typeface="Arial"/>
+              <a:buAutoNum type="arabicParenR"/>
+            </a:pPr>
+            <a:r>
+              <a:rPr b="0" lang="en-US" sz="3200" spc="-1" strike="noStrike">
+                <a:solidFill>
+                  <a:srgbClr val="000000"/>
+                </a:solidFill>
+                <a:latin typeface="Arial"/>
+                <a:ea typeface="DejaVu Sans"/>
+              </a:rPr>
+              <a:t>Model 5G-AKA in the Tamarin Language</a:t>
+            </a:r>
+            <a:endParaRPr b="0" lang="en-US" sz="3200" spc="-1" strike="noStrike">
+              <a:latin typeface="Arial"/>
+            </a:endParaRPr>
+          </a:p>
+          <a:p>
+            <a:pPr marL="342720" indent="-340200">
+              <a:lnSpc>
+                <a:spcPct val="100000"/>
+              </a:lnSpc>
+              <a:spcBef>
+                <a:spcPts val="799"/>
+              </a:spcBef>
+              <a:buClr>
+                <a:srgbClr val="000000"/>
+              </a:buClr>
+              <a:buFont typeface="Arial"/>
+              <a:buAutoNum type="arabicParenR"/>
+            </a:pPr>
+            <a:r>
+              <a:rPr b="0" lang="en-US" sz="3200" spc="-1" strike="noStrike">
+                <a:solidFill>
+                  <a:srgbClr val="000000"/>
+                </a:solidFill>
+                <a:latin typeface="Arial"/>
+                <a:ea typeface="DejaVu Sans"/>
+              </a:rPr>
+              <a:t>Test the protocol using the Dolev–Yao adversary model</a:t>
+            </a:r>
+            <a:endParaRPr b="0" lang="en-US" sz="3200" spc="-1" strike="noStrike">
+              <a:latin typeface="Arial"/>
+            </a:endParaRPr>
+          </a:p>
+          <a:p>
+            <a:pPr marL="342720" indent="-340200">
+              <a:lnSpc>
+                <a:spcPct val="100000"/>
+              </a:lnSpc>
+              <a:spcBef>
+                <a:spcPts val="799"/>
+              </a:spcBef>
+              <a:buClr>
+                <a:srgbClr val="000000"/>
+              </a:buClr>
+              <a:buFont typeface="Arial"/>
+              <a:buAutoNum type="arabicParenR"/>
+            </a:pPr>
+            <a:r>
+              <a:rPr b="0" lang="en-US" sz="3200" spc="-1" strike="noStrike">
+                <a:solidFill>
+                  <a:srgbClr val="000000"/>
+                </a:solidFill>
+                <a:latin typeface="Arial"/>
+                <a:ea typeface="DejaVu Sans"/>
+              </a:rPr>
+              <a:t>Analyze the results</a:t>
+            </a:r>
+            <a:endParaRPr b="0" lang="en-US" sz="3200" spc="-1" strike="noStrike">
+              <a:latin typeface="Arial"/>
+            </a:endParaRPr>
+          </a:p>
+        </p:txBody>
       </p:sp>
     </p:spTree>
   </p:cSld>
@@ -5104,14 +5242,14 @@
       </p:grpSpPr>
       <p:sp>
         <p:nvSpPr>
-          <p:cNvPr id="113" name="CustomShape 1"/>
+          <p:cNvPr id="117" name="CustomShape 1"/>
           <p:cNvSpPr/>
           <p:nvPr/>
         </p:nvSpPr>
         <p:spPr>
           <a:xfrm>
             <a:off x="0" y="274320"/>
-            <a:ext cx="7497000" cy="1004760"/>
+            <a:ext cx="7404480" cy="1003680"/>
           </a:xfrm>
           <a:prstGeom prst="rect">
             <a:avLst/>
@@ -5155,7 +5293,7 @@
                 <a:latin typeface="Arial"/>
                 <a:ea typeface="DejaVu Sans"/>
               </a:rPr>
-              <a:t>Discussion</a:t>
+              <a:t>The Tamarin Language</a:t>
             </a:r>
             <a:endParaRPr b="0" lang="en-US" sz="4400" spc="-1" strike="noStrike">
               <a:latin typeface="Arial"/>
@@ -5165,14 +5303,14 @@
       </p:sp>
       <p:sp>
         <p:nvSpPr>
-          <p:cNvPr id="114" name="CustomShape 2"/>
+          <p:cNvPr id="118" name="CustomShape 2"/>
           <p:cNvSpPr/>
           <p:nvPr/>
         </p:nvSpPr>
         <p:spPr>
           <a:xfrm>
             <a:off x="457200" y="1600200"/>
-            <a:ext cx="8228160" cy="4524480"/>
+            <a:ext cx="6672600" cy="4523400"/>
           </a:xfrm>
           <a:prstGeom prst="rect">
             <a:avLst/>
@@ -5188,6 +5326,90 @@
           <a:effectRef idx="0"/>
           <a:fontRef idx="minor"/>
         </p:style>
+        <p:txBody>
+          <a:bodyPr lIns="90000" rIns="90000" tIns="46800" bIns="46800">
+            <a:normAutofit/>
+          </a:bodyPr>
+          <a:p>
+            <a:pPr>
+              <a:lnSpc>
+                <a:spcPct val="100000"/>
+              </a:lnSpc>
+              <a:spcBef>
+                <a:spcPts val="799"/>
+              </a:spcBef>
+            </a:pPr>
+            <a:r>
+              <a:rPr b="0" lang="en-US" sz="3200" spc="-1" strike="noStrike">
+                <a:solidFill>
+                  <a:srgbClr val="000000"/>
+                </a:solidFill>
+                <a:latin typeface="Arial"/>
+                <a:ea typeface="DejaVu Sans"/>
+              </a:rPr>
+              <a:t>Two elements of Tamarin language</a:t>
+            </a:r>
+            <a:endParaRPr b="0" lang="en-US" sz="3200" spc="-1" strike="noStrike">
+              <a:latin typeface="Arial"/>
+            </a:endParaRPr>
+          </a:p>
+          <a:p>
+            <a:pPr marL="216000" indent="-216000">
+              <a:lnSpc>
+                <a:spcPct val="100000"/>
+              </a:lnSpc>
+              <a:spcBef>
+                <a:spcPts val="799"/>
+              </a:spcBef>
+              <a:buClr>
+                <a:srgbClr val="000000"/>
+              </a:buClr>
+              <a:buFont typeface="StarSymbol"/>
+              <a:buAutoNum type="arabicParenR"/>
+            </a:pPr>
+            <a:r>
+              <a:rPr b="0" lang="en-US" sz="3200" spc="-1" strike="noStrike">
+                <a:solidFill>
+                  <a:srgbClr val="000000"/>
+                </a:solidFill>
+                <a:latin typeface="Arial"/>
+                <a:ea typeface="DejaVu Sans"/>
+              </a:rPr>
+              <a:t>Rules-Composed of facts</a:t>
+            </a:r>
+            <a:endParaRPr b="0" lang="en-US" sz="3200" spc="-1" strike="noStrike">
+              <a:latin typeface="Arial"/>
+            </a:endParaRPr>
+          </a:p>
+          <a:p>
+            <a:pPr marL="216000" indent="-216000">
+              <a:lnSpc>
+                <a:spcPct val="100000"/>
+              </a:lnSpc>
+              <a:spcBef>
+                <a:spcPts val="799"/>
+              </a:spcBef>
+              <a:buClr>
+                <a:srgbClr val="000000"/>
+              </a:buClr>
+              <a:buFont typeface="StarSymbol"/>
+              <a:buAutoNum type="arabicParenR"/>
+            </a:pPr>
+            <a:r>
+              <a:rPr b="0" lang="en-US" sz="3200" spc="-1" strike="noStrike">
+                <a:solidFill>
+                  <a:srgbClr val="000000"/>
+                </a:solidFill>
+                <a:latin typeface="Arial"/>
+                <a:ea typeface="DejaVu Sans"/>
+              </a:rPr>
+              <a:t>Lemmas-What to prove</a:t>
+            </a:r>
+            <a:endParaRPr b="0" lang="en-US" sz="3200" spc="-1" strike="noStrike">
+              <a:latin typeface="Arial"/>
+            </a:endParaRPr>
+          </a:p>
+        </p:txBody>
       </p:sp>
     </p:spTree>
   </p:cSld>
@@ -5240,14 +5462,14 @@
       </p:grpSpPr>
       <p:sp>
         <p:nvSpPr>
-          <p:cNvPr id="115" name="CustomShape 1"/>
+          <p:cNvPr id="119" name="CustomShape 1"/>
           <p:cNvSpPr/>
           <p:nvPr/>
         </p:nvSpPr>
         <p:spPr>
           <a:xfrm>
             <a:off x="0" y="274320"/>
-            <a:ext cx="7405560" cy="1004760"/>
+            <a:ext cx="7404480" cy="1003680"/>
           </a:xfrm>
           <a:prstGeom prst="rect">
             <a:avLst/>
@@ -5281,7 +5503,17 @@
                 <a:latin typeface="Arial"/>
                 <a:ea typeface="DejaVu Sans"/>
               </a:rPr>
-              <a:t>Conclusion</a:t>
+              <a:t>   </a:t>
+            </a:r>
+            <a:r>
+              <a:rPr b="0" lang="en-US" sz="4400" spc="-1" strike="noStrike">
+                <a:solidFill>
+                  <a:srgbClr val="000000"/>
+                </a:solidFill>
+                <a:latin typeface="Arial"/>
+                <a:ea typeface="DejaVu Sans"/>
+              </a:rPr>
+              <a:t>Tamarin: Analyzing Results</a:t>
             </a:r>
             <a:endParaRPr b="0" lang="en-US" sz="4400" spc="-1" strike="noStrike">
               <a:latin typeface="Arial"/>
@@ -5291,14 +5523,14 @@
       </p:sp>
       <p:sp>
         <p:nvSpPr>
-          <p:cNvPr id="116" name="CustomShape 2"/>
+          <p:cNvPr id="120" name="CustomShape 2"/>
           <p:cNvSpPr/>
           <p:nvPr/>
         </p:nvSpPr>
         <p:spPr>
           <a:xfrm>
             <a:off x="457200" y="1600200"/>
-            <a:ext cx="8228160" cy="4524480"/>
+            <a:ext cx="6672600" cy="4523400"/>
           </a:xfrm>
           <a:prstGeom prst="rect">
             <a:avLst/>
@@ -5315,6 +5547,29 @@
           <a:fontRef idx="minor"/>
         </p:style>
       </p:sp>
+      <p:pic>
+        <p:nvPicPr>
+          <p:cNvPr id="121" name="" descr=""/>
+          <p:cNvPicPr/>
+          <p:nvPr/>
+        </p:nvPicPr>
+        <p:blipFill>
+          <a:blip r:embed="rId1"/>
+          <a:stretch/>
+        </p:blipFill>
+        <p:spPr>
+          <a:xfrm>
+            <a:off x="980640" y="1427040"/>
+            <a:ext cx="5029200" cy="4046040"/>
+          </a:xfrm>
+          <a:prstGeom prst="rect">
+            <a:avLst/>
+          </a:prstGeom>
+          <a:ln>
+            <a:noFill/>
+          </a:ln>
+        </p:spPr>
+      </p:pic>
     </p:spTree>
   </p:cSld>
   <p:timing>
@@ -5373,7 +5628,7 @@
         <p:spPr>
           <a:xfrm>
             <a:off x="0" y="274320"/>
-            <a:ext cx="7405560" cy="821880"/>
+            <a:ext cx="7404480" cy="820800"/>
           </a:xfrm>
           <a:prstGeom prst="rect">
             <a:avLst/>
@@ -5428,7 +5683,7 @@
         <p:spPr>
           <a:xfrm>
             <a:off x="414720" y="1417320"/>
-            <a:ext cx="6350400" cy="4524480"/>
+            <a:ext cx="6349320" cy="4523400"/>
           </a:xfrm>
           <a:prstGeom prst="rect">
             <a:avLst/>
@@ -5447,6 +5702,404 @@
           <p:childTnLst>
             <p:seq>
               <p:cTn id="4" dur="indefinite" nodeType="mainSeq"/>
+              <p:prevCondLst>
+                <p:cond delay="0" evt="onPrev">
+                  <p:tgtEl>
+                    <p:sldTgt/>
+                  </p:tgtEl>
+                </p:cond>
+              </p:prevCondLst>
+              <p:nextCondLst>
+                <p:cond delay="0" evt="onNext">
+                  <p:tgtEl>
+                    <p:sldTgt/>
+                  </p:tgtEl>
+                </p:cond>
+              </p:nextCondLst>
+            </p:seq>
+          </p:childTnLst>
+        </p:cTn>
+      </p:par>
+    </p:tnLst>
+  </p:timing>
+</p:sld>
+</file>
+
+<file path=ppt/slides/slide20.xml><?xml version="1.0" encoding="utf-8"?>
+<p:sld xmlns:a="http://schemas.openxmlformats.org/drawingml/2006/main" xmlns:p="http://schemas.openxmlformats.org/presentationml/2006/main" xmlns:r="http://schemas.openxmlformats.org/officeDocument/2006/relationships" xmlns:p14="http://schemas.microsoft.com/office/powerpoint/2010/main" xmlns:p15="http://schemas.microsoft.com/office/powerpoint/2012/main" xmlns:mc="http://schemas.openxmlformats.org/markup-compatibility/2006">
+  <p:cSld>
+    <p:spTree>
+      <p:nvGrpSpPr>
+        <p:cNvPr id="1" name=""/>
+        <p:cNvGrpSpPr/>
+        <p:nvPr/>
+      </p:nvGrpSpPr>
+      <p:grpSpPr>
+        <a:xfrm>
+          <a:off x="0" y="0"/>
+          <a:ext cx="0" cy="0"/>
+          <a:chOff x="0" y="0"/>
+          <a:chExt cx="0" cy="0"/>
+        </a:xfrm>
+      </p:grpSpPr>
+      <p:sp>
+        <p:nvSpPr>
+          <p:cNvPr id="122" name="CustomShape 1"/>
+          <p:cNvSpPr/>
+          <p:nvPr/>
+        </p:nvSpPr>
+        <p:spPr>
+          <a:xfrm>
+            <a:off x="0" y="274320"/>
+            <a:ext cx="7495920" cy="1003680"/>
+          </a:xfrm>
+          <a:prstGeom prst="rect">
+            <a:avLst/>
+          </a:prstGeom>
+          <a:solidFill>
+            <a:srgbClr val="adc5e7"/>
+          </a:solidFill>
+          <a:ln>
+            <a:noFill/>
+          </a:ln>
+        </p:spPr>
+        <p:style>
+          <a:lnRef idx="0"/>
+          <a:fillRef idx="0"/>
+          <a:effectRef idx="0"/>
+          <a:fontRef idx="minor"/>
+        </p:style>
+        <p:txBody>
+          <a:bodyPr lIns="90000" rIns="90000" tIns="46800" bIns="46800" anchor="ctr"/>
+          <a:p>
+            <a:pPr>
+              <a:lnSpc>
+                <a:spcPct val="100000"/>
+              </a:lnSpc>
+            </a:pPr>
+            <a:r>
+              <a:rPr b="0" lang="en-US" sz="4400" spc="-1" strike="noStrike">
+                <a:solidFill>
+                  <a:srgbClr val="000000"/>
+                </a:solidFill>
+                <a:latin typeface="Arial"/>
+                <a:ea typeface="DejaVu Sans"/>
+              </a:rPr>
+              <a:t>   </a:t>
+            </a:r>
+            <a:r>
+              <a:rPr b="0" lang="en-US" sz="4400" spc="-1" strike="noStrike">
+                <a:solidFill>
+                  <a:srgbClr val="000000"/>
+                </a:solidFill>
+                <a:latin typeface="Arial"/>
+                <a:ea typeface="DejaVu Sans"/>
+              </a:rPr>
+              <a:t>Findings</a:t>
+            </a:r>
+            <a:endParaRPr b="0" lang="en-US" sz="4400" spc="-1" strike="noStrike">
+              <a:latin typeface="Arial"/>
+            </a:endParaRPr>
+          </a:p>
+        </p:txBody>
+      </p:sp>
+      <p:sp>
+        <p:nvSpPr>
+          <p:cNvPr id="123" name="CustomShape 2"/>
+          <p:cNvSpPr/>
+          <p:nvPr/>
+        </p:nvSpPr>
+        <p:spPr>
+          <a:xfrm>
+            <a:off x="457200" y="1600200"/>
+            <a:ext cx="8227080" cy="4523400"/>
+          </a:xfrm>
+          <a:prstGeom prst="rect">
+            <a:avLst/>
+          </a:prstGeom>
+          <a:noFill/>
+          <a:ln>
+            <a:noFill/>
+          </a:ln>
+        </p:spPr>
+        <p:style>
+          <a:lnRef idx="0"/>
+          <a:fillRef idx="0"/>
+          <a:effectRef idx="0"/>
+          <a:fontRef idx="minor"/>
+        </p:style>
+      </p:sp>
+    </p:spTree>
+  </p:cSld>
+  <p:timing>
+    <p:tnLst>
+      <p:par>
+        <p:cTn id="39" dur="indefinite" restart="never" nodeType="tmRoot">
+          <p:childTnLst>
+            <p:seq>
+              <p:cTn id="40" dur="indefinite" nodeType="mainSeq"/>
+              <p:prevCondLst>
+                <p:cond delay="0" evt="onPrev">
+                  <p:tgtEl>
+                    <p:sldTgt/>
+                  </p:tgtEl>
+                </p:cond>
+              </p:prevCondLst>
+              <p:nextCondLst>
+                <p:cond delay="0" evt="onNext">
+                  <p:tgtEl>
+                    <p:sldTgt/>
+                  </p:tgtEl>
+                </p:cond>
+              </p:nextCondLst>
+            </p:seq>
+          </p:childTnLst>
+        </p:cTn>
+      </p:par>
+    </p:tnLst>
+  </p:timing>
+</p:sld>
+</file>
+
+<file path=ppt/slides/slide21.xml><?xml version="1.0" encoding="utf-8"?>
+<p:sld xmlns:a="http://schemas.openxmlformats.org/drawingml/2006/main" xmlns:p="http://schemas.openxmlformats.org/presentationml/2006/main" xmlns:r="http://schemas.openxmlformats.org/officeDocument/2006/relationships" xmlns:p14="http://schemas.microsoft.com/office/powerpoint/2010/main" xmlns:p15="http://schemas.microsoft.com/office/powerpoint/2012/main" xmlns:mc="http://schemas.openxmlformats.org/markup-compatibility/2006">
+  <p:cSld>
+    <p:spTree>
+      <p:nvGrpSpPr>
+        <p:cNvPr id="1" name=""/>
+        <p:cNvGrpSpPr/>
+        <p:nvPr/>
+      </p:nvGrpSpPr>
+      <p:grpSpPr>
+        <a:xfrm>
+          <a:off x="0" y="0"/>
+          <a:ext cx="0" cy="0"/>
+          <a:chOff x="0" y="0"/>
+          <a:chExt cx="0" cy="0"/>
+        </a:xfrm>
+      </p:grpSpPr>
+      <p:sp>
+        <p:nvSpPr>
+          <p:cNvPr id="124" name="CustomShape 1"/>
+          <p:cNvSpPr/>
+          <p:nvPr/>
+        </p:nvSpPr>
+        <p:spPr>
+          <a:xfrm>
+            <a:off x="0" y="274320"/>
+            <a:ext cx="7495920" cy="1003680"/>
+          </a:xfrm>
+          <a:prstGeom prst="rect">
+            <a:avLst/>
+          </a:prstGeom>
+          <a:solidFill>
+            <a:srgbClr val="adc5e7"/>
+          </a:solidFill>
+          <a:ln>
+            <a:noFill/>
+          </a:ln>
+        </p:spPr>
+        <p:style>
+          <a:lnRef idx="0"/>
+          <a:fillRef idx="0"/>
+          <a:effectRef idx="0"/>
+          <a:fontRef idx="minor"/>
+        </p:style>
+        <p:txBody>
+          <a:bodyPr lIns="90000" rIns="90000" tIns="46800" bIns="46800" anchor="ctr"/>
+          <a:p>
+            <a:pPr>
+              <a:lnSpc>
+                <a:spcPct val="100000"/>
+              </a:lnSpc>
+            </a:pPr>
+            <a:r>
+              <a:rPr b="0" lang="en-US" sz="4400" spc="-1" strike="noStrike">
+                <a:solidFill>
+                  <a:srgbClr val="000000"/>
+                </a:solidFill>
+                <a:latin typeface="Arial"/>
+                <a:ea typeface="DejaVu Sans"/>
+              </a:rPr>
+              <a:t>   </a:t>
+            </a:r>
+            <a:r>
+              <a:rPr b="0" lang="en-US" sz="4400" spc="-1" strike="noStrike">
+                <a:solidFill>
+                  <a:srgbClr val="000000"/>
+                </a:solidFill>
+                <a:latin typeface="Arial"/>
+                <a:ea typeface="DejaVu Sans"/>
+              </a:rPr>
+              <a:t>Discussion</a:t>
+            </a:r>
+            <a:endParaRPr b="0" lang="en-US" sz="4400" spc="-1" strike="noStrike">
+              <a:latin typeface="Arial"/>
+            </a:endParaRPr>
+          </a:p>
+        </p:txBody>
+      </p:sp>
+      <p:sp>
+        <p:nvSpPr>
+          <p:cNvPr id="125" name="CustomShape 2"/>
+          <p:cNvSpPr/>
+          <p:nvPr/>
+        </p:nvSpPr>
+        <p:spPr>
+          <a:xfrm>
+            <a:off x="457200" y="1600200"/>
+            <a:ext cx="8227080" cy="4523400"/>
+          </a:xfrm>
+          <a:prstGeom prst="rect">
+            <a:avLst/>
+          </a:prstGeom>
+          <a:noFill/>
+          <a:ln>
+            <a:noFill/>
+          </a:ln>
+        </p:spPr>
+        <p:style>
+          <a:lnRef idx="0"/>
+          <a:fillRef idx="0"/>
+          <a:effectRef idx="0"/>
+          <a:fontRef idx="minor"/>
+        </p:style>
+      </p:sp>
+    </p:spTree>
+  </p:cSld>
+  <p:timing>
+    <p:tnLst>
+      <p:par>
+        <p:cTn id="41" dur="indefinite" restart="never" nodeType="tmRoot">
+          <p:childTnLst>
+            <p:seq>
+              <p:cTn id="42" dur="indefinite" nodeType="mainSeq"/>
+              <p:prevCondLst>
+                <p:cond delay="0" evt="onPrev">
+                  <p:tgtEl>
+                    <p:sldTgt/>
+                  </p:tgtEl>
+                </p:cond>
+              </p:prevCondLst>
+              <p:nextCondLst>
+                <p:cond delay="0" evt="onNext">
+                  <p:tgtEl>
+                    <p:sldTgt/>
+                  </p:tgtEl>
+                </p:cond>
+              </p:nextCondLst>
+            </p:seq>
+          </p:childTnLst>
+        </p:cTn>
+      </p:par>
+    </p:tnLst>
+  </p:timing>
+</p:sld>
+</file>
+
+<file path=ppt/slides/slide22.xml><?xml version="1.0" encoding="utf-8"?>
+<p:sld xmlns:a="http://schemas.openxmlformats.org/drawingml/2006/main" xmlns:p="http://schemas.openxmlformats.org/presentationml/2006/main" xmlns:r="http://schemas.openxmlformats.org/officeDocument/2006/relationships" xmlns:p14="http://schemas.microsoft.com/office/powerpoint/2010/main" xmlns:p15="http://schemas.microsoft.com/office/powerpoint/2012/main" xmlns:mc="http://schemas.openxmlformats.org/markup-compatibility/2006">
+  <p:cSld>
+    <p:spTree>
+      <p:nvGrpSpPr>
+        <p:cNvPr id="1" name=""/>
+        <p:cNvGrpSpPr/>
+        <p:nvPr/>
+      </p:nvGrpSpPr>
+      <p:grpSpPr>
+        <a:xfrm>
+          <a:off x="0" y="0"/>
+          <a:ext cx="0" cy="0"/>
+          <a:chOff x="0" y="0"/>
+          <a:chExt cx="0" cy="0"/>
+        </a:xfrm>
+      </p:grpSpPr>
+      <p:sp>
+        <p:nvSpPr>
+          <p:cNvPr id="126" name="CustomShape 1"/>
+          <p:cNvSpPr/>
+          <p:nvPr/>
+        </p:nvSpPr>
+        <p:spPr>
+          <a:xfrm>
+            <a:off x="0" y="274320"/>
+            <a:ext cx="7404480" cy="1003680"/>
+          </a:xfrm>
+          <a:prstGeom prst="rect">
+            <a:avLst/>
+          </a:prstGeom>
+          <a:solidFill>
+            <a:srgbClr val="adc5e7"/>
+          </a:solidFill>
+          <a:ln>
+            <a:noFill/>
+          </a:ln>
+        </p:spPr>
+        <p:style>
+          <a:lnRef idx="0"/>
+          <a:fillRef idx="0"/>
+          <a:effectRef idx="0"/>
+          <a:fontRef idx="minor"/>
+        </p:style>
+        <p:txBody>
+          <a:bodyPr lIns="90000" rIns="90000" tIns="46800" bIns="46800" anchor="ctr"/>
+          <a:p>
+            <a:pPr>
+              <a:lnSpc>
+                <a:spcPct val="100000"/>
+              </a:lnSpc>
+            </a:pPr>
+            <a:r>
+              <a:rPr b="0" lang="en-US" sz="4400" spc="-1" strike="noStrike">
+                <a:solidFill>
+                  <a:srgbClr val="000000"/>
+                </a:solidFill>
+                <a:latin typeface="Arial"/>
+                <a:ea typeface="DejaVu Sans"/>
+              </a:rPr>
+              <a:t>Conclusion</a:t>
+            </a:r>
+            <a:endParaRPr b="0" lang="en-US" sz="4400" spc="-1" strike="noStrike">
+              <a:latin typeface="Arial"/>
+            </a:endParaRPr>
+          </a:p>
+        </p:txBody>
+      </p:sp>
+      <p:sp>
+        <p:nvSpPr>
+          <p:cNvPr id="127" name="CustomShape 2"/>
+          <p:cNvSpPr/>
+          <p:nvPr/>
+        </p:nvSpPr>
+        <p:spPr>
+          <a:xfrm>
+            <a:off x="457200" y="1600200"/>
+            <a:ext cx="8227080" cy="4523400"/>
+          </a:xfrm>
+          <a:prstGeom prst="rect">
+            <a:avLst/>
+          </a:prstGeom>
+          <a:noFill/>
+          <a:ln>
+            <a:noFill/>
+          </a:ln>
+        </p:spPr>
+        <p:style>
+          <a:lnRef idx="0"/>
+          <a:fillRef idx="0"/>
+          <a:effectRef idx="0"/>
+          <a:fontRef idx="minor"/>
+        </p:style>
+      </p:sp>
+    </p:spTree>
+  </p:cSld>
+  <p:timing>
+    <p:tnLst>
+      <p:par>
+        <p:cTn id="43" dur="indefinite" restart="never" nodeType="tmRoot">
+          <p:childTnLst>
+            <p:seq>
+              <p:cTn id="44" dur="indefinite" nodeType="mainSeq"/>
               <p:prevCondLst>
                 <p:cond delay="0" evt="onPrev">
                   <p:tgtEl>
@@ -5506,7 +6159,7 @@
         <p:spPr>
           <a:xfrm>
             <a:off x="0" y="274320"/>
-            <a:ext cx="9143280" cy="1004760"/>
+            <a:ext cx="9142200" cy="1003680"/>
           </a:xfrm>
           <a:prstGeom prst="rect">
             <a:avLst/>
@@ -5567,7 +6220,7 @@
         <p:spPr>
           <a:xfrm>
             <a:off x="457200" y="1456200"/>
-            <a:ext cx="7954920" cy="738000"/>
+            <a:ext cx="7953840" cy="736920"/>
           </a:xfrm>
           <a:prstGeom prst="rect">
             <a:avLst/>
@@ -5588,7 +6241,7 @@
             <a:normAutofit/>
           </a:bodyPr>
           <a:p>
-            <a:pPr marL="182880" indent="-341280">
+            <a:pPr marL="182880" indent="-340200">
               <a:lnSpc>
                 <a:spcPct val="100000"/>
               </a:lnSpc>
@@ -5616,7 +6269,7 @@
             </a:endParaRPr>
           </a:p>
           <a:p>
-            <a:pPr marL="182880" indent="-341280">
+            <a:pPr marL="182880" indent="-340200">
               <a:lnSpc>
                 <a:spcPct val="100000"/>
               </a:lnSpc>
@@ -5697,7 +6350,7 @@
         <p:spPr>
           <a:xfrm>
             <a:off x="3321360" y="2194560"/>
-            <a:ext cx="5486040" cy="3035520"/>
+            <a:ext cx="5484960" cy="3034440"/>
           </a:xfrm>
           <a:prstGeom prst="rect">
             <a:avLst/>
@@ -5716,7 +6369,7 @@
         <p:spPr>
           <a:xfrm>
             <a:off x="640080" y="2869200"/>
-            <a:ext cx="2559960" cy="1369800"/>
+            <a:ext cx="2558880" cy="1368720"/>
           </a:xfrm>
           <a:prstGeom prst="rect">
             <a:avLst/>
@@ -5735,7 +6388,7 @@
         <p:txBody>
           <a:bodyPr lIns="90000" rIns="90000" tIns="45000" bIns="45000"/>
           <a:p>
-            <a:pPr marL="216000" indent="-215640">
+            <a:pPr marL="216000" indent="-214560">
               <a:lnSpc>
                 <a:spcPct val="100000"/>
               </a:lnSpc>
@@ -5748,7 +6401,11 @@
             </a:pPr>
             <a:r>
               <a:rPr b="0" lang="en-US" sz="1800" spc="-1" strike="noStrike">
-                <a:latin typeface="Arial"/>
+                <a:solidFill>
+                  <a:srgbClr val="000000"/>
+                </a:solidFill>
+                <a:latin typeface="Arial"/>
+                <a:ea typeface="DejaVu Sans"/>
               </a:rPr>
               <a:t>IOT</a:t>
             </a:r>
@@ -5757,7 +6414,7 @@
             </a:endParaRPr>
           </a:p>
           <a:p>
-            <a:pPr marL="216000" indent="-215640">
+            <a:pPr marL="216000" indent="-214560">
               <a:lnSpc>
                 <a:spcPct val="100000"/>
               </a:lnSpc>
@@ -5770,7 +6427,11 @@
             </a:pPr>
             <a:r>
               <a:rPr b="0" lang="en-US" sz="1800" spc="-1" strike="noStrike">
-                <a:latin typeface="Arial"/>
+                <a:solidFill>
+                  <a:srgbClr val="000000"/>
+                </a:solidFill>
+                <a:latin typeface="Arial"/>
+                <a:ea typeface="DejaVu Sans"/>
               </a:rPr>
               <a:t>Autonomous Cars</a:t>
             </a:r>
@@ -5779,7 +6440,7 @@
             </a:endParaRPr>
           </a:p>
           <a:p>
-            <a:pPr marL="216000" indent="-215640">
+            <a:pPr marL="216000" indent="-214560">
               <a:lnSpc>
                 <a:spcPct val="100000"/>
               </a:lnSpc>
@@ -5792,7 +6453,11 @@
             </a:pPr>
             <a:r>
               <a:rPr b="0" lang="en-US" sz="1800" spc="-1" strike="noStrike">
-                <a:latin typeface="Arial"/>
+                <a:solidFill>
+                  <a:srgbClr val="000000"/>
+                </a:solidFill>
+                <a:latin typeface="Arial"/>
+                <a:ea typeface="DejaVu Sans"/>
               </a:rPr>
               <a:t>Utilities</a:t>
             </a:r>
@@ -5801,7 +6466,7 @@
             </a:endParaRPr>
           </a:p>
           <a:p>
-            <a:pPr marL="216000" indent="-215640">
+            <a:pPr marL="216000" indent="-214560">
               <a:lnSpc>
                 <a:spcPct val="100000"/>
               </a:lnSpc>
@@ -5814,7 +6479,11 @@
             </a:pPr>
             <a:r>
               <a:rPr b="0" lang="en-US" sz="1800" spc="-1" strike="noStrike">
-                <a:latin typeface="Arial"/>
+                <a:solidFill>
+                  <a:srgbClr val="000000"/>
+                </a:solidFill>
+                <a:latin typeface="Arial"/>
+                <a:ea typeface="DejaVu Sans"/>
               </a:rPr>
               <a:t>Machine-to-Machine communications</a:t>
             </a:r>
@@ -5892,7 +6561,7 @@
         <p:spPr>
           <a:xfrm>
             <a:off x="0" y="274320"/>
-            <a:ext cx="9143280" cy="1004760"/>
+            <a:ext cx="9142200" cy="1003680"/>
           </a:xfrm>
           <a:prstGeom prst="rect">
             <a:avLst/>
@@ -5953,7 +6622,7 @@
         <p:spPr>
           <a:xfrm>
             <a:off x="169200" y="1456200"/>
-            <a:ext cx="4663440" cy="2658600"/>
+            <a:ext cx="4662360" cy="2657520"/>
           </a:xfrm>
           <a:prstGeom prst="rect">
             <a:avLst/>
@@ -5974,7 +6643,7 @@
             <a:normAutofit/>
           </a:bodyPr>
           <a:p>
-            <a:pPr marL="182880" indent="-341280">
+            <a:pPr marL="182880" indent="-340200">
               <a:lnSpc>
                 <a:spcPct val="100000"/>
               </a:lnSpc>
@@ -6002,7 +6671,7 @@
             </a:endParaRPr>
           </a:p>
           <a:p>
-            <a:pPr marL="311040">
+            <a:pPr marL="311040" indent="-340200">
               <a:lnSpc>
                 <a:spcPct val="100000"/>
               </a:lnSpc>
@@ -6030,7 +6699,7 @@
             </a:endParaRPr>
           </a:p>
           <a:p>
-            <a:pPr marL="311040">
+            <a:pPr marL="311040" indent="-340200">
               <a:lnSpc>
                 <a:spcPct val="100000"/>
               </a:lnSpc>
@@ -6058,7 +6727,7 @@
             </a:endParaRPr>
           </a:p>
           <a:p>
-            <a:pPr marL="311040">
+            <a:pPr marL="311040" indent="-340200">
               <a:lnSpc>
                 <a:spcPct val="100000"/>
               </a:lnSpc>
@@ -6086,7 +6755,7 @@
             </a:endParaRPr>
           </a:p>
           <a:p>
-            <a:pPr marL="311040">
+            <a:pPr marL="311040" indent="-340200">
               <a:lnSpc>
                 <a:spcPct val="100000"/>
               </a:lnSpc>
@@ -6114,18 +6783,13 @@
             </a:endParaRPr>
           </a:p>
           <a:p>
-            <a:pPr marL="182880" indent="-341280">
+            <a:pPr>
               <a:lnSpc>
                 <a:spcPct val="100000"/>
               </a:lnSpc>
               <a:spcBef>
                 <a:spcPts val="865"/>
               </a:spcBef>
-              <a:buClr>
-                <a:srgbClr val="000000"/>
-              </a:buClr>
-              <a:buFont typeface="Arial"/>
-              <a:buChar char="•"/>
             </a:pPr>
             <a:endParaRPr b="0" lang="en-US" sz="2800" spc="-1" strike="noStrike">
               <a:latin typeface="Arial"/>
@@ -6185,7 +6849,7 @@
         <p:spPr>
           <a:xfrm>
             <a:off x="4921200" y="1828080"/>
-            <a:ext cx="3988080" cy="2538720"/>
+            <a:ext cx="3987000" cy="2537640"/>
           </a:xfrm>
           <a:prstGeom prst="rect">
             <a:avLst/>
@@ -6253,7 +6917,7 @@
         <p:spPr>
           <a:xfrm>
             <a:off x="0" y="274320"/>
-            <a:ext cx="7405560" cy="1096200"/>
+            <a:ext cx="7404480" cy="1095120"/>
           </a:xfrm>
           <a:prstGeom prst="rect">
             <a:avLst/>
@@ -6314,7 +6978,7 @@
         <p:spPr>
           <a:xfrm>
             <a:off x="457200" y="1600200"/>
-            <a:ext cx="6856560" cy="4524480"/>
+            <a:ext cx="6855480" cy="4523400"/>
           </a:xfrm>
           <a:prstGeom prst="rect">
             <a:avLst/>
@@ -6335,7 +6999,7 @@
             <a:normAutofit/>
           </a:bodyPr>
           <a:p>
-            <a:pPr marL="342720" indent="-341280">
+            <a:pPr marL="342720" indent="-340200">
               <a:lnSpc>
                 <a:spcPct val="100000"/>
               </a:lnSpc>
@@ -6363,7 +7027,7 @@
             </a:endParaRPr>
           </a:p>
           <a:p>
-            <a:pPr marL="342720" indent="-341280">
+            <a:pPr marL="342720" indent="-340200">
               <a:lnSpc>
                 <a:spcPct val="100000"/>
               </a:lnSpc>
@@ -6391,7 +7055,7 @@
             </a:endParaRPr>
           </a:p>
           <a:p>
-            <a:pPr marL="342720" indent="-341280">
+            <a:pPr marL="342720" indent="-340200">
               <a:lnSpc>
                 <a:spcPct val="100000"/>
               </a:lnSpc>
@@ -6419,7 +7083,7 @@
             </a:endParaRPr>
           </a:p>
           <a:p>
-            <a:pPr marL="342720" indent="-341280">
+            <a:pPr marL="342720" indent="-340200">
               <a:lnSpc>
                 <a:spcPct val="100000"/>
               </a:lnSpc>
@@ -6506,7 +7170,7 @@
         <p:spPr>
           <a:xfrm>
             <a:off x="0" y="128520"/>
-            <a:ext cx="7497000" cy="1150560"/>
+            <a:ext cx="7495920" cy="1149480"/>
           </a:xfrm>
           <a:prstGeom prst="rect">
             <a:avLst/>
@@ -6557,7 +7221,7 @@
         <p:spPr>
           <a:xfrm>
             <a:off x="457200" y="1600200"/>
-            <a:ext cx="6765120" cy="4524480"/>
+            <a:ext cx="6764040" cy="4523400"/>
           </a:xfrm>
           <a:prstGeom prst="rect">
             <a:avLst/>
@@ -6578,7 +7242,7 @@
             <a:normAutofit/>
           </a:bodyPr>
           <a:p>
-            <a:pPr marL="342720" indent="-341280">
+            <a:pPr marL="342720" indent="-340200">
               <a:lnSpc>
                 <a:spcPct val="100000"/>
               </a:lnSpc>
@@ -6606,7 +7270,7 @@
             </a:endParaRPr>
           </a:p>
           <a:p>
-            <a:pPr marL="342720" indent="-341280">
+            <a:pPr marL="342720" indent="-340200">
               <a:lnSpc>
                 <a:spcPct val="100000"/>
               </a:lnSpc>
@@ -6644,7 +7308,7 @@
             </a:endParaRPr>
           </a:p>
           <a:p>
-            <a:pPr marL="342720" indent="-341280">
+            <a:pPr marL="342720" indent="-340200">
               <a:lnSpc>
                 <a:spcPct val="100000"/>
               </a:lnSpc>
@@ -6682,7 +7346,7 @@
             </a:endParaRPr>
           </a:p>
           <a:p>
-            <a:pPr marL="342720" indent="-341280">
+            <a:pPr marL="342720" indent="-340200">
               <a:lnSpc>
                 <a:spcPct val="100000"/>
               </a:lnSpc>
@@ -6720,7 +7384,7 @@
             </a:endParaRPr>
           </a:p>
           <a:p>
-            <a:pPr marL="342720" indent="-341280">
+            <a:pPr marL="342720" indent="-340200">
               <a:lnSpc>
                 <a:spcPct val="100000"/>
               </a:lnSpc>
@@ -6827,7 +7491,7 @@
         <p:spPr>
           <a:xfrm>
             <a:off x="0" y="274320"/>
-            <a:ext cx="9143280" cy="1004760"/>
+            <a:ext cx="9142200" cy="1003680"/>
           </a:xfrm>
           <a:prstGeom prst="rect">
             <a:avLst/>
@@ -6888,7 +7552,7 @@
         <p:spPr>
           <a:xfrm>
             <a:off x="169200" y="1456200"/>
-            <a:ext cx="4663440" cy="2658600"/>
+            <a:ext cx="4662360" cy="2657520"/>
           </a:xfrm>
           <a:prstGeom prst="rect">
             <a:avLst/>
@@ -6909,7 +7573,7 @@
             <a:normAutofit/>
           </a:bodyPr>
           <a:p>
-            <a:pPr marL="182880" indent="-341280">
+            <a:pPr marL="182880" indent="-340200">
               <a:lnSpc>
                 <a:spcPct val="100000"/>
               </a:lnSpc>
@@ -6937,7 +7601,7 @@
             </a:endParaRPr>
           </a:p>
           <a:p>
-            <a:pPr marL="182880" indent="-341280">
+            <a:pPr marL="182880" indent="-340200">
               <a:lnSpc>
                 <a:spcPct val="100000"/>
               </a:lnSpc>
@@ -6965,7 +7629,7 @@
             </a:endParaRPr>
           </a:p>
           <a:p>
-            <a:pPr marL="182880" indent="-341280">
+            <a:pPr marL="182880" indent="-340200">
               <a:lnSpc>
                 <a:spcPct val="100000"/>
               </a:lnSpc>
@@ -6993,7 +7657,7 @@
             </a:endParaRPr>
           </a:p>
           <a:p>
-            <a:pPr marL="182880" indent="-341280">
+            <a:pPr marL="182880" indent="-340200">
               <a:lnSpc>
                 <a:spcPct val="100000"/>
               </a:lnSpc>
@@ -7021,7 +7685,7 @@
             </a:endParaRPr>
           </a:p>
           <a:p>
-            <a:pPr marL="182880" indent="-341280">
+            <a:pPr marL="182880" indent="-340200">
               <a:lnSpc>
                 <a:spcPct val="100000"/>
               </a:lnSpc>
@@ -7049,7 +7713,7 @@
             </a:endParaRPr>
           </a:p>
           <a:p>
-            <a:pPr marL="182880" indent="-341280">
+            <a:pPr marL="182880" indent="-340200">
               <a:lnSpc>
                 <a:spcPct val="100000"/>
               </a:lnSpc>
@@ -7077,18 +7741,13 @@
             </a:endParaRPr>
           </a:p>
           <a:p>
-            <a:pPr marL="182880" indent="-341280">
+            <a:pPr>
               <a:lnSpc>
                 <a:spcPct val="100000"/>
               </a:lnSpc>
               <a:spcBef>
                 <a:spcPts val="865"/>
               </a:spcBef>
-              <a:buClr>
-                <a:srgbClr val="000000"/>
-              </a:buClr>
-              <a:buFont typeface="Arial"/>
-              <a:buChar char="•"/>
             </a:pPr>
             <a:endParaRPr b="0" lang="en-US" sz="2800" spc="-1" strike="noStrike">
               <a:latin typeface="Arial"/>
@@ -7148,7 +7807,7 @@
         <p:spPr>
           <a:xfrm>
             <a:off x="6217920" y="2011680"/>
-            <a:ext cx="1971360" cy="2085480"/>
+            <a:ext cx="1970280" cy="2084400"/>
           </a:xfrm>
           <a:prstGeom prst="rect">
             <a:avLst/>
@@ -7226,7 +7885,7 @@
         <p:spPr>
           <a:xfrm>
             <a:off x="0" y="274320"/>
-            <a:ext cx="7498080" cy="1004760"/>
+            <a:ext cx="7497000" cy="1003680"/>
           </a:xfrm>
           <a:prstGeom prst="rect">
             <a:avLst/>
@@ -7287,7 +7946,7 @@
         <p:spPr>
           <a:xfrm>
             <a:off x="169200" y="1456200"/>
-            <a:ext cx="6505920" cy="2658600"/>
+            <a:ext cx="6504840" cy="2657520"/>
           </a:xfrm>
           <a:prstGeom prst="rect">
             <a:avLst/>
@@ -7308,7 +7967,7 @@
             <a:normAutofit/>
           </a:bodyPr>
           <a:p>
-            <a:pPr marL="182880" indent="-341280">
+            <a:pPr marL="182880" indent="-340200">
               <a:lnSpc>
                 <a:spcPct val="100000"/>
               </a:lnSpc>
@@ -7336,7 +7995,7 @@
             </a:endParaRPr>
           </a:p>
           <a:p>
-            <a:pPr marL="420480">
+            <a:pPr marL="420480" indent="-340200">
               <a:lnSpc>
                 <a:spcPct val="100000"/>
               </a:lnSpc>
@@ -7364,7 +8023,7 @@
             </a:endParaRPr>
           </a:p>
           <a:p>
-            <a:pPr marL="420480">
+            <a:pPr marL="420480" indent="-340200">
               <a:lnSpc>
                 <a:spcPct val="100000"/>
               </a:lnSpc>
@@ -7412,7 +8071,7 @@
             </a:endParaRPr>
           </a:p>
           <a:p>
-            <a:pPr marL="420480">
+            <a:pPr marL="420480" indent="-340200">
               <a:lnSpc>
                 <a:spcPct val="100000"/>
               </a:lnSpc>
@@ -7460,36 +8119,26 @@
             </a:endParaRPr>
           </a:p>
           <a:p>
-            <a:pPr marL="182880" indent="-341280">
+            <a:pPr>
               <a:lnSpc>
                 <a:spcPct val="100000"/>
               </a:lnSpc>
               <a:spcBef>
                 <a:spcPts val="865"/>
               </a:spcBef>
-              <a:buClr>
-                <a:srgbClr val="000000"/>
-              </a:buClr>
-              <a:buFont typeface="Arial"/>
-              <a:buChar char="•"/>
             </a:pPr>
             <a:endParaRPr b="0" lang="en-US" sz="2800" spc="-1" strike="noStrike">
               <a:latin typeface="Arial"/>
             </a:endParaRPr>
           </a:p>
           <a:p>
-            <a:pPr marL="182880" indent="-341280">
+            <a:pPr>
               <a:lnSpc>
                 <a:spcPct val="100000"/>
               </a:lnSpc>
               <a:spcBef>
                 <a:spcPts val="865"/>
               </a:spcBef>
-              <a:buClr>
-                <a:srgbClr val="000000"/>
-              </a:buClr>
-              <a:buFont typeface="Arial"/>
-              <a:buChar char="•"/>
             </a:pPr>
             <a:endParaRPr b="0" lang="en-US" sz="2800" spc="-1" strike="noStrike">
               <a:latin typeface="Arial"/>
@@ -7604,7 +8253,7 @@
         <p:spPr>
           <a:xfrm>
             <a:off x="0" y="274320"/>
-            <a:ext cx="7406640" cy="1004760"/>
+            <a:ext cx="7405560" cy="1003680"/>
           </a:xfrm>
           <a:prstGeom prst="rect">
             <a:avLst/>
@@ -7665,7 +8314,7 @@
         <p:spPr>
           <a:xfrm>
             <a:off x="169200" y="1456200"/>
-            <a:ext cx="4663440" cy="2658600"/>
+            <a:ext cx="4662360" cy="2657520"/>
           </a:xfrm>
           <a:prstGeom prst="rect">
             <a:avLst/>
@@ -7686,7 +8335,7 @@
             <a:normAutofit/>
           </a:bodyPr>
           <a:p>
-            <a:pPr marL="182880" indent="-341280">
+            <a:pPr marL="182880" indent="-340200">
               <a:lnSpc>
                 <a:spcPct val="100000"/>
               </a:lnSpc>
@@ -7714,7 +8363,7 @@
             </a:endParaRPr>
           </a:p>
           <a:p>
-            <a:pPr marL="311040">
+            <a:pPr marL="311040" indent="-340200">
               <a:lnSpc>
                 <a:spcPct val="100000"/>
               </a:lnSpc>
@@ -7742,7 +8391,7 @@
             </a:endParaRPr>
           </a:p>
           <a:p>
-            <a:pPr marL="311040">
+            <a:pPr marL="311040" indent="-340200">
               <a:lnSpc>
                 <a:spcPct val="100000"/>
               </a:lnSpc>
@@ -7770,7 +8419,7 @@
             </a:endParaRPr>
           </a:p>
           <a:p>
-            <a:pPr marL="311040">
+            <a:pPr marL="311040" indent="-340200">
               <a:lnSpc>
                 <a:spcPct val="100000"/>
               </a:lnSpc>
@@ -7791,43 +8440,33 @@
                 <a:latin typeface="Arial"/>
                 <a:ea typeface="DejaVu Sans"/>
               </a:rPr>
-              <a:t>Informs the UDM(contains ARPF) of the result of authentication</a:t>
+              <a:t>Informs the UDM (contains ARPF) of the result of authentication</a:t>
             </a:r>
             <a:endParaRPr b="0" lang="en-US" sz="2800" spc="-1" strike="noStrike">
               <a:latin typeface="Arial"/>
             </a:endParaRPr>
           </a:p>
           <a:p>
-            <a:pPr marL="311040">
+            <a:pPr>
               <a:lnSpc>
                 <a:spcPct val="100000"/>
               </a:lnSpc>
               <a:spcBef>
                 <a:spcPts val="865"/>
               </a:spcBef>
-              <a:buClr>
-                <a:srgbClr val="000000"/>
-              </a:buClr>
-              <a:buFont typeface="Arial"/>
-              <a:buChar char="•"/>
             </a:pPr>
             <a:endParaRPr b="0" lang="en-US" sz="2800" spc="-1" strike="noStrike">
               <a:latin typeface="Arial"/>
             </a:endParaRPr>
           </a:p>
           <a:p>
-            <a:pPr marL="182880" indent="-341280">
+            <a:pPr>
               <a:lnSpc>
                 <a:spcPct val="100000"/>
               </a:lnSpc>
               <a:spcBef>
                 <a:spcPts val="865"/>
               </a:spcBef>
-              <a:buClr>
-                <a:srgbClr val="000000"/>
-              </a:buClr>
-              <a:buFont typeface="Arial"/>
-              <a:buChar char="•"/>
             </a:pPr>
             <a:endParaRPr b="0" lang="en-US" sz="2800" spc="-1" strike="noStrike">
               <a:latin typeface="Arial"/>

--- a/ppt/5gakaPpt.pptx
+++ b/ppt/5gakaPpt.pptx
@@ -2752,7 +2752,43 @@
               <a:rPr b="0" lang="en-US" sz="4400" spc="-1" strike="noStrike">
                 <a:latin typeface="Arial"/>
               </a:rPr>
-              <a:t>Click to edit the title text format</a:t>
+              <a:t>Click </a:t>
+            </a:r>
+            <a:r>
+              <a:rPr b="0" lang="en-US" sz="4400" spc="-1" strike="noStrike">
+                <a:latin typeface="Arial"/>
+              </a:rPr>
+              <a:t>to edit </a:t>
+            </a:r>
+            <a:r>
+              <a:rPr b="0" lang="en-US" sz="4400" spc="-1" strike="noStrike">
+                <a:latin typeface="Arial"/>
+              </a:rPr>
+              <a:t>the </a:t>
+            </a:r>
+            <a:r>
+              <a:rPr b="0" lang="en-US" sz="4400" spc="-1" strike="noStrike">
+                <a:latin typeface="Arial"/>
+              </a:rPr>
+              <a:t>title </a:t>
+            </a:r>
+            <a:r>
+              <a:rPr b="0" lang="en-US" sz="4400" spc="-1" strike="noStrike">
+                <a:latin typeface="Arial"/>
+              </a:rPr>
+              <a:t>text </a:t>
+            </a:r>
+            <a:r>
+              <a:rPr b="0" lang="en-US" sz="4400" spc="-1" strike="noStrike">
+                <a:latin typeface="Arial"/>
+              </a:rPr>
+              <a:t>forma</a:t>
+            </a:r>
+            <a:r>
+              <a:rPr b="0" lang="en-US" sz="4400" spc="-1" strike="noStrike">
+                <a:latin typeface="Arial"/>
+              </a:rPr>
+              <a:t>t</a:t>
             </a:r>
             <a:endParaRPr b="0" lang="en-US" sz="4400" spc="-1" strike="noStrike">
               <a:latin typeface="Arial"/>
@@ -3256,7 +3292,7 @@
         <p:spPr>
           <a:xfrm>
             <a:off x="684360" y="2205000"/>
-            <a:ext cx="7769880" cy="1467720"/>
+            <a:ext cx="7769520" cy="1467360"/>
           </a:xfrm>
           <a:prstGeom prst="rect">
             <a:avLst/>
@@ -3375,7 +3411,7 @@
         <p:spPr>
           <a:xfrm>
             <a:off x="0" y="274320"/>
-            <a:ext cx="7405560" cy="1003680"/>
+            <a:ext cx="7405200" cy="1003320"/>
           </a:xfrm>
           <a:prstGeom prst="rect">
             <a:avLst/>
@@ -3436,7 +3472,7 @@
         <p:spPr>
           <a:xfrm>
             <a:off x="169200" y="1456200"/>
-            <a:ext cx="6779160" cy="2657520"/>
+            <a:ext cx="6778800" cy="2657160"/>
           </a:xfrm>
           <a:prstGeom prst="rect">
             <a:avLst/>
@@ -3457,7 +3493,7 @@
             <a:normAutofit/>
           </a:bodyPr>
           <a:p>
-            <a:pPr marL="182880" indent="-340200">
+            <a:pPr marL="182880" indent="-339840">
               <a:lnSpc>
                 <a:spcPct val="100000"/>
               </a:lnSpc>
@@ -3485,7 +3521,7 @@
             </a:endParaRPr>
           </a:p>
           <a:p>
-            <a:pPr marL="311040" indent="-340200">
+            <a:pPr marL="311040" indent="-339840">
               <a:lnSpc>
                 <a:spcPct val="100000"/>
               </a:lnSpc>
@@ -3513,7 +3549,7 @@
             </a:endParaRPr>
           </a:p>
           <a:p>
-            <a:pPr marL="311040" indent="-340200">
+            <a:pPr marL="311040" indent="-339840">
               <a:lnSpc>
                 <a:spcPct val="100000"/>
               </a:lnSpc>
@@ -3541,7 +3577,7 @@
             </a:endParaRPr>
           </a:p>
           <a:p>
-            <a:pPr marL="311040" indent="-340200">
+            <a:pPr marL="311040" indent="-339840">
               <a:lnSpc>
                 <a:spcPct val="100000"/>
               </a:lnSpc>
@@ -3569,7 +3605,7 @@
             </a:endParaRPr>
           </a:p>
           <a:p>
-            <a:pPr marL="311040" indent="-340200">
+            <a:pPr marL="311040" indent="-339840">
               <a:lnSpc>
                 <a:spcPct val="100000"/>
               </a:lnSpc>
@@ -3721,7 +3757,7 @@
         <p:spPr>
           <a:xfrm>
             <a:off x="0" y="274320"/>
-            <a:ext cx="7587360" cy="1034280"/>
+            <a:ext cx="7587000" cy="1033920"/>
           </a:xfrm>
           <a:prstGeom prst="rect">
             <a:avLst/>
@@ -3776,7 +3812,7 @@
         <p:spPr>
           <a:xfrm>
             <a:off x="457200" y="2136240"/>
-            <a:ext cx="6123960" cy="2446920"/>
+            <a:ext cx="6123600" cy="2446560"/>
           </a:xfrm>
           <a:prstGeom prst="rect">
             <a:avLst/>
@@ -3844,7 +3880,7 @@
         <p:spPr>
           <a:xfrm>
             <a:off x="0" y="274320"/>
-            <a:ext cx="7404480" cy="912240"/>
+            <a:ext cx="7404120" cy="911880"/>
           </a:xfrm>
           <a:prstGeom prst="rect">
             <a:avLst/>
@@ -3899,7 +3935,7 @@
         <p:spPr>
           <a:xfrm>
             <a:off x="548640" y="1554480"/>
-            <a:ext cx="6307200" cy="3197880"/>
+            <a:ext cx="6306840" cy="3197520"/>
           </a:xfrm>
           <a:prstGeom prst="rect">
             <a:avLst/>
@@ -3977,7 +4013,7 @@
         <p:spPr>
           <a:xfrm>
             <a:off x="0" y="274320"/>
-            <a:ext cx="9143640" cy="912240"/>
+            <a:ext cx="9143280" cy="911880"/>
           </a:xfrm>
           <a:prstGeom prst="rect">
             <a:avLst/>
@@ -4028,7 +4064,7 @@
         <p:spPr>
           <a:xfrm>
             <a:off x="17076240" y="9692280"/>
-            <a:ext cx="2422800" cy="1188360"/>
+            <a:ext cx="2422440" cy="1188000"/>
           </a:xfrm>
           <a:prstGeom prst="rect">
             <a:avLst/>
@@ -4054,11 +4090,113 @@
             </a:pPr>
             <a:r>
               <a:rPr b="0" lang="en-US" sz="3200" spc="-1" strike="noStrike">
-                <a:latin typeface="Arial"/>
+                <a:solidFill>
+                  <a:srgbClr val="000000"/>
+                </a:solidFill>
+                <a:latin typeface="Arial"/>
+                <a:ea typeface="DejaVu Sans"/>
               </a:rPr>
               <a:t>XRES*</a:t>
             </a:r>
             <a:endParaRPr b="0" lang="en-US" sz="3200" spc="-1" strike="noStrike">
+              <a:latin typeface="Arial"/>
+            </a:endParaRPr>
+          </a:p>
+        </p:txBody>
+      </p:sp>
+      <p:sp>
+        <p:nvSpPr>
+          <p:cNvPr id="105" name="CustomShape 3"/>
+          <p:cNvSpPr/>
+          <p:nvPr/>
+        </p:nvSpPr>
+        <p:spPr>
+          <a:xfrm>
+            <a:off x="1415520" y="5943600"/>
+            <a:ext cx="1736640" cy="345600"/>
+          </a:xfrm>
+          <a:prstGeom prst="rect">
+            <a:avLst/>
+          </a:prstGeom>
+          <a:noFill/>
+          <a:ln>
+            <a:noFill/>
+          </a:ln>
+        </p:spPr>
+        <p:style>
+          <a:lnRef idx="0"/>
+          <a:fillRef idx="0"/>
+          <a:effectRef idx="0"/>
+          <a:fontRef idx="minor"/>
+        </p:style>
+        <p:txBody>
+          <a:bodyPr lIns="90000" rIns="90000" tIns="45000" bIns="45000"/>
+          <a:p>
+            <a:pPr algn="ctr">
+              <a:lnSpc>
+                <a:spcPct val="100000"/>
+              </a:lnSpc>
+            </a:pPr>
+            <a:r>
+              <a:rPr b="0" lang="en-US" sz="1800" spc="-1" strike="noStrike">
+                <a:solidFill>
+                  <a:srgbClr val="000000"/>
+                </a:solidFill>
+                <a:latin typeface="Arial"/>
+                <a:ea typeface="DejaVu Sans"/>
+              </a:rPr>
+              <a:t>ARPF</a:t>
+            </a:r>
+            <a:endParaRPr b="0" lang="en-US" sz="1800" spc="-1" strike="noStrike">
+              <a:latin typeface="Arial"/>
+            </a:endParaRPr>
+          </a:p>
+        </p:txBody>
+      </p:sp>
+      <p:sp>
+        <p:nvSpPr>
+          <p:cNvPr id="106" name="CustomShape 4"/>
+          <p:cNvSpPr/>
+          <p:nvPr/>
+        </p:nvSpPr>
+        <p:spPr>
+          <a:xfrm>
+            <a:off x="6397920" y="5938920"/>
+            <a:ext cx="1370880" cy="345600"/>
+          </a:xfrm>
+          <a:prstGeom prst="rect">
+            <a:avLst/>
+          </a:prstGeom>
+          <a:noFill/>
+          <a:ln>
+            <a:noFill/>
+          </a:ln>
+        </p:spPr>
+        <p:style>
+          <a:lnRef idx="0"/>
+          <a:fillRef idx="0"/>
+          <a:effectRef idx="0"/>
+          <a:fontRef idx="minor"/>
+        </p:style>
+        <p:txBody>
+          <a:bodyPr lIns="90000" rIns="90000" tIns="45000" bIns="45000"/>
+          <a:p>
+            <a:pPr algn="ctr">
+              <a:lnSpc>
+                <a:spcPct val="100000"/>
+              </a:lnSpc>
+            </a:pPr>
+            <a:r>
+              <a:rPr b="0" lang="en-US" sz="1800" spc="-1" strike="noStrike">
+                <a:solidFill>
+                  <a:srgbClr val="000000"/>
+                </a:solidFill>
+                <a:latin typeface="Arial"/>
+                <a:ea typeface="DejaVu Sans"/>
+              </a:rPr>
+              <a:t>UE</a:t>
+            </a:r>
+            <a:endParaRPr b="0" lang="en-US" sz="1800" spc="-1" strike="noStrike">
               <a:latin typeface="Arial"/>
             </a:endParaRPr>
           </a:p>
@@ -4066,7 +4204,7 @@
       </p:sp>
       <p:pic>
         <p:nvPicPr>
-          <p:cNvPr id="105" name="" descr=""/>
+          <p:cNvPr id="107" name="" descr=""/>
           <p:cNvPicPr/>
           <p:nvPr/>
         </p:nvPicPr>
@@ -4076,8 +4214,8 @@
         </p:blipFill>
         <p:spPr>
           <a:xfrm>
-            <a:off x="4699440" y="1438920"/>
-            <a:ext cx="4571640" cy="4571640"/>
+            <a:off x="354960" y="1505160"/>
+            <a:ext cx="5029200" cy="3749040"/>
           </a:xfrm>
           <a:prstGeom prst="rect">
             <a:avLst/>
@@ -4089,7 +4227,7 @@
       </p:pic>
       <p:pic>
         <p:nvPicPr>
-          <p:cNvPr id="106" name="" descr=""/>
+          <p:cNvPr id="108" name="" descr=""/>
           <p:cNvPicPr/>
           <p:nvPr/>
         </p:nvPicPr>
@@ -4099,8 +4237,8 @@
         </p:blipFill>
         <p:spPr>
           <a:xfrm>
-            <a:off x="274320" y="1371600"/>
-            <a:ext cx="4571640" cy="4571640"/>
+            <a:off x="5352480" y="1544400"/>
+            <a:ext cx="3840480" cy="3840480"/>
           </a:xfrm>
           <a:prstGeom prst="rect">
             <a:avLst/>
@@ -4110,96 +4248,6 @@
           </a:ln>
         </p:spPr>
       </p:pic>
-      <p:sp>
-        <p:nvSpPr>
-          <p:cNvPr id="107" name="CustomShape 3"/>
-          <p:cNvSpPr/>
-          <p:nvPr/>
-        </p:nvSpPr>
-        <p:spPr>
-          <a:xfrm>
-            <a:off x="731520" y="5943600"/>
-            <a:ext cx="1737000" cy="345960"/>
-          </a:xfrm>
-          <a:prstGeom prst="rect">
-            <a:avLst/>
-          </a:prstGeom>
-          <a:noFill/>
-          <a:ln>
-            <a:noFill/>
-          </a:ln>
-        </p:spPr>
-        <p:style>
-          <a:lnRef idx="0"/>
-          <a:fillRef idx="0"/>
-          <a:effectRef idx="0"/>
-          <a:fontRef idx="minor"/>
-        </p:style>
-        <p:txBody>
-          <a:bodyPr lIns="90000" rIns="90000" tIns="45000" bIns="45000"/>
-          <a:p>
-            <a:pPr algn="ctr">
-              <a:lnSpc>
-                <a:spcPct val="100000"/>
-              </a:lnSpc>
-            </a:pPr>
-            <a:r>
-              <a:rPr b="0" lang="en-US" sz="1800" spc="-1" strike="noStrike">
-                <a:latin typeface="Arial"/>
-              </a:rPr>
-              <a:t>ARPF</a:t>
-            </a:r>
-            <a:endParaRPr b="0" lang="en-US" sz="1800" spc="-1" strike="noStrike">
-              <a:latin typeface="Arial"/>
-            </a:endParaRPr>
-          </a:p>
-        </p:txBody>
-      </p:sp>
-      <p:sp>
-        <p:nvSpPr>
-          <p:cNvPr id="108" name="CustomShape 4"/>
-          <p:cNvSpPr/>
-          <p:nvPr/>
-        </p:nvSpPr>
-        <p:spPr>
-          <a:xfrm>
-            <a:off x="6109920" y="5938920"/>
-            <a:ext cx="1371240" cy="345960"/>
-          </a:xfrm>
-          <a:prstGeom prst="rect">
-            <a:avLst/>
-          </a:prstGeom>
-          <a:noFill/>
-          <a:ln>
-            <a:noFill/>
-          </a:ln>
-        </p:spPr>
-        <p:style>
-          <a:lnRef idx="0"/>
-          <a:fillRef idx="0"/>
-          <a:effectRef idx="0"/>
-          <a:fontRef idx="minor"/>
-        </p:style>
-        <p:txBody>
-          <a:bodyPr lIns="90000" rIns="90000" tIns="45000" bIns="45000"/>
-          <a:p>
-            <a:pPr algn="ctr">
-              <a:lnSpc>
-                <a:spcPct val="100000"/>
-              </a:lnSpc>
-            </a:pPr>
-            <a:r>
-              <a:rPr b="0" lang="en-US" sz="1800" spc="-1" strike="noStrike">
-                <a:latin typeface="Arial"/>
-              </a:rPr>
-              <a:t>UE</a:t>
-            </a:r>
-            <a:endParaRPr b="0" lang="en-US" sz="1800" spc="-1" strike="noStrike">
-              <a:latin typeface="Arial"/>
-            </a:endParaRPr>
-          </a:p>
-        </p:txBody>
-      </p:sp>
     </p:spTree>
   </p:cSld>
   <p:timing>
@@ -4258,7 +4306,7 @@
         <p:spPr>
           <a:xfrm>
             <a:off x="0" y="274320"/>
-            <a:ext cx="7495920" cy="1140480"/>
+            <a:ext cx="7495560" cy="1140120"/>
           </a:xfrm>
           <a:prstGeom prst="rect">
             <a:avLst/>
@@ -4319,7 +4367,7 @@
         <p:spPr>
           <a:xfrm>
             <a:off x="457200" y="1600200"/>
-            <a:ext cx="6581160" cy="4523400"/>
+            <a:ext cx="6580800" cy="4523040"/>
           </a:xfrm>
           <a:prstGeom prst="rect">
             <a:avLst/>
@@ -4340,7 +4388,7 @@
             <a:normAutofit/>
           </a:bodyPr>
           <a:p>
-            <a:pPr marL="342720" indent="-340200">
+            <a:pPr marL="342720" indent="-339840">
               <a:lnSpc>
                 <a:spcPct val="100000"/>
               </a:lnSpc>
@@ -4368,7 +4416,7 @@
             </a:endParaRPr>
           </a:p>
           <a:p>
-            <a:pPr marL="342720" indent="-340200">
+            <a:pPr marL="342720" indent="-339840">
               <a:lnSpc>
                 <a:spcPct val="100000"/>
               </a:lnSpc>
@@ -4396,7 +4444,7 @@
             </a:endParaRPr>
           </a:p>
           <a:p>
-            <a:pPr marL="342720" indent="-340200">
+            <a:pPr marL="342720" indent="-339840">
               <a:lnSpc>
                 <a:spcPct val="100000"/>
               </a:lnSpc>
@@ -4483,7 +4531,7 @@
         <p:spPr>
           <a:xfrm>
             <a:off x="0" y="274320"/>
-            <a:ext cx="7495920" cy="1003680"/>
+            <a:ext cx="7495560" cy="1003320"/>
           </a:xfrm>
           <a:prstGeom prst="rect">
             <a:avLst/>
@@ -4544,7 +4592,7 @@
         <p:spPr>
           <a:xfrm>
             <a:off x="457200" y="1600200"/>
-            <a:ext cx="6581160" cy="4523400"/>
+            <a:ext cx="6580800" cy="4523040"/>
           </a:xfrm>
           <a:prstGeom prst="rect">
             <a:avLst/>
@@ -4565,7 +4613,7 @@
             <a:normAutofit/>
           </a:bodyPr>
           <a:p>
-            <a:pPr marL="342720" indent="-340200">
+            <a:pPr marL="342720" indent="-339840">
               <a:lnSpc>
                 <a:spcPct val="100000"/>
               </a:lnSpc>
@@ -4593,7 +4641,7 @@
             </a:endParaRPr>
           </a:p>
           <a:p>
-            <a:pPr marL="342720" indent="-340200">
+            <a:pPr marL="342720" indent="-339840">
               <a:lnSpc>
                 <a:spcPct val="100000"/>
               </a:lnSpc>
@@ -4632,7 +4680,7 @@
             </a:endParaRPr>
           </a:p>
           <a:p>
-            <a:pPr marL="342720" indent="-340200">
+            <a:pPr marL="342720" indent="-339840">
               <a:lnSpc>
                 <a:spcPct val="100000"/>
               </a:lnSpc>
@@ -4730,7 +4778,7 @@
         <p:spPr>
           <a:xfrm>
             <a:off x="0" y="274320"/>
-            <a:ext cx="7495920" cy="1140480"/>
+            <a:ext cx="7495560" cy="1140120"/>
           </a:xfrm>
           <a:prstGeom prst="rect">
             <a:avLst/>
@@ -4791,7 +4839,7 @@
         <p:spPr>
           <a:xfrm>
             <a:off x="457200" y="1600200"/>
-            <a:ext cx="8227080" cy="4523400"/>
+            <a:ext cx="8226720" cy="4523040"/>
           </a:xfrm>
           <a:prstGeom prst="rect">
             <a:avLst/>
@@ -4812,7 +4860,7 @@
             <a:normAutofit/>
           </a:bodyPr>
           <a:p>
-            <a:pPr marL="342720" indent="-340200">
+            <a:pPr marL="342720" indent="-339840">
               <a:lnSpc>
                 <a:spcPct val="100000"/>
               </a:lnSpc>
@@ -4840,7 +4888,7 @@
             </a:endParaRPr>
           </a:p>
           <a:p>
-            <a:pPr marL="164520" indent="-340200">
+            <a:pPr marL="164520" indent="-339840">
               <a:lnSpc>
                 <a:spcPct val="100000"/>
               </a:lnSpc>
@@ -4868,7 +4916,7 @@
             </a:endParaRPr>
           </a:p>
           <a:p>
-            <a:pPr marL="164520" indent="-340200">
+            <a:pPr marL="164520" indent="-339840">
               <a:lnSpc>
                 <a:spcPct val="100000"/>
               </a:lnSpc>
@@ -4896,7 +4944,7 @@
             </a:endParaRPr>
           </a:p>
           <a:p>
-            <a:pPr marL="164520" indent="-340200">
+            <a:pPr marL="164520" indent="-339840">
               <a:lnSpc>
                 <a:spcPct val="100000"/>
               </a:lnSpc>
@@ -4924,7 +4972,7 @@
             </a:endParaRPr>
           </a:p>
           <a:p>
-            <a:pPr marL="164520" indent="-340200">
+            <a:pPr marL="164520" indent="-339840">
               <a:lnSpc>
                 <a:spcPct val="100000"/>
               </a:lnSpc>
@@ -5024,7 +5072,7 @@
         <p:spPr>
           <a:xfrm>
             <a:off x="0" y="274320"/>
-            <a:ext cx="7404480" cy="1003680"/>
+            <a:ext cx="7404120" cy="1003320"/>
           </a:xfrm>
           <a:prstGeom prst="rect">
             <a:avLst/>
@@ -5085,7 +5133,7 @@
         <p:spPr>
           <a:xfrm>
             <a:off x="457200" y="1600200"/>
-            <a:ext cx="6672600" cy="4523400"/>
+            <a:ext cx="6672240" cy="4523040"/>
           </a:xfrm>
           <a:prstGeom prst="rect">
             <a:avLst/>
@@ -5106,7 +5154,7 @@
             <a:normAutofit/>
           </a:bodyPr>
           <a:p>
-            <a:pPr marL="342720" indent="-340200">
+            <a:pPr marL="342720" indent="-339840">
               <a:lnSpc>
                 <a:spcPct val="100000"/>
               </a:lnSpc>
@@ -5134,7 +5182,7 @@
             </a:endParaRPr>
           </a:p>
           <a:p>
-            <a:pPr marL="342720" indent="-340200">
+            <a:pPr marL="342720" indent="-339840">
               <a:lnSpc>
                 <a:spcPct val="100000"/>
               </a:lnSpc>
@@ -5162,7 +5210,7 @@
             </a:endParaRPr>
           </a:p>
           <a:p>
-            <a:pPr marL="342720" indent="-340200">
+            <a:pPr marL="342720" indent="-339840">
               <a:lnSpc>
                 <a:spcPct val="100000"/>
               </a:lnSpc>
@@ -5249,7 +5297,7 @@
         <p:spPr>
           <a:xfrm>
             <a:off x="0" y="274320"/>
-            <a:ext cx="7404480" cy="1003680"/>
+            <a:ext cx="7404120" cy="1003320"/>
           </a:xfrm>
           <a:prstGeom prst="rect">
             <a:avLst/>
@@ -5310,7 +5358,7 @@
         <p:spPr>
           <a:xfrm>
             <a:off x="457200" y="1600200"/>
-            <a:ext cx="6672600" cy="4523400"/>
+            <a:ext cx="6672240" cy="4523040"/>
           </a:xfrm>
           <a:prstGeom prst="rect">
             <a:avLst/>
@@ -5354,7 +5402,7 @@
             </a:endParaRPr>
           </a:p>
           <a:p>
-            <a:pPr marL="216000" indent="-216000">
+            <a:pPr marL="216000" indent="-215640">
               <a:lnSpc>
                 <a:spcPct val="100000"/>
               </a:lnSpc>
@@ -5382,7 +5430,7 @@
             </a:endParaRPr>
           </a:p>
           <a:p>
-            <a:pPr marL="216000" indent="-216000">
+            <a:pPr marL="216000" indent="-215640">
               <a:lnSpc>
                 <a:spcPct val="100000"/>
               </a:lnSpc>
@@ -5469,7 +5517,7 @@
         <p:spPr>
           <a:xfrm>
             <a:off x="0" y="274320"/>
-            <a:ext cx="7404480" cy="1003680"/>
+            <a:ext cx="7404120" cy="1003320"/>
           </a:xfrm>
           <a:prstGeom prst="rect">
             <a:avLst/>
@@ -5530,7 +5578,7 @@
         <p:spPr>
           <a:xfrm>
             <a:off x="457200" y="1600200"/>
-            <a:ext cx="6672600" cy="4523400"/>
+            <a:ext cx="6672240" cy="4523040"/>
           </a:xfrm>
           <a:prstGeom prst="rect">
             <a:avLst/>
@@ -5560,7 +5608,7 @@
         <p:spPr>
           <a:xfrm>
             <a:off x="980640" y="1427040"/>
-            <a:ext cx="5029200" cy="4046040"/>
+            <a:ext cx="5028840" cy="4045680"/>
           </a:xfrm>
           <a:prstGeom prst="rect">
             <a:avLst/>
@@ -5628,7 +5676,7 @@
         <p:spPr>
           <a:xfrm>
             <a:off x="0" y="274320"/>
-            <a:ext cx="7404480" cy="820800"/>
+            <a:ext cx="7404120" cy="820440"/>
           </a:xfrm>
           <a:prstGeom prst="rect">
             <a:avLst/>
@@ -5683,7 +5731,7 @@
         <p:spPr>
           <a:xfrm>
             <a:off x="414720" y="1417320"/>
-            <a:ext cx="6349320" cy="4523400"/>
+            <a:ext cx="6348960" cy="4523040"/>
           </a:xfrm>
           <a:prstGeom prst="rect">
             <a:avLst/>
@@ -5751,7 +5799,7 @@
         <p:spPr>
           <a:xfrm>
             <a:off x="0" y="274320"/>
-            <a:ext cx="7495920" cy="1003680"/>
+            <a:ext cx="7495560" cy="1003320"/>
           </a:xfrm>
           <a:prstGeom prst="rect">
             <a:avLst/>
@@ -5812,7 +5860,7 @@
         <p:spPr>
           <a:xfrm>
             <a:off x="457200" y="1600200"/>
-            <a:ext cx="8227080" cy="4523400"/>
+            <a:ext cx="8226720" cy="4523040"/>
           </a:xfrm>
           <a:prstGeom prst="rect">
             <a:avLst/>
@@ -5887,7 +5935,7 @@
         <p:spPr>
           <a:xfrm>
             <a:off x="0" y="274320"/>
-            <a:ext cx="7495920" cy="1003680"/>
+            <a:ext cx="7495560" cy="1003320"/>
           </a:xfrm>
           <a:prstGeom prst="rect">
             <a:avLst/>
@@ -5948,7 +5996,7 @@
         <p:spPr>
           <a:xfrm>
             <a:off x="457200" y="1600200"/>
-            <a:ext cx="8227080" cy="4523400"/>
+            <a:ext cx="8226720" cy="4523040"/>
           </a:xfrm>
           <a:prstGeom prst="rect">
             <a:avLst/>
@@ -6023,7 +6071,7 @@
         <p:spPr>
           <a:xfrm>
             <a:off x="0" y="274320"/>
-            <a:ext cx="7404480" cy="1003680"/>
+            <a:ext cx="7404120" cy="1003320"/>
           </a:xfrm>
           <a:prstGeom prst="rect">
             <a:avLst/>
@@ -6074,7 +6122,7 @@
         <p:spPr>
           <a:xfrm>
             <a:off x="457200" y="1600200"/>
-            <a:ext cx="8227080" cy="4523400"/>
+            <a:ext cx="8226720" cy="4523040"/>
           </a:xfrm>
           <a:prstGeom prst="rect">
             <a:avLst/>
@@ -6159,7 +6207,7 @@
         <p:spPr>
           <a:xfrm>
             <a:off x="0" y="274320"/>
-            <a:ext cx="9142200" cy="1003680"/>
+            <a:ext cx="9141840" cy="1003320"/>
           </a:xfrm>
           <a:prstGeom prst="rect">
             <a:avLst/>
@@ -6220,7 +6268,7 @@
         <p:spPr>
           <a:xfrm>
             <a:off x="457200" y="1456200"/>
-            <a:ext cx="7953840" cy="736920"/>
+            <a:ext cx="7953480" cy="736560"/>
           </a:xfrm>
           <a:prstGeom prst="rect">
             <a:avLst/>
@@ -6241,7 +6289,7 @@
             <a:normAutofit/>
           </a:bodyPr>
           <a:p>
-            <a:pPr marL="182880" indent="-340200">
+            <a:pPr marL="182880" indent="-339840">
               <a:lnSpc>
                 <a:spcPct val="100000"/>
               </a:lnSpc>
@@ -6269,7 +6317,7 @@
             </a:endParaRPr>
           </a:p>
           <a:p>
-            <a:pPr marL="182880" indent="-340200">
+            <a:pPr marL="182880" indent="-339840">
               <a:lnSpc>
                 <a:spcPct val="100000"/>
               </a:lnSpc>
@@ -6350,7 +6398,7 @@
         <p:spPr>
           <a:xfrm>
             <a:off x="3321360" y="2194560"/>
-            <a:ext cx="5484960" cy="3034440"/>
+            <a:ext cx="5484600" cy="3034080"/>
           </a:xfrm>
           <a:prstGeom prst="rect">
             <a:avLst/>
@@ -6369,7 +6417,7 @@
         <p:spPr>
           <a:xfrm>
             <a:off x="640080" y="2869200"/>
-            <a:ext cx="2558880" cy="1368720"/>
+            <a:ext cx="2558520" cy="1368360"/>
           </a:xfrm>
           <a:prstGeom prst="rect">
             <a:avLst/>
@@ -6388,7 +6436,7 @@
         <p:txBody>
           <a:bodyPr lIns="90000" rIns="90000" tIns="45000" bIns="45000"/>
           <a:p>
-            <a:pPr marL="216000" indent="-214560">
+            <a:pPr marL="216000" indent="-214200">
               <a:lnSpc>
                 <a:spcPct val="100000"/>
               </a:lnSpc>
@@ -6414,7 +6462,7 @@
             </a:endParaRPr>
           </a:p>
           <a:p>
-            <a:pPr marL="216000" indent="-214560">
+            <a:pPr marL="216000" indent="-214200">
               <a:lnSpc>
                 <a:spcPct val="100000"/>
               </a:lnSpc>
@@ -6440,7 +6488,7 @@
             </a:endParaRPr>
           </a:p>
           <a:p>
-            <a:pPr marL="216000" indent="-214560">
+            <a:pPr marL="216000" indent="-214200">
               <a:lnSpc>
                 <a:spcPct val="100000"/>
               </a:lnSpc>
@@ -6466,7 +6514,7 @@
             </a:endParaRPr>
           </a:p>
           <a:p>
-            <a:pPr marL="216000" indent="-214560">
+            <a:pPr marL="216000" indent="-214200">
               <a:lnSpc>
                 <a:spcPct val="100000"/>
               </a:lnSpc>
@@ -6561,7 +6609,7 @@
         <p:spPr>
           <a:xfrm>
             <a:off x="0" y="274320"/>
-            <a:ext cx="9142200" cy="1003680"/>
+            <a:ext cx="9141840" cy="1003320"/>
           </a:xfrm>
           <a:prstGeom prst="rect">
             <a:avLst/>
@@ -6622,7 +6670,7 @@
         <p:spPr>
           <a:xfrm>
             <a:off x="169200" y="1456200"/>
-            <a:ext cx="4662360" cy="2657520"/>
+            <a:ext cx="4662000" cy="2657160"/>
           </a:xfrm>
           <a:prstGeom prst="rect">
             <a:avLst/>
@@ -6643,7 +6691,7 @@
             <a:normAutofit/>
           </a:bodyPr>
           <a:p>
-            <a:pPr marL="182880" indent="-340200">
+            <a:pPr marL="182880" indent="-339840">
               <a:lnSpc>
                 <a:spcPct val="100000"/>
               </a:lnSpc>
@@ -6671,7 +6719,7 @@
             </a:endParaRPr>
           </a:p>
           <a:p>
-            <a:pPr marL="311040" indent="-340200">
+            <a:pPr marL="311040" indent="-339840">
               <a:lnSpc>
                 <a:spcPct val="100000"/>
               </a:lnSpc>
@@ -6699,7 +6747,7 @@
             </a:endParaRPr>
           </a:p>
           <a:p>
-            <a:pPr marL="311040" indent="-340200">
+            <a:pPr marL="311040" indent="-339840">
               <a:lnSpc>
                 <a:spcPct val="100000"/>
               </a:lnSpc>
@@ -6727,7 +6775,7 @@
             </a:endParaRPr>
           </a:p>
           <a:p>
-            <a:pPr marL="311040" indent="-340200">
+            <a:pPr marL="311040" indent="-339840">
               <a:lnSpc>
                 <a:spcPct val="100000"/>
               </a:lnSpc>
@@ -6755,7 +6803,7 @@
             </a:endParaRPr>
           </a:p>
           <a:p>
-            <a:pPr marL="311040" indent="-340200">
+            <a:pPr marL="311040" indent="-339840">
               <a:lnSpc>
                 <a:spcPct val="100000"/>
               </a:lnSpc>
@@ -6849,7 +6897,7 @@
         <p:spPr>
           <a:xfrm>
             <a:off x="4921200" y="1828080"/>
-            <a:ext cx="3987000" cy="2537640"/>
+            <a:ext cx="3986640" cy="2537280"/>
           </a:xfrm>
           <a:prstGeom prst="rect">
             <a:avLst/>
@@ -6917,7 +6965,7 @@
         <p:spPr>
           <a:xfrm>
             <a:off x="0" y="274320"/>
-            <a:ext cx="7404480" cy="1095120"/>
+            <a:ext cx="7404120" cy="1094760"/>
           </a:xfrm>
           <a:prstGeom prst="rect">
             <a:avLst/>
@@ -6978,7 +7026,7 @@
         <p:spPr>
           <a:xfrm>
             <a:off x="457200" y="1600200"/>
-            <a:ext cx="6855480" cy="4523400"/>
+            <a:ext cx="6855120" cy="4523040"/>
           </a:xfrm>
           <a:prstGeom prst="rect">
             <a:avLst/>
@@ -6999,7 +7047,7 @@
             <a:normAutofit/>
           </a:bodyPr>
           <a:p>
-            <a:pPr marL="342720" indent="-340200">
+            <a:pPr marL="342720" indent="-339840">
               <a:lnSpc>
                 <a:spcPct val="100000"/>
               </a:lnSpc>
@@ -7027,7 +7075,7 @@
             </a:endParaRPr>
           </a:p>
           <a:p>
-            <a:pPr marL="342720" indent="-340200">
+            <a:pPr marL="342720" indent="-339840">
               <a:lnSpc>
                 <a:spcPct val="100000"/>
               </a:lnSpc>
@@ -7055,7 +7103,7 @@
             </a:endParaRPr>
           </a:p>
           <a:p>
-            <a:pPr marL="342720" indent="-340200">
+            <a:pPr marL="342720" indent="-339840">
               <a:lnSpc>
                 <a:spcPct val="100000"/>
               </a:lnSpc>
@@ -7083,7 +7131,7 @@
             </a:endParaRPr>
           </a:p>
           <a:p>
-            <a:pPr marL="342720" indent="-340200">
+            <a:pPr marL="342720" indent="-339840">
               <a:lnSpc>
                 <a:spcPct val="100000"/>
               </a:lnSpc>
@@ -7170,7 +7218,7 @@
         <p:spPr>
           <a:xfrm>
             <a:off x="0" y="128520"/>
-            <a:ext cx="7495920" cy="1149480"/>
+            <a:ext cx="7495560" cy="1149120"/>
           </a:xfrm>
           <a:prstGeom prst="rect">
             <a:avLst/>
@@ -7221,7 +7269,7 @@
         <p:spPr>
           <a:xfrm>
             <a:off x="457200" y="1600200"/>
-            <a:ext cx="6764040" cy="4523400"/>
+            <a:ext cx="6763680" cy="4523040"/>
           </a:xfrm>
           <a:prstGeom prst="rect">
             <a:avLst/>
@@ -7242,7 +7290,7 @@
             <a:normAutofit/>
           </a:bodyPr>
           <a:p>
-            <a:pPr marL="342720" indent="-340200">
+            <a:pPr marL="342720" indent="-339840">
               <a:lnSpc>
                 <a:spcPct val="100000"/>
               </a:lnSpc>
@@ -7270,7 +7318,7 @@
             </a:endParaRPr>
           </a:p>
           <a:p>
-            <a:pPr marL="342720" indent="-340200">
+            <a:pPr marL="342720" indent="-339840">
               <a:lnSpc>
                 <a:spcPct val="100000"/>
               </a:lnSpc>
@@ -7308,7 +7356,7 @@
             </a:endParaRPr>
           </a:p>
           <a:p>
-            <a:pPr marL="342720" indent="-340200">
+            <a:pPr marL="342720" indent="-339840">
               <a:lnSpc>
                 <a:spcPct val="100000"/>
               </a:lnSpc>
@@ -7346,7 +7394,7 @@
             </a:endParaRPr>
           </a:p>
           <a:p>
-            <a:pPr marL="342720" indent="-340200">
+            <a:pPr marL="342720" indent="-339840">
               <a:lnSpc>
                 <a:spcPct val="100000"/>
               </a:lnSpc>
@@ -7384,7 +7432,7 @@
             </a:endParaRPr>
           </a:p>
           <a:p>
-            <a:pPr marL="342720" indent="-340200">
+            <a:pPr marL="342720" indent="-339840">
               <a:lnSpc>
                 <a:spcPct val="100000"/>
               </a:lnSpc>
@@ -7491,7 +7539,7 @@
         <p:spPr>
           <a:xfrm>
             <a:off x="0" y="274320"/>
-            <a:ext cx="9142200" cy="1003680"/>
+            <a:ext cx="9141840" cy="1003320"/>
           </a:xfrm>
           <a:prstGeom prst="rect">
             <a:avLst/>
@@ -7552,7 +7600,7 @@
         <p:spPr>
           <a:xfrm>
             <a:off x="169200" y="1456200"/>
-            <a:ext cx="4662360" cy="2657520"/>
+            <a:ext cx="4662000" cy="2657160"/>
           </a:xfrm>
           <a:prstGeom prst="rect">
             <a:avLst/>
@@ -7573,7 +7621,7 @@
             <a:normAutofit/>
           </a:bodyPr>
           <a:p>
-            <a:pPr marL="182880" indent="-340200">
+            <a:pPr marL="182880" indent="-339840">
               <a:lnSpc>
                 <a:spcPct val="100000"/>
               </a:lnSpc>
@@ -7601,7 +7649,7 @@
             </a:endParaRPr>
           </a:p>
           <a:p>
-            <a:pPr marL="182880" indent="-340200">
+            <a:pPr marL="182880" indent="-339840">
               <a:lnSpc>
                 <a:spcPct val="100000"/>
               </a:lnSpc>
@@ -7629,7 +7677,7 @@
             </a:endParaRPr>
           </a:p>
           <a:p>
-            <a:pPr marL="182880" indent="-340200">
+            <a:pPr marL="182880" indent="-339840">
               <a:lnSpc>
                 <a:spcPct val="100000"/>
               </a:lnSpc>
@@ -7657,7 +7705,7 @@
             </a:endParaRPr>
           </a:p>
           <a:p>
-            <a:pPr marL="182880" indent="-340200">
+            <a:pPr marL="182880" indent="-339840">
               <a:lnSpc>
                 <a:spcPct val="100000"/>
               </a:lnSpc>
@@ -7685,7 +7733,7 @@
             </a:endParaRPr>
           </a:p>
           <a:p>
-            <a:pPr marL="182880" indent="-340200">
+            <a:pPr marL="182880" indent="-339840">
               <a:lnSpc>
                 <a:spcPct val="100000"/>
               </a:lnSpc>
@@ -7713,7 +7761,7 @@
             </a:endParaRPr>
           </a:p>
           <a:p>
-            <a:pPr marL="182880" indent="-340200">
+            <a:pPr marL="182880" indent="-339840">
               <a:lnSpc>
                 <a:spcPct val="100000"/>
               </a:lnSpc>
@@ -7807,7 +7855,7 @@
         <p:spPr>
           <a:xfrm>
             <a:off x="6217920" y="2011680"/>
-            <a:ext cx="1970280" cy="2084400"/>
+            <a:ext cx="1969920" cy="2084040"/>
           </a:xfrm>
           <a:prstGeom prst="rect">
             <a:avLst/>
@@ -7885,7 +7933,7 @@
         <p:spPr>
           <a:xfrm>
             <a:off x="0" y="274320"/>
-            <a:ext cx="7497000" cy="1003680"/>
+            <a:ext cx="7496640" cy="1003320"/>
           </a:xfrm>
           <a:prstGeom prst="rect">
             <a:avLst/>
@@ -7946,7 +7994,7 @@
         <p:spPr>
           <a:xfrm>
             <a:off x="169200" y="1456200"/>
-            <a:ext cx="6504840" cy="2657520"/>
+            <a:ext cx="6504480" cy="2657160"/>
           </a:xfrm>
           <a:prstGeom prst="rect">
             <a:avLst/>
@@ -7967,7 +8015,7 @@
             <a:normAutofit/>
           </a:bodyPr>
           <a:p>
-            <a:pPr marL="182880" indent="-340200">
+            <a:pPr marL="182880" indent="-339840">
               <a:lnSpc>
                 <a:spcPct val="100000"/>
               </a:lnSpc>
@@ -7995,7 +8043,7 @@
             </a:endParaRPr>
           </a:p>
           <a:p>
-            <a:pPr marL="420480" indent="-340200">
+            <a:pPr marL="420480" indent="-339840">
               <a:lnSpc>
                 <a:spcPct val="100000"/>
               </a:lnSpc>
@@ -8023,7 +8071,7 @@
             </a:endParaRPr>
           </a:p>
           <a:p>
-            <a:pPr marL="420480" indent="-340200">
+            <a:pPr marL="420480" indent="-339840">
               <a:lnSpc>
                 <a:spcPct val="100000"/>
               </a:lnSpc>
@@ -8071,7 +8119,7 @@
             </a:endParaRPr>
           </a:p>
           <a:p>
-            <a:pPr marL="420480" indent="-340200">
+            <a:pPr marL="420480" indent="-339840">
               <a:lnSpc>
                 <a:spcPct val="100000"/>
               </a:lnSpc>
@@ -8253,7 +8301,7 @@
         <p:spPr>
           <a:xfrm>
             <a:off x="0" y="274320"/>
-            <a:ext cx="7405560" cy="1003680"/>
+            <a:ext cx="7405200" cy="1003320"/>
           </a:xfrm>
           <a:prstGeom prst="rect">
             <a:avLst/>
@@ -8314,7 +8362,7 @@
         <p:spPr>
           <a:xfrm>
             <a:off x="169200" y="1456200"/>
-            <a:ext cx="4662360" cy="2657520"/>
+            <a:ext cx="4662000" cy="2657160"/>
           </a:xfrm>
           <a:prstGeom prst="rect">
             <a:avLst/>
@@ -8335,7 +8383,7 @@
             <a:normAutofit/>
           </a:bodyPr>
           <a:p>
-            <a:pPr marL="182880" indent="-340200">
+            <a:pPr marL="182880" indent="-339840">
               <a:lnSpc>
                 <a:spcPct val="100000"/>
               </a:lnSpc>
@@ -8363,7 +8411,7 @@
             </a:endParaRPr>
           </a:p>
           <a:p>
-            <a:pPr marL="311040" indent="-340200">
+            <a:pPr marL="311040" indent="-339840">
               <a:lnSpc>
                 <a:spcPct val="100000"/>
               </a:lnSpc>
@@ -8391,7 +8439,7 @@
             </a:endParaRPr>
           </a:p>
           <a:p>
-            <a:pPr marL="311040" indent="-340200">
+            <a:pPr marL="311040" indent="-339840">
               <a:lnSpc>
                 <a:spcPct val="100000"/>
               </a:lnSpc>
@@ -8419,7 +8467,7 @@
             </a:endParaRPr>
           </a:p>
           <a:p>
-            <a:pPr marL="311040" indent="-340200">
+            <a:pPr marL="311040" indent="-339840">
               <a:lnSpc>
                 <a:spcPct val="100000"/>
               </a:lnSpc>
